--- a/reports/activity_tracker.pptx
+++ b/reports/activity_tracker.pptx
@@ -6,7 +6,7 @@
     <p:sldMasterId id="2147483660" r:id="rId2"/>
   </p:sldMasterIdLst>
   <p:notesMasterIdLst>
-    <p:notesMasterId r:id="rId22"/>
+    <p:notesMasterId r:id="rId24"/>
   </p:notesMasterIdLst>
   <p:sldIdLst>
     <p:sldId id="441" r:id="rId3"/>
@@ -28,6 +28,8 @@
     <p:sldId id="458" r:id="rId19"/>
     <p:sldId id="461" r:id="rId20"/>
     <p:sldId id="459" r:id="rId21"/>
+    <p:sldId id="462" r:id="rId22"/>
+    <p:sldId id="463" r:id="rId23"/>
   </p:sldIdLst>
   <p:sldSz cx="12192000" cy="6858000"/>
   <p:notesSz cx="6858000" cy="9144000"/>
@@ -156,6 +158,12 @@
             <p14:sldId id="459"/>
           </p14:sldIdLst>
         </p14:section>
+        <p14:section name="minute data" id="{3731779A-7BD3-D44F-9CC6-21B2A552C15A}">
+          <p14:sldIdLst>
+            <p14:sldId id="462"/>
+            <p14:sldId id="463"/>
+          </p14:sldIdLst>
+        </p14:section>
       </p14:sectionLst>
     </p:ext>
     <p:ext uri="{EFAFB233-063F-42B5-8137-9DF3F51BA10A}">
@@ -266,7 +274,7 @@
           <a:p>
             <a:fld id="{6951C95D-15DC-416C-AE23-D0E7D84B951E}" type="datetimeFigureOut">
               <a:rPr lang="en-US" smtClean="0"/>
-              <a:t>6/11/25</a:t>
+              <a:t>6/17/25</a:t>
             </a:fld>
             <a:endParaRPr lang="en-US"/>
           </a:p>
@@ -1262,6 +1270,23 @@
                 <a:effectLst/>
                 <a:latin typeface="Menlo" panose="020B0609030804020204" pitchFamily="49" charset="0"/>
               </a:rPr>
+              <a:t>Imputation </a:t>
+            </a:r>
+          </a:p>
+          <a:p>
+            <a:pPr>
+              <a:lnSpc>
+                <a:spcPts val="1350"/>
+              </a:lnSpc>
+            </a:pPr>
+            <a:r>
+              <a:rPr lang="en-US" b="0" dirty="0">
+                <a:solidFill>
+                  <a:srgbClr val="57A64A"/>
+                </a:solidFill>
+                <a:effectLst/>
+                <a:latin typeface="Menlo" panose="020B0609030804020204" pitchFamily="49" charset="0"/>
+              </a:rPr>
               <a:t># Fill missing </a:t>
             </a:r>
             <a:r>
@@ -2407,7 +2432,7 @@
           <a:p>
             <a:r>
               <a:rPr lang="en-US" dirty="0"/>
-              <a:t>Other models (</a:t>
+              <a:t>- Other models (</a:t>
             </a:r>
             <a:r>
               <a:rPr lang="en-US" dirty="0" err="1"/>
@@ -2415,13 +2440,8 @@
             </a:r>
             <a:r>
               <a:rPr lang="en-US" dirty="0"/>
-              <a:t>) yields comparable performance. There’s room for improvement with </a:t>
-            </a:r>
-            <a:r>
-              <a:rPr lang="en-US"/>
-              <a:t>hyper-parameter tuning.</a:t>
-            </a:r>
-            <a:endParaRPr lang="en-US" dirty="0"/>
+              <a:t>) yields comparable performance. There’s room for improvement with hyper-parameter tuning.</a:t>
+            </a:r>
           </a:p>
         </p:txBody>
       </p:sp>
@@ -2452,6 +2472,90 @@
     <p:extLst>
       <p:ext uri="{BB962C8B-B14F-4D97-AF65-F5344CB8AC3E}">
         <p14:creationId xmlns:p14="http://schemas.microsoft.com/office/powerpoint/2010/main" val="690456513"/>
+      </p:ext>
+    </p:extLst>
+  </p:cSld>
+  <p:clrMapOvr>
+    <a:masterClrMapping/>
+  </p:clrMapOvr>
+</p:notes>
+</file>
+
+<file path=ppt/notesSlides/notesSlide14.xml><?xml version="1.0" encoding="utf-8"?>
+<p:notes xmlns:a="http://schemas.openxmlformats.org/drawingml/2006/main" xmlns:r="http://schemas.openxmlformats.org/officeDocument/2006/relationships" xmlns:p="http://schemas.openxmlformats.org/presentationml/2006/main">
+  <p:cSld>
+    <p:spTree>
+      <p:nvGrpSpPr>
+        <p:cNvPr id="1" name=""/>
+        <p:cNvGrpSpPr/>
+        <p:nvPr/>
+      </p:nvGrpSpPr>
+      <p:grpSpPr>
+        <a:xfrm>
+          <a:off x="0" y="0"/>
+          <a:ext cx="0" cy="0"/>
+          <a:chOff x="0" y="0"/>
+          <a:chExt cx="0" cy="0"/>
+        </a:xfrm>
+      </p:grpSpPr>
+      <p:sp>
+        <p:nvSpPr>
+          <p:cNvPr id="2" name="Slide Image Placeholder 1"/>
+          <p:cNvSpPr>
+            <a:spLocks noGrp="1" noRot="1" noChangeAspect="1"/>
+          </p:cNvSpPr>
+          <p:nvPr>
+            <p:ph type="sldImg"/>
+          </p:nvPr>
+        </p:nvSpPr>
+        <p:spPr/>
+      </p:sp>
+      <p:sp>
+        <p:nvSpPr>
+          <p:cNvPr id="3" name="Notes Placeholder 2"/>
+          <p:cNvSpPr>
+            <a:spLocks noGrp="1"/>
+          </p:cNvSpPr>
+          <p:nvPr>
+            <p:ph type="body" idx="1"/>
+          </p:nvPr>
+        </p:nvSpPr>
+        <p:spPr/>
+        <p:txBody>
+          <a:bodyPr/>
+          <a:lstStyle/>
+          <a:p>
+            <a:endParaRPr lang="en-US" dirty="0"/>
+          </a:p>
+        </p:txBody>
+      </p:sp>
+      <p:sp>
+        <p:nvSpPr>
+          <p:cNvPr id="4" name="Slide Number Placeholder 3"/>
+          <p:cNvSpPr>
+            <a:spLocks noGrp="1"/>
+          </p:cNvSpPr>
+          <p:nvPr>
+            <p:ph type="sldNum" sz="quarter" idx="5"/>
+          </p:nvPr>
+        </p:nvSpPr>
+        <p:spPr/>
+        <p:txBody>
+          <a:bodyPr/>
+          <a:lstStyle/>
+          <a:p>
+            <a:fld id="{E3FA9341-DA28-4315-A1DA-EEDB724A7B31}" type="slidenum">
+              <a:rPr lang="en-US" smtClean="0"/>
+              <a:t>21</a:t>
+            </a:fld>
+            <a:endParaRPr lang="en-US"/>
+          </a:p>
+        </p:txBody>
+      </p:sp>
+    </p:spTree>
+    <p:extLst>
+      <p:ext uri="{BB962C8B-B14F-4D97-AF65-F5344CB8AC3E}">
+        <p14:creationId xmlns:p14="http://schemas.microsoft.com/office/powerpoint/2010/main" val="1373804435"/>
       </p:ext>
     </p:extLst>
   </p:cSld>
@@ -2542,50 +2646,7 @@
             </a:pPr>
             <a:r>
               <a:rPr lang="en-US" dirty="0"/>
-              <a:t>I think we can combine Frail and Pre-frail so No-Frail (0) or Frail (1) so it becomes a binary classification task. </a:t>
-            </a:r>
-          </a:p>
-          <a:p>
-            <a:pPr marL="0" marR="0" lvl="0" indent="0" algn="l" defTabSz="914400" rtl="0" eaLnBrk="1" fontAlgn="auto" latinLnBrk="0" hangingPunct="1">
-              <a:lnSpc>
-                <a:spcPct val="100000"/>
-              </a:lnSpc>
-              <a:spcBef>
-                <a:spcPts val="0"/>
-              </a:spcBef>
-              <a:spcAft>
-                <a:spcPts val="0"/>
-              </a:spcAft>
-              <a:buClrTx/>
-              <a:buSzTx/>
-              <a:buFontTx/>
-              <a:buNone/>
-              <a:tabLst/>
-              <a:defRPr/>
-            </a:pPr>
-            <a:endParaRPr lang="en-US" dirty="0"/>
-          </a:p>
-          <a:p>
-            <a:pPr marL="0" marR="0" lvl="0" indent="0" algn="l" defTabSz="914400" rtl="0" eaLnBrk="1" fontAlgn="auto" latinLnBrk="0" hangingPunct="1">
-              <a:lnSpc>
-                <a:spcPct val="100000"/>
-              </a:lnSpc>
-              <a:spcBef>
-                <a:spcPts val="0"/>
-              </a:spcBef>
-              <a:spcAft>
-                <a:spcPts val="0"/>
-              </a:spcAft>
-              <a:buClrTx/>
-              <a:buSzTx/>
-              <a:buFontTx/>
-              <a:buNone/>
-              <a:tabLst/>
-              <a:defRPr/>
-            </a:pPr>
-            <a:r>
-              <a:rPr lang="en-US" dirty="0"/>
-              <a:t>FFP Status is reversed.</a:t>
+              <a:t>I think we can combine Pre-frail and Robust into No-Frail so it becomes a binary classification task (No-Frail (0) and Frail (1) )</a:t>
             </a:r>
           </a:p>
         </p:txBody>
@@ -3284,36 +3345,9 @@
           <a:lstStyle/>
           <a:p>
             <a:r>
-              <a:rPr lang="en-US" b="0" i="0" dirty="0">
-                <a:solidFill>
-                  <a:srgbClr val="DADADA"/>
-                </a:solidFill>
-                <a:effectLst/>
-                <a:latin typeface="-apple-system"/>
-              </a:rPr>
-              <a:t>88 has both visit and </a:t>
-            </a:r>
-            <a:r>
-              <a:rPr lang="en-US" b="0" i="0" dirty="0" err="1">
-                <a:solidFill>
-                  <a:srgbClr val="DADADA"/>
-                </a:solidFill>
-                <a:effectLst/>
-                <a:latin typeface="-apple-system"/>
-              </a:rPr>
-              <a:t>fitbit</a:t>
-            </a:r>
-            <a:r>
-              <a:rPr lang="en-US" b="0" i="0" dirty="0">
-                <a:solidFill>
-                  <a:srgbClr val="DADADA"/>
-                </a:solidFill>
-                <a:effectLst/>
-                <a:latin typeface="-apple-system"/>
-              </a:rPr>
-              <a:t> measurements.</a:t>
-            </a:r>
-            <a:endParaRPr lang="en-US" dirty="0"/>
+              <a:rPr lang="en-US" dirty="0"/>
+              <a:t>Response variable binarized</a:t>
+            </a:r>
           </a:p>
         </p:txBody>
       </p:sp>
@@ -3506,7 +3540,7 @@
           <a:p>
             <a:fld id="{BC3E46D1-96BD-40AC-8344-CD56C1B0AD20}" type="datetimeFigureOut">
               <a:rPr lang="en-US" smtClean="0"/>
-              <a:t>6/11/25</a:t>
+              <a:t>6/17/25</a:t>
             </a:fld>
             <a:endParaRPr lang="en-US"/>
           </a:p>
@@ -3704,7 +3738,7 @@
           <a:p>
             <a:fld id="{BC3E46D1-96BD-40AC-8344-CD56C1B0AD20}" type="datetimeFigureOut">
               <a:rPr lang="en-US" smtClean="0"/>
-              <a:t>6/11/25</a:t>
+              <a:t>6/17/25</a:t>
             </a:fld>
             <a:endParaRPr lang="en-US"/>
           </a:p>
@@ -3912,7 +3946,7 @@
           <a:p>
             <a:fld id="{BC3E46D1-96BD-40AC-8344-CD56C1B0AD20}" type="datetimeFigureOut">
               <a:rPr lang="en-US" smtClean="0"/>
-              <a:t>6/11/25</a:t>
+              <a:t>6/17/25</a:t>
             </a:fld>
             <a:endParaRPr lang="en-US"/>
           </a:p>
@@ -4114,7 +4148,7 @@
           <a:p>
             <a:fld id="{587CE392-5335-4BD2-B2AE-2E58DF1D7131}" type="datetime1">
               <a:rPr lang="en-US" smtClean="0"/>
-              <a:t>6/11/25</a:t>
+              <a:t>6/17/25</a:t>
             </a:fld>
             <a:endParaRPr lang="en-US"/>
           </a:p>
@@ -4282,7 +4316,7 @@
           <a:p>
             <a:fld id="{F7D16C05-1960-492B-8CA1-6327C1E9730E}" type="datetime1">
               <a:rPr lang="en-US" smtClean="0"/>
-              <a:t>6/11/25</a:t>
+              <a:t>6/17/25</a:t>
             </a:fld>
             <a:endParaRPr lang="en-US"/>
           </a:p>
@@ -4525,7 +4559,7 @@
           <a:p>
             <a:fld id="{FDA13E59-B9A7-4EB7-BF51-78455628A0C2}" type="datetime1">
               <a:rPr lang="en-US" smtClean="0"/>
-              <a:t>6/11/25</a:t>
+              <a:t>6/17/25</a:t>
             </a:fld>
             <a:endParaRPr lang="en-US"/>
           </a:p>
@@ -4754,7 +4788,7 @@
           <a:p>
             <a:fld id="{7AC54BFE-0BD2-47CA-AAC2-6B03C6320F22}" type="datetime1">
               <a:rPr lang="en-US" smtClean="0"/>
-              <a:t>6/11/25</a:t>
+              <a:t>6/17/25</a:t>
             </a:fld>
             <a:endParaRPr lang="en-US"/>
           </a:p>
@@ -5118,7 +5152,7 @@
           <a:p>
             <a:fld id="{304D1FD2-6801-45B8-938D-C0153ACAC338}" type="datetime1">
               <a:rPr lang="en-US" smtClean="0"/>
-              <a:t>6/11/25</a:t>
+              <a:t>6/17/25</a:t>
             </a:fld>
             <a:endParaRPr lang="en-US"/>
           </a:p>
@@ -5235,7 +5269,7 @@
           <a:p>
             <a:fld id="{6FB6650B-2CA6-4877-B1A8-B01B8753498A}" type="datetime1">
               <a:rPr lang="en-US" smtClean="0"/>
-              <a:t>6/11/25</a:t>
+              <a:t>6/17/25</a:t>
             </a:fld>
             <a:endParaRPr lang="en-US"/>
           </a:p>
@@ -5330,7 +5364,7 @@
           <a:p>
             <a:fld id="{D9FFBB7D-6E09-4B61-A23F-504B1CD2ACF3}" type="datetime1">
               <a:rPr lang="en-US" smtClean="0"/>
-              <a:t>6/11/25</a:t>
+              <a:t>6/17/25</a:t>
             </a:fld>
             <a:endParaRPr lang="en-US"/>
           </a:p>
@@ -5605,7 +5639,7 @@
           <a:p>
             <a:fld id="{C5506B6C-74A8-4C56-8E54-159E2819A463}" type="datetime1">
               <a:rPr lang="en-US" smtClean="0"/>
-              <a:t>6/11/25</a:t>
+              <a:t>6/17/25</a:t>
             </a:fld>
             <a:endParaRPr lang="en-US"/>
           </a:p>
@@ -5791,7 +5825,7 @@
           <a:p>
             <a:fld id="{BC3E46D1-96BD-40AC-8344-CD56C1B0AD20}" type="datetimeFigureOut">
               <a:rPr lang="en-US" smtClean="0"/>
-              <a:t>6/11/25</a:t>
+              <a:t>6/17/25</a:t>
             </a:fld>
             <a:endParaRPr lang="en-US"/>
           </a:p>
@@ -6058,7 +6092,7 @@
           <a:p>
             <a:fld id="{3C1A6068-F85F-4A15-A746-CEC668DC6907}" type="datetime1">
               <a:rPr lang="en-US" smtClean="0"/>
-              <a:t>6/11/25</a:t>
+              <a:t>6/17/25</a:t>
             </a:fld>
             <a:endParaRPr lang="en-US"/>
           </a:p>
@@ -6226,7 +6260,7 @@
           <a:p>
             <a:fld id="{187ABF82-848A-4EA6-A444-3D8487B36951}" type="datetime1">
               <a:rPr lang="en-US" smtClean="0"/>
-              <a:t>6/11/25</a:t>
+              <a:t>6/17/25</a:t>
             </a:fld>
             <a:endParaRPr lang="en-US"/>
           </a:p>
@@ -6404,7 +6438,7 @@
           <a:p>
             <a:fld id="{E32436AC-8BD1-455A-8B82-8C43EB648AB9}" type="datetime1">
               <a:rPr lang="en-US" smtClean="0"/>
-              <a:t>6/11/25</a:t>
+              <a:t>6/17/25</a:t>
             </a:fld>
             <a:endParaRPr lang="en-US"/>
           </a:p>
@@ -6667,7 +6701,7 @@
           <a:p>
             <a:fld id="{BC3E46D1-96BD-40AC-8344-CD56C1B0AD20}" type="datetimeFigureOut">
               <a:rPr lang="en-US" smtClean="0"/>
-              <a:t>6/11/25</a:t>
+              <a:t>6/17/25</a:t>
             </a:fld>
             <a:endParaRPr lang="en-US"/>
           </a:p>
@@ -6932,7 +6966,7 @@
           <a:p>
             <a:fld id="{BC3E46D1-96BD-40AC-8344-CD56C1B0AD20}" type="datetimeFigureOut">
               <a:rPr lang="en-US" smtClean="0"/>
-              <a:t>6/11/25</a:t>
+              <a:t>6/17/25</a:t>
             </a:fld>
             <a:endParaRPr lang="en-US"/>
           </a:p>
@@ -7344,7 +7378,7 @@
           <a:p>
             <a:fld id="{BC3E46D1-96BD-40AC-8344-CD56C1B0AD20}" type="datetimeFigureOut">
               <a:rPr lang="en-US" smtClean="0"/>
-              <a:t>6/11/25</a:t>
+              <a:t>6/17/25</a:t>
             </a:fld>
             <a:endParaRPr lang="en-US"/>
           </a:p>
@@ -7485,7 +7519,7 @@
           <a:p>
             <a:fld id="{BC3E46D1-96BD-40AC-8344-CD56C1B0AD20}" type="datetimeFigureOut">
               <a:rPr lang="en-US" smtClean="0"/>
-              <a:t>6/11/25</a:t>
+              <a:t>6/17/25</a:t>
             </a:fld>
             <a:endParaRPr lang="en-US"/>
           </a:p>
@@ -7598,7 +7632,7 @@
           <a:p>
             <a:fld id="{BC3E46D1-96BD-40AC-8344-CD56C1B0AD20}" type="datetimeFigureOut">
               <a:rPr lang="en-US" smtClean="0"/>
-              <a:t>6/11/25</a:t>
+              <a:t>6/17/25</a:t>
             </a:fld>
             <a:endParaRPr lang="en-US"/>
           </a:p>
@@ -7909,7 +7943,7 @@
           <a:p>
             <a:fld id="{BC3E46D1-96BD-40AC-8344-CD56C1B0AD20}" type="datetimeFigureOut">
               <a:rPr lang="en-US" smtClean="0"/>
-              <a:t>6/11/25</a:t>
+              <a:t>6/17/25</a:t>
             </a:fld>
             <a:endParaRPr lang="en-US"/>
           </a:p>
@@ -8197,7 +8231,7 @@
           <a:p>
             <a:fld id="{BC3E46D1-96BD-40AC-8344-CD56C1B0AD20}" type="datetimeFigureOut">
               <a:rPr lang="en-US" smtClean="0"/>
-              <a:t>6/11/25</a:t>
+              <a:t>6/17/25</a:t>
             </a:fld>
             <a:endParaRPr lang="en-US"/>
           </a:p>
@@ -8438,7 +8472,7 @@
           <a:p>
             <a:fld id="{BC3E46D1-96BD-40AC-8344-CD56C1B0AD20}" type="datetimeFigureOut">
               <a:rPr lang="en-US" smtClean="0"/>
-              <a:t>6/11/25</a:t>
+              <a:t>6/17/25</a:t>
             </a:fld>
             <a:endParaRPr lang="en-US"/>
           </a:p>
@@ -8988,7 +9022,7 @@
           <a:p>
             <a:fld id="{D2BFDAF8-F297-45F9-AD57-EE74B8BCEFB4}" type="datetime1">
               <a:rPr lang="en-US" smtClean="0"/>
-              <a:t>6/11/25</a:t>
+              <a:t>6/17/25</a:t>
             </a:fld>
             <a:endParaRPr lang="en-US"/>
           </a:p>
@@ -11054,147 +11088,147 @@
           <p:nvPr>
             <p:extLst>
               <p:ext uri="{D42A27DB-BD31-4B8C-83A1-F6EECF244321}">
-                <p14:modId xmlns:p14="http://schemas.microsoft.com/office/powerpoint/2010/main" val="3687806094"/>
+                <p14:modId xmlns:p14="http://schemas.microsoft.com/office/powerpoint/2010/main" val="3084263092"/>
               </p:ext>
             </p:extLst>
           </p:nvPr>
         </p:nvGraphicFramePr>
         <p:xfrm>
           <a:off x="430924" y="1278024"/>
-          <a:ext cx="9833840" cy="4301951"/>
+          <a:ext cx="10226914" cy="4301951"/>
         </p:xfrm>
         <a:graphic>
           <a:graphicData uri="http://schemas.openxmlformats.org/drawingml/2006/table">
             <a:tbl>
               <a:tblPr/>
               <a:tblGrid>
-                <a:gridCol w="405752">
+                <a:gridCol w="396880">
                   <a:extLst>
                     <a:ext uri="{9D8B030D-6E8A-4147-A177-3AD203B41FA5}">
                       <a16:colId xmlns:a16="http://schemas.microsoft.com/office/drawing/2014/main" val="130995671"/>
                     </a:ext>
                   </a:extLst>
                 </a:gridCol>
-                <a:gridCol w="553681">
+                <a:gridCol w="541575">
                   <a:extLst>
                     <a:ext uri="{9D8B030D-6E8A-4147-A177-3AD203B41FA5}">
                       <a16:colId xmlns:a16="http://schemas.microsoft.com/office/drawing/2014/main" val="3548896082"/>
                     </a:ext>
                   </a:extLst>
                 </a:gridCol>
-                <a:gridCol w="587496">
+                <a:gridCol w="574651">
                   <a:extLst>
                     <a:ext uri="{9D8B030D-6E8A-4147-A177-3AD203B41FA5}">
                       <a16:colId xmlns:a16="http://schemas.microsoft.com/office/drawing/2014/main" val="1631013961"/>
                     </a:ext>
                   </a:extLst>
                 </a:gridCol>
-                <a:gridCol w="621308">
+                <a:gridCol w="607724">
                   <a:extLst>
                     <a:ext uri="{9D8B030D-6E8A-4147-A177-3AD203B41FA5}">
                       <a16:colId xmlns:a16="http://schemas.microsoft.com/office/drawing/2014/main" val="1161882210"/>
                     </a:ext>
                   </a:extLst>
                 </a:gridCol>
-                <a:gridCol w="553681">
+                <a:gridCol w="541575">
                   <a:extLst>
                     <a:ext uri="{9D8B030D-6E8A-4147-A177-3AD203B41FA5}">
                       <a16:colId xmlns:a16="http://schemas.microsoft.com/office/drawing/2014/main" val="1180786867"/>
                     </a:ext>
                   </a:extLst>
                 </a:gridCol>
-                <a:gridCol w="546638">
+                <a:gridCol w="534686">
                   <a:extLst>
                     <a:ext uri="{9D8B030D-6E8A-4147-A177-3AD203B41FA5}">
                       <a16:colId xmlns:a16="http://schemas.microsoft.com/office/drawing/2014/main" val="2440473220"/>
                     </a:ext>
                   </a:extLst>
                 </a:gridCol>
-                <a:gridCol w="529731">
+                <a:gridCol w="518149">
                   <a:extLst>
                     <a:ext uri="{9D8B030D-6E8A-4147-A177-3AD203B41FA5}">
                       <a16:colId xmlns:a16="http://schemas.microsoft.com/office/drawing/2014/main" val="3940304769"/>
                     </a:ext>
                   </a:extLst>
                 </a:gridCol>
-                <a:gridCol w="732606">
+                <a:gridCol w="716588">
                   <a:extLst>
                     <a:ext uri="{9D8B030D-6E8A-4147-A177-3AD203B41FA5}">
                       <a16:colId xmlns:a16="http://schemas.microsoft.com/office/drawing/2014/main" val="2553100728"/>
                     </a:ext>
                   </a:extLst>
                 </a:gridCol>
-                <a:gridCol w="698794">
+                <a:gridCol w="683515">
                   <a:extLst>
                     <a:ext uri="{9D8B030D-6E8A-4147-A177-3AD203B41FA5}">
                       <a16:colId xmlns:a16="http://schemas.microsoft.com/office/drawing/2014/main" val="906444922"/>
                     </a:ext>
                   </a:extLst>
                 </a:gridCol>
-                <a:gridCol w="473377">
+                <a:gridCol w="463027">
                   <a:extLst>
                     <a:ext uri="{9D8B030D-6E8A-4147-A177-3AD203B41FA5}">
                       <a16:colId xmlns:a16="http://schemas.microsoft.com/office/drawing/2014/main" val="3693748798"/>
                     </a:ext>
                   </a:extLst>
                 </a:gridCol>
-                <a:gridCol w="614262">
+                <a:gridCol w="600832">
                   <a:extLst>
                     <a:ext uri="{9D8B030D-6E8A-4147-A177-3AD203B41FA5}">
                       <a16:colId xmlns:a16="http://schemas.microsoft.com/office/drawing/2014/main" val="1322926886"/>
                     </a:ext>
                   </a:extLst>
                 </a:gridCol>
-                <a:gridCol w="367713">
+                <a:gridCol w="359673">
                   <a:extLst>
                     <a:ext uri="{9D8B030D-6E8A-4147-A177-3AD203B41FA5}">
                       <a16:colId xmlns:a16="http://schemas.microsoft.com/office/drawing/2014/main" val="3486926261"/>
                     </a:ext>
                   </a:extLst>
                 </a:gridCol>
-                <a:gridCol w="367713">
+                <a:gridCol w="359673">
                   <a:extLst>
                     <a:ext uri="{9D8B030D-6E8A-4147-A177-3AD203B41FA5}">
                       <a16:colId xmlns:a16="http://schemas.microsoft.com/office/drawing/2014/main" val="1950040339"/>
                     </a:ext>
                   </a:extLst>
                 </a:gridCol>
-                <a:gridCol w="367713">
+                <a:gridCol w="359673">
                   <a:extLst>
                     <a:ext uri="{9D8B030D-6E8A-4147-A177-3AD203B41FA5}">
                       <a16:colId xmlns:a16="http://schemas.microsoft.com/office/drawing/2014/main" val="2699611346"/>
                     </a:ext>
                   </a:extLst>
                 </a:gridCol>
-                <a:gridCol w="367713">
+                <a:gridCol w="359673">
                   <a:extLst>
                     <a:ext uri="{9D8B030D-6E8A-4147-A177-3AD203B41FA5}">
                       <a16:colId xmlns:a16="http://schemas.microsoft.com/office/drawing/2014/main" val="1330319320"/>
                     </a:ext>
                   </a:extLst>
                 </a:gridCol>
-                <a:gridCol w="580449">
+                <a:gridCol w="567757">
                   <a:extLst>
                     <a:ext uri="{9D8B030D-6E8A-4147-A177-3AD203B41FA5}">
                       <a16:colId xmlns:a16="http://schemas.microsoft.com/office/drawing/2014/main" val="4214513761"/>
                     </a:ext>
                   </a:extLst>
                 </a:gridCol>
-                <a:gridCol w="394480">
+                <a:gridCol w="492685">
                   <a:extLst>
                     <a:ext uri="{9D8B030D-6E8A-4147-A177-3AD203B41FA5}">
                       <a16:colId xmlns:a16="http://schemas.microsoft.com/office/drawing/2014/main" val="2807453362"/>
                     </a:ext>
                   </a:extLst>
                 </a:gridCol>
-                <a:gridCol w="529731">
+                <a:gridCol w="694550">
                   <a:extLst>
                     <a:ext uri="{9D8B030D-6E8A-4147-A177-3AD203B41FA5}">
                       <a16:colId xmlns:a16="http://schemas.microsoft.com/office/drawing/2014/main" val="1276874298"/>
                     </a:ext>
                   </a:extLst>
                 </a:gridCol>
-                <a:gridCol w="541002">
+                <a:gridCol w="854028">
                   <a:extLst>
                     <a:ext uri="{9D8B030D-6E8A-4147-A177-3AD203B41FA5}">
                       <a16:colId xmlns:a16="http://schemas.microsoft.com/office/drawing/2014/main" val="523034091"/>
@@ -11222,30 +11256,36 @@
                     </a:p>
                   </a:txBody>
                   <a:tcPr marL="3406" marR="3406" marT="6035" marB="0" anchor="b">
-                    <a:lnL w="6350" cap="flat" cmpd="sng" algn="ctr">
-                      <a:solidFill>
-                        <a:srgbClr val="44B3E1"/>
+                    <a:lnL w="12700" cap="flat" cmpd="sng" algn="ctr">
+                      <a:solidFill>
+                        <a:schemeClr val="tx1"/>
                       </a:solidFill>
                       <a:prstDash val="solid"/>
                       <a:round/>
                       <a:headEnd type="none" w="med" len="med"/>
                       <a:tailEnd type="none" w="med" len="med"/>
                     </a:lnL>
-                    <a:lnR>
-                      <a:noFill/>
+                    <a:lnR w="12700" cap="flat" cmpd="sng" algn="ctr">
+                      <a:solidFill>
+                        <a:schemeClr val="tx1"/>
+                      </a:solidFill>
+                      <a:prstDash val="solid"/>
+                      <a:round/>
+                      <a:headEnd type="none" w="med" len="med"/>
+                      <a:tailEnd type="none" w="med" len="med"/>
                     </a:lnR>
-                    <a:lnT w="6350" cap="flat" cmpd="sng" algn="ctr">
-                      <a:solidFill>
-                        <a:srgbClr val="44B3E1"/>
+                    <a:lnT w="12700" cap="flat" cmpd="sng" algn="ctr">
+                      <a:solidFill>
+                        <a:schemeClr val="tx1"/>
                       </a:solidFill>
                       <a:prstDash val="solid"/>
                       <a:round/>
                       <a:headEnd type="none" w="med" len="med"/>
                       <a:tailEnd type="none" w="med" len="med"/>
                     </a:lnT>
-                    <a:lnB w="6350" cap="flat" cmpd="sng" algn="ctr">
-                      <a:solidFill>
-                        <a:srgbClr val="44B3E1"/>
+                    <a:lnB w="12700" cap="flat" cmpd="sng" algn="ctr">
+                      <a:solidFill>
+                        <a:schemeClr val="tx1"/>
                       </a:solidFill>
                       <a:prstDash val="solid"/>
                       <a:round/>
@@ -11276,24 +11316,36 @@
                     </a:p>
                   </a:txBody>
                   <a:tcPr marL="3406" marR="3406" marT="6035" marB="0" anchor="b">
-                    <a:lnL>
-                      <a:noFill/>
+                    <a:lnL w="12700" cap="flat" cmpd="sng" algn="ctr">
+                      <a:solidFill>
+                        <a:schemeClr val="tx1"/>
+                      </a:solidFill>
+                      <a:prstDash val="solid"/>
+                      <a:round/>
+                      <a:headEnd type="none" w="med" len="med"/>
+                      <a:tailEnd type="none" w="med" len="med"/>
                     </a:lnL>
-                    <a:lnR>
-                      <a:noFill/>
+                    <a:lnR w="12700" cap="flat" cmpd="sng" algn="ctr">
+                      <a:solidFill>
+                        <a:schemeClr val="tx1"/>
+                      </a:solidFill>
+                      <a:prstDash val="solid"/>
+                      <a:round/>
+                      <a:headEnd type="none" w="med" len="med"/>
+                      <a:tailEnd type="none" w="med" len="med"/>
                     </a:lnR>
-                    <a:lnT w="6350" cap="flat" cmpd="sng" algn="ctr">
-                      <a:solidFill>
-                        <a:srgbClr val="44B3E1"/>
+                    <a:lnT w="12700" cap="flat" cmpd="sng" algn="ctr">
+                      <a:solidFill>
+                        <a:schemeClr val="tx1"/>
                       </a:solidFill>
                       <a:prstDash val="solid"/>
                       <a:round/>
                       <a:headEnd type="none" w="med" len="med"/>
                       <a:tailEnd type="none" w="med" len="med"/>
                     </a:lnT>
-                    <a:lnB w="6350" cap="flat" cmpd="sng" algn="ctr">
-                      <a:solidFill>
-                        <a:srgbClr val="44B3E1"/>
+                    <a:lnB w="12700" cap="flat" cmpd="sng" algn="ctr">
+                      <a:solidFill>
+                        <a:schemeClr val="tx1"/>
                       </a:solidFill>
                       <a:prstDash val="solid"/>
                       <a:round/>
@@ -11324,24 +11376,36 @@
                     </a:p>
                   </a:txBody>
                   <a:tcPr marL="3406" marR="3406" marT="6035" marB="0" anchor="b">
-                    <a:lnL>
-                      <a:noFill/>
+                    <a:lnL w="12700" cap="flat" cmpd="sng" algn="ctr">
+                      <a:solidFill>
+                        <a:schemeClr val="tx1"/>
+                      </a:solidFill>
+                      <a:prstDash val="solid"/>
+                      <a:round/>
+                      <a:headEnd type="none" w="med" len="med"/>
+                      <a:tailEnd type="none" w="med" len="med"/>
                     </a:lnL>
-                    <a:lnR>
-                      <a:noFill/>
+                    <a:lnR w="12700" cap="flat" cmpd="sng" algn="ctr">
+                      <a:solidFill>
+                        <a:schemeClr val="tx1"/>
+                      </a:solidFill>
+                      <a:prstDash val="solid"/>
+                      <a:round/>
+                      <a:headEnd type="none" w="med" len="med"/>
+                      <a:tailEnd type="none" w="med" len="med"/>
                     </a:lnR>
-                    <a:lnT w="6350" cap="flat" cmpd="sng" algn="ctr">
-                      <a:solidFill>
-                        <a:srgbClr val="44B3E1"/>
+                    <a:lnT w="12700" cap="flat" cmpd="sng" algn="ctr">
+                      <a:solidFill>
+                        <a:schemeClr val="tx1"/>
                       </a:solidFill>
                       <a:prstDash val="solid"/>
                       <a:round/>
                       <a:headEnd type="none" w="med" len="med"/>
                       <a:tailEnd type="none" w="med" len="med"/>
                     </a:lnT>
-                    <a:lnB w="6350" cap="flat" cmpd="sng" algn="ctr">
-                      <a:solidFill>
-                        <a:srgbClr val="44B3E1"/>
+                    <a:lnB w="12700" cap="flat" cmpd="sng" algn="ctr">
+                      <a:solidFill>
+                        <a:schemeClr val="tx1"/>
                       </a:solidFill>
                       <a:prstDash val="solid"/>
                       <a:round/>
@@ -11379,24 +11443,36 @@
                     </a:p>
                   </a:txBody>
                   <a:tcPr marL="3406" marR="3406" marT="6035" marB="0" anchor="b">
-                    <a:lnL>
-                      <a:noFill/>
+                    <a:lnL w="12700" cap="flat" cmpd="sng" algn="ctr">
+                      <a:solidFill>
+                        <a:schemeClr val="tx1"/>
+                      </a:solidFill>
+                      <a:prstDash val="solid"/>
+                      <a:round/>
+                      <a:headEnd type="none" w="med" len="med"/>
+                      <a:tailEnd type="none" w="med" len="med"/>
                     </a:lnL>
-                    <a:lnR>
-                      <a:noFill/>
+                    <a:lnR w="12700" cap="flat" cmpd="sng" algn="ctr">
+                      <a:solidFill>
+                        <a:schemeClr val="tx1"/>
+                      </a:solidFill>
+                      <a:prstDash val="solid"/>
+                      <a:round/>
+                      <a:headEnd type="none" w="med" len="med"/>
+                      <a:tailEnd type="none" w="med" len="med"/>
                     </a:lnR>
-                    <a:lnT w="6350" cap="flat" cmpd="sng" algn="ctr">
-                      <a:solidFill>
-                        <a:srgbClr val="44B3E1"/>
+                    <a:lnT w="12700" cap="flat" cmpd="sng" algn="ctr">
+                      <a:solidFill>
+                        <a:schemeClr val="tx1"/>
                       </a:solidFill>
                       <a:prstDash val="solid"/>
                       <a:round/>
                       <a:headEnd type="none" w="med" len="med"/>
                       <a:tailEnd type="none" w="med" len="med"/>
                     </a:lnT>
-                    <a:lnB w="6350" cap="flat" cmpd="sng" algn="ctr">
-                      <a:solidFill>
-                        <a:srgbClr val="44B3E1"/>
+                    <a:lnB w="12700" cap="flat" cmpd="sng" algn="ctr">
+                      <a:solidFill>
+                        <a:schemeClr val="tx1"/>
                       </a:solidFill>
                       <a:prstDash val="solid"/>
                       <a:round/>
@@ -11427,24 +11503,36 @@
                     </a:p>
                   </a:txBody>
                   <a:tcPr marL="3406" marR="3406" marT="6035" marB="0" anchor="b">
-                    <a:lnL>
-                      <a:noFill/>
+                    <a:lnL w="12700" cap="flat" cmpd="sng" algn="ctr">
+                      <a:solidFill>
+                        <a:schemeClr val="tx1"/>
+                      </a:solidFill>
+                      <a:prstDash val="solid"/>
+                      <a:round/>
+                      <a:headEnd type="none" w="med" len="med"/>
+                      <a:tailEnd type="none" w="med" len="med"/>
                     </a:lnL>
-                    <a:lnR>
-                      <a:noFill/>
+                    <a:lnR w="12700" cap="flat" cmpd="sng" algn="ctr">
+                      <a:solidFill>
+                        <a:schemeClr val="tx1"/>
+                      </a:solidFill>
+                      <a:prstDash val="solid"/>
+                      <a:round/>
+                      <a:headEnd type="none" w="med" len="med"/>
+                      <a:tailEnd type="none" w="med" len="med"/>
                     </a:lnR>
-                    <a:lnT w="6350" cap="flat" cmpd="sng" algn="ctr">
-                      <a:solidFill>
-                        <a:srgbClr val="44B3E1"/>
+                    <a:lnT w="12700" cap="flat" cmpd="sng" algn="ctr">
+                      <a:solidFill>
+                        <a:schemeClr val="tx1"/>
                       </a:solidFill>
                       <a:prstDash val="solid"/>
                       <a:round/>
                       <a:headEnd type="none" w="med" len="med"/>
                       <a:tailEnd type="none" w="med" len="med"/>
                     </a:lnT>
-                    <a:lnB w="6350" cap="flat" cmpd="sng" algn="ctr">
-                      <a:solidFill>
-                        <a:srgbClr val="44B3E1"/>
+                    <a:lnB w="12700" cap="flat" cmpd="sng" algn="ctr">
+                      <a:solidFill>
+                        <a:schemeClr val="tx1"/>
                       </a:solidFill>
                       <a:prstDash val="solid"/>
                       <a:round/>
@@ -11475,24 +11563,36 @@
                     </a:p>
                   </a:txBody>
                   <a:tcPr marL="3406" marR="3406" marT="6035" marB="0" anchor="b">
-                    <a:lnL>
-                      <a:noFill/>
+                    <a:lnL w="12700" cap="flat" cmpd="sng" algn="ctr">
+                      <a:solidFill>
+                        <a:schemeClr val="tx1"/>
+                      </a:solidFill>
+                      <a:prstDash val="solid"/>
+                      <a:round/>
+                      <a:headEnd type="none" w="med" len="med"/>
+                      <a:tailEnd type="none" w="med" len="med"/>
                     </a:lnL>
-                    <a:lnR>
-                      <a:noFill/>
+                    <a:lnR w="12700" cap="flat" cmpd="sng" algn="ctr">
+                      <a:solidFill>
+                        <a:schemeClr val="tx1"/>
+                      </a:solidFill>
+                      <a:prstDash val="solid"/>
+                      <a:round/>
+                      <a:headEnd type="none" w="med" len="med"/>
+                      <a:tailEnd type="none" w="med" len="med"/>
                     </a:lnR>
-                    <a:lnT w="6350" cap="flat" cmpd="sng" algn="ctr">
-                      <a:solidFill>
-                        <a:srgbClr val="44B3E1"/>
+                    <a:lnT w="12700" cap="flat" cmpd="sng" algn="ctr">
+                      <a:solidFill>
+                        <a:schemeClr val="tx1"/>
                       </a:solidFill>
                       <a:prstDash val="solid"/>
                       <a:round/>
                       <a:headEnd type="none" w="med" len="med"/>
                       <a:tailEnd type="none" w="med" len="med"/>
                     </a:lnT>
-                    <a:lnB w="6350" cap="flat" cmpd="sng" algn="ctr">
-                      <a:solidFill>
-                        <a:srgbClr val="44B3E1"/>
+                    <a:lnB w="12700" cap="flat" cmpd="sng" algn="ctr">
+                      <a:solidFill>
+                        <a:schemeClr val="tx1"/>
                       </a:solidFill>
                       <a:prstDash val="solid"/>
                       <a:round/>
@@ -11523,24 +11623,36 @@
                     </a:p>
                   </a:txBody>
                   <a:tcPr marL="3406" marR="3406" marT="6035" marB="0" anchor="b">
-                    <a:lnL>
-                      <a:noFill/>
+                    <a:lnL w="12700" cap="flat" cmpd="sng" algn="ctr">
+                      <a:solidFill>
+                        <a:schemeClr val="tx1"/>
+                      </a:solidFill>
+                      <a:prstDash val="solid"/>
+                      <a:round/>
+                      <a:headEnd type="none" w="med" len="med"/>
+                      <a:tailEnd type="none" w="med" len="med"/>
                     </a:lnL>
-                    <a:lnR>
-                      <a:noFill/>
+                    <a:lnR w="12700" cap="flat" cmpd="sng" algn="ctr">
+                      <a:solidFill>
+                        <a:schemeClr val="tx1"/>
+                      </a:solidFill>
+                      <a:prstDash val="solid"/>
+                      <a:round/>
+                      <a:headEnd type="none" w="med" len="med"/>
+                      <a:tailEnd type="none" w="med" len="med"/>
                     </a:lnR>
-                    <a:lnT w="6350" cap="flat" cmpd="sng" algn="ctr">
-                      <a:solidFill>
-                        <a:srgbClr val="44B3E1"/>
+                    <a:lnT w="12700" cap="flat" cmpd="sng" algn="ctr">
+                      <a:solidFill>
+                        <a:schemeClr val="tx1"/>
                       </a:solidFill>
                       <a:prstDash val="solid"/>
                       <a:round/>
                       <a:headEnd type="none" w="med" len="med"/>
                       <a:tailEnd type="none" w="med" len="med"/>
                     </a:lnT>
-                    <a:lnB w="6350" cap="flat" cmpd="sng" algn="ctr">
-                      <a:solidFill>
-                        <a:srgbClr val="44B3E1"/>
+                    <a:lnB w="12700" cap="flat" cmpd="sng" algn="ctr">
+                      <a:solidFill>
+                        <a:schemeClr val="tx1"/>
                       </a:solidFill>
                       <a:prstDash val="solid"/>
                       <a:round/>
@@ -11578,24 +11690,36 @@
                     </a:p>
                   </a:txBody>
                   <a:tcPr marL="3406" marR="3406" marT="6035" marB="0" anchor="b">
-                    <a:lnL>
-                      <a:noFill/>
+                    <a:lnL w="12700" cap="flat" cmpd="sng" algn="ctr">
+                      <a:solidFill>
+                        <a:schemeClr val="tx1"/>
+                      </a:solidFill>
+                      <a:prstDash val="solid"/>
+                      <a:round/>
+                      <a:headEnd type="none" w="med" len="med"/>
+                      <a:tailEnd type="none" w="med" len="med"/>
                     </a:lnL>
-                    <a:lnR>
-                      <a:noFill/>
+                    <a:lnR w="12700" cap="flat" cmpd="sng" algn="ctr">
+                      <a:solidFill>
+                        <a:schemeClr val="tx1"/>
+                      </a:solidFill>
+                      <a:prstDash val="solid"/>
+                      <a:round/>
+                      <a:headEnd type="none" w="med" len="med"/>
+                      <a:tailEnd type="none" w="med" len="med"/>
                     </a:lnR>
-                    <a:lnT w="6350" cap="flat" cmpd="sng" algn="ctr">
-                      <a:solidFill>
-                        <a:srgbClr val="44B3E1"/>
+                    <a:lnT w="12700" cap="flat" cmpd="sng" algn="ctr">
+                      <a:solidFill>
+                        <a:schemeClr val="tx1"/>
                       </a:solidFill>
                       <a:prstDash val="solid"/>
                       <a:round/>
                       <a:headEnd type="none" w="med" len="med"/>
                       <a:tailEnd type="none" w="med" len="med"/>
                     </a:lnT>
-                    <a:lnB w="6350" cap="flat" cmpd="sng" algn="ctr">
-                      <a:solidFill>
-                        <a:srgbClr val="44B3E1"/>
+                    <a:lnB w="12700" cap="flat" cmpd="sng" algn="ctr">
+                      <a:solidFill>
+                        <a:schemeClr val="tx1"/>
                       </a:solidFill>
                       <a:prstDash val="solid"/>
                       <a:round/>
@@ -11626,24 +11750,36 @@
                     </a:p>
                   </a:txBody>
                   <a:tcPr marL="3406" marR="3406" marT="6035" marB="0" anchor="b">
-                    <a:lnL>
-                      <a:noFill/>
+                    <a:lnL w="12700" cap="flat" cmpd="sng" algn="ctr">
+                      <a:solidFill>
+                        <a:schemeClr val="tx1"/>
+                      </a:solidFill>
+                      <a:prstDash val="solid"/>
+                      <a:round/>
+                      <a:headEnd type="none" w="med" len="med"/>
+                      <a:tailEnd type="none" w="med" len="med"/>
                     </a:lnL>
-                    <a:lnR>
-                      <a:noFill/>
+                    <a:lnR w="12700" cap="flat" cmpd="sng" algn="ctr">
+                      <a:solidFill>
+                        <a:schemeClr val="tx1"/>
+                      </a:solidFill>
+                      <a:prstDash val="solid"/>
+                      <a:round/>
+                      <a:headEnd type="none" w="med" len="med"/>
+                      <a:tailEnd type="none" w="med" len="med"/>
                     </a:lnR>
-                    <a:lnT w="6350" cap="flat" cmpd="sng" algn="ctr">
-                      <a:solidFill>
-                        <a:srgbClr val="44B3E1"/>
+                    <a:lnT w="12700" cap="flat" cmpd="sng" algn="ctr">
+                      <a:solidFill>
+                        <a:schemeClr val="tx1"/>
                       </a:solidFill>
                       <a:prstDash val="solid"/>
                       <a:round/>
                       <a:headEnd type="none" w="med" len="med"/>
                       <a:tailEnd type="none" w="med" len="med"/>
                     </a:lnT>
-                    <a:lnB w="6350" cap="flat" cmpd="sng" algn="ctr">
-                      <a:solidFill>
-                        <a:srgbClr val="44B3E1"/>
+                    <a:lnB w="12700" cap="flat" cmpd="sng" algn="ctr">
+                      <a:solidFill>
+                        <a:schemeClr val="tx1"/>
                       </a:solidFill>
                       <a:prstDash val="solid"/>
                       <a:round/>
@@ -11681,24 +11817,36 @@
                     </a:p>
                   </a:txBody>
                   <a:tcPr marL="3406" marR="3406" marT="6035" marB="0" anchor="b">
-                    <a:lnL>
-                      <a:noFill/>
+                    <a:lnL w="12700" cap="flat" cmpd="sng" algn="ctr">
+                      <a:solidFill>
+                        <a:schemeClr val="tx1"/>
+                      </a:solidFill>
+                      <a:prstDash val="solid"/>
+                      <a:round/>
+                      <a:headEnd type="none" w="med" len="med"/>
+                      <a:tailEnd type="none" w="med" len="med"/>
                     </a:lnL>
-                    <a:lnR>
-                      <a:noFill/>
+                    <a:lnR w="12700" cap="flat" cmpd="sng" algn="ctr">
+                      <a:solidFill>
+                        <a:schemeClr val="tx1"/>
+                      </a:solidFill>
+                      <a:prstDash val="solid"/>
+                      <a:round/>
+                      <a:headEnd type="none" w="med" len="med"/>
+                      <a:tailEnd type="none" w="med" len="med"/>
                     </a:lnR>
-                    <a:lnT w="6350" cap="flat" cmpd="sng" algn="ctr">
-                      <a:solidFill>
-                        <a:srgbClr val="44B3E1"/>
+                    <a:lnT w="12700" cap="flat" cmpd="sng" algn="ctr">
+                      <a:solidFill>
+                        <a:schemeClr val="tx1"/>
                       </a:solidFill>
                       <a:prstDash val="solid"/>
                       <a:round/>
                       <a:headEnd type="none" w="med" len="med"/>
                       <a:tailEnd type="none" w="med" len="med"/>
                     </a:lnT>
-                    <a:lnB w="6350" cap="flat" cmpd="sng" algn="ctr">
-                      <a:solidFill>
-                        <a:srgbClr val="44B3E1"/>
+                    <a:lnB w="12700" cap="flat" cmpd="sng" algn="ctr">
+                      <a:solidFill>
+                        <a:schemeClr val="tx1"/>
                       </a:solidFill>
                       <a:prstDash val="solid"/>
                       <a:round/>
@@ -11729,24 +11877,36 @@
                     </a:p>
                   </a:txBody>
                   <a:tcPr marL="3406" marR="3406" marT="6035" marB="0" anchor="b">
-                    <a:lnL>
-                      <a:noFill/>
+                    <a:lnL w="12700" cap="flat" cmpd="sng" algn="ctr">
+                      <a:solidFill>
+                        <a:schemeClr val="tx1"/>
+                      </a:solidFill>
+                      <a:prstDash val="solid"/>
+                      <a:round/>
+                      <a:headEnd type="none" w="med" len="med"/>
+                      <a:tailEnd type="none" w="med" len="med"/>
                     </a:lnL>
-                    <a:lnR>
-                      <a:noFill/>
+                    <a:lnR w="12700" cap="flat" cmpd="sng" algn="ctr">
+                      <a:solidFill>
+                        <a:schemeClr val="tx1"/>
+                      </a:solidFill>
+                      <a:prstDash val="solid"/>
+                      <a:round/>
+                      <a:headEnd type="none" w="med" len="med"/>
+                      <a:tailEnd type="none" w="med" len="med"/>
                     </a:lnR>
-                    <a:lnT w="6350" cap="flat" cmpd="sng" algn="ctr">
-                      <a:solidFill>
-                        <a:srgbClr val="44B3E1"/>
+                    <a:lnT w="12700" cap="flat" cmpd="sng" algn="ctr">
+                      <a:solidFill>
+                        <a:schemeClr val="tx1"/>
                       </a:solidFill>
                       <a:prstDash val="solid"/>
                       <a:round/>
                       <a:headEnd type="none" w="med" len="med"/>
                       <a:tailEnd type="none" w="med" len="med"/>
                     </a:lnT>
-                    <a:lnB w="6350" cap="flat" cmpd="sng" algn="ctr">
-                      <a:solidFill>
-                        <a:srgbClr val="44B3E1"/>
+                    <a:lnB w="12700" cap="flat" cmpd="sng" algn="ctr">
+                      <a:solidFill>
+                        <a:schemeClr val="tx1"/>
                       </a:solidFill>
                       <a:prstDash val="solid"/>
                       <a:round/>
@@ -11777,24 +11937,36 @@
                     </a:p>
                   </a:txBody>
                   <a:tcPr marL="3406" marR="3406" marT="6035" marB="0" anchor="b">
-                    <a:lnL>
-                      <a:noFill/>
+                    <a:lnL w="12700" cap="flat" cmpd="sng" algn="ctr">
+                      <a:solidFill>
+                        <a:schemeClr val="tx1"/>
+                      </a:solidFill>
+                      <a:prstDash val="solid"/>
+                      <a:round/>
+                      <a:headEnd type="none" w="med" len="med"/>
+                      <a:tailEnd type="none" w="med" len="med"/>
                     </a:lnL>
-                    <a:lnR>
-                      <a:noFill/>
+                    <a:lnR w="12700" cap="flat" cmpd="sng" algn="ctr">
+                      <a:solidFill>
+                        <a:schemeClr val="tx1"/>
+                      </a:solidFill>
+                      <a:prstDash val="solid"/>
+                      <a:round/>
+                      <a:headEnd type="none" w="med" len="med"/>
+                      <a:tailEnd type="none" w="med" len="med"/>
                     </a:lnR>
-                    <a:lnT w="6350" cap="flat" cmpd="sng" algn="ctr">
-                      <a:solidFill>
-                        <a:srgbClr val="44B3E1"/>
+                    <a:lnT w="12700" cap="flat" cmpd="sng" algn="ctr">
+                      <a:solidFill>
+                        <a:schemeClr val="tx1"/>
                       </a:solidFill>
                       <a:prstDash val="solid"/>
                       <a:round/>
                       <a:headEnd type="none" w="med" len="med"/>
                       <a:tailEnd type="none" w="med" len="med"/>
                     </a:lnT>
-                    <a:lnB w="6350" cap="flat" cmpd="sng" algn="ctr">
-                      <a:solidFill>
-                        <a:srgbClr val="44B3E1"/>
+                    <a:lnB w="12700" cap="flat" cmpd="sng" algn="ctr">
+                      <a:solidFill>
+                        <a:schemeClr val="tx1"/>
                       </a:solidFill>
                       <a:prstDash val="solid"/>
                       <a:round/>
@@ -11825,24 +11997,36 @@
                     </a:p>
                   </a:txBody>
                   <a:tcPr marL="3406" marR="3406" marT="6035" marB="0" anchor="b">
-                    <a:lnL>
-                      <a:noFill/>
+                    <a:lnL w="12700" cap="flat" cmpd="sng" algn="ctr">
+                      <a:solidFill>
+                        <a:schemeClr val="tx1"/>
+                      </a:solidFill>
+                      <a:prstDash val="solid"/>
+                      <a:round/>
+                      <a:headEnd type="none" w="med" len="med"/>
+                      <a:tailEnd type="none" w="med" len="med"/>
                     </a:lnL>
-                    <a:lnR>
-                      <a:noFill/>
+                    <a:lnR w="12700" cap="flat" cmpd="sng" algn="ctr">
+                      <a:solidFill>
+                        <a:schemeClr val="tx1"/>
+                      </a:solidFill>
+                      <a:prstDash val="solid"/>
+                      <a:round/>
+                      <a:headEnd type="none" w="med" len="med"/>
+                      <a:tailEnd type="none" w="med" len="med"/>
                     </a:lnR>
-                    <a:lnT w="6350" cap="flat" cmpd="sng" algn="ctr">
-                      <a:solidFill>
-                        <a:srgbClr val="44B3E1"/>
+                    <a:lnT w="12700" cap="flat" cmpd="sng" algn="ctr">
+                      <a:solidFill>
+                        <a:schemeClr val="tx1"/>
                       </a:solidFill>
                       <a:prstDash val="solid"/>
                       <a:round/>
                       <a:headEnd type="none" w="med" len="med"/>
                       <a:tailEnd type="none" w="med" len="med"/>
                     </a:lnT>
-                    <a:lnB w="6350" cap="flat" cmpd="sng" algn="ctr">
-                      <a:solidFill>
-                        <a:srgbClr val="44B3E1"/>
+                    <a:lnB w="12700" cap="flat" cmpd="sng" algn="ctr">
+                      <a:solidFill>
+                        <a:schemeClr val="tx1"/>
                       </a:solidFill>
                       <a:prstDash val="solid"/>
                       <a:round/>
@@ -11873,24 +12057,36 @@
                     </a:p>
                   </a:txBody>
                   <a:tcPr marL="3406" marR="3406" marT="6035" marB="0" anchor="b">
-                    <a:lnL>
-                      <a:noFill/>
+                    <a:lnL w="12700" cap="flat" cmpd="sng" algn="ctr">
+                      <a:solidFill>
+                        <a:schemeClr val="tx1"/>
+                      </a:solidFill>
+                      <a:prstDash val="solid"/>
+                      <a:round/>
+                      <a:headEnd type="none" w="med" len="med"/>
+                      <a:tailEnd type="none" w="med" len="med"/>
                     </a:lnL>
-                    <a:lnR>
-                      <a:noFill/>
+                    <a:lnR w="12700" cap="flat" cmpd="sng" algn="ctr">
+                      <a:solidFill>
+                        <a:schemeClr val="tx1"/>
+                      </a:solidFill>
+                      <a:prstDash val="solid"/>
+                      <a:round/>
+                      <a:headEnd type="none" w="med" len="med"/>
+                      <a:tailEnd type="none" w="med" len="med"/>
                     </a:lnR>
-                    <a:lnT w="6350" cap="flat" cmpd="sng" algn="ctr">
-                      <a:solidFill>
-                        <a:srgbClr val="44B3E1"/>
+                    <a:lnT w="12700" cap="flat" cmpd="sng" algn="ctr">
+                      <a:solidFill>
+                        <a:schemeClr val="tx1"/>
                       </a:solidFill>
                       <a:prstDash val="solid"/>
                       <a:round/>
                       <a:headEnd type="none" w="med" len="med"/>
                       <a:tailEnd type="none" w="med" len="med"/>
                     </a:lnT>
-                    <a:lnB w="6350" cap="flat" cmpd="sng" algn="ctr">
-                      <a:solidFill>
-                        <a:srgbClr val="44B3E1"/>
+                    <a:lnB w="12700" cap="flat" cmpd="sng" algn="ctr">
+                      <a:solidFill>
+                        <a:schemeClr val="tx1"/>
                       </a:solidFill>
                       <a:prstDash val="solid"/>
                       <a:round/>
@@ -11921,24 +12117,36 @@
                     </a:p>
                   </a:txBody>
                   <a:tcPr marL="3406" marR="3406" marT="6035" marB="0" anchor="b">
-                    <a:lnL>
-                      <a:noFill/>
+                    <a:lnL w="12700" cap="flat" cmpd="sng" algn="ctr">
+                      <a:solidFill>
+                        <a:schemeClr val="tx1"/>
+                      </a:solidFill>
+                      <a:prstDash val="solid"/>
+                      <a:round/>
+                      <a:headEnd type="none" w="med" len="med"/>
+                      <a:tailEnd type="none" w="med" len="med"/>
                     </a:lnL>
-                    <a:lnR>
-                      <a:noFill/>
+                    <a:lnR w="12700" cap="flat" cmpd="sng" algn="ctr">
+                      <a:solidFill>
+                        <a:schemeClr val="tx1"/>
+                      </a:solidFill>
+                      <a:prstDash val="solid"/>
+                      <a:round/>
+                      <a:headEnd type="none" w="med" len="med"/>
+                      <a:tailEnd type="none" w="med" len="med"/>
                     </a:lnR>
-                    <a:lnT w="6350" cap="flat" cmpd="sng" algn="ctr">
-                      <a:solidFill>
-                        <a:srgbClr val="44B3E1"/>
+                    <a:lnT w="12700" cap="flat" cmpd="sng" algn="ctr">
+                      <a:solidFill>
+                        <a:schemeClr val="tx1"/>
                       </a:solidFill>
                       <a:prstDash val="solid"/>
                       <a:round/>
                       <a:headEnd type="none" w="med" len="med"/>
                       <a:tailEnd type="none" w="med" len="med"/>
                     </a:lnT>
-                    <a:lnB w="6350" cap="flat" cmpd="sng" algn="ctr">
-                      <a:solidFill>
-                        <a:srgbClr val="44B3E1"/>
+                    <a:lnB w="12700" cap="flat" cmpd="sng" algn="ctr">
+                      <a:solidFill>
+                        <a:schemeClr val="tx1"/>
                       </a:solidFill>
                       <a:prstDash val="solid"/>
                       <a:round/>
@@ -11969,24 +12177,36 @@
                     </a:p>
                   </a:txBody>
                   <a:tcPr marL="3406" marR="3406" marT="6035" marB="0" anchor="b">
-                    <a:lnL>
-                      <a:noFill/>
+                    <a:lnL w="12700" cap="flat" cmpd="sng" algn="ctr">
+                      <a:solidFill>
+                        <a:schemeClr val="tx1"/>
+                      </a:solidFill>
+                      <a:prstDash val="solid"/>
+                      <a:round/>
+                      <a:headEnd type="none" w="med" len="med"/>
+                      <a:tailEnd type="none" w="med" len="med"/>
                     </a:lnL>
-                    <a:lnR>
-                      <a:noFill/>
+                    <a:lnR w="12700" cap="flat" cmpd="sng" algn="ctr">
+                      <a:solidFill>
+                        <a:schemeClr val="tx1"/>
+                      </a:solidFill>
+                      <a:prstDash val="solid"/>
+                      <a:round/>
+                      <a:headEnd type="none" w="med" len="med"/>
+                      <a:tailEnd type="none" w="med" len="med"/>
                     </a:lnR>
-                    <a:lnT w="6350" cap="flat" cmpd="sng" algn="ctr">
-                      <a:solidFill>
-                        <a:srgbClr val="44B3E1"/>
+                    <a:lnT w="12700" cap="flat" cmpd="sng" algn="ctr">
+                      <a:solidFill>
+                        <a:schemeClr val="tx1"/>
                       </a:solidFill>
                       <a:prstDash val="solid"/>
                       <a:round/>
                       <a:headEnd type="none" w="med" len="med"/>
                       <a:tailEnd type="none" w="med" len="med"/>
                     </a:lnT>
-                    <a:lnB w="6350" cap="flat" cmpd="sng" algn="ctr">
-                      <a:solidFill>
-                        <a:srgbClr val="44B3E1"/>
+                    <a:lnB w="12700" cap="flat" cmpd="sng" algn="ctr">
+                      <a:solidFill>
+                        <a:schemeClr val="tx1"/>
                       </a:solidFill>
                       <a:prstDash val="solid"/>
                       <a:round/>
@@ -12017,24 +12237,36 @@
                     </a:p>
                   </a:txBody>
                   <a:tcPr marL="3406" marR="3406" marT="6035" marB="0" anchor="b">
-                    <a:lnL>
-                      <a:noFill/>
+                    <a:lnL w="12700" cap="flat" cmpd="sng" algn="ctr">
+                      <a:solidFill>
+                        <a:schemeClr val="tx1"/>
+                      </a:solidFill>
+                      <a:prstDash val="solid"/>
+                      <a:round/>
+                      <a:headEnd type="none" w="med" len="med"/>
+                      <a:tailEnd type="none" w="med" len="med"/>
                     </a:lnL>
-                    <a:lnR>
-                      <a:noFill/>
+                    <a:lnR w="12700" cap="flat" cmpd="sng" algn="ctr">
+                      <a:solidFill>
+                        <a:schemeClr val="tx1"/>
+                      </a:solidFill>
+                      <a:prstDash val="solid"/>
+                      <a:round/>
+                      <a:headEnd type="none" w="med" len="med"/>
+                      <a:tailEnd type="none" w="med" len="med"/>
                     </a:lnR>
-                    <a:lnT w="6350" cap="flat" cmpd="sng" algn="ctr">
-                      <a:solidFill>
-                        <a:srgbClr val="44B3E1"/>
+                    <a:lnT w="12700" cap="flat" cmpd="sng" algn="ctr">
+                      <a:solidFill>
+                        <a:schemeClr val="tx1"/>
                       </a:solidFill>
                       <a:prstDash val="solid"/>
                       <a:round/>
                       <a:headEnd type="none" w="med" len="med"/>
                       <a:tailEnd type="none" w="med" len="med"/>
                     </a:lnT>
-                    <a:lnB w="6350" cap="flat" cmpd="sng" algn="ctr">
-                      <a:solidFill>
-                        <a:srgbClr val="44B3E1"/>
+                    <a:lnB w="12700" cap="flat" cmpd="sng" algn="ctr">
+                      <a:solidFill>
+                        <a:schemeClr val="tx1"/>
                       </a:solidFill>
                       <a:prstDash val="solid"/>
                       <a:round/>
@@ -12065,24 +12297,36 @@
                     </a:p>
                   </a:txBody>
                   <a:tcPr marL="3406" marR="3406" marT="6035" marB="0" anchor="b">
-                    <a:lnL>
-                      <a:noFill/>
+                    <a:lnL w="12700" cap="flat" cmpd="sng" algn="ctr">
+                      <a:solidFill>
+                        <a:schemeClr val="tx1"/>
+                      </a:solidFill>
+                      <a:prstDash val="solid"/>
+                      <a:round/>
+                      <a:headEnd type="none" w="med" len="med"/>
+                      <a:tailEnd type="none" w="med" len="med"/>
                     </a:lnL>
-                    <a:lnR>
-                      <a:noFill/>
+                    <a:lnR w="12700" cap="flat" cmpd="sng" algn="ctr">
+                      <a:solidFill>
+                        <a:schemeClr val="tx1"/>
+                      </a:solidFill>
+                      <a:prstDash val="solid"/>
+                      <a:round/>
+                      <a:headEnd type="none" w="med" len="med"/>
+                      <a:tailEnd type="none" w="med" len="med"/>
                     </a:lnR>
-                    <a:lnT w="6350" cap="flat" cmpd="sng" algn="ctr">
-                      <a:solidFill>
-                        <a:srgbClr val="44B3E1"/>
+                    <a:lnT w="12700" cap="flat" cmpd="sng" algn="ctr">
+                      <a:solidFill>
+                        <a:schemeClr val="tx1"/>
                       </a:solidFill>
                       <a:prstDash val="solid"/>
                       <a:round/>
                       <a:headEnd type="none" w="med" len="med"/>
                       <a:tailEnd type="none" w="med" len="med"/>
                     </a:lnT>
-                    <a:lnB w="6350" cap="flat" cmpd="sng" algn="ctr">
-                      <a:solidFill>
-                        <a:srgbClr val="44B3E1"/>
+                    <a:lnB w="12700" cap="flat" cmpd="sng" algn="ctr">
+                      <a:solidFill>
+                        <a:schemeClr val="tx1"/>
                       </a:solidFill>
                       <a:prstDash val="solid"/>
                       <a:round/>
@@ -12120,30 +12364,36 @@
                     </a:p>
                   </a:txBody>
                   <a:tcPr marL="3406" marR="3406" marT="6035" marB="0" anchor="b">
-                    <a:lnL>
-                      <a:noFill/>
+                    <a:lnL w="12700" cap="flat" cmpd="sng" algn="ctr">
+                      <a:solidFill>
+                        <a:schemeClr val="tx1"/>
+                      </a:solidFill>
+                      <a:prstDash val="solid"/>
+                      <a:round/>
+                      <a:headEnd type="none" w="med" len="med"/>
+                      <a:tailEnd type="none" w="med" len="med"/>
                     </a:lnL>
-                    <a:lnR w="6350" cap="flat" cmpd="sng" algn="ctr">
-                      <a:solidFill>
-                        <a:srgbClr val="44B3E1"/>
+                    <a:lnR w="12700" cap="flat" cmpd="sng" algn="ctr">
+                      <a:solidFill>
+                        <a:schemeClr val="tx1"/>
                       </a:solidFill>
                       <a:prstDash val="solid"/>
                       <a:round/>
                       <a:headEnd type="none" w="med" len="med"/>
                       <a:tailEnd type="none" w="med" len="med"/>
                     </a:lnR>
-                    <a:lnT w="6350" cap="flat" cmpd="sng" algn="ctr">
-                      <a:solidFill>
-                        <a:srgbClr val="44B3E1"/>
+                    <a:lnT w="12700" cap="flat" cmpd="sng" algn="ctr">
+                      <a:solidFill>
+                        <a:schemeClr val="tx1"/>
                       </a:solidFill>
                       <a:prstDash val="solid"/>
                       <a:round/>
                       <a:headEnd type="none" w="med" len="med"/>
                       <a:tailEnd type="none" w="med" len="med"/>
                     </a:lnT>
-                    <a:lnB w="6350" cap="flat" cmpd="sng" algn="ctr">
-                      <a:solidFill>
-                        <a:srgbClr val="44B3E1"/>
+                    <a:lnB w="12700" cap="flat" cmpd="sng" algn="ctr">
+                      <a:solidFill>
+                        <a:schemeClr val="tx1"/>
                       </a:solidFill>
                       <a:prstDash val="solid"/>
                       <a:round/>
@@ -12181,30 +12431,36 @@
                     </a:p>
                   </a:txBody>
                   <a:tcPr marL="3406" marR="3406" marT="6035" marB="0" anchor="b">
-                    <a:lnL w="6350" cap="flat" cmpd="sng" algn="ctr">
-                      <a:solidFill>
-                        <a:srgbClr val="44B3E1"/>
+                    <a:lnL w="12700" cap="flat" cmpd="sng" algn="ctr">
+                      <a:solidFill>
+                        <a:schemeClr val="tx1"/>
                       </a:solidFill>
                       <a:prstDash val="solid"/>
                       <a:round/>
                       <a:headEnd type="none" w="med" len="med"/>
                       <a:tailEnd type="none" w="med" len="med"/>
                     </a:lnL>
-                    <a:lnR>
-                      <a:noFill/>
+                    <a:lnR w="12700" cap="flat" cmpd="sng" algn="ctr">
+                      <a:solidFill>
+                        <a:schemeClr val="tx1"/>
+                      </a:solidFill>
+                      <a:prstDash val="solid"/>
+                      <a:round/>
+                      <a:headEnd type="none" w="med" len="med"/>
+                      <a:tailEnd type="none" w="med" len="med"/>
                     </a:lnR>
-                    <a:lnT w="6350" cap="flat" cmpd="sng" algn="ctr">
-                      <a:solidFill>
-                        <a:srgbClr val="44B3E1"/>
+                    <a:lnT w="12700" cap="flat" cmpd="sng" algn="ctr">
+                      <a:solidFill>
+                        <a:schemeClr val="tx1"/>
                       </a:solidFill>
                       <a:prstDash val="solid"/>
                       <a:round/>
                       <a:headEnd type="none" w="med" len="med"/>
                       <a:tailEnd type="none" w="med" len="med"/>
                     </a:lnT>
-                    <a:lnB w="6350" cap="flat" cmpd="sng" algn="ctr">
-                      <a:solidFill>
-                        <a:srgbClr val="44B3E1"/>
+                    <a:lnB w="12700" cap="flat" cmpd="sng" algn="ctr">
+                      <a:solidFill>
+                        <a:schemeClr val="tx1"/>
                       </a:solidFill>
                       <a:prstDash val="solid"/>
                       <a:round/>
@@ -12235,24 +12491,36 @@
                     </a:p>
                   </a:txBody>
                   <a:tcPr marL="3406" marR="3406" marT="6035" marB="0" anchor="b">
-                    <a:lnL>
-                      <a:noFill/>
+                    <a:lnL w="12700" cap="flat" cmpd="sng" algn="ctr">
+                      <a:solidFill>
+                        <a:schemeClr val="tx1"/>
+                      </a:solidFill>
+                      <a:prstDash val="solid"/>
+                      <a:round/>
+                      <a:headEnd type="none" w="med" len="med"/>
+                      <a:tailEnd type="none" w="med" len="med"/>
                     </a:lnL>
-                    <a:lnR>
-                      <a:noFill/>
+                    <a:lnR w="12700" cap="flat" cmpd="sng" algn="ctr">
+                      <a:solidFill>
+                        <a:schemeClr val="tx1"/>
+                      </a:solidFill>
+                      <a:prstDash val="solid"/>
+                      <a:round/>
+                      <a:headEnd type="none" w="med" len="med"/>
+                      <a:tailEnd type="none" w="med" len="med"/>
                     </a:lnR>
-                    <a:lnT w="6350" cap="flat" cmpd="sng" algn="ctr">
-                      <a:solidFill>
-                        <a:srgbClr val="44B3E1"/>
+                    <a:lnT w="12700" cap="flat" cmpd="sng" algn="ctr">
+                      <a:solidFill>
+                        <a:schemeClr val="tx1"/>
                       </a:solidFill>
                       <a:prstDash val="solid"/>
                       <a:round/>
                       <a:headEnd type="none" w="med" len="med"/>
                       <a:tailEnd type="none" w="med" len="med"/>
                     </a:lnT>
-                    <a:lnB w="6350" cap="flat" cmpd="sng" algn="ctr">
-                      <a:solidFill>
-                        <a:srgbClr val="44B3E1"/>
+                    <a:lnB w="12700" cap="flat" cmpd="sng" algn="ctr">
+                      <a:solidFill>
+                        <a:schemeClr val="tx1"/>
                       </a:solidFill>
                       <a:prstDash val="solid"/>
                       <a:round/>
@@ -12283,24 +12551,36 @@
                     </a:p>
                   </a:txBody>
                   <a:tcPr marL="3406" marR="3406" marT="6035" marB="0" anchor="b">
-                    <a:lnL>
-                      <a:noFill/>
+                    <a:lnL w="12700" cap="flat" cmpd="sng" algn="ctr">
+                      <a:solidFill>
+                        <a:schemeClr val="tx1"/>
+                      </a:solidFill>
+                      <a:prstDash val="solid"/>
+                      <a:round/>
+                      <a:headEnd type="none" w="med" len="med"/>
+                      <a:tailEnd type="none" w="med" len="med"/>
                     </a:lnL>
-                    <a:lnR>
-                      <a:noFill/>
+                    <a:lnR w="12700" cap="flat" cmpd="sng" algn="ctr">
+                      <a:solidFill>
+                        <a:schemeClr val="tx1"/>
+                      </a:solidFill>
+                      <a:prstDash val="solid"/>
+                      <a:round/>
+                      <a:headEnd type="none" w="med" len="med"/>
+                      <a:tailEnd type="none" w="med" len="med"/>
                     </a:lnR>
-                    <a:lnT w="6350" cap="flat" cmpd="sng" algn="ctr">
-                      <a:solidFill>
-                        <a:srgbClr val="44B3E1"/>
+                    <a:lnT w="12700" cap="flat" cmpd="sng" algn="ctr">
+                      <a:solidFill>
+                        <a:schemeClr val="tx1"/>
                       </a:solidFill>
                       <a:prstDash val="solid"/>
                       <a:round/>
                       <a:headEnd type="none" w="med" len="med"/>
                       <a:tailEnd type="none" w="med" len="med"/>
                     </a:lnT>
-                    <a:lnB w="6350" cap="flat" cmpd="sng" algn="ctr">
-                      <a:solidFill>
-                        <a:srgbClr val="44B3E1"/>
+                    <a:lnB w="12700" cap="flat" cmpd="sng" algn="ctr">
+                      <a:solidFill>
+                        <a:schemeClr val="tx1"/>
                       </a:solidFill>
                       <a:prstDash val="solid"/>
                       <a:round/>
@@ -12331,24 +12611,36 @@
                     </a:p>
                   </a:txBody>
                   <a:tcPr marL="3406" marR="3406" marT="6035" marB="0" anchor="b">
-                    <a:lnL>
-                      <a:noFill/>
+                    <a:lnL w="12700" cap="flat" cmpd="sng" algn="ctr">
+                      <a:solidFill>
+                        <a:schemeClr val="tx1"/>
+                      </a:solidFill>
+                      <a:prstDash val="solid"/>
+                      <a:round/>
+                      <a:headEnd type="none" w="med" len="med"/>
+                      <a:tailEnd type="none" w="med" len="med"/>
                     </a:lnL>
-                    <a:lnR>
-                      <a:noFill/>
+                    <a:lnR w="12700" cap="flat" cmpd="sng" algn="ctr">
+                      <a:solidFill>
+                        <a:schemeClr val="tx1"/>
+                      </a:solidFill>
+                      <a:prstDash val="solid"/>
+                      <a:round/>
+                      <a:headEnd type="none" w="med" len="med"/>
+                      <a:tailEnd type="none" w="med" len="med"/>
                     </a:lnR>
-                    <a:lnT w="6350" cap="flat" cmpd="sng" algn="ctr">
-                      <a:solidFill>
-                        <a:srgbClr val="44B3E1"/>
+                    <a:lnT w="12700" cap="flat" cmpd="sng" algn="ctr">
+                      <a:solidFill>
+                        <a:schemeClr val="tx1"/>
                       </a:solidFill>
                       <a:prstDash val="solid"/>
                       <a:round/>
                       <a:headEnd type="none" w="med" len="med"/>
                       <a:tailEnd type="none" w="med" len="med"/>
                     </a:lnT>
-                    <a:lnB w="6350" cap="flat" cmpd="sng" algn="ctr">
-                      <a:solidFill>
-                        <a:srgbClr val="44B3E1"/>
+                    <a:lnB w="12700" cap="flat" cmpd="sng" algn="ctr">
+                      <a:solidFill>
+                        <a:schemeClr val="tx1"/>
                       </a:solidFill>
                       <a:prstDash val="solid"/>
                       <a:round/>
@@ -12379,24 +12671,36 @@
                     </a:p>
                   </a:txBody>
                   <a:tcPr marL="3406" marR="3406" marT="6035" marB="0" anchor="b">
-                    <a:lnL>
-                      <a:noFill/>
+                    <a:lnL w="12700" cap="flat" cmpd="sng" algn="ctr">
+                      <a:solidFill>
+                        <a:schemeClr val="tx1"/>
+                      </a:solidFill>
+                      <a:prstDash val="solid"/>
+                      <a:round/>
+                      <a:headEnd type="none" w="med" len="med"/>
+                      <a:tailEnd type="none" w="med" len="med"/>
                     </a:lnL>
-                    <a:lnR>
-                      <a:noFill/>
+                    <a:lnR w="12700" cap="flat" cmpd="sng" algn="ctr">
+                      <a:solidFill>
+                        <a:schemeClr val="tx1"/>
+                      </a:solidFill>
+                      <a:prstDash val="solid"/>
+                      <a:round/>
+                      <a:headEnd type="none" w="med" len="med"/>
+                      <a:tailEnd type="none" w="med" len="med"/>
                     </a:lnR>
-                    <a:lnT w="6350" cap="flat" cmpd="sng" algn="ctr">
-                      <a:solidFill>
-                        <a:srgbClr val="44B3E1"/>
+                    <a:lnT w="12700" cap="flat" cmpd="sng" algn="ctr">
+                      <a:solidFill>
+                        <a:schemeClr val="tx1"/>
                       </a:solidFill>
                       <a:prstDash val="solid"/>
                       <a:round/>
                       <a:headEnd type="none" w="med" len="med"/>
                       <a:tailEnd type="none" w="med" len="med"/>
                     </a:lnT>
-                    <a:lnB w="6350" cap="flat" cmpd="sng" algn="ctr">
-                      <a:solidFill>
-                        <a:srgbClr val="44B3E1"/>
+                    <a:lnB w="12700" cap="flat" cmpd="sng" algn="ctr">
+                      <a:solidFill>
+                        <a:schemeClr val="tx1"/>
                       </a:solidFill>
                       <a:prstDash val="solid"/>
                       <a:round/>
@@ -12427,24 +12731,36 @@
                     </a:p>
                   </a:txBody>
                   <a:tcPr marL="3406" marR="3406" marT="6035" marB="0" anchor="b">
-                    <a:lnL>
-                      <a:noFill/>
+                    <a:lnL w="12700" cap="flat" cmpd="sng" algn="ctr">
+                      <a:solidFill>
+                        <a:schemeClr val="tx1"/>
+                      </a:solidFill>
+                      <a:prstDash val="solid"/>
+                      <a:round/>
+                      <a:headEnd type="none" w="med" len="med"/>
+                      <a:tailEnd type="none" w="med" len="med"/>
                     </a:lnL>
-                    <a:lnR>
-                      <a:noFill/>
+                    <a:lnR w="12700" cap="flat" cmpd="sng" algn="ctr">
+                      <a:solidFill>
+                        <a:schemeClr val="tx1"/>
+                      </a:solidFill>
+                      <a:prstDash val="solid"/>
+                      <a:round/>
+                      <a:headEnd type="none" w="med" len="med"/>
+                      <a:tailEnd type="none" w="med" len="med"/>
                     </a:lnR>
-                    <a:lnT w="6350" cap="flat" cmpd="sng" algn="ctr">
-                      <a:solidFill>
-                        <a:srgbClr val="44B3E1"/>
+                    <a:lnT w="12700" cap="flat" cmpd="sng" algn="ctr">
+                      <a:solidFill>
+                        <a:schemeClr val="tx1"/>
                       </a:solidFill>
                       <a:prstDash val="solid"/>
                       <a:round/>
                       <a:headEnd type="none" w="med" len="med"/>
                       <a:tailEnd type="none" w="med" len="med"/>
                     </a:lnT>
-                    <a:lnB w="6350" cap="flat" cmpd="sng" algn="ctr">
-                      <a:solidFill>
-                        <a:srgbClr val="44B3E1"/>
+                    <a:lnB w="12700" cap="flat" cmpd="sng" algn="ctr">
+                      <a:solidFill>
+                        <a:schemeClr val="tx1"/>
                       </a:solidFill>
                       <a:prstDash val="solid"/>
                       <a:round/>
@@ -12475,24 +12791,36 @@
                     </a:p>
                   </a:txBody>
                   <a:tcPr marL="3406" marR="3406" marT="6035" marB="0" anchor="b">
-                    <a:lnL>
-                      <a:noFill/>
+                    <a:lnL w="12700" cap="flat" cmpd="sng" algn="ctr">
+                      <a:solidFill>
+                        <a:schemeClr val="tx1"/>
+                      </a:solidFill>
+                      <a:prstDash val="solid"/>
+                      <a:round/>
+                      <a:headEnd type="none" w="med" len="med"/>
+                      <a:tailEnd type="none" w="med" len="med"/>
                     </a:lnL>
-                    <a:lnR>
-                      <a:noFill/>
+                    <a:lnR w="12700" cap="flat" cmpd="sng" algn="ctr">
+                      <a:solidFill>
+                        <a:schemeClr val="tx1"/>
+                      </a:solidFill>
+                      <a:prstDash val="solid"/>
+                      <a:round/>
+                      <a:headEnd type="none" w="med" len="med"/>
+                      <a:tailEnd type="none" w="med" len="med"/>
                     </a:lnR>
-                    <a:lnT w="6350" cap="flat" cmpd="sng" algn="ctr">
-                      <a:solidFill>
-                        <a:srgbClr val="44B3E1"/>
+                    <a:lnT w="12700" cap="flat" cmpd="sng" algn="ctr">
+                      <a:solidFill>
+                        <a:schemeClr val="tx1"/>
                       </a:solidFill>
                       <a:prstDash val="solid"/>
                       <a:round/>
                       <a:headEnd type="none" w="med" len="med"/>
                       <a:tailEnd type="none" w="med" len="med"/>
                     </a:lnT>
-                    <a:lnB w="6350" cap="flat" cmpd="sng" algn="ctr">
-                      <a:solidFill>
-                        <a:srgbClr val="44B3E1"/>
+                    <a:lnB w="12700" cap="flat" cmpd="sng" algn="ctr">
+                      <a:solidFill>
+                        <a:schemeClr val="tx1"/>
                       </a:solidFill>
                       <a:prstDash val="solid"/>
                       <a:round/>
@@ -12523,24 +12851,36 @@
                     </a:p>
                   </a:txBody>
                   <a:tcPr marL="3406" marR="3406" marT="6035" marB="0" anchor="b">
-                    <a:lnL>
-                      <a:noFill/>
+                    <a:lnL w="12700" cap="flat" cmpd="sng" algn="ctr">
+                      <a:solidFill>
+                        <a:schemeClr val="tx1"/>
+                      </a:solidFill>
+                      <a:prstDash val="solid"/>
+                      <a:round/>
+                      <a:headEnd type="none" w="med" len="med"/>
+                      <a:tailEnd type="none" w="med" len="med"/>
                     </a:lnL>
-                    <a:lnR>
-                      <a:noFill/>
+                    <a:lnR w="12700" cap="flat" cmpd="sng" algn="ctr">
+                      <a:solidFill>
+                        <a:schemeClr val="tx1"/>
+                      </a:solidFill>
+                      <a:prstDash val="solid"/>
+                      <a:round/>
+                      <a:headEnd type="none" w="med" len="med"/>
+                      <a:tailEnd type="none" w="med" len="med"/>
                     </a:lnR>
-                    <a:lnT w="6350" cap="flat" cmpd="sng" algn="ctr">
-                      <a:solidFill>
-                        <a:srgbClr val="44B3E1"/>
+                    <a:lnT w="12700" cap="flat" cmpd="sng" algn="ctr">
+                      <a:solidFill>
+                        <a:schemeClr val="tx1"/>
                       </a:solidFill>
                       <a:prstDash val="solid"/>
                       <a:round/>
                       <a:headEnd type="none" w="med" len="med"/>
                       <a:tailEnd type="none" w="med" len="med"/>
                     </a:lnT>
-                    <a:lnB w="6350" cap="flat" cmpd="sng" algn="ctr">
-                      <a:solidFill>
-                        <a:srgbClr val="44B3E1"/>
+                    <a:lnB w="12700" cap="flat" cmpd="sng" algn="ctr">
+                      <a:solidFill>
+                        <a:schemeClr val="tx1"/>
                       </a:solidFill>
                       <a:prstDash val="solid"/>
                       <a:round/>
@@ -12571,24 +12911,36 @@
                     </a:p>
                   </a:txBody>
                   <a:tcPr marL="3406" marR="3406" marT="6035" marB="0" anchor="b">
-                    <a:lnL>
-                      <a:noFill/>
+                    <a:lnL w="12700" cap="flat" cmpd="sng" algn="ctr">
+                      <a:solidFill>
+                        <a:schemeClr val="tx1"/>
+                      </a:solidFill>
+                      <a:prstDash val="solid"/>
+                      <a:round/>
+                      <a:headEnd type="none" w="med" len="med"/>
+                      <a:tailEnd type="none" w="med" len="med"/>
                     </a:lnL>
-                    <a:lnR>
-                      <a:noFill/>
+                    <a:lnR w="12700" cap="flat" cmpd="sng" algn="ctr">
+                      <a:solidFill>
+                        <a:schemeClr val="tx1"/>
+                      </a:solidFill>
+                      <a:prstDash val="solid"/>
+                      <a:round/>
+                      <a:headEnd type="none" w="med" len="med"/>
+                      <a:tailEnd type="none" w="med" len="med"/>
                     </a:lnR>
-                    <a:lnT w="6350" cap="flat" cmpd="sng" algn="ctr">
-                      <a:solidFill>
-                        <a:srgbClr val="44B3E1"/>
+                    <a:lnT w="12700" cap="flat" cmpd="sng" algn="ctr">
+                      <a:solidFill>
+                        <a:schemeClr val="tx1"/>
                       </a:solidFill>
                       <a:prstDash val="solid"/>
                       <a:round/>
                       <a:headEnd type="none" w="med" len="med"/>
                       <a:tailEnd type="none" w="med" len="med"/>
                     </a:lnT>
-                    <a:lnB w="6350" cap="flat" cmpd="sng" algn="ctr">
-                      <a:solidFill>
-                        <a:srgbClr val="44B3E1"/>
+                    <a:lnB w="12700" cap="flat" cmpd="sng" algn="ctr">
+                      <a:solidFill>
+                        <a:schemeClr val="tx1"/>
                       </a:solidFill>
                       <a:prstDash val="solid"/>
                       <a:round/>
@@ -12619,24 +12971,36 @@
                     </a:p>
                   </a:txBody>
                   <a:tcPr marL="3406" marR="3406" marT="6035" marB="0" anchor="b">
-                    <a:lnL>
-                      <a:noFill/>
+                    <a:lnL w="12700" cap="flat" cmpd="sng" algn="ctr">
+                      <a:solidFill>
+                        <a:schemeClr val="tx1"/>
+                      </a:solidFill>
+                      <a:prstDash val="solid"/>
+                      <a:round/>
+                      <a:headEnd type="none" w="med" len="med"/>
+                      <a:tailEnd type="none" w="med" len="med"/>
                     </a:lnL>
-                    <a:lnR>
-                      <a:noFill/>
+                    <a:lnR w="12700" cap="flat" cmpd="sng" algn="ctr">
+                      <a:solidFill>
+                        <a:schemeClr val="tx1"/>
+                      </a:solidFill>
+                      <a:prstDash val="solid"/>
+                      <a:round/>
+                      <a:headEnd type="none" w="med" len="med"/>
+                      <a:tailEnd type="none" w="med" len="med"/>
                     </a:lnR>
-                    <a:lnT w="6350" cap="flat" cmpd="sng" algn="ctr">
-                      <a:solidFill>
-                        <a:srgbClr val="44B3E1"/>
+                    <a:lnT w="12700" cap="flat" cmpd="sng" algn="ctr">
+                      <a:solidFill>
+                        <a:schemeClr val="tx1"/>
                       </a:solidFill>
                       <a:prstDash val="solid"/>
                       <a:round/>
                       <a:headEnd type="none" w="med" len="med"/>
                       <a:tailEnd type="none" w="med" len="med"/>
                     </a:lnT>
-                    <a:lnB w="6350" cap="flat" cmpd="sng" algn="ctr">
-                      <a:solidFill>
-                        <a:srgbClr val="44B3E1"/>
+                    <a:lnB w="12700" cap="flat" cmpd="sng" algn="ctr">
+                      <a:solidFill>
+                        <a:schemeClr val="tx1"/>
                       </a:solidFill>
                       <a:prstDash val="solid"/>
                       <a:round/>
@@ -12667,24 +13031,36 @@
                     </a:p>
                   </a:txBody>
                   <a:tcPr marL="3406" marR="3406" marT="6035" marB="0" anchor="b">
-                    <a:lnL>
-                      <a:noFill/>
+                    <a:lnL w="12700" cap="flat" cmpd="sng" algn="ctr">
+                      <a:solidFill>
+                        <a:schemeClr val="tx1"/>
+                      </a:solidFill>
+                      <a:prstDash val="solid"/>
+                      <a:round/>
+                      <a:headEnd type="none" w="med" len="med"/>
+                      <a:tailEnd type="none" w="med" len="med"/>
                     </a:lnL>
-                    <a:lnR>
-                      <a:noFill/>
+                    <a:lnR w="12700" cap="flat" cmpd="sng" algn="ctr">
+                      <a:solidFill>
+                        <a:schemeClr val="tx1"/>
+                      </a:solidFill>
+                      <a:prstDash val="solid"/>
+                      <a:round/>
+                      <a:headEnd type="none" w="med" len="med"/>
+                      <a:tailEnd type="none" w="med" len="med"/>
                     </a:lnR>
-                    <a:lnT w="6350" cap="flat" cmpd="sng" algn="ctr">
-                      <a:solidFill>
-                        <a:srgbClr val="44B3E1"/>
+                    <a:lnT w="12700" cap="flat" cmpd="sng" algn="ctr">
+                      <a:solidFill>
+                        <a:schemeClr val="tx1"/>
                       </a:solidFill>
                       <a:prstDash val="solid"/>
                       <a:round/>
                       <a:headEnd type="none" w="med" len="med"/>
                       <a:tailEnd type="none" w="med" len="med"/>
                     </a:lnT>
-                    <a:lnB w="6350" cap="flat" cmpd="sng" algn="ctr">
-                      <a:solidFill>
-                        <a:srgbClr val="44B3E1"/>
+                    <a:lnB w="12700" cap="flat" cmpd="sng" algn="ctr">
+                      <a:solidFill>
+                        <a:schemeClr val="tx1"/>
                       </a:solidFill>
                       <a:prstDash val="solid"/>
                       <a:round/>
@@ -12715,24 +13091,36 @@
                     </a:p>
                   </a:txBody>
                   <a:tcPr marL="3406" marR="3406" marT="6035" marB="0" anchor="b">
-                    <a:lnL>
-                      <a:noFill/>
+                    <a:lnL w="12700" cap="flat" cmpd="sng" algn="ctr">
+                      <a:solidFill>
+                        <a:schemeClr val="tx1"/>
+                      </a:solidFill>
+                      <a:prstDash val="solid"/>
+                      <a:round/>
+                      <a:headEnd type="none" w="med" len="med"/>
+                      <a:tailEnd type="none" w="med" len="med"/>
                     </a:lnL>
-                    <a:lnR>
-                      <a:noFill/>
+                    <a:lnR w="12700" cap="flat" cmpd="sng" algn="ctr">
+                      <a:solidFill>
+                        <a:schemeClr val="tx1"/>
+                      </a:solidFill>
+                      <a:prstDash val="solid"/>
+                      <a:round/>
+                      <a:headEnd type="none" w="med" len="med"/>
+                      <a:tailEnd type="none" w="med" len="med"/>
                     </a:lnR>
-                    <a:lnT w="6350" cap="flat" cmpd="sng" algn="ctr">
-                      <a:solidFill>
-                        <a:srgbClr val="44B3E1"/>
+                    <a:lnT w="12700" cap="flat" cmpd="sng" algn="ctr">
+                      <a:solidFill>
+                        <a:schemeClr val="tx1"/>
                       </a:solidFill>
                       <a:prstDash val="solid"/>
                       <a:round/>
                       <a:headEnd type="none" w="med" len="med"/>
                       <a:tailEnd type="none" w="med" len="med"/>
                     </a:lnT>
-                    <a:lnB w="6350" cap="flat" cmpd="sng" algn="ctr">
-                      <a:solidFill>
-                        <a:srgbClr val="44B3E1"/>
+                    <a:lnB w="12700" cap="flat" cmpd="sng" algn="ctr">
+                      <a:solidFill>
+                        <a:schemeClr val="tx1"/>
                       </a:solidFill>
                       <a:prstDash val="solid"/>
                       <a:round/>
@@ -12763,24 +13151,36 @@
                     </a:p>
                   </a:txBody>
                   <a:tcPr marL="3406" marR="3406" marT="6035" marB="0" anchor="b">
-                    <a:lnL>
-                      <a:noFill/>
+                    <a:lnL w="12700" cap="flat" cmpd="sng" algn="ctr">
+                      <a:solidFill>
+                        <a:schemeClr val="tx1"/>
+                      </a:solidFill>
+                      <a:prstDash val="solid"/>
+                      <a:round/>
+                      <a:headEnd type="none" w="med" len="med"/>
+                      <a:tailEnd type="none" w="med" len="med"/>
                     </a:lnL>
-                    <a:lnR>
-                      <a:noFill/>
+                    <a:lnR w="12700" cap="flat" cmpd="sng" algn="ctr">
+                      <a:solidFill>
+                        <a:schemeClr val="tx1"/>
+                      </a:solidFill>
+                      <a:prstDash val="solid"/>
+                      <a:round/>
+                      <a:headEnd type="none" w="med" len="med"/>
+                      <a:tailEnd type="none" w="med" len="med"/>
                     </a:lnR>
-                    <a:lnT w="6350" cap="flat" cmpd="sng" algn="ctr">
-                      <a:solidFill>
-                        <a:srgbClr val="44B3E1"/>
+                    <a:lnT w="12700" cap="flat" cmpd="sng" algn="ctr">
+                      <a:solidFill>
+                        <a:schemeClr val="tx1"/>
                       </a:solidFill>
                       <a:prstDash val="solid"/>
                       <a:round/>
                       <a:headEnd type="none" w="med" len="med"/>
                       <a:tailEnd type="none" w="med" len="med"/>
                     </a:lnT>
-                    <a:lnB w="6350" cap="flat" cmpd="sng" algn="ctr">
-                      <a:solidFill>
-                        <a:srgbClr val="44B3E1"/>
+                    <a:lnB w="12700" cap="flat" cmpd="sng" algn="ctr">
+                      <a:solidFill>
+                        <a:schemeClr val="tx1"/>
                       </a:solidFill>
                       <a:prstDash val="solid"/>
                       <a:round/>
@@ -12811,24 +13211,36 @@
                     </a:p>
                   </a:txBody>
                   <a:tcPr marL="3406" marR="3406" marT="6035" marB="0" anchor="b">
-                    <a:lnL>
-                      <a:noFill/>
+                    <a:lnL w="12700" cap="flat" cmpd="sng" algn="ctr">
+                      <a:solidFill>
+                        <a:schemeClr val="tx1"/>
+                      </a:solidFill>
+                      <a:prstDash val="solid"/>
+                      <a:round/>
+                      <a:headEnd type="none" w="med" len="med"/>
+                      <a:tailEnd type="none" w="med" len="med"/>
                     </a:lnL>
-                    <a:lnR>
-                      <a:noFill/>
+                    <a:lnR w="12700" cap="flat" cmpd="sng" algn="ctr">
+                      <a:solidFill>
+                        <a:schemeClr val="tx1"/>
+                      </a:solidFill>
+                      <a:prstDash val="solid"/>
+                      <a:round/>
+                      <a:headEnd type="none" w="med" len="med"/>
+                      <a:tailEnd type="none" w="med" len="med"/>
                     </a:lnR>
-                    <a:lnT w="6350" cap="flat" cmpd="sng" algn="ctr">
-                      <a:solidFill>
-                        <a:srgbClr val="44B3E1"/>
+                    <a:lnT w="12700" cap="flat" cmpd="sng" algn="ctr">
+                      <a:solidFill>
+                        <a:schemeClr val="tx1"/>
                       </a:solidFill>
                       <a:prstDash val="solid"/>
                       <a:round/>
                       <a:headEnd type="none" w="med" len="med"/>
                       <a:tailEnd type="none" w="med" len="med"/>
                     </a:lnT>
-                    <a:lnB w="6350" cap="flat" cmpd="sng" algn="ctr">
-                      <a:solidFill>
-                        <a:srgbClr val="44B3E1"/>
+                    <a:lnB w="12700" cap="flat" cmpd="sng" algn="ctr">
+                      <a:solidFill>
+                        <a:schemeClr val="tx1"/>
                       </a:solidFill>
                       <a:prstDash val="solid"/>
                       <a:round/>
@@ -12859,24 +13271,36 @@
                     </a:p>
                   </a:txBody>
                   <a:tcPr marL="3406" marR="3406" marT="6035" marB="0" anchor="b">
-                    <a:lnL>
-                      <a:noFill/>
+                    <a:lnL w="12700" cap="flat" cmpd="sng" algn="ctr">
+                      <a:solidFill>
+                        <a:schemeClr val="tx1"/>
+                      </a:solidFill>
+                      <a:prstDash val="solid"/>
+                      <a:round/>
+                      <a:headEnd type="none" w="med" len="med"/>
+                      <a:tailEnd type="none" w="med" len="med"/>
                     </a:lnL>
-                    <a:lnR>
-                      <a:noFill/>
+                    <a:lnR w="12700" cap="flat" cmpd="sng" algn="ctr">
+                      <a:solidFill>
+                        <a:schemeClr val="tx1"/>
+                      </a:solidFill>
+                      <a:prstDash val="solid"/>
+                      <a:round/>
+                      <a:headEnd type="none" w="med" len="med"/>
+                      <a:tailEnd type="none" w="med" len="med"/>
                     </a:lnR>
-                    <a:lnT w="6350" cap="flat" cmpd="sng" algn="ctr">
-                      <a:solidFill>
-                        <a:srgbClr val="44B3E1"/>
+                    <a:lnT w="12700" cap="flat" cmpd="sng" algn="ctr">
+                      <a:solidFill>
+                        <a:schemeClr val="tx1"/>
                       </a:solidFill>
                       <a:prstDash val="solid"/>
                       <a:round/>
                       <a:headEnd type="none" w="med" len="med"/>
                       <a:tailEnd type="none" w="med" len="med"/>
                     </a:lnT>
-                    <a:lnB w="6350" cap="flat" cmpd="sng" algn="ctr">
-                      <a:solidFill>
-                        <a:srgbClr val="44B3E1"/>
+                    <a:lnB w="12700" cap="flat" cmpd="sng" algn="ctr">
+                      <a:solidFill>
+                        <a:schemeClr val="tx1"/>
                       </a:solidFill>
                       <a:prstDash val="solid"/>
                       <a:round/>
@@ -12907,24 +13331,36 @@
                     </a:p>
                   </a:txBody>
                   <a:tcPr marL="3406" marR="3406" marT="6035" marB="0" anchor="b">
-                    <a:lnL>
-                      <a:noFill/>
+                    <a:lnL w="12700" cap="flat" cmpd="sng" algn="ctr">
+                      <a:solidFill>
+                        <a:schemeClr val="tx1"/>
+                      </a:solidFill>
+                      <a:prstDash val="solid"/>
+                      <a:round/>
+                      <a:headEnd type="none" w="med" len="med"/>
+                      <a:tailEnd type="none" w="med" len="med"/>
                     </a:lnL>
-                    <a:lnR>
-                      <a:noFill/>
+                    <a:lnR w="12700" cap="flat" cmpd="sng" algn="ctr">
+                      <a:solidFill>
+                        <a:schemeClr val="tx1"/>
+                      </a:solidFill>
+                      <a:prstDash val="solid"/>
+                      <a:round/>
+                      <a:headEnd type="none" w="med" len="med"/>
+                      <a:tailEnd type="none" w="med" len="med"/>
                     </a:lnR>
-                    <a:lnT w="6350" cap="flat" cmpd="sng" algn="ctr">
-                      <a:solidFill>
-                        <a:srgbClr val="44B3E1"/>
+                    <a:lnT w="12700" cap="flat" cmpd="sng" algn="ctr">
+                      <a:solidFill>
+                        <a:schemeClr val="tx1"/>
                       </a:solidFill>
                       <a:prstDash val="solid"/>
                       <a:round/>
                       <a:headEnd type="none" w="med" len="med"/>
                       <a:tailEnd type="none" w="med" len="med"/>
                     </a:lnT>
-                    <a:lnB w="6350" cap="flat" cmpd="sng" algn="ctr">
-                      <a:solidFill>
-                        <a:srgbClr val="44B3E1"/>
+                    <a:lnB w="12700" cap="flat" cmpd="sng" algn="ctr">
+                      <a:solidFill>
+                        <a:schemeClr val="tx1"/>
                       </a:solidFill>
                       <a:prstDash val="solid"/>
                       <a:round/>
@@ -12955,24 +13391,36 @@
                     </a:p>
                   </a:txBody>
                   <a:tcPr marL="3406" marR="3406" marT="6035" marB="0" anchor="b">
-                    <a:lnL>
-                      <a:noFill/>
+                    <a:lnL w="12700" cap="flat" cmpd="sng" algn="ctr">
+                      <a:solidFill>
+                        <a:schemeClr val="tx1"/>
+                      </a:solidFill>
+                      <a:prstDash val="solid"/>
+                      <a:round/>
+                      <a:headEnd type="none" w="med" len="med"/>
+                      <a:tailEnd type="none" w="med" len="med"/>
                     </a:lnL>
-                    <a:lnR>
-                      <a:noFill/>
+                    <a:lnR w="12700" cap="flat" cmpd="sng" algn="ctr">
+                      <a:solidFill>
+                        <a:schemeClr val="tx1"/>
+                      </a:solidFill>
+                      <a:prstDash val="solid"/>
+                      <a:round/>
+                      <a:headEnd type="none" w="med" len="med"/>
+                      <a:tailEnd type="none" w="med" len="med"/>
                     </a:lnR>
-                    <a:lnT w="6350" cap="flat" cmpd="sng" algn="ctr">
-                      <a:solidFill>
-                        <a:srgbClr val="44B3E1"/>
+                    <a:lnT w="12700" cap="flat" cmpd="sng" algn="ctr">
+                      <a:solidFill>
+                        <a:schemeClr val="tx1"/>
                       </a:solidFill>
                       <a:prstDash val="solid"/>
                       <a:round/>
                       <a:headEnd type="none" w="med" len="med"/>
                       <a:tailEnd type="none" w="med" len="med"/>
                     </a:lnT>
-                    <a:lnB w="6350" cap="flat" cmpd="sng" algn="ctr">
-                      <a:solidFill>
-                        <a:srgbClr val="44B3E1"/>
+                    <a:lnB w="12700" cap="flat" cmpd="sng" algn="ctr">
+                      <a:solidFill>
+                        <a:schemeClr val="tx1"/>
                       </a:solidFill>
                       <a:prstDash val="solid"/>
                       <a:round/>
@@ -13003,24 +13451,36 @@
                     </a:p>
                   </a:txBody>
                   <a:tcPr marL="3406" marR="3406" marT="6035" marB="0" anchor="b">
-                    <a:lnL>
-                      <a:noFill/>
+                    <a:lnL w="12700" cap="flat" cmpd="sng" algn="ctr">
+                      <a:solidFill>
+                        <a:schemeClr val="tx1"/>
+                      </a:solidFill>
+                      <a:prstDash val="solid"/>
+                      <a:round/>
+                      <a:headEnd type="none" w="med" len="med"/>
+                      <a:tailEnd type="none" w="med" len="med"/>
                     </a:lnL>
-                    <a:lnR>
-                      <a:noFill/>
+                    <a:lnR w="12700" cap="flat" cmpd="sng" algn="ctr">
+                      <a:solidFill>
+                        <a:schemeClr val="tx1"/>
+                      </a:solidFill>
+                      <a:prstDash val="solid"/>
+                      <a:round/>
+                      <a:headEnd type="none" w="med" len="med"/>
+                      <a:tailEnd type="none" w="med" len="med"/>
                     </a:lnR>
-                    <a:lnT w="6350" cap="flat" cmpd="sng" algn="ctr">
-                      <a:solidFill>
-                        <a:srgbClr val="44B3E1"/>
+                    <a:lnT w="12700" cap="flat" cmpd="sng" algn="ctr">
+                      <a:solidFill>
+                        <a:schemeClr val="tx1"/>
                       </a:solidFill>
                       <a:prstDash val="solid"/>
                       <a:round/>
                       <a:headEnd type="none" w="med" len="med"/>
                       <a:tailEnd type="none" w="med" len="med"/>
                     </a:lnT>
-                    <a:lnB w="6350" cap="flat" cmpd="sng" algn="ctr">
-                      <a:solidFill>
-                        <a:srgbClr val="44B3E1"/>
+                    <a:lnB w="12700" cap="flat" cmpd="sng" algn="ctr">
+                      <a:solidFill>
+                        <a:schemeClr val="tx1"/>
                       </a:solidFill>
                       <a:prstDash val="solid"/>
                       <a:round/>
@@ -13051,30 +13511,36 @@
                     </a:p>
                   </a:txBody>
                   <a:tcPr marL="3406" marR="3406" marT="6035" marB="0" anchor="b">
-                    <a:lnL>
-                      <a:noFill/>
+                    <a:lnL w="12700" cap="flat" cmpd="sng" algn="ctr">
+                      <a:solidFill>
+                        <a:schemeClr val="tx1"/>
+                      </a:solidFill>
+                      <a:prstDash val="solid"/>
+                      <a:round/>
+                      <a:headEnd type="none" w="med" len="med"/>
+                      <a:tailEnd type="none" w="med" len="med"/>
                     </a:lnL>
-                    <a:lnR w="6350" cap="flat" cmpd="sng" algn="ctr">
-                      <a:solidFill>
-                        <a:srgbClr val="44B3E1"/>
+                    <a:lnR w="12700" cap="flat" cmpd="sng" algn="ctr">
+                      <a:solidFill>
+                        <a:schemeClr val="tx1"/>
                       </a:solidFill>
                       <a:prstDash val="solid"/>
                       <a:round/>
                       <a:headEnd type="none" w="med" len="med"/>
                       <a:tailEnd type="none" w="med" len="med"/>
                     </a:lnR>
-                    <a:lnT w="6350" cap="flat" cmpd="sng" algn="ctr">
-                      <a:solidFill>
-                        <a:srgbClr val="44B3E1"/>
+                    <a:lnT w="12700" cap="flat" cmpd="sng" algn="ctr">
+                      <a:solidFill>
+                        <a:schemeClr val="tx1"/>
                       </a:solidFill>
                       <a:prstDash val="solid"/>
                       <a:round/>
                       <a:headEnd type="none" w="med" len="med"/>
                       <a:tailEnd type="none" w="med" len="med"/>
                     </a:lnT>
-                    <a:lnB w="6350" cap="flat" cmpd="sng" algn="ctr">
-                      <a:solidFill>
-                        <a:srgbClr val="44B3E1"/>
+                    <a:lnB w="12700" cap="flat" cmpd="sng" algn="ctr">
+                      <a:solidFill>
+                        <a:schemeClr val="tx1"/>
                       </a:solidFill>
                       <a:prstDash val="solid"/>
                       <a:round/>
@@ -13112,30 +13578,36 @@
                     </a:p>
                   </a:txBody>
                   <a:tcPr marL="3406" marR="3406" marT="6035" marB="0" anchor="b">
-                    <a:lnL w="6350" cap="flat" cmpd="sng" algn="ctr">
-                      <a:solidFill>
-                        <a:srgbClr val="44B3E1"/>
+                    <a:lnL w="12700" cap="flat" cmpd="sng" algn="ctr">
+                      <a:solidFill>
+                        <a:schemeClr val="tx1"/>
                       </a:solidFill>
                       <a:prstDash val="solid"/>
                       <a:round/>
                       <a:headEnd type="none" w="med" len="med"/>
                       <a:tailEnd type="none" w="med" len="med"/>
                     </a:lnL>
-                    <a:lnR>
-                      <a:noFill/>
+                    <a:lnR w="12700" cap="flat" cmpd="sng" algn="ctr">
+                      <a:solidFill>
+                        <a:schemeClr val="tx1"/>
+                      </a:solidFill>
+                      <a:prstDash val="solid"/>
+                      <a:round/>
+                      <a:headEnd type="none" w="med" len="med"/>
+                      <a:tailEnd type="none" w="med" len="med"/>
                     </a:lnR>
-                    <a:lnT w="6350" cap="flat" cmpd="sng" algn="ctr">
-                      <a:solidFill>
-                        <a:srgbClr val="44B3E1"/>
+                    <a:lnT w="12700" cap="flat" cmpd="sng" algn="ctr">
+                      <a:solidFill>
+                        <a:schemeClr val="tx1"/>
                       </a:solidFill>
                       <a:prstDash val="solid"/>
                       <a:round/>
                       <a:headEnd type="none" w="med" len="med"/>
                       <a:tailEnd type="none" w="med" len="med"/>
                     </a:lnT>
-                    <a:lnB w="6350" cap="flat" cmpd="sng" algn="ctr">
-                      <a:solidFill>
-                        <a:srgbClr val="44B3E1"/>
+                    <a:lnB w="12700" cap="flat" cmpd="sng" algn="ctr">
+                      <a:solidFill>
+                        <a:schemeClr val="tx1"/>
                       </a:solidFill>
                       <a:prstDash val="solid"/>
                       <a:round/>
@@ -13164,24 +13636,36 @@
                     </a:p>
                   </a:txBody>
                   <a:tcPr marL="3406" marR="3406" marT="6035" marB="0" anchor="b">
-                    <a:lnL>
-                      <a:noFill/>
+                    <a:lnL w="12700" cap="flat" cmpd="sng" algn="ctr">
+                      <a:solidFill>
+                        <a:schemeClr val="tx1"/>
+                      </a:solidFill>
+                      <a:prstDash val="solid"/>
+                      <a:round/>
+                      <a:headEnd type="none" w="med" len="med"/>
+                      <a:tailEnd type="none" w="med" len="med"/>
                     </a:lnL>
-                    <a:lnR>
-                      <a:noFill/>
+                    <a:lnR w="12700" cap="flat" cmpd="sng" algn="ctr">
+                      <a:solidFill>
+                        <a:schemeClr val="tx1"/>
+                      </a:solidFill>
+                      <a:prstDash val="solid"/>
+                      <a:round/>
+                      <a:headEnd type="none" w="med" len="med"/>
+                      <a:tailEnd type="none" w="med" len="med"/>
                     </a:lnR>
-                    <a:lnT w="6350" cap="flat" cmpd="sng" algn="ctr">
-                      <a:solidFill>
-                        <a:srgbClr val="44B3E1"/>
+                    <a:lnT w="12700" cap="flat" cmpd="sng" algn="ctr">
+                      <a:solidFill>
+                        <a:schemeClr val="tx1"/>
                       </a:solidFill>
                       <a:prstDash val="solid"/>
                       <a:round/>
                       <a:headEnd type="none" w="med" len="med"/>
                       <a:tailEnd type="none" w="med" len="med"/>
                     </a:lnT>
-                    <a:lnB w="6350" cap="flat" cmpd="sng" algn="ctr">
-                      <a:solidFill>
-                        <a:srgbClr val="44B3E1"/>
+                    <a:lnB w="12700" cap="flat" cmpd="sng" algn="ctr">
+                      <a:solidFill>
+                        <a:schemeClr val="tx1"/>
                       </a:solidFill>
                       <a:prstDash val="solid"/>
                       <a:round/>
@@ -13210,24 +13694,36 @@
                     </a:p>
                   </a:txBody>
                   <a:tcPr marL="3406" marR="3406" marT="6035" marB="0" anchor="b">
-                    <a:lnL>
-                      <a:noFill/>
+                    <a:lnL w="12700" cap="flat" cmpd="sng" algn="ctr">
+                      <a:solidFill>
+                        <a:schemeClr val="tx1"/>
+                      </a:solidFill>
+                      <a:prstDash val="solid"/>
+                      <a:round/>
+                      <a:headEnd type="none" w="med" len="med"/>
+                      <a:tailEnd type="none" w="med" len="med"/>
                     </a:lnL>
-                    <a:lnR>
-                      <a:noFill/>
+                    <a:lnR w="12700" cap="flat" cmpd="sng" algn="ctr">
+                      <a:solidFill>
+                        <a:schemeClr val="tx1"/>
+                      </a:solidFill>
+                      <a:prstDash val="solid"/>
+                      <a:round/>
+                      <a:headEnd type="none" w="med" len="med"/>
+                      <a:tailEnd type="none" w="med" len="med"/>
                     </a:lnR>
-                    <a:lnT w="6350" cap="flat" cmpd="sng" algn="ctr">
-                      <a:solidFill>
-                        <a:srgbClr val="44B3E1"/>
+                    <a:lnT w="12700" cap="flat" cmpd="sng" algn="ctr">
+                      <a:solidFill>
+                        <a:schemeClr val="tx1"/>
                       </a:solidFill>
                       <a:prstDash val="solid"/>
                       <a:round/>
                       <a:headEnd type="none" w="med" len="med"/>
                       <a:tailEnd type="none" w="med" len="med"/>
                     </a:lnT>
-                    <a:lnB w="6350" cap="flat" cmpd="sng" algn="ctr">
-                      <a:solidFill>
-                        <a:srgbClr val="44B3E1"/>
+                    <a:lnB w="12700" cap="flat" cmpd="sng" algn="ctr">
+                      <a:solidFill>
+                        <a:schemeClr val="tx1"/>
                       </a:solidFill>
                       <a:prstDash val="solid"/>
                       <a:round/>
@@ -13256,24 +13752,36 @@
                     </a:p>
                   </a:txBody>
                   <a:tcPr marL="3406" marR="3406" marT="6035" marB="0" anchor="b">
-                    <a:lnL>
-                      <a:noFill/>
+                    <a:lnL w="12700" cap="flat" cmpd="sng" algn="ctr">
+                      <a:solidFill>
+                        <a:schemeClr val="tx1"/>
+                      </a:solidFill>
+                      <a:prstDash val="solid"/>
+                      <a:round/>
+                      <a:headEnd type="none" w="med" len="med"/>
+                      <a:tailEnd type="none" w="med" len="med"/>
                     </a:lnL>
-                    <a:lnR>
-                      <a:noFill/>
+                    <a:lnR w="12700" cap="flat" cmpd="sng" algn="ctr">
+                      <a:solidFill>
+                        <a:schemeClr val="tx1"/>
+                      </a:solidFill>
+                      <a:prstDash val="solid"/>
+                      <a:round/>
+                      <a:headEnd type="none" w="med" len="med"/>
+                      <a:tailEnd type="none" w="med" len="med"/>
                     </a:lnR>
-                    <a:lnT w="6350" cap="flat" cmpd="sng" algn="ctr">
-                      <a:solidFill>
-                        <a:srgbClr val="44B3E1"/>
+                    <a:lnT w="12700" cap="flat" cmpd="sng" algn="ctr">
+                      <a:solidFill>
+                        <a:schemeClr val="tx1"/>
                       </a:solidFill>
                       <a:prstDash val="solid"/>
                       <a:round/>
                       <a:headEnd type="none" w="med" len="med"/>
                       <a:tailEnd type="none" w="med" len="med"/>
                     </a:lnT>
-                    <a:lnB w="6350" cap="flat" cmpd="sng" algn="ctr">
-                      <a:solidFill>
-                        <a:srgbClr val="44B3E1"/>
+                    <a:lnB w="12700" cap="flat" cmpd="sng" algn="ctr">
+                      <a:solidFill>
+                        <a:schemeClr val="tx1"/>
                       </a:solidFill>
                       <a:prstDash val="solid"/>
                       <a:round/>
@@ -13302,24 +13810,36 @@
                     </a:p>
                   </a:txBody>
                   <a:tcPr marL="3406" marR="3406" marT="6035" marB="0" anchor="b">
-                    <a:lnL>
-                      <a:noFill/>
+                    <a:lnL w="12700" cap="flat" cmpd="sng" algn="ctr">
+                      <a:solidFill>
+                        <a:schemeClr val="tx1"/>
+                      </a:solidFill>
+                      <a:prstDash val="solid"/>
+                      <a:round/>
+                      <a:headEnd type="none" w="med" len="med"/>
+                      <a:tailEnd type="none" w="med" len="med"/>
                     </a:lnL>
-                    <a:lnR>
-                      <a:noFill/>
+                    <a:lnR w="12700" cap="flat" cmpd="sng" algn="ctr">
+                      <a:solidFill>
+                        <a:schemeClr val="tx1"/>
+                      </a:solidFill>
+                      <a:prstDash val="solid"/>
+                      <a:round/>
+                      <a:headEnd type="none" w="med" len="med"/>
+                      <a:tailEnd type="none" w="med" len="med"/>
                     </a:lnR>
-                    <a:lnT w="6350" cap="flat" cmpd="sng" algn="ctr">
-                      <a:solidFill>
-                        <a:srgbClr val="44B3E1"/>
+                    <a:lnT w="12700" cap="flat" cmpd="sng" algn="ctr">
+                      <a:solidFill>
+                        <a:schemeClr val="tx1"/>
                       </a:solidFill>
                       <a:prstDash val="solid"/>
                       <a:round/>
                       <a:headEnd type="none" w="med" len="med"/>
                       <a:tailEnd type="none" w="med" len="med"/>
                     </a:lnT>
-                    <a:lnB w="6350" cap="flat" cmpd="sng" algn="ctr">
-                      <a:solidFill>
-                        <a:srgbClr val="44B3E1"/>
+                    <a:lnB w="12700" cap="flat" cmpd="sng" algn="ctr">
+                      <a:solidFill>
+                        <a:schemeClr val="tx1"/>
                       </a:solidFill>
                       <a:prstDash val="solid"/>
                       <a:round/>
@@ -13348,24 +13868,36 @@
                     </a:p>
                   </a:txBody>
                   <a:tcPr marL="3406" marR="3406" marT="6035" marB="0" anchor="b">
-                    <a:lnL>
-                      <a:noFill/>
+                    <a:lnL w="12700" cap="flat" cmpd="sng" algn="ctr">
+                      <a:solidFill>
+                        <a:schemeClr val="tx1"/>
+                      </a:solidFill>
+                      <a:prstDash val="solid"/>
+                      <a:round/>
+                      <a:headEnd type="none" w="med" len="med"/>
+                      <a:tailEnd type="none" w="med" len="med"/>
                     </a:lnL>
-                    <a:lnR>
-                      <a:noFill/>
+                    <a:lnR w="12700" cap="flat" cmpd="sng" algn="ctr">
+                      <a:solidFill>
+                        <a:schemeClr val="tx1"/>
+                      </a:solidFill>
+                      <a:prstDash val="solid"/>
+                      <a:round/>
+                      <a:headEnd type="none" w="med" len="med"/>
+                      <a:tailEnd type="none" w="med" len="med"/>
                     </a:lnR>
-                    <a:lnT w="6350" cap="flat" cmpd="sng" algn="ctr">
-                      <a:solidFill>
-                        <a:srgbClr val="44B3E1"/>
+                    <a:lnT w="12700" cap="flat" cmpd="sng" algn="ctr">
+                      <a:solidFill>
+                        <a:schemeClr val="tx1"/>
                       </a:solidFill>
                       <a:prstDash val="solid"/>
                       <a:round/>
                       <a:headEnd type="none" w="med" len="med"/>
                       <a:tailEnd type="none" w="med" len="med"/>
                     </a:lnT>
-                    <a:lnB w="6350" cap="flat" cmpd="sng" algn="ctr">
-                      <a:solidFill>
-                        <a:srgbClr val="44B3E1"/>
+                    <a:lnB w="12700" cap="flat" cmpd="sng" algn="ctr">
+                      <a:solidFill>
+                        <a:schemeClr val="tx1"/>
                       </a:solidFill>
                       <a:prstDash val="solid"/>
                       <a:round/>
@@ -13394,24 +13926,36 @@
                     </a:p>
                   </a:txBody>
                   <a:tcPr marL="3406" marR="3406" marT="6035" marB="0" anchor="b">
-                    <a:lnL>
-                      <a:noFill/>
+                    <a:lnL w="12700" cap="flat" cmpd="sng" algn="ctr">
+                      <a:solidFill>
+                        <a:schemeClr val="tx1"/>
+                      </a:solidFill>
+                      <a:prstDash val="solid"/>
+                      <a:round/>
+                      <a:headEnd type="none" w="med" len="med"/>
+                      <a:tailEnd type="none" w="med" len="med"/>
                     </a:lnL>
-                    <a:lnR>
-                      <a:noFill/>
+                    <a:lnR w="12700" cap="flat" cmpd="sng" algn="ctr">
+                      <a:solidFill>
+                        <a:schemeClr val="tx1"/>
+                      </a:solidFill>
+                      <a:prstDash val="solid"/>
+                      <a:round/>
+                      <a:headEnd type="none" w="med" len="med"/>
+                      <a:tailEnd type="none" w="med" len="med"/>
                     </a:lnR>
-                    <a:lnT w="6350" cap="flat" cmpd="sng" algn="ctr">
-                      <a:solidFill>
-                        <a:srgbClr val="44B3E1"/>
+                    <a:lnT w="12700" cap="flat" cmpd="sng" algn="ctr">
+                      <a:solidFill>
+                        <a:schemeClr val="tx1"/>
                       </a:solidFill>
                       <a:prstDash val="solid"/>
                       <a:round/>
                       <a:headEnd type="none" w="med" len="med"/>
                       <a:tailEnd type="none" w="med" len="med"/>
                     </a:lnT>
-                    <a:lnB w="6350" cap="flat" cmpd="sng" algn="ctr">
-                      <a:solidFill>
-                        <a:srgbClr val="44B3E1"/>
+                    <a:lnB w="12700" cap="flat" cmpd="sng" algn="ctr">
+                      <a:solidFill>
+                        <a:schemeClr val="tx1"/>
                       </a:solidFill>
                       <a:prstDash val="solid"/>
                       <a:round/>
@@ -13440,24 +13984,36 @@
                     </a:p>
                   </a:txBody>
                   <a:tcPr marL="3406" marR="3406" marT="6035" marB="0" anchor="b">
-                    <a:lnL>
-                      <a:noFill/>
+                    <a:lnL w="12700" cap="flat" cmpd="sng" algn="ctr">
+                      <a:solidFill>
+                        <a:schemeClr val="tx1"/>
+                      </a:solidFill>
+                      <a:prstDash val="solid"/>
+                      <a:round/>
+                      <a:headEnd type="none" w="med" len="med"/>
+                      <a:tailEnd type="none" w="med" len="med"/>
                     </a:lnL>
-                    <a:lnR>
-                      <a:noFill/>
+                    <a:lnR w="12700" cap="flat" cmpd="sng" algn="ctr">
+                      <a:solidFill>
+                        <a:schemeClr val="tx1"/>
+                      </a:solidFill>
+                      <a:prstDash val="solid"/>
+                      <a:round/>
+                      <a:headEnd type="none" w="med" len="med"/>
+                      <a:tailEnd type="none" w="med" len="med"/>
                     </a:lnR>
-                    <a:lnT w="6350" cap="flat" cmpd="sng" algn="ctr">
-                      <a:solidFill>
-                        <a:srgbClr val="44B3E1"/>
+                    <a:lnT w="12700" cap="flat" cmpd="sng" algn="ctr">
+                      <a:solidFill>
+                        <a:schemeClr val="tx1"/>
                       </a:solidFill>
                       <a:prstDash val="solid"/>
                       <a:round/>
                       <a:headEnd type="none" w="med" len="med"/>
                       <a:tailEnd type="none" w="med" len="med"/>
                     </a:lnT>
-                    <a:lnB w="6350" cap="flat" cmpd="sng" algn="ctr">
-                      <a:solidFill>
-                        <a:srgbClr val="44B3E1"/>
+                    <a:lnB w="12700" cap="flat" cmpd="sng" algn="ctr">
+                      <a:solidFill>
+                        <a:schemeClr val="tx1"/>
                       </a:solidFill>
                       <a:prstDash val="solid"/>
                       <a:round/>
@@ -13486,24 +14042,36 @@
                     </a:p>
                   </a:txBody>
                   <a:tcPr marL="3406" marR="3406" marT="6035" marB="0" anchor="b">
-                    <a:lnL>
-                      <a:noFill/>
+                    <a:lnL w="12700" cap="flat" cmpd="sng" algn="ctr">
+                      <a:solidFill>
+                        <a:schemeClr val="tx1"/>
+                      </a:solidFill>
+                      <a:prstDash val="solid"/>
+                      <a:round/>
+                      <a:headEnd type="none" w="med" len="med"/>
+                      <a:tailEnd type="none" w="med" len="med"/>
                     </a:lnL>
-                    <a:lnR>
-                      <a:noFill/>
+                    <a:lnR w="12700" cap="flat" cmpd="sng" algn="ctr">
+                      <a:solidFill>
+                        <a:schemeClr val="tx1"/>
+                      </a:solidFill>
+                      <a:prstDash val="solid"/>
+                      <a:round/>
+                      <a:headEnd type="none" w="med" len="med"/>
+                      <a:tailEnd type="none" w="med" len="med"/>
                     </a:lnR>
-                    <a:lnT w="6350" cap="flat" cmpd="sng" algn="ctr">
-                      <a:solidFill>
-                        <a:srgbClr val="44B3E1"/>
+                    <a:lnT w="12700" cap="flat" cmpd="sng" algn="ctr">
+                      <a:solidFill>
+                        <a:schemeClr val="tx1"/>
                       </a:solidFill>
                       <a:prstDash val="solid"/>
                       <a:round/>
                       <a:headEnd type="none" w="med" len="med"/>
                       <a:tailEnd type="none" w="med" len="med"/>
                     </a:lnT>
-                    <a:lnB w="6350" cap="flat" cmpd="sng" algn="ctr">
-                      <a:solidFill>
-                        <a:srgbClr val="44B3E1"/>
+                    <a:lnB w="12700" cap="flat" cmpd="sng" algn="ctr">
+                      <a:solidFill>
+                        <a:schemeClr val="tx1"/>
                       </a:solidFill>
                       <a:prstDash val="solid"/>
                       <a:round/>
@@ -13532,24 +14100,36 @@
                     </a:p>
                   </a:txBody>
                   <a:tcPr marL="3406" marR="3406" marT="6035" marB="0" anchor="b">
-                    <a:lnL>
-                      <a:noFill/>
+                    <a:lnL w="12700" cap="flat" cmpd="sng" algn="ctr">
+                      <a:solidFill>
+                        <a:schemeClr val="tx1"/>
+                      </a:solidFill>
+                      <a:prstDash val="solid"/>
+                      <a:round/>
+                      <a:headEnd type="none" w="med" len="med"/>
+                      <a:tailEnd type="none" w="med" len="med"/>
                     </a:lnL>
-                    <a:lnR>
-                      <a:noFill/>
+                    <a:lnR w="12700" cap="flat" cmpd="sng" algn="ctr">
+                      <a:solidFill>
+                        <a:schemeClr val="tx1"/>
+                      </a:solidFill>
+                      <a:prstDash val="solid"/>
+                      <a:round/>
+                      <a:headEnd type="none" w="med" len="med"/>
+                      <a:tailEnd type="none" w="med" len="med"/>
                     </a:lnR>
-                    <a:lnT w="6350" cap="flat" cmpd="sng" algn="ctr">
-                      <a:solidFill>
-                        <a:srgbClr val="44B3E1"/>
+                    <a:lnT w="12700" cap="flat" cmpd="sng" algn="ctr">
+                      <a:solidFill>
+                        <a:schemeClr val="tx1"/>
                       </a:solidFill>
                       <a:prstDash val="solid"/>
                       <a:round/>
                       <a:headEnd type="none" w="med" len="med"/>
                       <a:tailEnd type="none" w="med" len="med"/>
                     </a:lnT>
-                    <a:lnB w="6350" cap="flat" cmpd="sng" algn="ctr">
-                      <a:solidFill>
-                        <a:srgbClr val="44B3E1"/>
+                    <a:lnB w="12700" cap="flat" cmpd="sng" algn="ctr">
+                      <a:solidFill>
+                        <a:schemeClr val="tx1"/>
                       </a:solidFill>
                       <a:prstDash val="solid"/>
                       <a:round/>
@@ -13578,24 +14158,36 @@
                     </a:p>
                   </a:txBody>
                   <a:tcPr marL="3406" marR="3406" marT="6035" marB="0" anchor="b">
-                    <a:lnL>
-                      <a:noFill/>
+                    <a:lnL w="12700" cap="flat" cmpd="sng" algn="ctr">
+                      <a:solidFill>
+                        <a:schemeClr val="tx1"/>
+                      </a:solidFill>
+                      <a:prstDash val="solid"/>
+                      <a:round/>
+                      <a:headEnd type="none" w="med" len="med"/>
+                      <a:tailEnd type="none" w="med" len="med"/>
                     </a:lnL>
-                    <a:lnR>
-                      <a:noFill/>
+                    <a:lnR w="12700" cap="flat" cmpd="sng" algn="ctr">
+                      <a:solidFill>
+                        <a:schemeClr val="tx1"/>
+                      </a:solidFill>
+                      <a:prstDash val="solid"/>
+                      <a:round/>
+                      <a:headEnd type="none" w="med" len="med"/>
+                      <a:tailEnd type="none" w="med" len="med"/>
                     </a:lnR>
-                    <a:lnT w="6350" cap="flat" cmpd="sng" algn="ctr">
-                      <a:solidFill>
-                        <a:srgbClr val="44B3E1"/>
+                    <a:lnT w="12700" cap="flat" cmpd="sng" algn="ctr">
+                      <a:solidFill>
+                        <a:schemeClr val="tx1"/>
                       </a:solidFill>
                       <a:prstDash val="solid"/>
                       <a:round/>
                       <a:headEnd type="none" w="med" len="med"/>
                       <a:tailEnd type="none" w="med" len="med"/>
                     </a:lnT>
-                    <a:lnB w="6350" cap="flat" cmpd="sng" algn="ctr">
-                      <a:solidFill>
-                        <a:srgbClr val="44B3E1"/>
+                    <a:lnB w="12700" cap="flat" cmpd="sng" algn="ctr">
+                      <a:solidFill>
+                        <a:schemeClr val="tx1"/>
                       </a:solidFill>
                       <a:prstDash val="solid"/>
                       <a:round/>
@@ -13624,24 +14216,36 @@
                     </a:p>
                   </a:txBody>
                   <a:tcPr marL="3406" marR="3406" marT="6035" marB="0" anchor="b">
-                    <a:lnL>
-                      <a:noFill/>
+                    <a:lnL w="12700" cap="flat" cmpd="sng" algn="ctr">
+                      <a:solidFill>
+                        <a:schemeClr val="tx1"/>
+                      </a:solidFill>
+                      <a:prstDash val="solid"/>
+                      <a:round/>
+                      <a:headEnd type="none" w="med" len="med"/>
+                      <a:tailEnd type="none" w="med" len="med"/>
                     </a:lnL>
-                    <a:lnR>
-                      <a:noFill/>
+                    <a:lnR w="12700" cap="flat" cmpd="sng" algn="ctr">
+                      <a:solidFill>
+                        <a:schemeClr val="tx1"/>
+                      </a:solidFill>
+                      <a:prstDash val="solid"/>
+                      <a:round/>
+                      <a:headEnd type="none" w="med" len="med"/>
+                      <a:tailEnd type="none" w="med" len="med"/>
                     </a:lnR>
-                    <a:lnT w="6350" cap="flat" cmpd="sng" algn="ctr">
-                      <a:solidFill>
-                        <a:srgbClr val="44B3E1"/>
+                    <a:lnT w="12700" cap="flat" cmpd="sng" algn="ctr">
+                      <a:solidFill>
+                        <a:schemeClr val="tx1"/>
                       </a:solidFill>
                       <a:prstDash val="solid"/>
                       <a:round/>
                       <a:headEnd type="none" w="med" len="med"/>
                       <a:tailEnd type="none" w="med" len="med"/>
                     </a:lnT>
-                    <a:lnB w="6350" cap="flat" cmpd="sng" algn="ctr">
-                      <a:solidFill>
-                        <a:srgbClr val="44B3E1"/>
+                    <a:lnB w="12700" cap="flat" cmpd="sng" algn="ctr">
+                      <a:solidFill>
+                        <a:schemeClr val="tx1"/>
                       </a:solidFill>
                       <a:prstDash val="solid"/>
                       <a:round/>
@@ -13670,24 +14274,36 @@
                     </a:p>
                   </a:txBody>
                   <a:tcPr marL="3406" marR="3406" marT="6035" marB="0" anchor="b">
-                    <a:lnL>
-                      <a:noFill/>
+                    <a:lnL w="12700" cap="flat" cmpd="sng" algn="ctr">
+                      <a:solidFill>
+                        <a:schemeClr val="tx1"/>
+                      </a:solidFill>
+                      <a:prstDash val="solid"/>
+                      <a:round/>
+                      <a:headEnd type="none" w="med" len="med"/>
+                      <a:tailEnd type="none" w="med" len="med"/>
                     </a:lnL>
-                    <a:lnR>
-                      <a:noFill/>
+                    <a:lnR w="12700" cap="flat" cmpd="sng" algn="ctr">
+                      <a:solidFill>
+                        <a:schemeClr val="tx1"/>
+                      </a:solidFill>
+                      <a:prstDash val="solid"/>
+                      <a:round/>
+                      <a:headEnd type="none" w="med" len="med"/>
+                      <a:tailEnd type="none" w="med" len="med"/>
                     </a:lnR>
-                    <a:lnT w="6350" cap="flat" cmpd="sng" algn="ctr">
-                      <a:solidFill>
-                        <a:srgbClr val="44B3E1"/>
+                    <a:lnT w="12700" cap="flat" cmpd="sng" algn="ctr">
+                      <a:solidFill>
+                        <a:schemeClr val="tx1"/>
                       </a:solidFill>
                       <a:prstDash val="solid"/>
                       <a:round/>
                       <a:headEnd type="none" w="med" len="med"/>
                       <a:tailEnd type="none" w="med" len="med"/>
                     </a:lnT>
-                    <a:lnB w="6350" cap="flat" cmpd="sng" algn="ctr">
-                      <a:solidFill>
-                        <a:srgbClr val="44B3E1"/>
+                    <a:lnB w="12700" cap="flat" cmpd="sng" algn="ctr">
+                      <a:solidFill>
+                        <a:schemeClr val="tx1"/>
                       </a:solidFill>
                       <a:prstDash val="solid"/>
                       <a:round/>
@@ -13716,24 +14332,36 @@
                     </a:p>
                   </a:txBody>
                   <a:tcPr marL="3406" marR="3406" marT="6035" marB="0" anchor="b">
-                    <a:lnL>
-                      <a:noFill/>
+                    <a:lnL w="12700" cap="flat" cmpd="sng" algn="ctr">
+                      <a:solidFill>
+                        <a:schemeClr val="tx1"/>
+                      </a:solidFill>
+                      <a:prstDash val="solid"/>
+                      <a:round/>
+                      <a:headEnd type="none" w="med" len="med"/>
+                      <a:tailEnd type="none" w="med" len="med"/>
                     </a:lnL>
-                    <a:lnR>
-                      <a:noFill/>
+                    <a:lnR w="12700" cap="flat" cmpd="sng" algn="ctr">
+                      <a:solidFill>
+                        <a:schemeClr val="tx1"/>
+                      </a:solidFill>
+                      <a:prstDash val="solid"/>
+                      <a:round/>
+                      <a:headEnd type="none" w="med" len="med"/>
+                      <a:tailEnd type="none" w="med" len="med"/>
                     </a:lnR>
-                    <a:lnT w="6350" cap="flat" cmpd="sng" algn="ctr">
-                      <a:solidFill>
-                        <a:srgbClr val="44B3E1"/>
+                    <a:lnT w="12700" cap="flat" cmpd="sng" algn="ctr">
+                      <a:solidFill>
+                        <a:schemeClr val="tx1"/>
                       </a:solidFill>
                       <a:prstDash val="solid"/>
                       <a:round/>
                       <a:headEnd type="none" w="med" len="med"/>
                       <a:tailEnd type="none" w="med" len="med"/>
                     </a:lnT>
-                    <a:lnB w="6350" cap="flat" cmpd="sng" algn="ctr">
-                      <a:solidFill>
-                        <a:srgbClr val="44B3E1"/>
+                    <a:lnB w="12700" cap="flat" cmpd="sng" algn="ctr">
+                      <a:solidFill>
+                        <a:schemeClr val="tx1"/>
                       </a:solidFill>
                       <a:prstDash val="solid"/>
                       <a:round/>
@@ -13762,24 +14390,36 @@
                     </a:p>
                   </a:txBody>
                   <a:tcPr marL="3406" marR="3406" marT="6035" marB="0" anchor="b">
-                    <a:lnL>
-                      <a:noFill/>
+                    <a:lnL w="12700" cap="flat" cmpd="sng" algn="ctr">
+                      <a:solidFill>
+                        <a:schemeClr val="tx1"/>
+                      </a:solidFill>
+                      <a:prstDash val="solid"/>
+                      <a:round/>
+                      <a:headEnd type="none" w="med" len="med"/>
+                      <a:tailEnd type="none" w="med" len="med"/>
                     </a:lnL>
-                    <a:lnR>
-                      <a:noFill/>
+                    <a:lnR w="12700" cap="flat" cmpd="sng" algn="ctr">
+                      <a:solidFill>
+                        <a:schemeClr val="tx1"/>
+                      </a:solidFill>
+                      <a:prstDash val="solid"/>
+                      <a:round/>
+                      <a:headEnd type="none" w="med" len="med"/>
+                      <a:tailEnd type="none" w="med" len="med"/>
                     </a:lnR>
-                    <a:lnT w="6350" cap="flat" cmpd="sng" algn="ctr">
-                      <a:solidFill>
-                        <a:srgbClr val="44B3E1"/>
+                    <a:lnT w="12700" cap="flat" cmpd="sng" algn="ctr">
+                      <a:solidFill>
+                        <a:schemeClr val="tx1"/>
                       </a:solidFill>
                       <a:prstDash val="solid"/>
                       <a:round/>
                       <a:headEnd type="none" w="med" len="med"/>
                       <a:tailEnd type="none" w="med" len="med"/>
                     </a:lnT>
-                    <a:lnB w="6350" cap="flat" cmpd="sng" algn="ctr">
-                      <a:solidFill>
-                        <a:srgbClr val="44B3E1"/>
+                    <a:lnB w="12700" cap="flat" cmpd="sng" algn="ctr">
+                      <a:solidFill>
+                        <a:schemeClr val="tx1"/>
                       </a:solidFill>
                       <a:prstDash val="solid"/>
                       <a:round/>
@@ -13808,24 +14448,36 @@
                     </a:p>
                   </a:txBody>
                   <a:tcPr marL="3406" marR="3406" marT="6035" marB="0" anchor="b">
-                    <a:lnL>
-                      <a:noFill/>
+                    <a:lnL w="12700" cap="flat" cmpd="sng" algn="ctr">
+                      <a:solidFill>
+                        <a:schemeClr val="tx1"/>
+                      </a:solidFill>
+                      <a:prstDash val="solid"/>
+                      <a:round/>
+                      <a:headEnd type="none" w="med" len="med"/>
+                      <a:tailEnd type="none" w="med" len="med"/>
                     </a:lnL>
-                    <a:lnR>
-                      <a:noFill/>
+                    <a:lnR w="12700" cap="flat" cmpd="sng" algn="ctr">
+                      <a:solidFill>
+                        <a:schemeClr val="tx1"/>
+                      </a:solidFill>
+                      <a:prstDash val="solid"/>
+                      <a:round/>
+                      <a:headEnd type="none" w="med" len="med"/>
+                      <a:tailEnd type="none" w="med" len="med"/>
                     </a:lnR>
-                    <a:lnT w="6350" cap="flat" cmpd="sng" algn="ctr">
-                      <a:solidFill>
-                        <a:srgbClr val="44B3E1"/>
+                    <a:lnT w="12700" cap="flat" cmpd="sng" algn="ctr">
+                      <a:solidFill>
+                        <a:schemeClr val="tx1"/>
                       </a:solidFill>
                       <a:prstDash val="solid"/>
                       <a:round/>
                       <a:headEnd type="none" w="med" len="med"/>
                       <a:tailEnd type="none" w="med" len="med"/>
                     </a:lnT>
-                    <a:lnB w="6350" cap="flat" cmpd="sng" algn="ctr">
-                      <a:solidFill>
-                        <a:srgbClr val="44B3E1"/>
+                    <a:lnB w="12700" cap="flat" cmpd="sng" algn="ctr">
+                      <a:solidFill>
+                        <a:schemeClr val="tx1"/>
                       </a:solidFill>
                       <a:prstDash val="solid"/>
                       <a:round/>
@@ -13854,24 +14506,36 @@
                     </a:p>
                   </a:txBody>
                   <a:tcPr marL="3406" marR="3406" marT="6035" marB="0" anchor="b">
-                    <a:lnL>
-                      <a:noFill/>
+                    <a:lnL w="12700" cap="flat" cmpd="sng" algn="ctr">
+                      <a:solidFill>
+                        <a:schemeClr val="tx1"/>
+                      </a:solidFill>
+                      <a:prstDash val="solid"/>
+                      <a:round/>
+                      <a:headEnd type="none" w="med" len="med"/>
+                      <a:tailEnd type="none" w="med" len="med"/>
                     </a:lnL>
-                    <a:lnR>
-                      <a:noFill/>
+                    <a:lnR w="12700" cap="flat" cmpd="sng" algn="ctr">
+                      <a:solidFill>
+                        <a:schemeClr val="tx1"/>
+                      </a:solidFill>
+                      <a:prstDash val="solid"/>
+                      <a:round/>
+                      <a:headEnd type="none" w="med" len="med"/>
+                      <a:tailEnd type="none" w="med" len="med"/>
                     </a:lnR>
-                    <a:lnT w="6350" cap="flat" cmpd="sng" algn="ctr">
-                      <a:solidFill>
-                        <a:srgbClr val="44B3E1"/>
+                    <a:lnT w="12700" cap="flat" cmpd="sng" algn="ctr">
+                      <a:solidFill>
+                        <a:schemeClr val="tx1"/>
                       </a:solidFill>
                       <a:prstDash val="solid"/>
                       <a:round/>
                       <a:headEnd type="none" w="med" len="med"/>
                       <a:tailEnd type="none" w="med" len="med"/>
                     </a:lnT>
-                    <a:lnB w="6350" cap="flat" cmpd="sng" algn="ctr">
-                      <a:solidFill>
-                        <a:srgbClr val="44B3E1"/>
+                    <a:lnB w="12700" cap="flat" cmpd="sng" algn="ctr">
+                      <a:solidFill>
+                        <a:schemeClr val="tx1"/>
                       </a:solidFill>
                       <a:prstDash val="solid"/>
                       <a:round/>
@@ -13900,24 +14564,36 @@
                     </a:p>
                   </a:txBody>
                   <a:tcPr marL="3406" marR="3406" marT="6035" marB="0" anchor="b">
-                    <a:lnL>
-                      <a:noFill/>
+                    <a:lnL w="12700" cap="flat" cmpd="sng" algn="ctr">
+                      <a:solidFill>
+                        <a:schemeClr val="tx1"/>
+                      </a:solidFill>
+                      <a:prstDash val="solid"/>
+                      <a:round/>
+                      <a:headEnd type="none" w="med" len="med"/>
+                      <a:tailEnd type="none" w="med" len="med"/>
                     </a:lnL>
-                    <a:lnR>
-                      <a:noFill/>
+                    <a:lnR w="12700" cap="flat" cmpd="sng" algn="ctr">
+                      <a:solidFill>
+                        <a:schemeClr val="tx1"/>
+                      </a:solidFill>
+                      <a:prstDash val="solid"/>
+                      <a:round/>
+                      <a:headEnd type="none" w="med" len="med"/>
+                      <a:tailEnd type="none" w="med" len="med"/>
                     </a:lnR>
-                    <a:lnT w="6350" cap="flat" cmpd="sng" algn="ctr">
-                      <a:solidFill>
-                        <a:srgbClr val="44B3E1"/>
+                    <a:lnT w="12700" cap="flat" cmpd="sng" algn="ctr">
+                      <a:solidFill>
+                        <a:schemeClr val="tx1"/>
                       </a:solidFill>
                       <a:prstDash val="solid"/>
                       <a:round/>
                       <a:headEnd type="none" w="med" len="med"/>
                       <a:tailEnd type="none" w="med" len="med"/>
                     </a:lnT>
-                    <a:lnB w="6350" cap="flat" cmpd="sng" algn="ctr">
-                      <a:solidFill>
-                        <a:srgbClr val="44B3E1"/>
+                    <a:lnB w="12700" cap="flat" cmpd="sng" algn="ctr">
+                      <a:solidFill>
+                        <a:schemeClr val="tx1"/>
                       </a:solidFill>
                       <a:prstDash val="solid"/>
                       <a:round/>
@@ -13946,30 +14622,36 @@
                     </a:p>
                   </a:txBody>
                   <a:tcPr marL="3406" marR="3406" marT="6035" marB="0" anchor="b">
-                    <a:lnL>
-                      <a:noFill/>
+                    <a:lnL w="12700" cap="flat" cmpd="sng" algn="ctr">
+                      <a:solidFill>
+                        <a:schemeClr val="tx1"/>
+                      </a:solidFill>
+                      <a:prstDash val="solid"/>
+                      <a:round/>
+                      <a:headEnd type="none" w="med" len="med"/>
+                      <a:tailEnd type="none" w="med" len="med"/>
                     </a:lnL>
-                    <a:lnR w="6350" cap="flat" cmpd="sng" algn="ctr">
-                      <a:solidFill>
-                        <a:srgbClr val="44B3E1"/>
+                    <a:lnR w="12700" cap="flat" cmpd="sng" algn="ctr">
+                      <a:solidFill>
+                        <a:schemeClr val="tx1"/>
                       </a:solidFill>
                       <a:prstDash val="solid"/>
                       <a:round/>
                       <a:headEnd type="none" w="med" len="med"/>
                       <a:tailEnd type="none" w="med" len="med"/>
                     </a:lnR>
-                    <a:lnT w="6350" cap="flat" cmpd="sng" algn="ctr">
-                      <a:solidFill>
-                        <a:srgbClr val="44B3E1"/>
+                    <a:lnT w="12700" cap="flat" cmpd="sng" algn="ctr">
+                      <a:solidFill>
+                        <a:schemeClr val="tx1"/>
                       </a:solidFill>
                       <a:prstDash val="solid"/>
                       <a:round/>
                       <a:headEnd type="none" w="med" len="med"/>
                       <a:tailEnd type="none" w="med" len="med"/>
                     </a:lnT>
-                    <a:lnB w="6350" cap="flat" cmpd="sng" algn="ctr">
-                      <a:solidFill>
-                        <a:srgbClr val="44B3E1"/>
+                    <a:lnB w="12700" cap="flat" cmpd="sng" algn="ctr">
+                      <a:solidFill>
+                        <a:schemeClr val="tx1"/>
                       </a:solidFill>
                       <a:prstDash val="solid"/>
                       <a:round/>
@@ -14005,30 +14687,36 @@
                     </a:p>
                   </a:txBody>
                   <a:tcPr marL="3406" marR="3406" marT="6035" marB="0" anchor="b">
-                    <a:lnL w="6350" cap="flat" cmpd="sng" algn="ctr">
-                      <a:solidFill>
-                        <a:srgbClr val="44B3E1"/>
+                    <a:lnL w="12700" cap="flat" cmpd="sng" algn="ctr">
+                      <a:solidFill>
+                        <a:schemeClr val="tx1"/>
                       </a:solidFill>
                       <a:prstDash val="solid"/>
                       <a:round/>
                       <a:headEnd type="none" w="med" len="med"/>
                       <a:tailEnd type="none" w="med" len="med"/>
                     </a:lnL>
-                    <a:lnR>
-                      <a:noFill/>
+                    <a:lnR w="12700" cap="flat" cmpd="sng" algn="ctr">
+                      <a:solidFill>
+                        <a:schemeClr val="tx1"/>
+                      </a:solidFill>
+                      <a:prstDash val="solid"/>
+                      <a:round/>
+                      <a:headEnd type="none" w="med" len="med"/>
+                      <a:tailEnd type="none" w="med" len="med"/>
                     </a:lnR>
-                    <a:lnT w="6350" cap="flat" cmpd="sng" algn="ctr">
-                      <a:solidFill>
-                        <a:srgbClr val="44B3E1"/>
+                    <a:lnT w="12700" cap="flat" cmpd="sng" algn="ctr">
+                      <a:solidFill>
+                        <a:schemeClr val="tx1"/>
                       </a:solidFill>
                       <a:prstDash val="solid"/>
                       <a:round/>
                       <a:headEnd type="none" w="med" len="med"/>
                       <a:tailEnd type="none" w="med" len="med"/>
                     </a:lnT>
-                    <a:lnB w="6350" cap="flat" cmpd="sng" algn="ctr">
-                      <a:solidFill>
-                        <a:srgbClr val="44B3E1"/>
+                    <a:lnB w="12700" cap="flat" cmpd="sng" algn="ctr">
+                      <a:solidFill>
+                        <a:schemeClr val="tx1"/>
                       </a:solidFill>
                       <a:prstDash val="solid"/>
                       <a:round/>
@@ -14059,24 +14747,36 @@
                     </a:p>
                   </a:txBody>
                   <a:tcPr marL="3406" marR="3406" marT="6035" marB="0" anchor="b">
-                    <a:lnL>
-                      <a:noFill/>
+                    <a:lnL w="12700" cap="flat" cmpd="sng" algn="ctr">
+                      <a:solidFill>
+                        <a:schemeClr val="tx1"/>
+                      </a:solidFill>
+                      <a:prstDash val="solid"/>
+                      <a:round/>
+                      <a:headEnd type="none" w="med" len="med"/>
+                      <a:tailEnd type="none" w="med" len="med"/>
                     </a:lnL>
-                    <a:lnR>
-                      <a:noFill/>
+                    <a:lnR w="12700" cap="flat" cmpd="sng" algn="ctr">
+                      <a:solidFill>
+                        <a:schemeClr val="tx1"/>
+                      </a:solidFill>
+                      <a:prstDash val="solid"/>
+                      <a:round/>
+                      <a:headEnd type="none" w="med" len="med"/>
+                      <a:tailEnd type="none" w="med" len="med"/>
                     </a:lnR>
-                    <a:lnT w="6350" cap="flat" cmpd="sng" algn="ctr">
-                      <a:solidFill>
-                        <a:srgbClr val="44B3E1"/>
+                    <a:lnT w="12700" cap="flat" cmpd="sng" algn="ctr">
+                      <a:solidFill>
+                        <a:schemeClr val="tx1"/>
                       </a:solidFill>
                       <a:prstDash val="solid"/>
                       <a:round/>
                       <a:headEnd type="none" w="med" len="med"/>
                       <a:tailEnd type="none" w="med" len="med"/>
                     </a:lnT>
-                    <a:lnB w="6350" cap="flat" cmpd="sng" algn="ctr">
-                      <a:solidFill>
-                        <a:srgbClr val="44B3E1"/>
+                    <a:lnB w="12700" cap="flat" cmpd="sng" algn="ctr">
+                      <a:solidFill>
+                        <a:schemeClr val="tx1"/>
                       </a:solidFill>
                       <a:prstDash val="solid"/>
                       <a:round/>
@@ -14107,24 +14807,36 @@
                     </a:p>
                   </a:txBody>
                   <a:tcPr marL="3406" marR="3406" marT="6035" marB="0" anchor="b">
-                    <a:lnL>
-                      <a:noFill/>
+                    <a:lnL w="12700" cap="flat" cmpd="sng" algn="ctr">
+                      <a:solidFill>
+                        <a:schemeClr val="tx1"/>
+                      </a:solidFill>
+                      <a:prstDash val="solid"/>
+                      <a:round/>
+                      <a:headEnd type="none" w="med" len="med"/>
+                      <a:tailEnd type="none" w="med" len="med"/>
                     </a:lnL>
-                    <a:lnR>
-                      <a:noFill/>
+                    <a:lnR w="12700" cap="flat" cmpd="sng" algn="ctr">
+                      <a:solidFill>
+                        <a:schemeClr val="tx1"/>
+                      </a:solidFill>
+                      <a:prstDash val="solid"/>
+                      <a:round/>
+                      <a:headEnd type="none" w="med" len="med"/>
+                      <a:tailEnd type="none" w="med" len="med"/>
                     </a:lnR>
-                    <a:lnT w="6350" cap="flat" cmpd="sng" algn="ctr">
-                      <a:solidFill>
-                        <a:srgbClr val="44B3E1"/>
+                    <a:lnT w="12700" cap="flat" cmpd="sng" algn="ctr">
+                      <a:solidFill>
+                        <a:schemeClr val="tx1"/>
                       </a:solidFill>
                       <a:prstDash val="solid"/>
                       <a:round/>
                       <a:headEnd type="none" w="med" len="med"/>
                       <a:tailEnd type="none" w="med" len="med"/>
                     </a:lnT>
-                    <a:lnB w="6350" cap="flat" cmpd="sng" algn="ctr">
-                      <a:solidFill>
-                        <a:srgbClr val="44B3E1"/>
+                    <a:lnB w="12700" cap="flat" cmpd="sng" algn="ctr">
+                      <a:solidFill>
+                        <a:schemeClr val="tx1"/>
                       </a:solidFill>
                       <a:prstDash val="solid"/>
                       <a:round/>
@@ -14155,24 +14867,36 @@
                     </a:p>
                   </a:txBody>
                   <a:tcPr marL="3406" marR="3406" marT="6035" marB="0" anchor="b">
-                    <a:lnL>
-                      <a:noFill/>
+                    <a:lnL w="12700" cap="flat" cmpd="sng" algn="ctr">
+                      <a:solidFill>
+                        <a:schemeClr val="tx1"/>
+                      </a:solidFill>
+                      <a:prstDash val="solid"/>
+                      <a:round/>
+                      <a:headEnd type="none" w="med" len="med"/>
+                      <a:tailEnd type="none" w="med" len="med"/>
                     </a:lnL>
-                    <a:lnR>
-                      <a:noFill/>
+                    <a:lnR w="12700" cap="flat" cmpd="sng" algn="ctr">
+                      <a:solidFill>
+                        <a:schemeClr val="tx1"/>
+                      </a:solidFill>
+                      <a:prstDash val="solid"/>
+                      <a:round/>
+                      <a:headEnd type="none" w="med" len="med"/>
+                      <a:tailEnd type="none" w="med" len="med"/>
                     </a:lnR>
-                    <a:lnT w="6350" cap="flat" cmpd="sng" algn="ctr">
-                      <a:solidFill>
-                        <a:srgbClr val="44B3E1"/>
+                    <a:lnT w="12700" cap="flat" cmpd="sng" algn="ctr">
+                      <a:solidFill>
+                        <a:schemeClr val="tx1"/>
                       </a:solidFill>
                       <a:prstDash val="solid"/>
                       <a:round/>
                       <a:headEnd type="none" w="med" len="med"/>
                       <a:tailEnd type="none" w="med" len="med"/>
                     </a:lnT>
-                    <a:lnB w="6350" cap="flat" cmpd="sng" algn="ctr">
-                      <a:solidFill>
-                        <a:srgbClr val="44B3E1"/>
+                    <a:lnB w="12700" cap="flat" cmpd="sng" algn="ctr">
+                      <a:solidFill>
+                        <a:schemeClr val="tx1"/>
                       </a:solidFill>
                       <a:prstDash val="solid"/>
                       <a:round/>
@@ -14203,24 +14927,36 @@
                     </a:p>
                   </a:txBody>
                   <a:tcPr marL="3406" marR="3406" marT="6035" marB="0" anchor="b">
-                    <a:lnL>
-                      <a:noFill/>
+                    <a:lnL w="12700" cap="flat" cmpd="sng" algn="ctr">
+                      <a:solidFill>
+                        <a:schemeClr val="tx1"/>
+                      </a:solidFill>
+                      <a:prstDash val="solid"/>
+                      <a:round/>
+                      <a:headEnd type="none" w="med" len="med"/>
+                      <a:tailEnd type="none" w="med" len="med"/>
                     </a:lnL>
-                    <a:lnR>
-                      <a:noFill/>
+                    <a:lnR w="12700" cap="flat" cmpd="sng" algn="ctr">
+                      <a:solidFill>
+                        <a:schemeClr val="tx1"/>
+                      </a:solidFill>
+                      <a:prstDash val="solid"/>
+                      <a:round/>
+                      <a:headEnd type="none" w="med" len="med"/>
+                      <a:tailEnd type="none" w="med" len="med"/>
                     </a:lnR>
-                    <a:lnT w="6350" cap="flat" cmpd="sng" algn="ctr">
-                      <a:solidFill>
-                        <a:srgbClr val="44B3E1"/>
+                    <a:lnT w="12700" cap="flat" cmpd="sng" algn="ctr">
+                      <a:solidFill>
+                        <a:schemeClr val="tx1"/>
                       </a:solidFill>
                       <a:prstDash val="solid"/>
                       <a:round/>
                       <a:headEnd type="none" w="med" len="med"/>
                       <a:tailEnd type="none" w="med" len="med"/>
                     </a:lnT>
-                    <a:lnB w="6350" cap="flat" cmpd="sng" algn="ctr">
-                      <a:solidFill>
-                        <a:srgbClr val="44B3E1"/>
+                    <a:lnB w="12700" cap="flat" cmpd="sng" algn="ctr">
+                      <a:solidFill>
+                        <a:schemeClr val="tx1"/>
                       </a:solidFill>
                       <a:prstDash val="solid"/>
                       <a:round/>
@@ -14251,24 +14987,36 @@
                     </a:p>
                   </a:txBody>
                   <a:tcPr marL="3406" marR="3406" marT="6035" marB="0" anchor="b">
-                    <a:lnL>
-                      <a:noFill/>
+                    <a:lnL w="12700" cap="flat" cmpd="sng" algn="ctr">
+                      <a:solidFill>
+                        <a:schemeClr val="tx1"/>
+                      </a:solidFill>
+                      <a:prstDash val="solid"/>
+                      <a:round/>
+                      <a:headEnd type="none" w="med" len="med"/>
+                      <a:tailEnd type="none" w="med" len="med"/>
                     </a:lnL>
-                    <a:lnR>
-                      <a:noFill/>
+                    <a:lnR w="12700" cap="flat" cmpd="sng" algn="ctr">
+                      <a:solidFill>
+                        <a:schemeClr val="tx1"/>
+                      </a:solidFill>
+                      <a:prstDash val="solid"/>
+                      <a:round/>
+                      <a:headEnd type="none" w="med" len="med"/>
+                      <a:tailEnd type="none" w="med" len="med"/>
                     </a:lnR>
-                    <a:lnT w="6350" cap="flat" cmpd="sng" algn="ctr">
-                      <a:solidFill>
-                        <a:srgbClr val="44B3E1"/>
+                    <a:lnT w="12700" cap="flat" cmpd="sng" algn="ctr">
+                      <a:solidFill>
+                        <a:schemeClr val="tx1"/>
                       </a:solidFill>
                       <a:prstDash val="solid"/>
                       <a:round/>
                       <a:headEnd type="none" w="med" len="med"/>
                       <a:tailEnd type="none" w="med" len="med"/>
                     </a:lnT>
-                    <a:lnB w="6350" cap="flat" cmpd="sng" algn="ctr">
-                      <a:solidFill>
-                        <a:srgbClr val="44B3E1"/>
+                    <a:lnB w="12700" cap="flat" cmpd="sng" algn="ctr">
+                      <a:solidFill>
+                        <a:schemeClr val="tx1"/>
                       </a:solidFill>
                       <a:prstDash val="solid"/>
                       <a:round/>
@@ -14299,24 +15047,36 @@
                     </a:p>
                   </a:txBody>
                   <a:tcPr marL="3406" marR="3406" marT="6035" marB="0" anchor="b">
-                    <a:lnL>
-                      <a:noFill/>
+                    <a:lnL w="12700" cap="flat" cmpd="sng" algn="ctr">
+                      <a:solidFill>
+                        <a:schemeClr val="tx1"/>
+                      </a:solidFill>
+                      <a:prstDash val="solid"/>
+                      <a:round/>
+                      <a:headEnd type="none" w="med" len="med"/>
+                      <a:tailEnd type="none" w="med" len="med"/>
                     </a:lnL>
-                    <a:lnR>
-                      <a:noFill/>
+                    <a:lnR w="12700" cap="flat" cmpd="sng" algn="ctr">
+                      <a:solidFill>
+                        <a:schemeClr val="tx1"/>
+                      </a:solidFill>
+                      <a:prstDash val="solid"/>
+                      <a:round/>
+                      <a:headEnd type="none" w="med" len="med"/>
+                      <a:tailEnd type="none" w="med" len="med"/>
                     </a:lnR>
-                    <a:lnT w="6350" cap="flat" cmpd="sng" algn="ctr">
-                      <a:solidFill>
-                        <a:srgbClr val="44B3E1"/>
+                    <a:lnT w="12700" cap="flat" cmpd="sng" algn="ctr">
+                      <a:solidFill>
+                        <a:schemeClr val="tx1"/>
                       </a:solidFill>
                       <a:prstDash val="solid"/>
                       <a:round/>
                       <a:headEnd type="none" w="med" len="med"/>
                       <a:tailEnd type="none" w="med" len="med"/>
                     </a:lnT>
-                    <a:lnB w="6350" cap="flat" cmpd="sng" algn="ctr">
-                      <a:solidFill>
-                        <a:srgbClr val="44B3E1"/>
+                    <a:lnB w="12700" cap="flat" cmpd="sng" algn="ctr">
+                      <a:solidFill>
+                        <a:schemeClr val="tx1"/>
                       </a:solidFill>
                       <a:prstDash val="solid"/>
                       <a:round/>
@@ -14347,24 +15107,36 @@
                     </a:p>
                   </a:txBody>
                   <a:tcPr marL="3406" marR="3406" marT="6035" marB="0" anchor="b">
-                    <a:lnL>
-                      <a:noFill/>
+                    <a:lnL w="12700" cap="flat" cmpd="sng" algn="ctr">
+                      <a:solidFill>
+                        <a:schemeClr val="tx1"/>
+                      </a:solidFill>
+                      <a:prstDash val="solid"/>
+                      <a:round/>
+                      <a:headEnd type="none" w="med" len="med"/>
+                      <a:tailEnd type="none" w="med" len="med"/>
                     </a:lnL>
-                    <a:lnR>
-                      <a:noFill/>
+                    <a:lnR w="12700" cap="flat" cmpd="sng" algn="ctr">
+                      <a:solidFill>
+                        <a:schemeClr val="tx1"/>
+                      </a:solidFill>
+                      <a:prstDash val="solid"/>
+                      <a:round/>
+                      <a:headEnd type="none" w="med" len="med"/>
+                      <a:tailEnd type="none" w="med" len="med"/>
                     </a:lnR>
-                    <a:lnT w="6350" cap="flat" cmpd="sng" algn="ctr">
-                      <a:solidFill>
-                        <a:srgbClr val="44B3E1"/>
+                    <a:lnT w="12700" cap="flat" cmpd="sng" algn="ctr">
+                      <a:solidFill>
+                        <a:schemeClr val="tx1"/>
                       </a:solidFill>
                       <a:prstDash val="solid"/>
                       <a:round/>
                       <a:headEnd type="none" w="med" len="med"/>
                       <a:tailEnd type="none" w="med" len="med"/>
                     </a:lnT>
-                    <a:lnB w="6350" cap="flat" cmpd="sng" algn="ctr">
-                      <a:solidFill>
-                        <a:srgbClr val="44B3E1"/>
+                    <a:lnB w="12700" cap="flat" cmpd="sng" algn="ctr">
+                      <a:solidFill>
+                        <a:schemeClr val="tx1"/>
                       </a:solidFill>
                       <a:prstDash val="solid"/>
                       <a:round/>
@@ -14395,24 +15167,36 @@
                     </a:p>
                   </a:txBody>
                   <a:tcPr marL="3406" marR="3406" marT="6035" marB="0" anchor="b">
-                    <a:lnL>
-                      <a:noFill/>
+                    <a:lnL w="12700" cap="flat" cmpd="sng" algn="ctr">
+                      <a:solidFill>
+                        <a:schemeClr val="tx1"/>
+                      </a:solidFill>
+                      <a:prstDash val="solid"/>
+                      <a:round/>
+                      <a:headEnd type="none" w="med" len="med"/>
+                      <a:tailEnd type="none" w="med" len="med"/>
                     </a:lnL>
-                    <a:lnR>
-                      <a:noFill/>
+                    <a:lnR w="12700" cap="flat" cmpd="sng" algn="ctr">
+                      <a:solidFill>
+                        <a:schemeClr val="tx1"/>
+                      </a:solidFill>
+                      <a:prstDash val="solid"/>
+                      <a:round/>
+                      <a:headEnd type="none" w="med" len="med"/>
+                      <a:tailEnd type="none" w="med" len="med"/>
                     </a:lnR>
-                    <a:lnT w="6350" cap="flat" cmpd="sng" algn="ctr">
-                      <a:solidFill>
-                        <a:srgbClr val="44B3E1"/>
+                    <a:lnT w="12700" cap="flat" cmpd="sng" algn="ctr">
+                      <a:solidFill>
+                        <a:schemeClr val="tx1"/>
                       </a:solidFill>
                       <a:prstDash val="solid"/>
                       <a:round/>
                       <a:headEnd type="none" w="med" len="med"/>
                       <a:tailEnd type="none" w="med" len="med"/>
                     </a:lnT>
-                    <a:lnB w="6350" cap="flat" cmpd="sng" algn="ctr">
-                      <a:solidFill>
-                        <a:srgbClr val="44B3E1"/>
+                    <a:lnB w="12700" cap="flat" cmpd="sng" algn="ctr">
+                      <a:solidFill>
+                        <a:schemeClr val="tx1"/>
                       </a:solidFill>
                       <a:prstDash val="solid"/>
                       <a:round/>
@@ -14443,24 +15227,36 @@
                     </a:p>
                   </a:txBody>
                   <a:tcPr marL="3406" marR="3406" marT="6035" marB="0" anchor="b">
-                    <a:lnL>
-                      <a:noFill/>
+                    <a:lnL w="12700" cap="flat" cmpd="sng" algn="ctr">
+                      <a:solidFill>
+                        <a:schemeClr val="tx1"/>
+                      </a:solidFill>
+                      <a:prstDash val="solid"/>
+                      <a:round/>
+                      <a:headEnd type="none" w="med" len="med"/>
+                      <a:tailEnd type="none" w="med" len="med"/>
                     </a:lnL>
-                    <a:lnR>
-                      <a:noFill/>
+                    <a:lnR w="12700" cap="flat" cmpd="sng" algn="ctr">
+                      <a:solidFill>
+                        <a:schemeClr val="tx1"/>
+                      </a:solidFill>
+                      <a:prstDash val="solid"/>
+                      <a:round/>
+                      <a:headEnd type="none" w="med" len="med"/>
+                      <a:tailEnd type="none" w="med" len="med"/>
                     </a:lnR>
-                    <a:lnT w="6350" cap="flat" cmpd="sng" algn="ctr">
-                      <a:solidFill>
-                        <a:srgbClr val="44B3E1"/>
+                    <a:lnT w="12700" cap="flat" cmpd="sng" algn="ctr">
+                      <a:solidFill>
+                        <a:schemeClr val="tx1"/>
                       </a:solidFill>
                       <a:prstDash val="solid"/>
                       <a:round/>
                       <a:headEnd type="none" w="med" len="med"/>
                       <a:tailEnd type="none" w="med" len="med"/>
                     </a:lnT>
-                    <a:lnB w="6350" cap="flat" cmpd="sng" algn="ctr">
-                      <a:solidFill>
-                        <a:srgbClr val="44B3E1"/>
+                    <a:lnB w="12700" cap="flat" cmpd="sng" algn="ctr">
+                      <a:solidFill>
+                        <a:schemeClr val="tx1"/>
                       </a:solidFill>
                       <a:prstDash val="solid"/>
                       <a:round/>
@@ -14491,24 +15287,36 @@
                     </a:p>
                   </a:txBody>
                   <a:tcPr marL="3406" marR="3406" marT="6035" marB="0" anchor="b">
-                    <a:lnL>
-                      <a:noFill/>
+                    <a:lnL w="12700" cap="flat" cmpd="sng" algn="ctr">
+                      <a:solidFill>
+                        <a:schemeClr val="tx1"/>
+                      </a:solidFill>
+                      <a:prstDash val="solid"/>
+                      <a:round/>
+                      <a:headEnd type="none" w="med" len="med"/>
+                      <a:tailEnd type="none" w="med" len="med"/>
                     </a:lnL>
-                    <a:lnR>
-                      <a:noFill/>
+                    <a:lnR w="12700" cap="flat" cmpd="sng" algn="ctr">
+                      <a:solidFill>
+                        <a:schemeClr val="tx1"/>
+                      </a:solidFill>
+                      <a:prstDash val="solid"/>
+                      <a:round/>
+                      <a:headEnd type="none" w="med" len="med"/>
+                      <a:tailEnd type="none" w="med" len="med"/>
                     </a:lnR>
-                    <a:lnT w="6350" cap="flat" cmpd="sng" algn="ctr">
-                      <a:solidFill>
-                        <a:srgbClr val="44B3E1"/>
+                    <a:lnT w="12700" cap="flat" cmpd="sng" algn="ctr">
+                      <a:solidFill>
+                        <a:schemeClr val="tx1"/>
                       </a:solidFill>
                       <a:prstDash val="solid"/>
                       <a:round/>
                       <a:headEnd type="none" w="med" len="med"/>
                       <a:tailEnd type="none" w="med" len="med"/>
                     </a:lnT>
-                    <a:lnB w="6350" cap="flat" cmpd="sng" algn="ctr">
-                      <a:solidFill>
-                        <a:srgbClr val="44B3E1"/>
+                    <a:lnB w="12700" cap="flat" cmpd="sng" algn="ctr">
+                      <a:solidFill>
+                        <a:schemeClr val="tx1"/>
                       </a:solidFill>
                       <a:prstDash val="solid"/>
                       <a:round/>
@@ -14539,24 +15347,36 @@
                     </a:p>
                   </a:txBody>
                   <a:tcPr marL="3406" marR="3406" marT="6035" marB="0" anchor="b">
-                    <a:lnL>
-                      <a:noFill/>
+                    <a:lnL w="12700" cap="flat" cmpd="sng" algn="ctr">
+                      <a:solidFill>
+                        <a:schemeClr val="tx1"/>
+                      </a:solidFill>
+                      <a:prstDash val="solid"/>
+                      <a:round/>
+                      <a:headEnd type="none" w="med" len="med"/>
+                      <a:tailEnd type="none" w="med" len="med"/>
                     </a:lnL>
-                    <a:lnR>
-                      <a:noFill/>
+                    <a:lnR w="12700" cap="flat" cmpd="sng" algn="ctr">
+                      <a:solidFill>
+                        <a:schemeClr val="tx1"/>
+                      </a:solidFill>
+                      <a:prstDash val="solid"/>
+                      <a:round/>
+                      <a:headEnd type="none" w="med" len="med"/>
+                      <a:tailEnd type="none" w="med" len="med"/>
                     </a:lnR>
-                    <a:lnT w="6350" cap="flat" cmpd="sng" algn="ctr">
-                      <a:solidFill>
-                        <a:srgbClr val="44B3E1"/>
+                    <a:lnT w="12700" cap="flat" cmpd="sng" algn="ctr">
+                      <a:solidFill>
+                        <a:schemeClr val="tx1"/>
                       </a:solidFill>
                       <a:prstDash val="solid"/>
                       <a:round/>
                       <a:headEnd type="none" w="med" len="med"/>
                       <a:tailEnd type="none" w="med" len="med"/>
                     </a:lnT>
-                    <a:lnB w="6350" cap="flat" cmpd="sng" algn="ctr">
-                      <a:solidFill>
-                        <a:srgbClr val="44B3E1"/>
+                    <a:lnB w="12700" cap="flat" cmpd="sng" algn="ctr">
+                      <a:solidFill>
+                        <a:schemeClr val="tx1"/>
                       </a:solidFill>
                       <a:prstDash val="solid"/>
                       <a:round/>
@@ -14587,24 +15407,36 @@
                     </a:p>
                   </a:txBody>
                   <a:tcPr marL="3406" marR="3406" marT="6035" marB="0" anchor="b">
-                    <a:lnL>
-                      <a:noFill/>
+                    <a:lnL w="12700" cap="flat" cmpd="sng" algn="ctr">
+                      <a:solidFill>
+                        <a:schemeClr val="tx1"/>
+                      </a:solidFill>
+                      <a:prstDash val="solid"/>
+                      <a:round/>
+                      <a:headEnd type="none" w="med" len="med"/>
+                      <a:tailEnd type="none" w="med" len="med"/>
                     </a:lnL>
-                    <a:lnR>
-                      <a:noFill/>
+                    <a:lnR w="12700" cap="flat" cmpd="sng" algn="ctr">
+                      <a:solidFill>
+                        <a:schemeClr val="tx1"/>
+                      </a:solidFill>
+                      <a:prstDash val="solid"/>
+                      <a:round/>
+                      <a:headEnd type="none" w="med" len="med"/>
+                      <a:tailEnd type="none" w="med" len="med"/>
                     </a:lnR>
-                    <a:lnT w="6350" cap="flat" cmpd="sng" algn="ctr">
-                      <a:solidFill>
-                        <a:srgbClr val="44B3E1"/>
+                    <a:lnT w="12700" cap="flat" cmpd="sng" algn="ctr">
+                      <a:solidFill>
+                        <a:schemeClr val="tx1"/>
                       </a:solidFill>
                       <a:prstDash val="solid"/>
                       <a:round/>
                       <a:headEnd type="none" w="med" len="med"/>
                       <a:tailEnd type="none" w="med" len="med"/>
                     </a:lnT>
-                    <a:lnB w="6350" cap="flat" cmpd="sng" algn="ctr">
-                      <a:solidFill>
-                        <a:srgbClr val="44B3E1"/>
+                    <a:lnB w="12700" cap="flat" cmpd="sng" algn="ctr">
+                      <a:solidFill>
+                        <a:schemeClr val="tx1"/>
                       </a:solidFill>
                       <a:prstDash val="solid"/>
                       <a:round/>
@@ -14635,24 +15467,36 @@
                     </a:p>
                   </a:txBody>
                   <a:tcPr marL="3406" marR="3406" marT="6035" marB="0" anchor="b">
-                    <a:lnL>
-                      <a:noFill/>
+                    <a:lnL w="12700" cap="flat" cmpd="sng" algn="ctr">
+                      <a:solidFill>
+                        <a:schemeClr val="tx1"/>
+                      </a:solidFill>
+                      <a:prstDash val="solid"/>
+                      <a:round/>
+                      <a:headEnd type="none" w="med" len="med"/>
+                      <a:tailEnd type="none" w="med" len="med"/>
                     </a:lnL>
-                    <a:lnR>
-                      <a:noFill/>
+                    <a:lnR w="12700" cap="flat" cmpd="sng" algn="ctr">
+                      <a:solidFill>
+                        <a:schemeClr val="tx1"/>
+                      </a:solidFill>
+                      <a:prstDash val="solid"/>
+                      <a:round/>
+                      <a:headEnd type="none" w="med" len="med"/>
+                      <a:tailEnd type="none" w="med" len="med"/>
                     </a:lnR>
-                    <a:lnT w="6350" cap="flat" cmpd="sng" algn="ctr">
-                      <a:solidFill>
-                        <a:srgbClr val="44B3E1"/>
+                    <a:lnT w="12700" cap="flat" cmpd="sng" algn="ctr">
+                      <a:solidFill>
+                        <a:schemeClr val="tx1"/>
                       </a:solidFill>
                       <a:prstDash val="solid"/>
                       <a:round/>
                       <a:headEnd type="none" w="med" len="med"/>
                       <a:tailEnd type="none" w="med" len="med"/>
                     </a:lnT>
-                    <a:lnB w="6350" cap="flat" cmpd="sng" algn="ctr">
-                      <a:solidFill>
-                        <a:srgbClr val="44B3E1"/>
+                    <a:lnB w="12700" cap="flat" cmpd="sng" algn="ctr">
+                      <a:solidFill>
+                        <a:schemeClr val="tx1"/>
                       </a:solidFill>
                       <a:prstDash val="solid"/>
                       <a:round/>
@@ -14683,24 +15527,36 @@
                     </a:p>
                   </a:txBody>
                   <a:tcPr marL="3406" marR="3406" marT="6035" marB="0" anchor="b">
-                    <a:lnL>
-                      <a:noFill/>
+                    <a:lnL w="12700" cap="flat" cmpd="sng" algn="ctr">
+                      <a:solidFill>
+                        <a:schemeClr val="tx1"/>
+                      </a:solidFill>
+                      <a:prstDash val="solid"/>
+                      <a:round/>
+                      <a:headEnd type="none" w="med" len="med"/>
+                      <a:tailEnd type="none" w="med" len="med"/>
                     </a:lnL>
-                    <a:lnR>
-                      <a:noFill/>
+                    <a:lnR w="12700" cap="flat" cmpd="sng" algn="ctr">
+                      <a:solidFill>
+                        <a:schemeClr val="tx1"/>
+                      </a:solidFill>
+                      <a:prstDash val="solid"/>
+                      <a:round/>
+                      <a:headEnd type="none" w="med" len="med"/>
+                      <a:tailEnd type="none" w="med" len="med"/>
                     </a:lnR>
-                    <a:lnT w="6350" cap="flat" cmpd="sng" algn="ctr">
-                      <a:solidFill>
-                        <a:srgbClr val="44B3E1"/>
+                    <a:lnT w="12700" cap="flat" cmpd="sng" algn="ctr">
+                      <a:solidFill>
+                        <a:schemeClr val="tx1"/>
                       </a:solidFill>
                       <a:prstDash val="solid"/>
                       <a:round/>
                       <a:headEnd type="none" w="med" len="med"/>
                       <a:tailEnd type="none" w="med" len="med"/>
                     </a:lnT>
-                    <a:lnB w="6350" cap="flat" cmpd="sng" algn="ctr">
-                      <a:solidFill>
-                        <a:srgbClr val="44B3E1"/>
+                    <a:lnB w="12700" cap="flat" cmpd="sng" algn="ctr">
+                      <a:solidFill>
+                        <a:schemeClr val="tx1"/>
                       </a:solidFill>
                       <a:prstDash val="solid"/>
                       <a:round/>
@@ -14731,24 +15587,36 @@
                     </a:p>
                   </a:txBody>
                   <a:tcPr marL="3406" marR="3406" marT="6035" marB="0" anchor="b">
-                    <a:lnL>
-                      <a:noFill/>
+                    <a:lnL w="12700" cap="flat" cmpd="sng" algn="ctr">
+                      <a:solidFill>
+                        <a:schemeClr val="tx1"/>
+                      </a:solidFill>
+                      <a:prstDash val="solid"/>
+                      <a:round/>
+                      <a:headEnd type="none" w="med" len="med"/>
+                      <a:tailEnd type="none" w="med" len="med"/>
                     </a:lnL>
-                    <a:lnR>
-                      <a:noFill/>
+                    <a:lnR w="12700" cap="flat" cmpd="sng" algn="ctr">
+                      <a:solidFill>
+                        <a:schemeClr val="tx1"/>
+                      </a:solidFill>
+                      <a:prstDash val="solid"/>
+                      <a:round/>
+                      <a:headEnd type="none" w="med" len="med"/>
+                      <a:tailEnd type="none" w="med" len="med"/>
                     </a:lnR>
-                    <a:lnT w="6350" cap="flat" cmpd="sng" algn="ctr">
-                      <a:solidFill>
-                        <a:srgbClr val="44B3E1"/>
+                    <a:lnT w="12700" cap="flat" cmpd="sng" algn="ctr">
+                      <a:solidFill>
+                        <a:schemeClr val="tx1"/>
                       </a:solidFill>
                       <a:prstDash val="solid"/>
                       <a:round/>
                       <a:headEnd type="none" w="med" len="med"/>
                       <a:tailEnd type="none" w="med" len="med"/>
                     </a:lnT>
-                    <a:lnB w="6350" cap="flat" cmpd="sng" algn="ctr">
-                      <a:solidFill>
-                        <a:srgbClr val="44B3E1"/>
+                    <a:lnB w="12700" cap="flat" cmpd="sng" algn="ctr">
+                      <a:solidFill>
+                        <a:schemeClr val="tx1"/>
                       </a:solidFill>
                       <a:prstDash val="solid"/>
                       <a:round/>
@@ -14779,24 +15647,36 @@
                     </a:p>
                   </a:txBody>
                   <a:tcPr marL="3406" marR="3406" marT="6035" marB="0" anchor="b">
-                    <a:lnL>
-                      <a:noFill/>
+                    <a:lnL w="12700" cap="flat" cmpd="sng" algn="ctr">
+                      <a:solidFill>
+                        <a:schemeClr val="tx1"/>
+                      </a:solidFill>
+                      <a:prstDash val="solid"/>
+                      <a:round/>
+                      <a:headEnd type="none" w="med" len="med"/>
+                      <a:tailEnd type="none" w="med" len="med"/>
                     </a:lnL>
-                    <a:lnR>
-                      <a:noFill/>
+                    <a:lnR w="12700" cap="flat" cmpd="sng" algn="ctr">
+                      <a:solidFill>
+                        <a:schemeClr val="tx1"/>
+                      </a:solidFill>
+                      <a:prstDash val="solid"/>
+                      <a:round/>
+                      <a:headEnd type="none" w="med" len="med"/>
+                      <a:tailEnd type="none" w="med" len="med"/>
                     </a:lnR>
-                    <a:lnT w="6350" cap="flat" cmpd="sng" algn="ctr">
-                      <a:solidFill>
-                        <a:srgbClr val="44B3E1"/>
+                    <a:lnT w="12700" cap="flat" cmpd="sng" algn="ctr">
+                      <a:solidFill>
+                        <a:schemeClr val="tx1"/>
                       </a:solidFill>
                       <a:prstDash val="solid"/>
                       <a:round/>
                       <a:headEnd type="none" w="med" len="med"/>
                       <a:tailEnd type="none" w="med" len="med"/>
                     </a:lnT>
-                    <a:lnB w="6350" cap="flat" cmpd="sng" algn="ctr">
-                      <a:solidFill>
-                        <a:srgbClr val="44B3E1"/>
+                    <a:lnB w="12700" cap="flat" cmpd="sng" algn="ctr">
+                      <a:solidFill>
+                        <a:schemeClr val="tx1"/>
                       </a:solidFill>
                       <a:prstDash val="solid"/>
                       <a:round/>
@@ -14827,24 +15707,36 @@
                     </a:p>
                   </a:txBody>
                   <a:tcPr marL="3406" marR="3406" marT="6035" marB="0" anchor="b">
-                    <a:lnL>
-                      <a:noFill/>
+                    <a:lnL w="12700" cap="flat" cmpd="sng" algn="ctr">
+                      <a:solidFill>
+                        <a:schemeClr val="tx1"/>
+                      </a:solidFill>
+                      <a:prstDash val="solid"/>
+                      <a:round/>
+                      <a:headEnd type="none" w="med" len="med"/>
+                      <a:tailEnd type="none" w="med" len="med"/>
                     </a:lnL>
-                    <a:lnR>
-                      <a:noFill/>
+                    <a:lnR w="12700" cap="flat" cmpd="sng" algn="ctr">
+                      <a:solidFill>
+                        <a:schemeClr val="tx1"/>
+                      </a:solidFill>
+                      <a:prstDash val="solid"/>
+                      <a:round/>
+                      <a:headEnd type="none" w="med" len="med"/>
+                      <a:tailEnd type="none" w="med" len="med"/>
                     </a:lnR>
-                    <a:lnT w="6350" cap="flat" cmpd="sng" algn="ctr">
-                      <a:solidFill>
-                        <a:srgbClr val="44B3E1"/>
+                    <a:lnT w="12700" cap="flat" cmpd="sng" algn="ctr">
+                      <a:solidFill>
+                        <a:schemeClr val="tx1"/>
                       </a:solidFill>
                       <a:prstDash val="solid"/>
                       <a:round/>
                       <a:headEnd type="none" w="med" len="med"/>
                       <a:tailEnd type="none" w="med" len="med"/>
                     </a:lnT>
-                    <a:lnB w="6350" cap="flat" cmpd="sng" algn="ctr">
-                      <a:solidFill>
-                        <a:srgbClr val="44B3E1"/>
+                    <a:lnB w="12700" cap="flat" cmpd="sng" algn="ctr">
+                      <a:solidFill>
+                        <a:schemeClr val="tx1"/>
                       </a:solidFill>
                       <a:prstDash val="solid"/>
                       <a:round/>
@@ -14875,30 +15767,36 @@
                     </a:p>
                   </a:txBody>
                   <a:tcPr marL="3406" marR="3406" marT="6035" marB="0" anchor="b">
-                    <a:lnL>
-                      <a:noFill/>
+                    <a:lnL w="12700" cap="flat" cmpd="sng" algn="ctr">
+                      <a:solidFill>
+                        <a:schemeClr val="tx1"/>
+                      </a:solidFill>
+                      <a:prstDash val="solid"/>
+                      <a:round/>
+                      <a:headEnd type="none" w="med" len="med"/>
+                      <a:tailEnd type="none" w="med" len="med"/>
                     </a:lnL>
-                    <a:lnR w="6350" cap="flat" cmpd="sng" algn="ctr">
-                      <a:solidFill>
-                        <a:srgbClr val="44B3E1"/>
+                    <a:lnR w="12700" cap="flat" cmpd="sng" algn="ctr">
+                      <a:solidFill>
+                        <a:schemeClr val="tx1"/>
                       </a:solidFill>
                       <a:prstDash val="solid"/>
                       <a:round/>
                       <a:headEnd type="none" w="med" len="med"/>
                       <a:tailEnd type="none" w="med" len="med"/>
                     </a:lnR>
-                    <a:lnT w="6350" cap="flat" cmpd="sng" algn="ctr">
-                      <a:solidFill>
-                        <a:srgbClr val="44B3E1"/>
+                    <a:lnT w="12700" cap="flat" cmpd="sng" algn="ctr">
+                      <a:solidFill>
+                        <a:schemeClr val="tx1"/>
                       </a:solidFill>
                       <a:prstDash val="solid"/>
                       <a:round/>
                       <a:headEnd type="none" w="med" len="med"/>
                       <a:tailEnd type="none" w="med" len="med"/>
                     </a:lnT>
-                    <a:lnB w="6350" cap="flat" cmpd="sng" algn="ctr">
-                      <a:solidFill>
-                        <a:srgbClr val="44B3E1"/>
+                    <a:lnB w="12700" cap="flat" cmpd="sng" algn="ctr">
+                      <a:solidFill>
+                        <a:schemeClr val="tx1"/>
                       </a:solidFill>
                       <a:prstDash val="solid"/>
                       <a:round/>
@@ -14936,30 +15834,36 @@
                     </a:p>
                   </a:txBody>
                   <a:tcPr marL="3406" marR="3406" marT="6035" marB="0" anchor="b">
-                    <a:lnL w="6350" cap="flat" cmpd="sng" algn="ctr">
-                      <a:solidFill>
-                        <a:srgbClr val="44B3E1"/>
+                    <a:lnL w="12700" cap="flat" cmpd="sng" algn="ctr">
+                      <a:solidFill>
+                        <a:schemeClr val="tx1"/>
                       </a:solidFill>
                       <a:prstDash val="solid"/>
                       <a:round/>
                       <a:headEnd type="none" w="med" len="med"/>
                       <a:tailEnd type="none" w="med" len="med"/>
                     </a:lnL>
-                    <a:lnR>
-                      <a:noFill/>
+                    <a:lnR w="12700" cap="flat" cmpd="sng" algn="ctr">
+                      <a:solidFill>
+                        <a:schemeClr val="tx1"/>
+                      </a:solidFill>
+                      <a:prstDash val="solid"/>
+                      <a:round/>
+                      <a:headEnd type="none" w="med" len="med"/>
+                      <a:tailEnd type="none" w="med" len="med"/>
                     </a:lnR>
-                    <a:lnT w="6350" cap="flat" cmpd="sng" algn="ctr">
-                      <a:solidFill>
-                        <a:srgbClr val="44B3E1"/>
+                    <a:lnT w="12700" cap="flat" cmpd="sng" algn="ctr">
+                      <a:solidFill>
+                        <a:schemeClr val="tx1"/>
                       </a:solidFill>
                       <a:prstDash val="solid"/>
                       <a:round/>
                       <a:headEnd type="none" w="med" len="med"/>
                       <a:tailEnd type="none" w="med" len="med"/>
                     </a:lnT>
-                    <a:lnB w="6350" cap="flat" cmpd="sng" algn="ctr">
-                      <a:solidFill>
-                        <a:srgbClr val="44B3E1"/>
+                    <a:lnB w="12700" cap="flat" cmpd="sng" algn="ctr">
+                      <a:solidFill>
+                        <a:schemeClr val="tx1"/>
                       </a:solidFill>
                       <a:prstDash val="solid"/>
                       <a:round/>
@@ -14988,24 +15892,36 @@
                     </a:p>
                   </a:txBody>
                   <a:tcPr marL="3406" marR="3406" marT="6035" marB="0" anchor="b">
-                    <a:lnL>
-                      <a:noFill/>
+                    <a:lnL w="12700" cap="flat" cmpd="sng" algn="ctr">
+                      <a:solidFill>
+                        <a:schemeClr val="tx1"/>
+                      </a:solidFill>
+                      <a:prstDash val="solid"/>
+                      <a:round/>
+                      <a:headEnd type="none" w="med" len="med"/>
+                      <a:tailEnd type="none" w="med" len="med"/>
                     </a:lnL>
-                    <a:lnR>
-                      <a:noFill/>
+                    <a:lnR w="12700" cap="flat" cmpd="sng" algn="ctr">
+                      <a:solidFill>
+                        <a:schemeClr val="tx1"/>
+                      </a:solidFill>
+                      <a:prstDash val="solid"/>
+                      <a:round/>
+                      <a:headEnd type="none" w="med" len="med"/>
+                      <a:tailEnd type="none" w="med" len="med"/>
                     </a:lnR>
-                    <a:lnT w="6350" cap="flat" cmpd="sng" algn="ctr">
-                      <a:solidFill>
-                        <a:srgbClr val="44B3E1"/>
+                    <a:lnT w="12700" cap="flat" cmpd="sng" algn="ctr">
+                      <a:solidFill>
+                        <a:schemeClr val="tx1"/>
                       </a:solidFill>
                       <a:prstDash val="solid"/>
                       <a:round/>
                       <a:headEnd type="none" w="med" len="med"/>
                       <a:tailEnd type="none" w="med" len="med"/>
                     </a:lnT>
-                    <a:lnB w="6350" cap="flat" cmpd="sng" algn="ctr">
-                      <a:solidFill>
-                        <a:srgbClr val="44B3E1"/>
+                    <a:lnB w="12700" cap="flat" cmpd="sng" algn="ctr">
+                      <a:solidFill>
+                        <a:schemeClr val="tx1"/>
                       </a:solidFill>
                       <a:prstDash val="solid"/>
                       <a:round/>
@@ -15034,24 +15950,36 @@
                     </a:p>
                   </a:txBody>
                   <a:tcPr marL="3406" marR="3406" marT="6035" marB="0" anchor="b">
-                    <a:lnL>
-                      <a:noFill/>
+                    <a:lnL w="12700" cap="flat" cmpd="sng" algn="ctr">
+                      <a:solidFill>
+                        <a:schemeClr val="tx1"/>
+                      </a:solidFill>
+                      <a:prstDash val="solid"/>
+                      <a:round/>
+                      <a:headEnd type="none" w="med" len="med"/>
+                      <a:tailEnd type="none" w="med" len="med"/>
                     </a:lnL>
-                    <a:lnR>
-                      <a:noFill/>
+                    <a:lnR w="12700" cap="flat" cmpd="sng" algn="ctr">
+                      <a:solidFill>
+                        <a:schemeClr val="tx1"/>
+                      </a:solidFill>
+                      <a:prstDash val="solid"/>
+                      <a:round/>
+                      <a:headEnd type="none" w="med" len="med"/>
+                      <a:tailEnd type="none" w="med" len="med"/>
                     </a:lnR>
-                    <a:lnT w="6350" cap="flat" cmpd="sng" algn="ctr">
-                      <a:solidFill>
-                        <a:srgbClr val="44B3E1"/>
+                    <a:lnT w="12700" cap="flat" cmpd="sng" algn="ctr">
+                      <a:solidFill>
+                        <a:schemeClr val="tx1"/>
                       </a:solidFill>
                       <a:prstDash val="solid"/>
                       <a:round/>
                       <a:headEnd type="none" w="med" len="med"/>
                       <a:tailEnd type="none" w="med" len="med"/>
                     </a:lnT>
-                    <a:lnB w="6350" cap="flat" cmpd="sng" algn="ctr">
-                      <a:solidFill>
-                        <a:srgbClr val="44B3E1"/>
+                    <a:lnB w="12700" cap="flat" cmpd="sng" algn="ctr">
+                      <a:solidFill>
+                        <a:schemeClr val="tx1"/>
                       </a:solidFill>
                       <a:prstDash val="solid"/>
                       <a:round/>
@@ -15080,24 +16008,36 @@
                     </a:p>
                   </a:txBody>
                   <a:tcPr marL="3406" marR="3406" marT="6035" marB="0" anchor="b">
-                    <a:lnL>
-                      <a:noFill/>
+                    <a:lnL w="12700" cap="flat" cmpd="sng" algn="ctr">
+                      <a:solidFill>
+                        <a:schemeClr val="tx1"/>
+                      </a:solidFill>
+                      <a:prstDash val="solid"/>
+                      <a:round/>
+                      <a:headEnd type="none" w="med" len="med"/>
+                      <a:tailEnd type="none" w="med" len="med"/>
                     </a:lnL>
-                    <a:lnR>
-                      <a:noFill/>
+                    <a:lnR w="12700" cap="flat" cmpd="sng" algn="ctr">
+                      <a:solidFill>
+                        <a:schemeClr val="tx1"/>
+                      </a:solidFill>
+                      <a:prstDash val="solid"/>
+                      <a:round/>
+                      <a:headEnd type="none" w="med" len="med"/>
+                      <a:tailEnd type="none" w="med" len="med"/>
                     </a:lnR>
-                    <a:lnT w="6350" cap="flat" cmpd="sng" algn="ctr">
-                      <a:solidFill>
-                        <a:srgbClr val="44B3E1"/>
+                    <a:lnT w="12700" cap="flat" cmpd="sng" algn="ctr">
+                      <a:solidFill>
+                        <a:schemeClr val="tx1"/>
                       </a:solidFill>
                       <a:prstDash val="solid"/>
                       <a:round/>
                       <a:headEnd type="none" w="med" len="med"/>
                       <a:tailEnd type="none" w="med" len="med"/>
                     </a:lnT>
-                    <a:lnB w="6350" cap="flat" cmpd="sng" algn="ctr">
-                      <a:solidFill>
-                        <a:srgbClr val="44B3E1"/>
+                    <a:lnB w="12700" cap="flat" cmpd="sng" algn="ctr">
+                      <a:solidFill>
+                        <a:schemeClr val="tx1"/>
                       </a:solidFill>
                       <a:prstDash val="solid"/>
                       <a:round/>
@@ -15126,24 +16066,36 @@
                     </a:p>
                   </a:txBody>
                   <a:tcPr marL="3406" marR="3406" marT="6035" marB="0" anchor="b">
-                    <a:lnL>
-                      <a:noFill/>
+                    <a:lnL w="12700" cap="flat" cmpd="sng" algn="ctr">
+                      <a:solidFill>
+                        <a:schemeClr val="tx1"/>
+                      </a:solidFill>
+                      <a:prstDash val="solid"/>
+                      <a:round/>
+                      <a:headEnd type="none" w="med" len="med"/>
+                      <a:tailEnd type="none" w="med" len="med"/>
                     </a:lnL>
-                    <a:lnR>
-                      <a:noFill/>
+                    <a:lnR w="12700" cap="flat" cmpd="sng" algn="ctr">
+                      <a:solidFill>
+                        <a:schemeClr val="tx1"/>
+                      </a:solidFill>
+                      <a:prstDash val="solid"/>
+                      <a:round/>
+                      <a:headEnd type="none" w="med" len="med"/>
+                      <a:tailEnd type="none" w="med" len="med"/>
                     </a:lnR>
-                    <a:lnT w="6350" cap="flat" cmpd="sng" algn="ctr">
-                      <a:solidFill>
-                        <a:srgbClr val="44B3E1"/>
+                    <a:lnT w="12700" cap="flat" cmpd="sng" algn="ctr">
+                      <a:solidFill>
+                        <a:schemeClr val="tx1"/>
                       </a:solidFill>
                       <a:prstDash val="solid"/>
                       <a:round/>
                       <a:headEnd type="none" w="med" len="med"/>
                       <a:tailEnd type="none" w="med" len="med"/>
                     </a:lnT>
-                    <a:lnB w="6350" cap="flat" cmpd="sng" algn="ctr">
-                      <a:solidFill>
-                        <a:srgbClr val="44B3E1"/>
+                    <a:lnB w="12700" cap="flat" cmpd="sng" algn="ctr">
+                      <a:solidFill>
+                        <a:schemeClr val="tx1"/>
                       </a:solidFill>
                       <a:prstDash val="solid"/>
                       <a:round/>
@@ -15172,24 +16124,36 @@
                     </a:p>
                   </a:txBody>
                   <a:tcPr marL="3406" marR="3406" marT="6035" marB="0" anchor="b">
-                    <a:lnL>
-                      <a:noFill/>
+                    <a:lnL w="12700" cap="flat" cmpd="sng" algn="ctr">
+                      <a:solidFill>
+                        <a:schemeClr val="tx1"/>
+                      </a:solidFill>
+                      <a:prstDash val="solid"/>
+                      <a:round/>
+                      <a:headEnd type="none" w="med" len="med"/>
+                      <a:tailEnd type="none" w="med" len="med"/>
                     </a:lnL>
-                    <a:lnR>
-                      <a:noFill/>
+                    <a:lnR w="12700" cap="flat" cmpd="sng" algn="ctr">
+                      <a:solidFill>
+                        <a:schemeClr val="tx1"/>
+                      </a:solidFill>
+                      <a:prstDash val="solid"/>
+                      <a:round/>
+                      <a:headEnd type="none" w="med" len="med"/>
+                      <a:tailEnd type="none" w="med" len="med"/>
                     </a:lnR>
-                    <a:lnT w="6350" cap="flat" cmpd="sng" algn="ctr">
-                      <a:solidFill>
-                        <a:srgbClr val="44B3E1"/>
+                    <a:lnT w="12700" cap="flat" cmpd="sng" algn="ctr">
+                      <a:solidFill>
+                        <a:schemeClr val="tx1"/>
                       </a:solidFill>
                       <a:prstDash val="solid"/>
                       <a:round/>
                       <a:headEnd type="none" w="med" len="med"/>
                       <a:tailEnd type="none" w="med" len="med"/>
                     </a:lnT>
-                    <a:lnB w="6350" cap="flat" cmpd="sng" algn="ctr">
-                      <a:solidFill>
-                        <a:srgbClr val="44B3E1"/>
+                    <a:lnB w="12700" cap="flat" cmpd="sng" algn="ctr">
+                      <a:solidFill>
+                        <a:schemeClr val="tx1"/>
                       </a:solidFill>
                       <a:prstDash val="solid"/>
                       <a:round/>
@@ -15218,24 +16182,36 @@
                     </a:p>
                   </a:txBody>
                   <a:tcPr marL="3406" marR="3406" marT="6035" marB="0" anchor="b">
-                    <a:lnL>
-                      <a:noFill/>
+                    <a:lnL w="12700" cap="flat" cmpd="sng" algn="ctr">
+                      <a:solidFill>
+                        <a:schemeClr val="tx1"/>
+                      </a:solidFill>
+                      <a:prstDash val="solid"/>
+                      <a:round/>
+                      <a:headEnd type="none" w="med" len="med"/>
+                      <a:tailEnd type="none" w="med" len="med"/>
                     </a:lnL>
-                    <a:lnR>
-                      <a:noFill/>
+                    <a:lnR w="12700" cap="flat" cmpd="sng" algn="ctr">
+                      <a:solidFill>
+                        <a:schemeClr val="tx1"/>
+                      </a:solidFill>
+                      <a:prstDash val="solid"/>
+                      <a:round/>
+                      <a:headEnd type="none" w="med" len="med"/>
+                      <a:tailEnd type="none" w="med" len="med"/>
                     </a:lnR>
-                    <a:lnT w="6350" cap="flat" cmpd="sng" algn="ctr">
-                      <a:solidFill>
-                        <a:srgbClr val="44B3E1"/>
+                    <a:lnT w="12700" cap="flat" cmpd="sng" algn="ctr">
+                      <a:solidFill>
+                        <a:schemeClr val="tx1"/>
                       </a:solidFill>
                       <a:prstDash val="solid"/>
                       <a:round/>
                       <a:headEnd type="none" w="med" len="med"/>
                       <a:tailEnd type="none" w="med" len="med"/>
                     </a:lnT>
-                    <a:lnB w="6350" cap="flat" cmpd="sng" algn="ctr">
-                      <a:solidFill>
-                        <a:srgbClr val="44B3E1"/>
+                    <a:lnB w="12700" cap="flat" cmpd="sng" algn="ctr">
+                      <a:solidFill>
+                        <a:schemeClr val="tx1"/>
                       </a:solidFill>
                       <a:prstDash val="solid"/>
                       <a:round/>
@@ -15264,24 +16240,36 @@
                     </a:p>
                   </a:txBody>
                   <a:tcPr marL="3406" marR="3406" marT="6035" marB="0" anchor="b">
-                    <a:lnL>
-                      <a:noFill/>
+                    <a:lnL w="12700" cap="flat" cmpd="sng" algn="ctr">
+                      <a:solidFill>
+                        <a:schemeClr val="tx1"/>
+                      </a:solidFill>
+                      <a:prstDash val="solid"/>
+                      <a:round/>
+                      <a:headEnd type="none" w="med" len="med"/>
+                      <a:tailEnd type="none" w="med" len="med"/>
                     </a:lnL>
-                    <a:lnR>
-                      <a:noFill/>
+                    <a:lnR w="12700" cap="flat" cmpd="sng" algn="ctr">
+                      <a:solidFill>
+                        <a:schemeClr val="tx1"/>
+                      </a:solidFill>
+                      <a:prstDash val="solid"/>
+                      <a:round/>
+                      <a:headEnd type="none" w="med" len="med"/>
+                      <a:tailEnd type="none" w="med" len="med"/>
                     </a:lnR>
-                    <a:lnT w="6350" cap="flat" cmpd="sng" algn="ctr">
-                      <a:solidFill>
-                        <a:srgbClr val="44B3E1"/>
+                    <a:lnT w="12700" cap="flat" cmpd="sng" algn="ctr">
+                      <a:solidFill>
+                        <a:schemeClr val="tx1"/>
                       </a:solidFill>
                       <a:prstDash val="solid"/>
                       <a:round/>
                       <a:headEnd type="none" w="med" len="med"/>
                       <a:tailEnd type="none" w="med" len="med"/>
                     </a:lnT>
-                    <a:lnB w="6350" cap="flat" cmpd="sng" algn="ctr">
-                      <a:solidFill>
-                        <a:srgbClr val="44B3E1"/>
+                    <a:lnB w="12700" cap="flat" cmpd="sng" algn="ctr">
+                      <a:solidFill>
+                        <a:schemeClr val="tx1"/>
                       </a:solidFill>
                       <a:prstDash val="solid"/>
                       <a:round/>
@@ -15310,24 +16298,36 @@
                     </a:p>
                   </a:txBody>
                   <a:tcPr marL="3406" marR="3406" marT="6035" marB="0" anchor="b">
-                    <a:lnL>
-                      <a:noFill/>
+                    <a:lnL w="12700" cap="flat" cmpd="sng" algn="ctr">
+                      <a:solidFill>
+                        <a:schemeClr val="tx1"/>
+                      </a:solidFill>
+                      <a:prstDash val="solid"/>
+                      <a:round/>
+                      <a:headEnd type="none" w="med" len="med"/>
+                      <a:tailEnd type="none" w="med" len="med"/>
                     </a:lnL>
-                    <a:lnR>
-                      <a:noFill/>
+                    <a:lnR w="12700" cap="flat" cmpd="sng" algn="ctr">
+                      <a:solidFill>
+                        <a:schemeClr val="tx1"/>
+                      </a:solidFill>
+                      <a:prstDash val="solid"/>
+                      <a:round/>
+                      <a:headEnd type="none" w="med" len="med"/>
+                      <a:tailEnd type="none" w="med" len="med"/>
                     </a:lnR>
-                    <a:lnT w="6350" cap="flat" cmpd="sng" algn="ctr">
-                      <a:solidFill>
-                        <a:srgbClr val="44B3E1"/>
+                    <a:lnT w="12700" cap="flat" cmpd="sng" algn="ctr">
+                      <a:solidFill>
+                        <a:schemeClr val="tx1"/>
                       </a:solidFill>
                       <a:prstDash val="solid"/>
                       <a:round/>
                       <a:headEnd type="none" w="med" len="med"/>
                       <a:tailEnd type="none" w="med" len="med"/>
                     </a:lnT>
-                    <a:lnB w="6350" cap="flat" cmpd="sng" algn="ctr">
-                      <a:solidFill>
-                        <a:srgbClr val="44B3E1"/>
+                    <a:lnB w="12700" cap="flat" cmpd="sng" algn="ctr">
+                      <a:solidFill>
+                        <a:schemeClr val="tx1"/>
                       </a:solidFill>
                       <a:prstDash val="solid"/>
                       <a:round/>
@@ -15356,24 +16356,36 @@
                     </a:p>
                   </a:txBody>
                   <a:tcPr marL="3406" marR="3406" marT="6035" marB="0" anchor="b">
-                    <a:lnL>
-                      <a:noFill/>
+                    <a:lnL w="12700" cap="flat" cmpd="sng" algn="ctr">
+                      <a:solidFill>
+                        <a:schemeClr val="tx1"/>
+                      </a:solidFill>
+                      <a:prstDash val="solid"/>
+                      <a:round/>
+                      <a:headEnd type="none" w="med" len="med"/>
+                      <a:tailEnd type="none" w="med" len="med"/>
                     </a:lnL>
-                    <a:lnR>
-                      <a:noFill/>
+                    <a:lnR w="12700" cap="flat" cmpd="sng" algn="ctr">
+                      <a:solidFill>
+                        <a:schemeClr val="tx1"/>
+                      </a:solidFill>
+                      <a:prstDash val="solid"/>
+                      <a:round/>
+                      <a:headEnd type="none" w="med" len="med"/>
+                      <a:tailEnd type="none" w="med" len="med"/>
                     </a:lnR>
-                    <a:lnT w="6350" cap="flat" cmpd="sng" algn="ctr">
-                      <a:solidFill>
-                        <a:srgbClr val="44B3E1"/>
+                    <a:lnT w="12700" cap="flat" cmpd="sng" algn="ctr">
+                      <a:solidFill>
+                        <a:schemeClr val="tx1"/>
                       </a:solidFill>
                       <a:prstDash val="solid"/>
                       <a:round/>
                       <a:headEnd type="none" w="med" len="med"/>
                       <a:tailEnd type="none" w="med" len="med"/>
                     </a:lnT>
-                    <a:lnB w="6350" cap="flat" cmpd="sng" algn="ctr">
-                      <a:solidFill>
-                        <a:srgbClr val="44B3E1"/>
+                    <a:lnB w="12700" cap="flat" cmpd="sng" algn="ctr">
+                      <a:solidFill>
+                        <a:schemeClr val="tx1"/>
                       </a:solidFill>
                       <a:prstDash val="solid"/>
                       <a:round/>
@@ -15402,24 +16414,36 @@
                     </a:p>
                   </a:txBody>
                   <a:tcPr marL="3406" marR="3406" marT="6035" marB="0" anchor="b">
-                    <a:lnL>
-                      <a:noFill/>
+                    <a:lnL w="12700" cap="flat" cmpd="sng" algn="ctr">
+                      <a:solidFill>
+                        <a:schemeClr val="tx1"/>
+                      </a:solidFill>
+                      <a:prstDash val="solid"/>
+                      <a:round/>
+                      <a:headEnd type="none" w="med" len="med"/>
+                      <a:tailEnd type="none" w="med" len="med"/>
                     </a:lnL>
-                    <a:lnR>
-                      <a:noFill/>
+                    <a:lnR w="12700" cap="flat" cmpd="sng" algn="ctr">
+                      <a:solidFill>
+                        <a:schemeClr val="tx1"/>
+                      </a:solidFill>
+                      <a:prstDash val="solid"/>
+                      <a:round/>
+                      <a:headEnd type="none" w="med" len="med"/>
+                      <a:tailEnd type="none" w="med" len="med"/>
                     </a:lnR>
-                    <a:lnT w="6350" cap="flat" cmpd="sng" algn="ctr">
-                      <a:solidFill>
-                        <a:srgbClr val="44B3E1"/>
+                    <a:lnT w="12700" cap="flat" cmpd="sng" algn="ctr">
+                      <a:solidFill>
+                        <a:schemeClr val="tx1"/>
                       </a:solidFill>
                       <a:prstDash val="solid"/>
                       <a:round/>
                       <a:headEnd type="none" w="med" len="med"/>
                       <a:tailEnd type="none" w="med" len="med"/>
                     </a:lnT>
-                    <a:lnB w="6350" cap="flat" cmpd="sng" algn="ctr">
-                      <a:solidFill>
-                        <a:srgbClr val="44B3E1"/>
+                    <a:lnB w="12700" cap="flat" cmpd="sng" algn="ctr">
+                      <a:solidFill>
+                        <a:schemeClr val="tx1"/>
                       </a:solidFill>
                       <a:prstDash val="solid"/>
                       <a:round/>
@@ -15448,24 +16472,36 @@
                     </a:p>
                   </a:txBody>
                   <a:tcPr marL="3406" marR="3406" marT="6035" marB="0" anchor="b">
-                    <a:lnL>
-                      <a:noFill/>
+                    <a:lnL w="12700" cap="flat" cmpd="sng" algn="ctr">
+                      <a:solidFill>
+                        <a:schemeClr val="tx1"/>
+                      </a:solidFill>
+                      <a:prstDash val="solid"/>
+                      <a:round/>
+                      <a:headEnd type="none" w="med" len="med"/>
+                      <a:tailEnd type="none" w="med" len="med"/>
                     </a:lnL>
-                    <a:lnR>
-                      <a:noFill/>
+                    <a:lnR w="12700" cap="flat" cmpd="sng" algn="ctr">
+                      <a:solidFill>
+                        <a:schemeClr val="tx1"/>
+                      </a:solidFill>
+                      <a:prstDash val="solid"/>
+                      <a:round/>
+                      <a:headEnd type="none" w="med" len="med"/>
+                      <a:tailEnd type="none" w="med" len="med"/>
                     </a:lnR>
-                    <a:lnT w="6350" cap="flat" cmpd="sng" algn="ctr">
-                      <a:solidFill>
-                        <a:srgbClr val="44B3E1"/>
+                    <a:lnT w="12700" cap="flat" cmpd="sng" algn="ctr">
+                      <a:solidFill>
+                        <a:schemeClr val="tx1"/>
                       </a:solidFill>
                       <a:prstDash val="solid"/>
                       <a:round/>
                       <a:headEnd type="none" w="med" len="med"/>
                       <a:tailEnd type="none" w="med" len="med"/>
                     </a:lnT>
-                    <a:lnB w="6350" cap="flat" cmpd="sng" algn="ctr">
-                      <a:solidFill>
-                        <a:srgbClr val="44B3E1"/>
+                    <a:lnB w="12700" cap="flat" cmpd="sng" algn="ctr">
+                      <a:solidFill>
+                        <a:schemeClr val="tx1"/>
                       </a:solidFill>
                       <a:prstDash val="solid"/>
                       <a:round/>
@@ -15494,24 +16530,36 @@
                     </a:p>
                   </a:txBody>
                   <a:tcPr marL="3406" marR="3406" marT="6035" marB="0" anchor="b">
-                    <a:lnL>
-                      <a:noFill/>
+                    <a:lnL w="12700" cap="flat" cmpd="sng" algn="ctr">
+                      <a:solidFill>
+                        <a:schemeClr val="tx1"/>
+                      </a:solidFill>
+                      <a:prstDash val="solid"/>
+                      <a:round/>
+                      <a:headEnd type="none" w="med" len="med"/>
+                      <a:tailEnd type="none" w="med" len="med"/>
                     </a:lnL>
-                    <a:lnR>
-                      <a:noFill/>
+                    <a:lnR w="12700" cap="flat" cmpd="sng" algn="ctr">
+                      <a:solidFill>
+                        <a:schemeClr val="tx1"/>
+                      </a:solidFill>
+                      <a:prstDash val="solid"/>
+                      <a:round/>
+                      <a:headEnd type="none" w="med" len="med"/>
+                      <a:tailEnd type="none" w="med" len="med"/>
                     </a:lnR>
-                    <a:lnT w="6350" cap="flat" cmpd="sng" algn="ctr">
-                      <a:solidFill>
-                        <a:srgbClr val="44B3E1"/>
+                    <a:lnT w="12700" cap="flat" cmpd="sng" algn="ctr">
+                      <a:solidFill>
+                        <a:schemeClr val="tx1"/>
                       </a:solidFill>
                       <a:prstDash val="solid"/>
                       <a:round/>
                       <a:headEnd type="none" w="med" len="med"/>
                       <a:tailEnd type="none" w="med" len="med"/>
                     </a:lnT>
-                    <a:lnB w="6350" cap="flat" cmpd="sng" algn="ctr">
-                      <a:solidFill>
-                        <a:srgbClr val="44B3E1"/>
+                    <a:lnB w="12700" cap="flat" cmpd="sng" algn="ctr">
+                      <a:solidFill>
+                        <a:schemeClr val="tx1"/>
                       </a:solidFill>
                       <a:prstDash val="solid"/>
                       <a:round/>
@@ -15540,24 +16588,36 @@
                     </a:p>
                   </a:txBody>
                   <a:tcPr marL="3406" marR="3406" marT="6035" marB="0" anchor="b">
-                    <a:lnL>
-                      <a:noFill/>
+                    <a:lnL w="12700" cap="flat" cmpd="sng" algn="ctr">
+                      <a:solidFill>
+                        <a:schemeClr val="tx1"/>
+                      </a:solidFill>
+                      <a:prstDash val="solid"/>
+                      <a:round/>
+                      <a:headEnd type="none" w="med" len="med"/>
+                      <a:tailEnd type="none" w="med" len="med"/>
                     </a:lnL>
-                    <a:lnR>
-                      <a:noFill/>
+                    <a:lnR w="12700" cap="flat" cmpd="sng" algn="ctr">
+                      <a:solidFill>
+                        <a:schemeClr val="tx1"/>
+                      </a:solidFill>
+                      <a:prstDash val="solid"/>
+                      <a:round/>
+                      <a:headEnd type="none" w="med" len="med"/>
+                      <a:tailEnd type="none" w="med" len="med"/>
                     </a:lnR>
-                    <a:lnT w="6350" cap="flat" cmpd="sng" algn="ctr">
-                      <a:solidFill>
-                        <a:srgbClr val="44B3E1"/>
+                    <a:lnT w="12700" cap="flat" cmpd="sng" algn="ctr">
+                      <a:solidFill>
+                        <a:schemeClr val="tx1"/>
                       </a:solidFill>
                       <a:prstDash val="solid"/>
                       <a:round/>
                       <a:headEnd type="none" w="med" len="med"/>
                       <a:tailEnd type="none" w="med" len="med"/>
                     </a:lnT>
-                    <a:lnB w="6350" cap="flat" cmpd="sng" algn="ctr">
-                      <a:solidFill>
-                        <a:srgbClr val="44B3E1"/>
+                    <a:lnB w="12700" cap="flat" cmpd="sng" algn="ctr">
+                      <a:solidFill>
+                        <a:schemeClr val="tx1"/>
                       </a:solidFill>
                       <a:prstDash val="solid"/>
                       <a:round/>
@@ -15586,24 +16646,36 @@
                     </a:p>
                   </a:txBody>
                   <a:tcPr marL="3406" marR="3406" marT="6035" marB="0" anchor="b">
-                    <a:lnL>
-                      <a:noFill/>
+                    <a:lnL w="12700" cap="flat" cmpd="sng" algn="ctr">
+                      <a:solidFill>
+                        <a:schemeClr val="tx1"/>
+                      </a:solidFill>
+                      <a:prstDash val="solid"/>
+                      <a:round/>
+                      <a:headEnd type="none" w="med" len="med"/>
+                      <a:tailEnd type="none" w="med" len="med"/>
                     </a:lnL>
-                    <a:lnR>
-                      <a:noFill/>
+                    <a:lnR w="12700" cap="flat" cmpd="sng" algn="ctr">
+                      <a:solidFill>
+                        <a:schemeClr val="tx1"/>
+                      </a:solidFill>
+                      <a:prstDash val="solid"/>
+                      <a:round/>
+                      <a:headEnd type="none" w="med" len="med"/>
+                      <a:tailEnd type="none" w="med" len="med"/>
                     </a:lnR>
-                    <a:lnT w="6350" cap="flat" cmpd="sng" algn="ctr">
-                      <a:solidFill>
-                        <a:srgbClr val="44B3E1"/>
+                    <a:lnT w="12700" cap="flat" cmpd="sng" algn="ctr">
+                      <a:solidFill>
+                        <a:schemeClr val="tx1"/>
                       </a:solidFill>
                       <a:prstDash val="solid"/>
                       <a:round/>
                       <a:headEnd type="none" w="med" len="med"/>
                       <a:tailEnd type="none" w="med" len="med"/>
                     </a:lnT>
-                    <a:lnB w="6350" cap="flat" cmpd="sng" algn="ctr">
-                      <a:solidFill>
-                        <a:srgbClr val="44B3E1"/>
+                    <a:lnB w="12700" cap="flat" cmpd="sng" algn="ctr">
+                      <a:solidFill>
+                        <a:schemeClr val="tx1"/>
                       </a:solidFill>
                       <a:prstDash val="solid"/>
                       <a:round/>
@@ -15632,24 +16704,36 @@
                     </a:p>
                   </a:txBody>
                   <a:tcPr marL="3406" marR="3406" marT="6035" marB="0" anchor="b">
-                    <a:lnL>
-                      <a:noFill/>
+                    <a:lnL w="12700" cap="flat" cmpd="sng" algn="ctr">
+                      <a:solidFill>
+                        <a:schemeClr val="tx1"/>
+                      </a:solidFill>
+                      <a:prstDash val="solid"/>
+                      <a:round/>
+                      <a:headEnd type="none" w="med" len="med"/>
+                      <a:tailEnd type="none" w="med" len="med"/>
                     </a:lnL>
-                    <a:lnR>
-                      <a:noFill/>
+                    <a:lnR w="12700" cap="flat" cmpd="sng" algn="ctr">
+                      <a:solidFill>
+                        <a:schemeClr val="tx1"/>
+                      </a:solidFill>
+                      <a:prstDash val="solid"/>
+                      <a:round/>
+                      <a:headEnd type="none" w="med" len="med"/>
+                      <a:tailEnd type="none" w="med" len="med"/>
                     </a:lnR>
-                    <a:lnT w="6350" cap="flat" cmpd="sng" algn="ctr">
-                      <a:solidFill>
-                        <a:srgbClr val="44B3E1"/>
+                    <a:lnT w="12700" cap="flat" cmpd="sng" algn="ctr">
+                      <a:solidFill>
+                        <a:schemeClr val="tx1"/>
                       </a:solidFill>
                       <a:prstDash val="solid"/>
                       <a:round/>
                       <a:headEnd type="none" w="med" len="med"/>
                       <a:tailEnd type="none" w="med" len="med"/>
                     </a:lnT>
-                    <a:lnB w="6350" cap="flat" cmpd="sng" algn="ctr">
-                      <a:solidFill>
-                        <a:srgbClr val="44B3E1"/>
+                    <a:lnB w="12700" cap="flat" cmpd="sng" algn="ctr">
+                      <a:solidFill>
+                        <a:schemeClr val="tx1"/>
                       </a:solidFill>
                       <a:prstDash val="solid"/>
                       <a:round/>
@@ -15678,24 +16762,36 @@
                     </a:p>
                   </a:txBody>
                   <a:tcPr marL="3406" marR="3406" marT="6035" marB="0" anchor="b">
-                    <a:lnL>
-                      <a:noFill/>
+                    <a:lnL w="12700" cap="flat" cmpd="sng" algn="ctr">
+                      <a:solidFill>
+                        <a:schemeClr val="tx1"/>
+                      </a:solidFill>
+                      <a:prstDash val="solid"/>
+                      <a:round/>
+                      <a:headEnd type="none" w="med" len="med"/>
+                      <a:tailEnd type="none" w="med" len="med"/>
                     </a:lnL>
-                    <a:lnR>
-                      <a:noFill/>
+                    <a:lnR w="12700" cap="flat" cmpd="sng" algn="ctr">
+                      <a:solidFill>
+                        <a:schemeClr val="tx1"/>
+                      </a:solidFill>
+                      <a:prstDash val="solid"/>
+                      <a:round/>
+                      <a:headEnd type="none" w="med" len="med"/>
+                      <a:tailEnd type="none" w="med" len="med"/>
                     </a:lnR>
-                    <a:lnT w="6350" cap="flat" cmpd="sng" algn="ctr">
-                      <a:solidFill>
-                        <a:srgbClr val="44B3E1"/>
+                    <a:lnT w="12700" cap="flat" cmpd="sng" algn="ctr">
+                      <a:solidFill>
+                        <a:schemeClr val="tx1"/>
                       </a:solidFill>
                       <a:prstDash val="solid"/>
                       <a:round/>
                       <a:headEnd type="none" w="med" len="med"/>
                       <a:tailEnd type="none" w="med" len="med"/>
                     </a:lnT>
-                    <a:lnB w="6350" cap="flat" cmpd="sng" algn="ctr">
-                      <a:solidFill>
-                        <a:srgbClr val="44B3E1"/>
+                    <a:lnB w="12700" cap="flat" cmpd="sng" algn="ctr">
+                      <a:solidFill>
+                        <a:schemeClr val="tx1"/>
                       </a:solidFill>
                       <a:prstDash val="solid"/>
                       <a:round/>
@@ -15724,24 +16820,36 @@
                     </a:p>
                   </a:txBody>
                   <a:tcPr marL="3406" marR="3406" marT="6035" marB="0" anchor="b">
-                    <a:lnL>
-                      <a:noFill/>
+                    <a:lnL w="12700" cap="flat" cmpd="sng" algn="ctr">
+                      <a:solidFill>
+                        <a:schemeClr val="tx1"/>
+                      </a:solidFill>
+                      <a:prstDash val="solid"/>
+                      <a:round/>
+                      <a:headEnd type="none" w="med" len="med"/>
+                      <a:tailEnd type="none" w="med" len="med"/>
                     </a:lnL>
-                    <a:lnR>
-                      <a:noFill/>
+                    <a:lnR w="12700" cap="flat" cmpd="sng" algn="ctr">
+                      <a:solidFill>
+                        <a:schemeClr val="tx1"/>
+                      </a:solidFill>
+                      <a:prstDash val="solid"/>
+                      <a:round/>
+                      <a:headEnd type="none" w="med" len="med"/>
+                      <a:tailEnd type="none" w="med" len="med"/>
                     </a:lnR>
-                    <a:lnT w="6350" cap="flat" cmpd="sng" algn="ctr">
-                      <a:solidFill>
-                        <a:srgbClr val="44B3E1"/>
+                    <a:lnT w="12700" cap="flat" cmpd="sng" algn="ctr">
+                      <a:solidFill>
+                        <a:schemeClr val="tx1"/>
                       </a:solidFill>
                       <a:prstDash val="solid"/>
                       <a:round/>
                       <a:headEnd type="none" w="med" len="med"/>
                       <a:tailEnd type="none" w="med" len="med"/>
                     </a:lnT>
-                    <a:lnB w="6350" cap="flat" cmpd="sng" algn="ctr">
-                      <a:solidFill>
-                        <a:srgbClr val="44B3E1"/>
+                    <a:lnB w="12700" cap="flat" cmpd="sng" algn="ctr">
+                      <a:solidFill>
+                        <a:schemeClr val="tx1"/>
                       </a:solidFill>
                       <a:prstDash val="solid"/>
                       <a:round/>
@@ -15770,30 +16878,36 @@
                     </a:p>
                   </a:txBody>
                   <a:tcPr marL="3406" marR="3406" marT="6035" marB="0" anchor="b">
-                    <a:lnL>
-                      <a:noFill/>
+                    <a:lnL w="12700" cap="flat" cmpd="sng" algn="ctr">
+                      <a:solidFill>
+                        <a:schemeClr val="tx1"/>
+                      </a:solidFill>
+                      <a:prstDash val="solid"/>
+                      <a:round/>
+                      <a:headEnd type="none" w="med" len="med"/>
+                      <a:tailEnd type="none" w="med" len="med"/>
                     </a:lnL>
-                    <a:lnR w="6350" cap="flat" cmpd="sng" algn="ctr">
-                      <a:solidFill>
-                        <a:srgbClr val="44B3E1"/>
+                    <a:lnR w="12700" cap="flat" cmpd="sng" algn="ctr">
+                      <a:solidFill>
+                        <a:schemeClr val="tx1"/>
                       </a:solidFill>
                       <a:prstDash val="solid"/>
                       <a:round/>
                       <a:headEnd type="none" w="med" len="med"/>
                       <a:tailEnd type="none" w="med" len="med"/>
                     </a:lnR>
-                    <a:lnT w="6350" cap="flat" cmpd="sng" algn="ctr">
-                      <a:solidFill>
-                        <a:srgbClr val="44B3E1"/>
+                    <a:lnT w="12700" cap="flat" cmpd="sng" algn="ctr">
+                      <a:solidFill>
+                        <a:schemeClr val="tx1"/>
                       </a:solidFill>
                       <a:prstDash val="solid"/>
                       <a:round/>
                       <a:headEnd type="none" w="med" len="med"/>
                       <a:tailEnd type="none" w="med" len="med"/>
                     </a:lnT>
-                    <a:lnB w="6350" cap="flat" cmpd="sng" algn="ctr">
-                      <a:solidFill>
-                        <a:srgbClr val="44B3E1"/>
+                    <a:lnB w="12700" cap="flat" cmpd="sng" algn="ctr">
+                      <a:solidFill>
+                        <a:schemeClr val="tx1"/>
                       </a:solidFill>
                       <a:prstDash val="solid"/>
                       <a:round/>
@@ -15829,30 +16943,36 @@
                     </a:p>
                   </a:txBody>
                   <a:tcPr marL="3406" marR="3406" marT="6035" marB="0" anchor="b">
-                    <a:lnL w="6350" cap="flat" cmpd="sng" algn="ctr">
-                      <a:solidFill>
-                        <a:srgbClr val="44B3E1"/>
+                    <a:lnL w="12700" cap="flat" cmpd="sng" algn="ctr">
+                      <a:solidFill>
+                        <a:schemeClr val="tx1"/>
                       </a:solidFill>
                       <a:prstDash val="solid"/>
                       <a:round/>
                       <a:headEnd type="none" w="med" len="med"/>
                       <a:tailEnd type="none" w="med" len="med"/>
                     </a:lnL>
-                    <a:lnR>
-                      <a:noFill/>
+                    <a:lnR w="12700" cap="flat" cmpd="sng" algn="ctr">
+                      <a:solidFill>
+                        <a:schemeClr val="tx1"/>
+                      </a:solidFill>
+                      <a:prstDash val="solid"/>
+                      <a:round/>
+                      <a:headEnd type="none" w="med" len="med"/>
+                      <a:tailEnd type="none" w="med" len="med"/>
                     </a:lnR>
-                    <a:lnT w="6350" cap="flat" cmpd="sng" algn="ctr">
-                      <a:solidFill>
-                        <a:srgbClr val="44B3E1"/>
+                    <a:lnT w="12700" cap="flat" cmpd="sng" algn="ctr">
+                      <a:solidFill>
+                        <a:schemeClr val="tx1"/>
                       </a:solidFill>
                       <a:prstDash val="solid"/>
                       <a:round/>
                       <a:headEnd type="none" w="med" len="med"/>
                       <a:tailEnd type="none" w="med" len="med"/>
                     </a:lnT>
-                    <a:lnB w="6350" cap="flat" cmpd="sng" algn="ctr">
-                      <a:solidFill>
-                        <a:srgbClr val="44B3E1"/>
+                    <a:lnB w="12700" cap="flat" cmpd="sng" algn="ctr">
+                      <a:solidFill>
+                        <a:schemeClr val="tx1"/>
                       </a:solidFill>
                       <a:prstDash val="solid"/>
                       <a:round/>
@@ -15883,24 +17003,36 @@
                     </a:p>
                   </a:txBody>
                   <a:tcPr marL="3406" marR="3406" marT="6035" marB="0" anchor="b">
-                    <a:lnL>
-                      <a:noFill/>
+                    <a:lnL w="12700" cap="flat" cmpd="sng" algn="ctr">
+                      <a:solidFill>
+                        <a:schemeClr val="tx1"/>
+                      </a:solidFill>
+                      <a:prstDash val="solid"/>
+                      <a:round/>
+                      <a:headEnd type="none" w="med" len="med"/>
+                      <a:tailEnd type="none" w="med" len="med"/>
                     </a:lnL>
-                    <a:lnR>
-                      <a:noFill/>
+                    <a:lnR w="12700" cap="flat" cmpd="sng" algn="ctr">
+                      <a:solidFill>
+                        <a:schemeClr val="tx1"/>
+                      </a:solidFill>
+                      <a:prstDash val="solid"/>
+                      <a:round/>
+                      <a:headEnd type="none" w="med" len="med"/>
+                      <a:tailEnd type="none" w="med" len="med"/>
                     </a:lnR>
-                    <a:lnT w="6350" cap="flat" cmpd="sng" algn="ctr">
-                      <a:solidFill>
-                        <a:srgbClr val="44B3E1"/>
+                    <a:lnT w="12700" cap="flat" cmpd="sng" algn="ctr">
+                      <a:solidFill>
+                        <a:schemeClr val="tx1"/>
                       </a:solidFill>
                       <a:prstDash val="solid"/>
                       <a:round/>
                       <a:headEnd type="none" w="med" len="med"/>
                       <a:tailEnd type="none" w="med" len="med"/>
                     </a:lnT>
-                    <a:lnB w="6350" cap="flat" cmpd="sng" algn="ctr">
-                      <a:solidFill>
-                        <a:srgbClr val="44B3E1"/>
+                    <a:lnB w="12700" cap="flat" cmpd="sng" algn="ctr">
+                      <a:solidFill>
+                        <a:schemeClr val="tx1"/>
                       </a:solidFill>
                       <a:prstDash val="solid"/>
                       <a:round/>
@@ -15931,24 +17063,36 @@
                     </a:p>
                   </a:txBody>
                   <a:tcPr marL="3406" marR="3406" marT="6035" marB="0" anchor="b">
-                    <a:lnL>
-                      <a:noFill/>
+                    <a:lnL w="12700" cap="flat" cmpd="sng" algn="ctr">
+                      <a:solidFill>
+                        <a:schemeClr val="tx1"/>
+                      </a:solidFill>
+                      <a:prstDash val="solid"/>
+                      <a:round/>
+                      <a:headEnd type="none" w="med" len="med"/>
+                      <a:tailEnd type="none" w="med" len="med"/>
                     </a:lnL>
-                    <a:lnR>
-                      <a:noFill/>
+                    <a:lnR w="12700" cap="flat" cmpd="sng" algn="ctr">
+                      <a:solidFill>
+                        <a:schemeClr val="tx1"/>
+                      </a:solidFill>
+                      <a:prstDash val="solid"/>
+                      <a:round/>
+                      <a:headEnd type="none" w="med" len="med"/>
+                      <a:tailEnd type="none" w="med" len="med"/>
                     </a:lnR>
-                    <a:lnT w="6350" cap="flat" cmpd="sng" algn="ctr">
-                      <a:solidFill>
-                        <a:srgbClr val="44B3E1"/>
+                    <a:lnT w="12700" cap="flat" cmpd="sng" algn="ctr">
+                      <a:solidFill>
+                        <a:schemeClr val="tx1"/>
                       </a:solidFill>
                       <a:prstDash val="solid"/>
                       <a:round/>
                       <a:headEnd type="none" w="med" len="med"/>
                       <a:tailEnd type="none" w="med" len="med"/>
                     </a:lnT>
-                    <a:lnB w="6350" cap="flat" cmpd="sng" algn="ctr">
-                      <a:solidFill>
-                        <a:srgbClr val="44B3E1"/>
+                    <a:lnB w="12700" cap="flat" cmpd="sng" algn="ctr">
+                      <a:solidFill>
+                        <a:schemeClr val="tx1"/>
                       </a:solidFill>
                       <a:prstDash val="solid"/>
                       <a:round/>
@@ -15979,24 +17123,36 @@
                     </a:p>
                   </a:txBody>
                   <a:tcPr marL="3406" marR="3406" marT="6035" marB="0" anchor="b">
-                    <a:lnL>
-                      <a:noFill/>
+                    <a:lnL w="12700" cap="flat" cmpd="sng" algn="ctr">
+                      <a:solidFill>
+                        <a:schemeClr val="tx1"/>
+                      </a:solidFill>
+                      <a:prstDash val="solid"/>
+                      <a:round/>
+                      <a:headEnd type="none" w="med" len="med"/>
+                      <a:tailEnd type="none" w="med" len="med"/>
                     </a:lnL>
-                    <a:lnR>
-                      <a:noFill/>
+                    <a:lnR w="12700" cap="flat" cmpd="sng" algn="ctr">
+                      <a:solidFill>
+                        <a:schemeClr val="tx1"/>
+                      </a:solidFill>
+                      <a:prstDash val="solid"/>
+                      <a:round/>
+                      <a:headEnd type="none" w="med" len="med"/>
+                      <a:tailEnd type="none" w="med" len="med"/>
                     </a:lnR>
-                    <a:lnT w="6350" cap="flat" cmpd="sng" algn="ctr">
-                      <a:solidFill>
-                        <a:srgbClr val="44B3E1"/>
+                    <a:lnT w="12700" cap="flat" cmpd="sng" algn="ctr">
+                      <a:solidFill>
+                        <a:schemeClr val="tx1"/>
                       </a:solidFill>
                       <a:prstDash val="solid"/>
                       <a:round/>
                       <a:headEnd type="none" w="med" len="med"/>
                       <a:tailEnd type="none" w="med" len="med"/>
                     </a:lnT>
-                    <a:lnB w="6350" cap="flat" cmpd="sng" algn="ctr">
-                      <a:solidFill>
-                        <a:srgbClr val="44B3E1"/>
+                    <a:lnB w="12700" cap="flat" cmpd="sng" algn="ctr">
+                      <a:solidFill>
+                        <a:schemeClr val="tx1"/>
                       </a:solidFill>
                       <a:prstDash val="solid"/>
                       <a:round/>
@@ -16027,24 +17183,36 @@
                     </a:p>
                   </a:txBody>
                   <a:tcPr marL="3406" marR="3406" marT="6035" marB="0" anchor="b">
-                    <a:lnL>
-                      <a:noFill/>
+                    <a:lnL w="12700" cap="flat" cmpd="sng" algn="ctr">
+                      <a:solidFill>
+                        <a:schemeClr val="tx1"/>
+                      </a:solidFill>
+                      <a:prstDash val="solid"/>
+                      <a:round/>
+                      <a:headEnd type="none" w="med" len="med"/>
+                      <a:tailEnd type="none" w="med" len="med"/>
                     </a:lnL>
-                    <a:lnR>
-                      <a:noFill/>
+                    <a:lnR w="12700" cap="flat" cmpd="sng" algn="ctr">
+                      <a:solidFill>
+                        <a:schemeClr val="tx1"/>
+                      </a:solidFill>
+                      <a:prstDash val="solid"/>
+                      <a:round/>
+                      <a:headEnd type="none" w="med" len="med"/>
+                      <a:tailEnd type="none" w="med" len="med"/>
                     </a:lnR>
-                    <a:lnT w="6350" cap="flat" cmpd="sng" algn="ctr">
-                      <a:solidFill>
-                        <a:srgbClr val="44B3E1"/>
+                    <a:lnT w="12700" cap="flat" cmpd="sng" algn="ctr">
+                      <a:solidFill>
+                        <a:schemeClr val="tx1"/>
                       </a:solidFill>
                       <a:prstDash val="solid"/>
                       <a:round/>
                       <a:headEnd type="none" w="med" len="med"/>
                       <a:tailEnd type="none" w="med" len="med"/>
                     </a:lnT>
-                    <a:lnB w="6350" cap="flat" cmpd="sng" algn="ctr">
-                      <a:solidFill>
-                        <a:srgbClr val="44B3E1"/>
+                    <a:lnB w="12700" cap="flat" cmpd="sng" algn="ctr">
+                      <a:solidFill>
+                        <a:schemeClr val="tx1"/>
                       </a:solidFill>
                       <a:prstDash val="solid"/>
                       <a:round/>
@@ -16075,24 +17243,36 @@
                     </a:p>
                   </a:txBody>
                   <a:tcPr marL="3406" marR="3406" marT="6035" marB="0" anchor="b">
-                    <a:lnL>
-                      <a:noFill/>
+                    <a:lnL w="12700" cap="flat" cmpd="sng" algn="ctr">
+                      <a:solidFill>
+                        <a:schemeClr val="tx1"/>
+                      </a:solidFill>
+                      <a:prstDash val="solid"/>
+                      <a:round/>
+                      <a:headEnd type="none" w="med" len="med"/>
+                      <a:tailEnd type="none" w="med" len="med"/>
                     </a:lnL>
-                    <a:lnR>
-                      <a:noFill/>
+                    <a:lnR w="12700" cap="flat" cmpd="sng" algn="ctr">
+                      <a:solidFill>
+                        <a:schemeClr val="tx1"/>
+                      </a:solidFill>
+                      <a:prstDash val="solid"/>
+                      <a:round/>
+                      <a:headEnd type="none" w="med" len="med"/>
+                      <a:tailEnd type="none" w="med" len="med"/>
                     </a:lnR>
-                    <a:lnT w="6350" cap="flat" cmpd="sng" algn="ctr">
-                      <a:solidFill>
-                        <a:srgbClr val="44B3E1"/>
+                    <a:lnT w="12700" cap="flat" cmpd="sng" algn="ctr">
+                      <a:solidFill>
+                        <a:schemeClr val="tx1"/>
                       </a:solidFill>
                       <a:prstDash val="solid"/>
                       <a:round/>
                       <a:headEnd type="none" w="med" len="med"/>
                       <a:tailEnd type="none" w="med" len="med"/>
                     </a:lnT>
-                    <a:lnB w="6350" cap="flat" cmpd="sng" algn="ctr">
-                      <a:solidFill>
-                        <a:srgbClr val="44B3E1"/>
+                    <a:lnB w="12700" cap="flat" cmpd="sng" algn="ctr">
+                      <a:solidFill>
+                        <a:schemeClr val="tx1"/>
                       </a:solidFill>
                       <a:prstDash val="solid"/>
                       <a:round/>
@@ -16123,24 +17303,36 @@
                     </a:p>
                   </a:txBody>
                   <a:tcPr marL="3406" marR="3406" marT="6035" marB="0" anchor="b">
-                    <a:lnL>
-                      <a:noFill/>
+                    <a:lnL w="12700" cap="flat" cmpd="sng" algn="ctr">
+                      <a:solidFill>
+                        <a:schemeClr val="tx1"/>
+                      </a:solidFill>
+                      <a:prstDash val="solid"/>
+                      <a:round/>
+                      <a:headEnd type="none" w="med" len="med"/>
+                      <a:tailEnd type="none" w="med" len="med"/>
                     </a:lnL>
-                    <a:lnR>
-                      <a:noFill/>
+                    <a:lnR w="12700" cap="flat" cmpd="sng" algn="ctr">
+                      <a:solidFill>
+                        <a:schemeClr val="tx1"/>
+                      </a:solidFill>
+                      <a:prstDash val="solid"/>
+                      <a:round/>
+                      <a:headEnd type="none" w="med" len="med"/>
+                      <a:tailEnd type="none" w="med" len="med"/>
                     </a:lnR>
-                    <a:lnT w="6350" cap="flat" cmpd="sng" algn="ctr">
-                      <a:solidFill>
-                        <a:srgbClr val="44B3E1"/>
+                    <a:lnT w="12700" cap="flat" cmpd="sng" algn="ctr">
+                      <a:solidFill>
+                        <a:schemeClr val="tx1"/>
                       </a:solidFill>
                       <a:prstDash val="solid"/>
                       <a:round/>
                       <a:headEnd type="none" w="med" len="med"/>
                       <a:tailEnd type="none" w="med" len="med"/>
                     </a:lnT>
-                    <a:lnB w="6350" cap="flat" cmpd="sng" algn="ctr">
-                      <a:solidFill>
-                        <a:srgbClr val="44B3E1"/>
+                    <a:lnB w="12700" cap="flat" cmpd="sng" algn="ctr">
+                      <a:solidFill>
+                        <a:schemeClr val="tx1"/>
                       </a:solidFill>
                       <a:prstDash val="solid"/>
                       <a:round/>
@@ -16171,24 +17363,36 @@
                     </a:p>
                   </a:txBody>
                   <a:tcPr marL="3406" marR="3406" marT="6035" marB="0" anchor="b">
-                    <a:lnL>
-                      <a:noFill/>
+                    <a:lnL w="12700" cap="flat" cmpd="sng" algn="ctr">
+                      <a:solidFill>
+                        <a:schemeClr val="tx1"/>
+                      </a:solidFill>
+                      <a:prstDash val="solid"/>
+                      <a:round/>
+                      <a:headEnd type="none" w="med" len="med"/>
+                      <a:tailEnd type="none" w="med" len="med"/>
                     </a:lnL>
-                    <a:lnR>
-                      <a:noFill/>
+                    <a:lnR w="12700" cap="flat" cmpd="sng" algn="ctr">
+                      <a:solidFill>
+                        <a:schemeClr val="tx1"/>
+                      </a:solidFill>
+                      <a:prstDash val="solid"/>
+                      <a:round/>
+                      <a:headEnd type="none" w="med" len="med"/>
+                      <a:tailEnd type="none" w="med" len="med"/>
                     </a:lnR>
-                    <a:lnT w="6350" cap="flat" cmpd="sng" algn="ctr">
-                      <a:solidFill>
-                        <a:srgbClr val="44B3E1"/>
+                    <a:lnT w="12700" cap="flat" cmpd="sng" algn="ctr">
+                      <a:solidFill>
+                        <a:schemeClr val="tx1"/>
                       </a:solidFill>
                       <a:prstDash val="solid"/>
                       <a:round/>
                       <a:headEnd type="none" w="med" len="med"/>
                       <a:tailEnd type="none" w="med" len="med"/>
                     </a:lnT>
-                    <a:lnB w="6350" cap="flat" cmpd="sng" algn="ctr">
-                      <a:solidFill>
-                        <a:srgbClr val="44B3E1"/>
+                    <a:lnB w="12700" cap="flat" cmpd="sng" algn="ctr">
+                      <a:solidFill>
+                        <a:schemeClr val="tx1"/>
                       </a:solidFill>
                       <a:prstDash val="solid"/>
                       <a:round/>
@@ -16219,24 +17423,36 @@
                     </a:p>
                   </a:txBody>
                   <a:tcPr marL="3406" marR="3406" marT="6035" marB="0" anchor="b">
-                    <a:lnL>
-                      <a:noFill/>
+                    <a:lnL w="12700" cap="flat" cmpd="sng" algn="ctr">
+                      <a:solidFill>
+                        <a:schemeClr val="tx1"/>
+                      </a:solidFill>
+                      <a:prstDash val="solid"/>
+                      <a:round/>
+                      <a:headEnd type="none" w="med" len="med"/>
+                      <a:tailEnd type="none" w="med" len="med"/>
                     </a:lnL>
-                    <a:lnR>
-                      <a:noFill/>
+                    <a:lnR w="12700" cap="flat" cmpd="sng" algn="ctr">
+                      <a:solidFill>
+                        <a:schemeClr val="tx1"/>
+                      </a:solidFill>
+                      <a:prstDash val="solid"/>
+                      <a:round/>
+                      <a:headEnd type="none" w="med" len="med"/>
+                      <a:tailEnd type="none" w="med" len="med"/>
                     </a:lnR>
-                    <a:lnT w="6350" cap="flat" cmpd="sng" algn="ctr">
-                      <a:solidFill>
-                        <a:srgbClr val="44B3E1"/>
+                    <a:lnT w="12700" cap="flat" cmpd="sng" algn="ctr">
+                      <a:solidFill>
+                        <a:schemeClr val="tx1"/>
                       </a:solidFill>
                       <a:prstDash val="solid"/>
                       <a:round/>
                       <a:headEnd type="none" w="med" len="med"/>
                       <a:tailEnd type="none" w="med" len="med"/>
                     </a:lnT>
-                    <a:lnB w="6350" cap="flat" cmpd="sng" algn="ctr">
-                      <a:solidFill>
-                        <a:srgbClr val="44B3E1"/>
+                    <a:lnB w="12700" cap="flat" cmpd="sng" algn="ctr">
+                      <a:solidFill>
+                        <a:schemeClr val="tx1"/>
                       </a:solidFill>
                       <a:prstDash val="solid"/>
                       <a:round/>
@@ -16267,24 +17483,36 @@
                     </a:p>
                   </a:txBody>
                   <a:tcPr marL="3406" marR="3406" marT="6035" marB="0" anchor="b">
-                    <a:lnL>
-                      <a:noFill/>
+                    <a:lnL w="12700" cap="flat" cmpd="sng" algn="ctr">
+                      <a:solidFill>
+                        <a:schemeClr val="tx1"/>
+                      </a:solidFill>
+                      <a:prstDash val="solid"/>
+                      <a:round/>
+                      <a:headEnd type="none" w="med" len="med"/>
+                      <a:tailEnd type="none" w="med" len="med"/>
                     </a:lnL>
-                    <a:lnR>
-                      <a:noFill/>
+                    <a:lnR w="12700" cap="flat" cmpd="sng" algn="ctr">
+                      <a:solidFill>
+                        <a:schemeClr val="tx1"/>
+                      </a:solidFill>
+                      <a:prstDash val="solid"/>
+                      <a:round/>
+                      <a:headEnd type="none" w="med" len="med"/>
+                      <a:tailEnd type="none" w="med" len="med"/>
                     </a:lnR>
-                    <a:lnT w="6350" cap="flat" cmpd="sng" algn="ctr">
-                      <a:solidFill>
-                        <a:srgbClr val="44B3E1"/>
+                    <a:lnT w="12700" cap="flat" cmpd="sng" algn="ctr">
+                      <a:solidFill>
+                        <a:schemeClr val="tx1"/>
                       </a:solidFill>
                       <a:prstDash val="solid"/>
                       <a:round/>
                       <a:headEnd type="none" w="med" len="med"/>
                       <a:tailEnd type="none" w="med" len="med"/>
                     </a:lnT>
-                    <a:lnB w="6350" cap="flat" cmpd="sng" algn="ctr">
-                      <a:solidFill>
-                        <a:srgbClr val="44B3E1"/>
+                    <a:lnB w="12700" cap="flat" cmpd="sng" algn="ctr">
+                      <a:solidFill>
+                        <a:schemeClr val="tx1"/>
                       </a:solidFill>
                       <a:prstDash val="solid"/>
                       <a:round/>
@@ -16315,24 +17543,36 @@
                     </a:p>
                   </a:txBody>
                   <a:tcPr marL="3406" marR="3406" marT="6035" marB="0" anchor="b">
-                    <a:lnL>
-                      <a:noFill/>
+                    <a:lnL w="12700" cap="flat" cmpd="sng" algn="ctr">
+                      <a:solidFill>
+                        <a:schemeClr val="tx1"/>
+                      </a:solidFill>
+                      <a:prstDash val="solid"/>
+                      <a:round/>
+                      <a:headEnd type="none" w="med" len="med"/>
+                      <a:tailEnd type="none" w="med" len="med"/>
                     </a:lnL>
-                    <a:lnR>
-                      <a:noFill/>
+                    <a:lnR w="12700" cap="flat" cmpd="sng" algn="ctr">
+                      <a:solidFill>
+                        <a:schemeClr val="tx1"/>
+                      </a:solidFill>
+                      <a:prstDash val="solid"/>
+                      <a:round/>
+                      <a:headEnd type="none" w="med" len="med"/>
+                      <a:tailEnd type="none" w="med" len="med"/>
                     </a:lnR>
-                    <a:lnT w="6350" cap="flat" cmpd="sng" algn="ctr">
-                      <a:solidFill>
-                        <a:srgbClr val="44B3E1"/>
+                    <a:lnT w="12700" cap="flat" cmpd="sng" algn="ctr">
+                      <a:solidFill>
+                        <a:schemeClr val="tx1"/>
                       </a:solidFill>
                       <a:prstDash val="solid"/>
                       <a:round/>
                       <a:headEnd type="none" w="med" len="med"/>
                       <a:tailEnd type="none" w="med" len="med"/>
                     </a:lnT>
-                    <a:lnB w="6350" cap="flat" cmpd="sng" algn="ctr">
-                      <a:solidFill>
-                        <a:srgbClr val="44B3E1"/>
+                    <a:lnB w="12700" cap="flat" cmpd="sng" algn="ctr">
+                      <a:solidFill>
+                        <a:schemeClr val="tx1"/>
                       </a:solidFill>
                       <a:prstDash val="solid"/>
                       <a:round/>
@@ -16363,24 +17603,36 @@
                     </a:p>
                   </a:txBody>
                   <a:tcPr marL="3406" marR="3406" marT="6035" marB="0" anchor="b">
-                    <a:lnL>
-                      <a:noFill/>
+                    <a:lnL w="12700" cap="flat" cmpd="sng" algn="ctr">
+                      <a:solidFill>
+                        <a:schemeClr val="tx1"/>
+                      </a:solidFill>
+                      <a:prstDash val="solid"/>
+                      <a:round/>
+                      <a:headEnd type="none" w="med" len="med"/>
+                      <a:tailEnd type="none" w="med" len="med"/>
                     </a:lnL>
-                    <a:lnR>
-                      <a:noFill/>
+                    <a:lnR w="12700" cap="flat" cmpd="sng" algn="ctr">
+                      <a:solidFill>
+                        <a:schemeClr val="tx1"/>
+                      </a:solidFill>
+                      <a:prstDash val="solid"/>
+                      <a:round/>
+                      <a:headEnd type="none" w="med" len="med"/>
+                      <a:tailEnd type="none" w="med" len="med"/>
                     </a:lnR>
-                    <a:lnT w="6350" cap="flat" cmpd="sng" algn="ctr">
-                      <a:solidFill>
-                        <a:srgbClr val="44B3E1"/>
+                    <a:lnT w="12700" cap="flat" cmpd="sng" algn="ctr">
+                      <a:solidFill>
+                        <a:schemeClr val="tx1"/>
                       </a:solidFill>
                       <a:prstDash val="solid"/>
                       <a:round/>
                       <a:headEnd type="none" w="med" len="med"/>
                       <a:tailEnd type="none" w="med" len="med"/>
                     </a:lnT>
-                    <a:lnB w="6350" cap="flat" cmpd="sng" algn="ctr">
-                      <a:solidFill>
-                        <a:srgbClr val="44B3E1"/>
+                    <a:lnB w="12700" cap="flat" cmpd="sng" algn="ctr">
+                      <a:solidFill>
+                        <a:schemeClr val="tx1"/>
                       </a:solidFill>
                       <a:prstDash val="solid"/>
                       <a:round/>
@@ -16411,24 +17663,36 @@
                     </a:p>
                   </a:txBody>
                   <a:tcPr marL="3406" marR="3406" marT="6035" marB="0" anchor="b">
-                    <a:lnL>
-                      <a:noFill/>
+                    <a:lnL w="12700" cap="flat" cmpd="sng" algn="ctr">
+                      <a:solidFill>
+                        <a:schemeClr val="tx1"/>
+                      </a:solidFill>
+                      <a:prstDash val="solid"/>
+                      <a:round/>
+                      <a:headEnd type="none" w="med" len="med"/>
+                      <a:tailEnd type="none" w="med" len="med"/>
                     </a:lnL>
-                    <a:lnR>
-                      <a:noFill/>
+                    <a:lnR w="12700" cap="flat" cmpd="sng" algn="ctr">
+                      <a:solidFill>
+                        <a:schemeClr val="tx1"/>
+                      </a:solidFill>
+                      <a:prstDash val="solid"/>
+                      <a:round/>
+                      <a:headEnd type="none" w="med" len="med"/>
+                      <a:tailEnd type="none" w="med" len="med"/>
                     </a:lnR>
-                    <a:lnT w="6350" cap="flat" cmpd="sng" algn="ctr">
-                      <a:solidFill>
-                        <a:srgbClr val="44B3E1"/>
+                    <a:lnT w="12700" cap="flat" cmpd="sng" algn="ctr">
+                      <a:solidFill>
+                        <a:schemeClr val="tx1"/>
                       </a:solidFill>
                       <a:prstDash val="solid"/>
                       <a:round/>
                       <a:headEnd type="none" w="med" len="med"/>
                       <a:tailEnd type="none" w="med" len="med"/>
                     </a:lnT>
-                    <a:lnB w="6350" cap="flat" cmpd="sng" algn="ctr">
-                      <a:solidFill>
-                        <a:srgbClr val="44B3E1"/>
+                    <a:lnB w="12700" cap="flat" cmpd="sng" algn="ctr">
+                      <a:solidFill>
+                        <a:schemeClr val="tx1"/>
                       </a:solidFill>
                       <a:prstDash val="solid"/>
                       <a:round/>
@@ -16459,24 +17723,36 @@
                     </a:p>
                   </a:txBody>
                   <a:tcPr marL="3406" marR="3406" marT="6035" marB="0" anchor="b">
-                    <a:lnL>
-                      <a:noFill/>
+                    <a:lnL w="12700" cap="flat" cmpd="sng" algn="ctr">
+                      <a:solidFill>
+                        <a:schemeClr val="tx1"/>
+                      </a:solidFill>
+                      <a:prstDash val="solid"/>
+                      <a:round/>
+                      <a:headEnd type="none" w="med" len="med"/>
+                      <a:tailEnd type="none" w="med" len="med"/>
                     </a:lnL>
-                    <a:lnR>
-                      <a:noFill/>
+                    <a:lnR w="12700" cap="flat" cmpd="sng" algn="ctr">
+                      <a:solidFill>
+                        <a:schemeClr val="tx1"/>
+                      </a:solidFill>
+                      <a:prstDash val="solid"/>
+                      <a:round/>
+                      <a:headEnd type="none" w="med" len="med"/>
+                      <a:tailEnd type="none" w="med" len="med"/>
                     </a:lnR>
-                    <a:lnT w="6350" cap="flat" cmpd="sng" algn="ctr">
-                      <a:solidFill>
-                        <a:srgbClr val="44B3E1"/>
+                    <a:lnT w="12700" cap="flat" cmpd="sng" algn="ctr">
+                      <a:solidFill>
+                        <a:schemeClr val="tx1"/>
                       </a:solidFill>
                       <a:prstDash val="solid"/>
                       <a:round/>
                       <a:headEnd type="none" w="med" len="med"/>
                       <a:tailEnd type="none" w="med" len="med"/>
                     </a:lnT>
-                    <a:lnB w="6350" cap="flat" cmpd="sng" algn="ctr">
-                      <a:solidFill>
-                        <a:srgbClr val="44B3E1"/>
+                    <a:lnB w="12700" cap="flat" cmpd="sng" algn="ctr">
+                      <a:solidFill>
+                        <a:schemeClr val="tx1"/>
                       </a:solidFill>
                       <a:prstDash val="solid"/>
                       <a:round/>
@@ -16507,24 +17783,36 @@
                     </a:p>
                   </a:txBody>
                   <a:tcPr marL="3406" marR="3406" marT="6035" marB="0" anchor="b">
-                    <a:lnL>
-                      <a:noFill/>
+                    <a:lnL w="12700" cap="flat" cmpd="sng" algn="ctr">
+                      <a:solidFill>
+                        <a:schemeClr val="tx1"/>
+                      </a:solidFill>
+                      <a:prstDash val="solid"/>
+                      <a:round/>
+                      <a:headEnd type="none" w="med" len="med"/>
+                      <a:tailEnd type="none" w="med" len="med"/>
                     </a:lnL>
-                    <a:lnR>
-                      <a:noFill/>
+                    <a:lnR w="12700" cap="flat" cmpd="sng" algn="ctr">
+                      <a:solidFill>
+                        <a:schemeClr val="tx1"/>
+                      </a:solidFill>
+                      <a:prstDash val="solid"/>
+                      <a:round/>
+                      <a:headEnd type="none" w="med" len="med"/>
+                      <a:tailEnd type="none" w="med" len="med"/>
                     </a:lnR>
-                    <a:lnT w="6350" cap="flat" cmpd="sng" algn="ctr">
-                      <a:solidFill>
-                        <a:srgbClr val="44B3E1"/>
+                    <a:lnT w="12700" cap="flat" cmpd="sng" algn="ctr">
+                      <a:solidFill>
+                        <a:schemeClr val="tx1"/>
                       </a:solidFill>
                       <a:prstDash val="solid"/>
                       <a:round/>
                       <a:headEnd type="none" w="med" len="med"/>
                       <a:tailEnd type="none" w="med" len="med"/>
                     </a:lnT>
-                    <a:lnB w="6350" cap="flat" cmpd="sng" algn="ctr">
-                      <a:solidFill>
-                        <a:srgbClr val="44B3E1"/>
+                    <a:lnB w="12700" cap="flat" cmpd="sng" algn="ctr">
+                      <a:solidFill>
+                        <a:schemeClr val="tx1"/>
                       </a:solidFill>
                       <a:prstDash val="solid"/>
                       <a:round/>
@@ -16555,24 +17843,36 @@
                     </a:p>
                   </a:txBody>
                   <a:tcPr marL="3406" marR="3406" marT="6035" marB="0" anchor="b">
-                    <a:lnL>
-                      <a:noFill/>
+                    <a:lnL w="12700" cap="flat" cmpd="sng" algn="ctr">
+                      <a:solidFill>
+                        <a:schemeClr val="tx1"/>
+                      </a:solidFill>
+                      <a:prstDash val="solid"/>
+                      <a:round/>
+                      <a:headEnd type="none" w="med" len="med"/>
+                      <a:tailEnd type="none" w="med" len="med"/>
                     </a:lnL>
-                    <a:lnR>
-                      <a:noFill/>
+                    <a:lnR w="12700" cap="flat" cmpd="sng" algn="ctr">
+                      <a:solidFill>
+                        <a:schemeClr val="tx1"/>
+                      </a:solidFill>
+                      <a:prstDash val="solid"/>
+                      <a:round/>
+                      <a:headEnd type="none" w="med" len="med"/>
+                      <a:tailEnd type="none" w="med" len="med"/>
                     </a:lnR>
-                    <a:lnT w="6350" cap="flat" cmpd="sng" algn="ctr">
-                      <a:solidFill>
-                        <a:srgbClr val="44B3E1"/>
+                    <a:lnT w="12700" cap="flat" cmpd="sng" algn="ctr">
+                      <a:solidFill>
+                        <a:schemeClr val="tx1"/>
                       </a:solidFill>
                       <a:prstDash val="solid"/>
                       <a:round/>
                       <a:headEnd type="none" w="med" len="med"/>
                       <a:tailEnd type="none" w="med" len="med"/>
                     </a:lnT>
-                    <a:lnB w="6350" cap="flat" cmpd="sng" algn="ctr">
-                      <a:solidFill>
-                        <a:srgbClr val="44B3E1"/>
+                    <a:lnB w="12700" cap="flat" cmpd="sng" algn="ctr">
+                      <a:solidFill>
+                        <a:schemeClr val="tx1"/>
                       </a:solidFill>
                       <a:prstDash val="solid"/>
                       <a:round/>
@@ -16603,24 +17903,36 @@
                     </a:p>
                   </a:txBody>
                   <a:tcPr marL="3406" marR="3406" marT="6035" marB="0" anchor="b">
-                    <a:lnL>
-                      <a:noFill/>
+                    <a:lnL w="12700" cap="flat" cmpd="sng" algn="ctr">
+                      <a:solidFill>
+                        <a:schemeClr val="tx1"/>
+                      </a:solidFill>
+                      <a:prstDash val="solid"/>
+                      <a:round/>
+                      <a:headEnd type="none" w="med" len="med"/>
+                      <a:tailEnd type="none" w="med" len="med"/>
                     </a:lnL>
-                    <a:lnR>
-                      <a:noFill/>
+                    <a:lnR w="12700" cap="flat" cmpd="sng" algn="ctr">
+                      <a:solidFill>
+                        <a:schemeClr val="tx1"/>
+                      </a:solidFill>
+                      <a:prstDash val="solid"/>
+                      <a:round/>
+                      <a:headEnd type="none" w="med" len="med"/>
+                      <a:tailEnd type="none" w="med" len="med"/>
                     </a:lnR>
-                    <a:lnT w="6350" cap="flat" cmpd="sng" algn="ctr">
-                      <a:solidFill>
-                        <a:srgbClr val="44B3E1"/>
+                    <a:lnT w="12700" cap="flat" cmpd="sng" algn="ctr">
+                      <a:solidFill>
+                        <a:schemeClr val="tx1"/>
                       </a:solidFill>
                       <a:prstDash val="solid"/>
                       <a:round/>
                       <a:headEnd type="none" w="med" len="med"/>
                       <a:tailEnd type="none" w="med" len="med"/>
                     </a:lnT>
-                    <a:lnB w="6350" cap="flat" cmpd="sng" algn="ctr">
-                      <a:solidFill>
-                        <a:srgbClr val="44B3E1"/>
+                    <a:lnB w="12700" cap="flat" cmpd="sng" algn="ctr">
+                      <a:solidFill>
+                        <a:schemeClr val="tx1"/>
                       </a:solidFill>
                       <a:prstDash val="solid"/>
                       <a:round/>
@@ -16651,24 +17963,36 @@
                     </a:p>
                   </a:txBody>
                   <a:tcPr marL="3406" marR="3406" marT="6035" marB="0" anchor="b">
-                    <a:lnL>
-                      <a:noFill/>
+                    <a:lnL w="12700" cap="flat" cmpd="sng" algn="ctr">
+                      <a:solidFill>
+                        <a:schemeClr val="tx1"/>
+                      </a:solidFill>
+                      <a:prstDash val="solid"/>
+                      <a:round/>
+                      <a:headEnd type="none" w="med" len="med"/>
+                      <a:tailEnd type="none" w="med" len="med"/>
                     </a:lnL>
-                    <a:lnR>
-                      <a:noFill/>
+                    <a:lnR w="12700" cap="flat" cmpd="sng" algn="ctr">
+                      <a:solidFill>
+                        <a:schemeClr val="tx1"/>
+                      </a:solidFill>
+                      <a:prstDash val="solid"/>
+                      <a:round/>
+                      <a:headEnd type="none" w="med" len="med"/>
+                      <a:tailEnd type="none" w="med" len="med"/>
                     </a:lnR>
-                    <a:lnT w="6350" cap="flat" cmpd="sng" algn="ctr">
-                      <a:solidFill>
-                        <a:srgbClr val="44B3E1"/>
+                    <a:lnT w="12700" cap="flat" cmpd="sng" algn="ctr">
+                      <a:solidFill>
+                        <a:schemeClr val="tx1"/>
                       </a:solidFill>
                       <a:prstDash val="solid"/>
                       <a:round/>
                       <a:headEnd type="none" w="med" len="med"/>
                       <a:tailEnd type="none" w="med" len="med"/>
                     </a:lnT>
-                    <a:lnB w="6350" cap="flat" cmpd="sng" algn="ctr">
-                      <a:solidFill>
-                        <a:srgbClr val="44B3E1"/>
+                    <a:lnB w="12700" cap="flat" cmpd="sng" algn="ctr">
+                      <a:solidFill>
+                        <a:schemeClr val="tx1"/>
                       </a:solidFill>
                       <a:prstDash val="solid"/>
                       <a:round/>
@@ -16699,30 +18023,36 @@
                     </a:p>
                   </a:txBody>
                   <a:tcPr marL="3406" marR="3406" marT="6035" marB="0" anchor="b">
-                    <a:lnL>
-                      <a:noFill/>
+                    <a:lnL w="12700" cap="flat" cmpd="sng" algn="ctr">
+                      <a:solidFill>
+                        <a:schemeClr val="tx1"/>
+                      </a:solidFill>
+                      <a:prstDash val="solid"/>
+                      <a:round/>
+                      <a:headEnd type="none" w="med" len="med"/>
+                      <a:tailEnd type="none" w="med" len="med"/>
                     </a:lnL>
-                    <a:lnR w="6350" cap="flat" cmpd="sng" algn="ctr">
-                      <a:solidFill>
-                        <a:srgbClr val="44B3E1"/>
+                    <a:lnR w="12700" cap="flat" cmpd="sng" algn="ctr">
+                      <a:solidFill>
+                        <a:schemeClr val="tx1"/>
                       </a:solidFill>
                       <a:prstDash val="solid"/>
                       <a:round/>
                       <a:headEnd type="none" w="med" len="med"/>
                       <a:tailEnd type="none" w="med" len="med"/>
                     </a:lnR>
-                    <a:lnT w="6350" cap="flat" cmpd="sng" algn="ctr">
-                      <a:solidFill>
-                        <a:srgbClr val="44B3E1"/>
+                    <a:lnT w="12700" cap="flat" cmpd="sng" algn="ctr">
+                      <a:solidFill>
+                        <a:schemeClr val="tx1"/>
                       </a:solidFill>
                       <a:prstDash val="solid"/>
                       <a:round/>
                       <a:headEnd type="none" w="med" len="med"/>
                       <a:tailEnd type="none" w="med" len="med"/>
                     </a:lnT>
-                    <a:lnB w="6350" cap="flat" cmpd="sng" algn="ctr">
-                      <a:solidFill>
-                        <a:srgbClr val="44B3E1"/>
+                    <a:lnB w="12700" cap="flat" cmpd="sng" algn="ctr">
+                      <a:solidFill>
+                        <a:schemeClr val="tx1"/>
                       </a:solidFill>
                       <a:prstDash val="solid"/>
                       <a:round/>
@@ -16760,30 +18090,36 @@
                     </a:p>
                   </a:txBody>
                   <a:tcPr marL="3406" marR="3406" marT="6035" marB="0" anchor="b">
-                    <a:lnL w="6350" cap="flat" cmpd="sng" algn="ctr">
-                      <a:solidFill>
-                        <a:srgbClr val="44B3E1"/>
+                    <a:lnL w="12700" cap="flat" cmpd="sng" algn="ctr">
+                      <a:solidFill>
+                        <a:schemeClr val="tx1"/>
                       </a:solidFill>
                       <a:prstDash val="solid"/>
                       <a:round/>
                       <a:headEnd type="none" w="med" len="med"/>
                       <a:tailEnd type="none" w="med" len="med"/>
                     </a:lnL>
-                    <a:lnR>
-                      <a:noFill/>
+                    <a:lnR w="12700" cap="flat" cmpd="sng" algn="ctr">
+                      <a:solidFill>
+                        <a:schemeClr val="tx1"/>
+                      </a:solidFill>
+                      <a:prstDash val="solid"/>
+                      <a:round/>
+                      <a:headEnd type="none" w="med" len="med"/>
+                      <a:tailEnd type="none" w="med" len="med"/>
                     </a:lnR>
-                    <a:lnT w="6350" cap="flat" cmpd="sng" algn="ctr">
-                      <a:solidFill>
-                        <a:srgbClr val="44B3E1"/>
+                    <a:lnT w="12700" cap="flat" cmpd="sng" algn="ctr">
+                      <a:solidFill>
+                        <a:schemeClr val="tx1"/>
                       </a:solidFill>
                       <a:prstDash val="solid"/>
                       <a:round/>
                       <a:headEnd type="none" w="med" len="med"/>
                       <a:tailEnd type="none" w="med" len="med"/>
                     </a:lnT>
-                    <a:lnB w="6350" cap="flat" cmpd="sng" algn="ctr">
-                      <a:solidFill>
-                        <a:srgbClr val="44B3E1"/>
+                    <a:lnB w="12700" cap="flat" cmpd="sng" algn="ctr">
+                      <a:solidFill>
+                        <a:schemeClr val="tx1"/>
                       </a:solidFill>
                       <a:prstDash val="solid"/>
                       <a:round/>
@@ -16812,24 +18148,36 @@
                     </a:p>
                   </a:txBody>
                   <a:tcPr marL="3406" marR="3406" marT="6035" marB="0" anchor="b">
-                    <a:lnL>
-                      <a:noFill/>
+                    <a:lnL w="12700" cap="flat" cmpd="sng" algn="ctr">
+                      <a:solidFill>
+                        <a:schemeClr val="tx1"/>
+                      </a:solidFill>
+                      <a:prstDash val="solid"/>
+                      <a:round/>
+                      <a:headEnd type="none" w="med" len="med"/>
+                      <a:tailEnd type="none" w="med" len="med"/>
                     </a:lnL>
-                    <a:lnR>
-                      <a:noFill/>
+                    <a:lnR w="12700" cap="flat" cmpd="sng" algn="ctr">
+                      <a:solidFill>
+                        <a:schemeClr val="tx1"/>
+                      </a:solidFill>
+                      <a:prstDash val="solid"/>
+                      <a:round/>
+                      <a:headEnd type="none" w="med" len="med"/>
+                      <a:tailEnd type="none" w="med" len="med"/>
                     </a:lnR>
-                    <a:lnT w="6350" cap="flat" cmpd="sng" algn="ctr">
-                      <a:solidFill>
-                        <a:srgbClr val="44B3E1"/>
+                    <a:lnT w="12700" cap="flat" cmpd="sng" algn="ctr">
+                      <a:solidFill>
+                        <a:schemeClr val="tx1"/>
                       </a:solidFill>
                       <a:prstDash val="solid"/>
                       <a:round/>
                       <a:headEnd type="none" w="med" len="med"/>
                       <a:tailEnd type="none" w="med" len="med"/>
                     </a:lnT>
-                    <a:lnB w="6350" cap="flat" cmpd="sng" algn="ctr">
-                      <a:solidFill>
-                        <a:srgbClr val="44B3E1"/>
+                    <a:lnB w="12700" cap="flat" cmpd="sng" algn="ctr">
+                      <a:solidFill>
+                        <a:schemeClr val="tx1"/>
                       </a:solidFill>
                       <a:prstDash val="solid"/>
                       <a:round/>
@@ -16858,24 +18206,36 @@
                     </a:p>
                   </a:txBody>
                   <a:tcPr marL="3406" marR="3406" marT="6035" marB="0" anchor="b">
-                    <a:lnL>
-                      <a:noFill/>
+                    <a:lnL w="12700" cap="flat" cmpd="sng" algn="ctr">
+                      <a:solidFill>
+                        <a:schemeClr val="tx1"/>
+                      </a:solidFill>
+                      <a:prstDash val="solid"/>
+                      <a:round/>
+                      <a:headEnd type="none" w="med" len="med"/>
+                      <a:tailEnd type="none" w="med" len="med"/>
                     </a:lnL>
-                    <a:lnR>
-                      <a:noFill/>
+                    <a:lnR w="12700" cap="flat" cmpd="sng" algn="ctr">
+                      <a:solidFill>
+                        <a:schemeClr val="tx1"/>
+                      </a:solidFill>
+                      <a:prstDash val="solid"/>
+                      <a:round/>
+                      <a:headEnd type="none" w="med" len="med"/>
+                      <a:tailEnd type="none" w="med" len="med"/>
                     </a:lnR>
-                    <a:lnT w="6350" cap="flat" cmpd="sng" algn="ctr">
-                      <a:solidFill>
-                        <a:srgbClr val="44B3E1"/>
+                    <a:lnT w="12700" cap="flat" cmpd="sng" algn="ctr">
+                      <a:solidFill>
+                        <a:schemeClr val="tx1"/>
                       </a:solidFill>
                       <a:prstDash val="solid"/>
                       <a:round/>
                       <a:headEnd type="none" w="med" len="med"/>
                       <a:tailEnd type="none" w="med" len="med"/>
                     </a:lnT>
-                    <a:lnB w="6350" cap="flat" cmpd="sng" algn="ctr">
-                      <a:solidFill>
-                        <a:srgbClr val="44B3E1"/>
+                    <a:lnB w="12700" cap="flat" cmpd="sng" algn="ctr">
+                      <a:solidFill>
+                        <a:schemeClr val="tx1"/>
                       </a:solidFill>
                       <a:prstDash val="solid"/>
                       <a:round/>
@@ -16904,24 +18264,36 @@
                     </a:p>
                   </a:txBody>
                   <a:tcPr marL="3406" marR="3406" marT="6035" marB="0" anchor="b">
-                    <a:lnL>
-                      <a:noFill/>
+                    <a:lnL w="12700" cap="flat" cmpd="sng" algn="ctr">
+                      <a:solidFill>
+                        <a:schemeClr val="tx1"/>
+                      </a:solidFill>
+                      <a:prstDash val="solid"/>
+                      <a:round/>
+                      <a:headEnd type="none" w="med" len="med"/>
+                      <a:tailEnd type="none" w="med" len="med"/>
                     </a:lnL>
-                    <a:lnR>
-                      <a:noFill/>
+                    <a:lnR w="12700" cap="flat" cmpd="sng" algn="ctr">
+                      <a:solidFill>
+                        <a:schemeClr val="tx1"/>
+                      </a:solidFill>
+                      <a:prstDash val="solid"/>
+                      <a:round/>
+                      <a:headEnd type="none" w="med" len="med"/>
+                      <a:tailEnd type="none" w="med" len="med"/>
                     </a:lnR>
-                    <a:lnT w="6350" cap="flat" cmpd="sng" algn="ctr">
-                      <a:solidFill>
-                        <a:srgbClr val="44B3E1"/>
+                    <a:lnT w="12700" cap="flat" cmpd="sng" algn="ctr">
+                      <a:solidFill>
+                        <a:schemeClr val="tx1"/>
                       </a:solidFill>
                       <a:prstDash val="solid"/>
                       <a:round/>
                       <a:headEnd type="none" w="med" len="med"/>
                       <a:tailEnd type="none" w="med" len="med"/>
                     </a:lnT>
-                    <a:lnB w="6350" cap="flat" cmpd="sng" algn="ctr">
-                      <a:solidFill>
-                        <a:srgbClr val="44B3E1"/>
+                    <a:lnB w="12700" cap="flat" cmpd="sng" algn="ctr">
+                      <a:solidFill>
+                        <a:schemeClr val="tx1"/>
                       </a:solidFill>
                       <a:prstDash val="solid"/>
                       <a:round/>
@@ -16950,24 +18322,36 @@
                     </a:p>
                   </a:txBody>
                   <a:tcPr marL="3406" marR="3406" marT="6035" marB="0" anchor="b">
-                    <a:lnL>
-                      <a:noFill/>
+                    <a:lnL w="12700" cap="flat" cmpd="sng" algn="ctr">
+                      <a:solidFill>
+                        <a:schemeClr val="tx1"/>
+                      </a:solidFill>
+                      <a:prstDash val="solid"/>
+                      <a:round/>
+                      <a:headEnd type="none" w="med" len="med"/>
+                      <a:tailEnd type="none" w="med" len="med"/>
                     </a:lnL>
-                    <a:lnR>
-                      <a:noFill/>
+                    <a:lnR w="12700" cap="flat" cmpd="sng" algn="ctr">
+                      <a:solidFill>
+                        <a:schemeClr val="tx1"/>
+                      </a:solidFill>
+                      <a:prstDash val="solid"/>
+                      <a:round/>
+                      <a:headEnd type="none" w="med" len="med"/>
+                      <a:tailEnd type="none" w="med" len="med"/>
                     </a:lnR>
-                    <a:lnT w="6350" cap="flat" cmpd="sng" algn="ctr">
-                      <a:solidFill>
-                        <a:srgbClr val="44B3E1"/>
+                    <a:lnT w="12700" cap="flat" cmpd="sng" algn="ctr">
+                      <a:solidFill>
+                        <a:schemeClr val="tx1"/>
                       </a:solidFill>
                       <a:prstDash val="solid"/>
                       <a:round/>
                       <a:headEnd type="none" w="med" len="med"/>
                       <a:tailEnd type="none" w="med" len="med"/>
                     </a:lnT>
-                    <a:lnB w="6350" cap="flat" cmpd="sng" algn="ctr">
-                      <a:solidFill>
-                        <a:srgbClr val="44B3E1"/>
+                    <a:lnB w="12700" cap="flat" cmpd="sng" algn="ctr">
+                      <a:solidFill>
+                        <a:schemeClr val="tx1"/>
                       </a:solidFill>
                       <a:prstDash val="solid"/>
                       <a:round/>
@@ -16996,24 +18380,36 @@
                     </a:p>
                   </a:txBody>
                   <a:tcPr marL="3406" marR="3406" marT="6035" marB="0" anchor="b">
-                    <a:lnL>
-                      <a:noFill/>
+                    <a:lnL w="12700" cap="flat" cmpd="sng" algn="ctr">
+                      <a:solidFill>
+                        <a:schemeClr val="tx1"/>
+                      </a:solidFill>
+                      <a:prstDash val="solid"/>
+                      <a:round/>
+                      <a:headEnd type="none" w="med" len="med"/>
+                      <a:tailEnd type="none" w="med" len="med"/>
                     </a:lnL>
-                    <a:lnR>
-                      <a:noFill/>
+                    <a:lnR w="12700" cap="flat" cmpd="sng" algn="ctr">
+                      <a:solidFill>
+                        <a:schemeClr val="tx1"/>
+                      </a:solidFill>
+                      <a:prstDash val="solid"/>
+                      <a:round/>
+                      <a:headEnd type="none" w="med" len="med"/>
+                      <a:tailEnd type="none" w="med" len="med"/>
                     </a:lnR>
-                    <a:lnT w="6350" cap="flat" cmpd="sng" algn="ctr">
-                      <a:solidFill>
-                        <a:srgbClr val="44B3E1"/>
+                    <a:lnT w="12700" cap="flat" cmpd="sng" algn="ctr">
+                      <a:solidFill>
+                        <a:schemeClr val="tx1"/>
                       </a:solidFill>
                       <a:prstDash val="solid"/>
                       <a:round/>
                       <a:headEnd type="none" w="med" len="med"/>
                       <a:tailEnd type="none" w="med" len="med"/>
                     </a:lnT>
-                    <a:lnB w="6350" cap="flat" cmpd="sng" algn="ctr">
-                      <a:solidFill>
-                        <a:srgbClr val="44B3E1"/>
+                    <a:lnB w="12700" cap="flat" cmpd="sng" algn="ctr">
+                      <a:solidFill>
+                        <a:schemeClr val="tx1"/>
                       </a:solidFill>
                       <a:prstDash val="solid"/>
                       <a:round/>
@@ -17042,24 +18438,36 @@
                     </a:p>
                   </a:txBody>
                   <a:tcPr marL="3406" marR="3406" marT="6035" marB="0" anchor="b">
-                    <a:lnL>
-                      <a:noFill/>
+                    <a:lnL w="12700" cap="flat" cmpd="sng" algn="ctr">
+                      <a:solidFill>
+                        <a:schemeClr val="tx1"/>
+                      </a:solidFill>
+                      <a:prstDash val="solid"/>
+                      <a:round/>
+                      <a:headEnd type="none" w="med" len="med"/>
+                      <a:tailEnd type="none" w="med" len="med"/>
                     </a:lnL>
-                    <a:lnR>
-                      <a:noFill/>
+                    <a:lnR w="12700" cap="flat" cmpd="sng" algn="ctr">
+                      <a:solidFill>
+                        <a:schemeClr val="tx1"/>
+                      </a:solidFill>
+                      <a:prstDash val="solid"/>
+                      <a:round/>
+                      <a:headEnd type="none" w="med" len="med"/>
+                      <a:tailEnd type="none" w="med" len="med"/>
                     </a:lnR>
-                    <a:lnT w="6350" cap="flat" cmpd="sng" algn="ctr">
-                      <a:solidFill>
-                        <a:srgbClr val="44B3E1"/>
+                    <a:lnT w="12700" cap="flat" cmpd="sng" algn="ctr">
+                      <a:solidFill>
+                        <a:schemeClr val="tx1"/>
                       </a:solidFill>
                       <a:prstDash val="solid"/>
                       <a:round/>
                       <a:headEnd type="none" w="med" len="med"/>
                       <a:tailEnd type="none" w="med" len="med"/>
                     </a:lnT>
-                    <a:lnB w="6350" cap="flat" cmpd="sng" algn="ctr">
-                      <a:solidFill>
-                        <a:srgbClr val="44B3E1"/>
+                    <a:lnB w="12700" cap="flat" cmpd="sng" algn="ctr">
+                      <a:solidFill>
+                        <a:schemeClr val="tx1"/>
                       </a:solidFill>
                       <a:prstDash val="solid"/>
                       <a:round/>
@@ -17088,24 +18496,36 @@
                     </a:p>
                   </a:txBody>
                   <a:tcPr marL="3406" marR="3406" marT="6035" marB="0" anchor="b">
-                    <a:lnL>
-                      <a:noFill/>
+                    <a:lnL w="12700" cap="flat" cmpd="sng" algn="ctr">
+                      <a:solidFill>
+                        <a:schemeClr val="tx1"/>
+                      </a:solidFill>
+                      <a:prstDash val="solid"/>
+                      <a:round/>
+                      <a:headEnd type="none" w="med" len="med"/>
+                      <a:tailEnd type="none" w="med" len="med"/>
                     </a:lnL>
-                    <a:lnR>
-                      <a:noFill/>
+                    <a:lnR w="12700" cap="flat" cmpd="sng" algn="ctr">
+                      <a:solidFill>
+                        <a:schemeClr val="tx1"/>
+                      </a:solidFill>
+                      <a:prstDash val="solid"/>
+                      <a:round/>
+                      <a:headEnd type="none" w="med" len="med"/>
+                      <a:tailEnd type="none" w="med" len="med"/>
                     </a:lnR>
-                    <a:lnT w="6350" cap="flat" cmpd="sng" algn="ctr">
-                      <a:solidFill>
-                        <a:srgbClr val="44B3E1"/>
+                    <a:lnT w="12700" cap="flat" cmpd="sng" algn="ctr">
+                      <a:solidFill>
+                        <a:schemeClr val="tx1"/>
                       </a:solidFill>
                       <a:prstDash val="solid"/>
                       <a:round/>
                       <a:headEnd type="none" w="med" len="med"/>
                       <a:tailEnd type="none" w="med" len="med"/>
                     </a:lnT>
-                    <a:lnB w="6350" cap="flat" cmpd="sng" algn="ctr">
-                      <a:solidFill>
-                        <a:srgbClr val="44B3E1"/>
+                    <a:lnB w="12700" cap="flat" cmpd="sng" algn="ctr">
+                      <a:solidFill>
+                        <a:schemeClr val="tx1"/>
                       </a:solidFill>
                       <a:prstDash val="solid"/>
                       <a:round/>
@@ -17134,24 +18554,36 @@
                     </a:p>
                   </a:txBody>
                   <a:tcPr marL="3406" marR="3406" marT="6035" marB="0" anchor="b">
-                    <a:lnL>
-                      <a:noFill/>
+                    <a:lnL w="12700" cap="flat" cmpd="sng" algn="ctr">
+                      <a:solidFill>
+                        <a:schemeClr val="tx1"/>
+                      </a:solidFill>
+                      <a:prstDash val="solid"/>
+                      <a:round/>
+                      <a:headEnd type="none" w="med" len="med"/>
+                      <a:tailEnd type="none" w="med" len="med"/>
                     </a:lnL>
-                    <a:lnR>
-                      <a:noFill/>
+                    <a:lnR w="12700" cap="flat" cmpd="sng" algn="ctr">
+                      <a:solidFill>
+                        <a:schemeClr val="tx1"/>
+                      </a:solidFill>
+                      <a:prstDash val="solid"/>
+                      <a:round/>
+                      <a:headEnd type="none" w="med" len="med"/>
+                      <a:tailEnd type="none" w="med" len="med"/>
                     </a:lnR>
-                    <a:lnT w="6350" cap="flat" cmpd="sng" algn="ctr">
-                      <a:solidFill>
-                        <a:srgbClr val="44B3E1"/>
+                    <a:lnT w="12700" cap="flat" cmpd="sng" algn="ctr">
+                      <a:solidFill>
+                        <a:schemeClr val="tx1"/>
                       </a:solidFill>
                       <a:prstDash val="solid"/>
                       <a:round/>
                       <a:headEnd type="none" w="med" len="med"/>
                       <a:tailEnd type="none" w="med" len="med"/>
                     </a:lnT>
-                    <a:lnB w="6350" cap="flat" cmpd="sng" algn="ctr">
-                      <a:solidFill>
-                        <a:srgbClr val="44B3E1"/>
+                    <a:lnB w="12700" cap="flat" cmpd="sng" algn="ctr">
+                      <a:solidFill>
+                        <a:schemeClr val="tx1"/>
                       </a:solidFill>
                       <a:prstDash val="solid"/>
                       <a:round/>
@@ -17180,24 +18612,36 @@
                     </a:p>
                   </a:txBody>
                   <a:tcPr marL="3406" marR="3406" marT="6035" marB="0" anchor="b">
-                    <a:lnL>
-                      <a:noFill/>
+                    <a:lnL w="12700" cap="flat" cmpd="sng" algn="ctr">
+                      <a:solidFill>
+                        <a:schemeClr val="tx1"/>
+                      </a:solidFill>
+                      <a:prstDash val="solid"/>
+                      <a:round/>
+                      <a:headEnd type="none" w="med" len="med"/>
+                      <a:tailEnd type="none" w="med" len="med"/>
                     </a:lnL>
-                    <a:lnR>
-                      <a:noFill/>
+                    <a:lnR w="12700" cap="flat" cmpd="sng" algn="ctr">
+                      <a:solidFill>
+                        <a:schemeClr val="tx1"/>
+                      </a:solidFill>
+                      <a:prstDash val="solid"/>
+                      <a:round/>
+                      <a:headEnd type="none" w="med" len="med"/>
+                      <a:tailEnd type="none" w="med" len="med"/>
                     </a:lnR>
-                    <a:lnT w="6350" cap="flat" cmpd="sng" algn="ctr">
-                      <a:solidFill>
-                        <a:srgbClr val="44B3E1"/>
+                    <a:lnT w="12700" cap="flat" cmpd="sng" algn="ctr">
+                      <a:solidFill>
+                        <a:schemeClr val="tx1"/>
                       </a:solidFill>
                       <a:prstDash val="solid"/>
                       <a:round/>
                       <a:headEnd type="none" w="med" len="med"/>
                       <a:tailEnd type="none" w="med" len="med"/>
                     </a:lnT>
-                    <a:lnB w="6350" cap="flat" cmpd="sng" algn="ctr">
-                      <a:solidFill>
-                        <a:srgbClr val="44B3E1"/>
+                    <a:lnB w="12700" cap="flat" cmpd="sng" algn="ctr">
+                      <a:solidFill>
+                        <a:schemeClr val="tx1"/>
                       </a:solidFill>
                       <a:prstDash val="solid"/>
                       <a:round/>
@@ -17226,24 +18670,36 @@
                     </a:p>
                   </a:txBody>
                   <a:tcPr marL="3406" marR="3406" marT="6035" marB="0" anchor="b">
-                    <a:lnL>
-                      <a:noFill/>
+                    <a:lnL w="12700" cap="flat" cmpd="sng" algn="ctr">
+                      <a:solidFill>
+                        <a:schemeClr val="tx1"/>
+                      </a:solidFill>
+                      <a:prstDash val="solid"/>
+                      <a:round/>
+                      <a:headEnd type="none" w="med" len="med"/>
+                      <a:tailEnd type="none" w="med" len="med"/>
                     </a:lnL>
-                    <a:lnR>
-                      <a:noFill/>
+                    <a:lnR w="12700" cap="flat" cmpd="sng" algn="ctr">
+                      <a:solidFill>
+                        <a:schemeClr val="tx1"/>
+                      </a:solidFill>
+                      <a:prstDash val="solid"/>
+                      <a:round/>
+                      <a:headEnd type="none" w="med" len="med"/>
+                      <a:tailEnd type="none" w="med" len="med"/>
                     </a:lnR>
-                    <a:lnT w="6350" cap="flat" cmpd="sng" algn="ctr">
-                      <a:solidFill>
-                        <a:srgbClr val="44B3E1"/>
+                    <a:lnT w="12700" cap="flat" cmpd="sng" algn="ctr">
+                      <a:solidFill>
+                        <a:schemeClr val="tx1"/>
                       </a:solidFill>
                       <a:prstDash val="solid"/>
                       <a:round/>
                       <a:headEnd type="none" w="med" len="med"/>
                       <a:tailEnd type="none" w="med" len="med"/>
                     </a:lnT>
-                    <a:lnB w="6350" cap="flat" cmpd="sng" algn="ctr">
-                      <a:solidFill>
-                        <a:srgbClr val="44B3E1"/>
+                    <a:lnB w="12700" cap="flat" cmpd="sng" algn="ctr">
+                      <a:solidFill>
+                        <a:schemeClr val="tx1"/>
                       </a:solidFill>
                       <a:prstDash val="solid"/>
                       <a:round/>
@@ -17272,24 +18728,36 @@
                     </a:p>
                   </a:txBody>
                   <a:tcPr marL="3406" marR="3406" marT="6035" marB="0" anchor="b">
-                    <a:lnL>
-                      <a:noFill/>
+                    <a:lnL w="12700" cap="flat" cmpd="sng" algn="ctr">
+                      <a:solidFill>
+                        <a:schemeClr val="tx1"/>
+                      </a:solidFill>
+                      <a:prstDash val="solid"/>
+                      <a:round/>
+                      <a:headEnd type="none" w="med" len="med"/>
+                      <a:tailEnd type="none" w="med" len="med"/>
                     </a:lnL>
-                    <a:lnR>
-                      <a:noFill/>
+                    <a:lnR w="12700" cap="flat" cmpd="sng" algn="ctr">
+                      <a:solidFill>
+                        <a:schemeClr val="tx1"/>
+                      </a:solidFill>
+                      <a:prstDash val="solid"/>
+                      <a:round/>
+                      <a:headEnd type="none" w="med" len="med"/>
+                      <a:tailEnd type="none" w="med" len="med"/>
                     </a:lnR>
-                    <a:lnT w="6350" cap="flat" cmpd="sng" algn="ctr">
-                      <a:solidFill>
-                        <a:srgbClr val="44B3E1"/>
+                    <a:lnT w="12700" cap="flat" cmpd="sng" algn="ctr">
+                      <a:solidFill>
+                        <a:schemeClr val="tx1"/>
                       </a:solidFill>
                       <a:prstDash val="solid"/>
                       <a:round/>
                       <a:headEnd type="none" w="med" len="med"/>
                       <a:tailEnd type="none" w="med" len="med"/>
                     </a:lnT>
-                    <a:lnB w="6350" cap="flat" cmpd="sng" algn="ctr">
-                      <a:solidFill>
-                        <a:srgbClr val="44B3E1"/>
+                    <a:lnB w="12700" cap="flat" cmpd="sng" algn="ctr">
+                      <a:solidFill>
+                        <a:schemeClr val="tx1"/>
                       </a:solidFill>
                       <a:prstDash val="solid"/>
                       <a:round/>
@@ -17318,24 +18786,36 @@
                     </a:p>
                   </a:txBody>
                   <a:tcPr marL="3406" marR="3406" marT="6035" marB="0" anchor="b">
-                    <a:lnL>
-                      <a:noFill/>
+                    <a:lnL w="12700" cap="flat" cmpd="sng" algn="ctr">
+                      <a:solidFill>
+                        <a:schemeClr val="tx1"/>
+                      </a:solidFill>
+                      <a:prstDash val="solid"/>
+                      <a:round/>
+                      <a:headEnd type="none" w="med" len="med"/>
+                      <a:tailEnd type="none" w="med" len="med"/>
                     </a:lnL>
-                    <a:lnR>
-                      <a:noFill/>
+                    <a:lnR w="12700" cap="flat" cmpd="sng" algn="ctr">
+                      <a:solidFill>
+                        <a:schemeClr val="tx1"/>
+                      </a:solidFill>
+                      <a:prstDash val="solid"/>
+                      <a:round/>
+                      <a:headEnd type="none" w="med" len="med"/>
+                      <a:tailEnd type="none" w="med" len="med"/>
                     </a:lnR>
-                    <a:lnT w="6350" cap="flat" cmpd="sng" algn="ctr">
-                      <a:solidFill>
-                        <a:srgbClr val="44B3E1"/>
+                    <a:lnT w="12700" cap="flat" cmpd="sng" algn="ctr">
+                      <a:solidFill>
+                        <a:schemeClr val="tx1"/>
                       </a:solidFill>
                       <a:prstDash val="solid"/>
                       <a:round/>
                       <a:headEnd type="none" w="med" len="med"/>
                       <a:tailEnd type="none" w="med" len="med"/>
                     </a:lnT>
-                    <a:lnB w="6350" cap="flat" cmpd="sng" algn="ctr">
-                      <a:solidFill>
-                        <a:srgbClr val="44B3E1"/>
+                    <a:lnB w="12700" cap="flat" cmpd="sng" algn="ctr">
+                      <a:solidFill>
+                        <a:schemeClr val="tx1"/>
                       </a:solidFill>
                       <a:prstDash val="solid"/>
                       <a:round/>
@@ -17364,24 +18844,36 @@
                     </a:p>
                   </a:txBody>
                   <a:tcPr marL="3406" marR="3406" marT="6035" marB="0" anchor="b">
-                    <a:lnL>
-                      <a:noFill/>
+                    <a:lnL w="12700" cap="flat" cmpd="sng" algn="ctr">
+                      <a:solidFill>
+                        <a:schemeClr val="tx1"/>
+                      </a:solidFill>
+                      <a:prstDash val="solid"/>
+                      <a:round/>
+                      <a:headEnd type="none" w="med" len="med"/>
+                      <a:tailEnd type="none" w="med" len="med"/>
                     </a:lnL>
-                    <a:lnR>
-                      <a:noFill/>
+                    <a:lnR w="12700" cap="flat" cmpd="sng" algn="ctr">
+                      <a:solidFill>
+                        <a:schemeClr val="tx1"/>
+                      </a:solidFill>
+                      <a:prstDash val="solid"/>
+                      <a:round/>
+                      <a:headEnd type="none" w="med" len="med"/>
+                      <a:tailEnd type="none" w="med" len="med"/>
                     </a:lnR>
-                    <a:lnT w="6350" cap="flat" cmpd="sng" algn="ctr">
-                      <a:solidFill>
-                        <a:srgbClr val="44B3E1"/>
+                    <a:lnT w="12700" cap="flat" cmpd="sng" algn="ctr">
+                      <a:solidFill>
+                        <a:schemeClr val="tx1"/>
                       </a:solidFill>
                       <a:prstDash val="solid"/>
                       <a:round/>
                       <a:headEnd type="none" w="med" len="med"/>
                       <a:tailEnd type="none" w="med" len="med"/>
                     </a:lnT>
-                    <a:lnB w="6350" cap="flat" cmpd="sng" algn="ctr">
-                      <a:solidFill>
-                        <a:srgbClr val="44B3E1"/>
+                    <a:lnB w="12700" cap="flat" cmpd="sng" algn="ctr">
+                      <a:solidFill>
+                        <a:schemeClr val="tx1"/>
                       </a:solidFill>
                       <a:prstDash val="solid"/>
                       <a:round/>
@@ -17410,24 +18902,36 @@
                     </a:p>
                   </a:txBody>
                   <a:tcPr marL="3406" marR="3406" marT="6035" marB="0" anchor="b">
-                    <a:lnL>
-                      <a:noFill/>
+                    <a:lnL w="12700" cap="flat" cmpd="sng" algn="ctr">
+                      <a:solidFill>
+                        <a:schemeClr val="tx1"/>
+                      </a:solidFill>
+                      <a:prstDash val="solid"/>
+                      <a:round/>
+                      <a:headEnd type="none" w="med" len="med"/>
+                      <a:tailEnd type="none" w="med" len="med"/>
                     </a:lnL>
-                    <a:lnR>
-                      <a:noFill/>
+                    <a:lnR w="12700" cap="flat" cmpd="sng" algn="ctr">
+                      <a:solidFill>
+                        <a:schemeClr val="tx1"/>
+                      </a:solidFill>
+                      <a:prstDash val="solid"/>
+                      <a:round/>
+                      <a:headEnd type="none" w="med" len="med"/>
+                      <a:tailEnd type="none" w="med" len="med"/>
                     </a:lnR>
-                    <a:lnT w="6350" cap="flat" cmpd="sng" algn="ctr">
-                      <a:solidFill>
-                        <a:srgbClr val="44B3E1"/>
+                    <a:lnT w="12700" cap="flat" cmpd="sng" algn="ctr">
+                      <a:solidFill>
+                        <a:schemeClr val="tx1"/>
                       </a:solidFill>
                       <a:prstDash val="solid"/>
                       <a:round/>
                       <a:headEnd type="none" w="med" len="med"/>
                       <a:tailEnd type="none" w="med" len="med"/>
                     </a:lnT>
-                    <a:lnB w="6350" cap="flat" cmpd="sng" algn="ctr">
-                      <a:solidFill>
-                        <a:srgbClr val="44B3E1"/>
+                    <a:lnB w="12700" cap="flat" cmpd="sng" algn="ctr">
+                      <a:solidFill>
+                        <a:schemeClr val="tx1"/>
                       </a:solidFill>
                       <a:prstDash val="solid"/>
                       <a:round/>
@@ -17456,24 +18960,36 @@
                     </a:p>
                   </a:txBody>
                   <a:tcPr marL="3406" marR="3406" marT="6035" marB="0" anchor="b">
-                    <a:lnL>
-                      <a:noFill/>
+                    <a:lnL w="12700" cap="flat" cmpd="sng" algn="ctr">
+                      <a:solidFill>
+                        <a:schemeClr val="tx1"/>
+                      </a:solidFill>
+                      <a:prstDash val="solid"/>
+                      <a:round/>
+                      <a:headEnd type="none" w="med" len="med"/>
+                      <a:tailEnd type="none" w="med" len="med"/>
                     </a:lnL>
-                    <a:lnR>
-                      <a:noFill/>
+                    <a:lnR w="12700" cap="flat" cmpd="sng" algn="ctr">
+                      <a:solidFill>
+                        <a:schemeClr val="tx1"/>
+                      </a:solidFill>
+                      <a:prstDash val="solid"/>
+                      <a:round/>
+                      <a:headEnd type="none" w="med" len="med"/>
+                      <a:tailEnd type="none" w="med" len="med"/>
                     </a:lnR>
-                    <a:lnT w="6350" cap="flat" cmpd="sng" algn="ctr">
-                      <a:solidFill>
-                        <a:srgbClr val="44B3E1"/>
+                    <a:lnT w="12700" cap="flat" cmpd="sng" algn="ctr">
+                      <a:solidFill>
+                        <a:schemeClr val="tx1"/>
                       </a:solidFill>
                       <a:prstDash val="solid"/>
                       <a:round/>
                       <a:headEnd type="none" w="med" len="med"/>
                       <a:tailEnd type="none" w="med" len="med"/>
                     </a:lnT>
-                    <a:lnB w="6350" cap="flat" cmpd="sng" algn="ctr">
-                      <a:solidFill>
-                        <a:srgbClr val="44B3E1"/>
+                    <a:lnB w="12700" cap="flat" cmpd="sng" algn="ctr">
+                      <a:solidFill>
+                        <a:schemeClr val="tx1"/>
                       </a:solidFill>
                       <a:prstDash val="solid"/>
                       <a:round/>
@@ -17502,24 +19018,36 @@
                     </a:p>
                   </a:txBody>
                   <a:tcPr marL="3406" marR="3406" marT="6035" marB="0" anchor="b">
-                    <a:lnL>
-                      <a:noFill/>
+                    <a:lnL w="12700" cap="flat" cmpd="sng" algn="ctr">
+                      <a:solidFill>
+                        <a:schemeClr val="tx1"/>
+                      </a:solidFill>
+                      <a:prstDash val="solid"/>
+                      <a:round/>
+                      <a:headEnd type="none" w="med" len="med"/>
+                      <a:tailEnd type="none" w="med" len="med"/>
                     </a:lnL>
-                    <a:lnR>
-                      <a:noFill/>
+                    <a:lnR w="12700" cap="flat" cmpd="sng" algn="ctr">
+                      <a:solidFill>
+                        <a:schemeClr val="tx1"/>
+                      </a:solidFill>
+                      <a:prstDash val="solid"/>
+                      <a:round/>
+                      <a:headEnd type="none" w="med" len="med"/>
+                      <a:tailEnd type="none" w="med" len="med"/>
                     </a:lnR>
-                    <a:lnT w="6350" cap="flat" cmpd="sng" algn="ctr">
-                      <a:solidFill>
-                        <a:srgbClr val="44B3E1"/>
+                    <a:lnT w="12700" cap="flat" cmpd="sng" algn="ctr">
+                      <a:solidFill>
+                        <a:schemeClr val="tx1"/>
                       </a:solidFill>
                       <a:prstDash val="solid"/>
                       <a:round/>
                       <a:headEnd type="none" w="med" len="med"/>
                       <a:tailEnd type="none" w="med" len="med"/>
                     </a:lnT>
-                    <a:lnB w="6350" cap="flat" cmpd="sng" algn="ctr">
-                      <a:solidFill>
-                        <a:srgbClr val="44B3E1"/>
+                    <a:lnB w="12700" cap="flat" cmpd="sng" algn="ctr">
+                      <a:solidFill>
+                        <a:schemeClr val="tx1"/>
                       </a:solidFill>
                       <a:prstDash val="solid"/>
                       <a:round/>
@@ -17548,24 +19076,36 @@
                     </a:p>
                   </a:txBody>
                   <a:tcPr marL="3406" marR="3406" marT="6035" marB="0" anchor="b">
-                    <a:lnL>
-                      <a:noFill/>
+                    <a:lnL w="12700" cap="flat" cmpd="sng" algn="ctr">
+                      <a:solidFill>
+                        <a:schemeClr val="tx1"/>
+                      </a:solidFill>
+                      <a:prstDash val="solid"/>
+                      <a:round/>
+                      <a:headEnd type="none" w="med" len="med"/>
+                      <a:tailEnd type="none" w="med" len="med"/>
                     </a:lnL>
-                    <a:lnR>
-                      <a:noFill/>
+                    <a:lnR w="12700" cap="flat" cmpd="sng" algn="ctr">
+                      <a:solidFill>
+                        <a:schemeClr val="tx1"/>
+                      </a:solidFill>
+                      <a:prstDash val="solid"/>
+                      <a:round/>
+                      <a:headEnd type="none" w="med" len="med"/>
+                      <a:tailEnd type="none" w="med" len="med"/>
                     </a:lnR>
-                    <a:lnT w="6350" cap="flat" cmpd="sng" algn="ctr">
-                      <a:solidFill>
-                        <a:srgbClr val="44B3E1"/>
+                    <a:lnT w="12700" cap="flat" cmpd="sng" algn="ctr">
+                      <a:solidFill>
+                        <a:schemeClr val="tx1"/>
                       </a:solidFill>
                       <a:prstDash val="solid"/>
                       <a:round/>
                       <a:headEnd type="none" w="med" len="med"/>
                       <a:tailEnd type="none" w="med" len="med"/>
                     </a:lnT>
-                    <a:lnB w="6350" cap="flat" cmpd="sng" algn="ctr">
-                      <a:solidFill>
-                        <a:srgbClr val="44B3E1"/>
+                    <a:lnB w="12700" cap="flat" cmpd="sng" algn="ctr">
+                      <a:solidFill>
+                        <a:schemeClr val="tx1"/>
                       </a:solidFill>
                       <a:prstDash val="solid"/>
                       <a:round/>
@@ -17594,30 +19134,36 @@
                     </a:p>
                   </a:txBody>
                   <a:tcPr marL="3406" marR="3406" marT="6035" marB="0" anchor="b">
-                    <a:lnL>
-                      <a:noFill/>
+                    <a:lnL w="12700" cap="flat" cmpd="sng" algn="ctr">
+                      <a:solidFill>
+                        <a:schemeClr val="tx1"/>
+                      </a:solidFill>
+                      <a:prstDash val="solid"/>
+                      <a:round/>
+                      <a:headEnd type="none" w="med" len="med"/>
+                      <a:tailEnd type="none" w="med" len="med"/>
                     </a:lnL>
-                    <a:lnR w="6350" cap="flat" cmpd="sng" algn="ctr">
-                      <a:solidFill>
-                        <a:srgbClr val="44B3E1"/>
+                    <a:lnR w="12700" cap="flat" cmpd="sng" algn="ctr">
+                      <a:solidFill>
+                        <a:schemeClr val="tx1"/>
                       </a:solidFill>
                       <a:prstDash val="solid"/>
                       <a:round/>
                       <a:headEnd type="none" w="med" len="med"/>
                       <a:tailEnd type="none" w="med" len="med"/>
                     </a:lnR>
-                    <a:lnT w="6350" cap="flat" cmpd="sng" algn="ctr">
-                      <a:solidFill>
-                        <a:srgbClr val="44B3E1"/>
+                    <a:lnT w="12700" cap="flat" cmpd="sng" algn="ctr">
+                      <a:solidFill>
+                        <a:schemeClr val="tx1"/>
                       </a:solidFill>
                       <a:prstDash val="solid"/>
                       <a:round/>
                       <a:headEnd type="none" w="med" len="med"/>
                       <a:tailEnd type="none" w="med" len="med"/>
                     </a:lnT>
-                    <a:lnB w="6350" cap="flat" cmpd="sng" algn="ctr">
-                      <a:solidFill>
-                        <a:srgbClr val="44B3E1"/>
+                    <a:lnB w="12700" cap="flat" cmpd="sng" algn="ctr">
+                      <a:solidFill>
+                        <a:schemeClr val="tx1"/>
                       </a:solidFill>
                       <a:prstDash val="solid"/>
                       <a:round/>
@@ -17653,30 +19199,36 @@
                     </a:p>
                   </a:txBody>
                   <a:tcPr marL="3406" marR="3406" marT="6035" marB="0" anchor="b">
-                    <a:lnL w="6350" cap="flat" cmpd="sng" algn="ctr">
-                      <a:solidFill>
-                        <a:srgbClr val="44B3E1"/>
+                    <a:lnL w="12700" cap="flat" cmpd="sng" algn="ctr">
+                      <a:solidFill>
+                        <a:schemeClr val="tx1"/>
                       </a:solidFill>
                       <a:prstDash val="solid"/>
                       <a:round/>
                       <a:headEnd type="none" w="med" len="med"/>
                       <a:tailEnd type="none" w="med" len="med"/>
                     </a:lnL>
-                    <a:lnR>
-                      <a:noFill/>
+                    <a:lnR w="12700" cap="flat" cmpd="sng" algn="ctr">
+                      <a:solidFill>
+                        <a:schemeClr val="tx1"/>
+                      </a:solidFill>
+                      <a:prstDash val="solid"/>
+                      <a:round/>
+                      <a:headEnd type="none" w="med" len="med"/>
+                      <a:tailEnd type="none" w="med" len="med"/>
                     </a:lnR>
-                    <a:lnT w="6350" cap="flat" cmpd="sng" algn="ctr">
-                      <a:solidFill>
-                        <a:srgbClr val="44B3E1"/>
+                    <a:lnT w="12700" cap="flat" cmpd="sng" algn="ctr">
+                      <a:solidFill>
+                        <a:schemeClr val="tx1"/>
                       </a:solidFill>
                       <a:prstDash val="solid"/>
                       <a:round/>
                       <a:headEnd type="none" w="med" len="med"/>
                       <a:tailEnd type="none" w="med" len="med"/>
                     </a:lnT>
-                    <a:lnB w="6350" cap="flat" cmpd="sng" algn="ctr">
-                      <a:solidFill>
-                        <a:srgbClr val="44B3E1"/>
+                    <a:lnB w="12700" cap="flat" cmpd="sng" algn="ctr">
+                      <a:solidFill>
+                        <a:schemeClr val="tx1"/>
                       </a:solidFill>
                       <a:prstDash val="solid"/>
                       <a:round/>
@@ -17707,24 +19259,36 @@
                     </a:p>
                   </a:txBody>
                   <a:tcPr marL="3406" marR="3406" marT="6035" marB="0" anchor="b">
-                    <a:lnL>
-                      <a:noFill/>
+                    <a:lnL w="12700" cap="flat" cmpd="sng" algn="ctr">
+                      <a:solidFill>
+                        <a:schemeClr val="tx1"/>
+                      </a:solidFill>
+                      <a:prstDash val="solid"/>
+                      <a:round/>
+                      <a:headEnd type="none" w="med" len="med"/>
+                      <a:tailEnd type="none" w="med" len="med"/>
                     </a:lnL>
-                    <a:lnR>
-                      <a:noFill/>
+                    <a:lnR w="12700" cap="flat" cmpd="sng" algn="ctr">
+                      <a:solidFill>
+                        <a:schemeClr val="tx1"/>
+                      </a:solidFill>
+                      <a:prstDash val="solid"/>
+                      <a:round/>
+                      <a:headEnd type="none" w="med" len="med"/>
+                      <a:tailEnd type="none" w="med" len="med"/>
                     </a:lnR>
-                    <a:lnT w="6350" cap="flat" cmpd="sng" algn="ctr">
-                      <a:solidFill>
-                        <a:srgbClr val="44B3E1"/>
+                    <a:lnT w="12700" cap="flat" cmpd="sng" algn="ctr">
+                      <a:solidFill>
+                        <a:schemeClr val="tx1"/>
                       </a:solidFill>
                       <a:prstDash val="solid"/>
                       <a:round/>
                       <a:headEnd type="none" w="med" len="med"/>
                       <a:tailEnd type="none" w="med" len="med"/>
                     </a:lnT>
-                    <a:lnB w="6350" cap="flat" cmpd="sng" algn="ctr">
-                      <a:solidFill>
-                        <a:srgbClr val="44B3E1"/>
+                    <a:lnB w="12700" cap="flat" cmpd="sng" algn="ctr">
+                      <a:solidFill>
+                        <a:schemeClr val="tx1"/>
                       </a:solidFill>
                       <a:prstDash val="solid"/>
                       <a:round/>
@@ -17755,24 +19319,36 @@
                     </a:p>
                   </a:txBody>
                   <a:tcPr marL="3406" marR="3406" marT="6035" marB="0" anchor="b">
-                    <a:lnL>
-                      <a:noFill/>
+                    <a:lnL w="12700" cap="flat" cmpd="sng" algn="ctr">
+                      <a:solidFill>
+                        <a:schemeClr val="tx1"/>
+                      </a:solidFill>
+                      <a:prstDash val="solid"/>
+                      <a:round/>
+                      <a:headEnd type="none" w="med" len="med"/>
+                      <a:tailEnd type="none" w="med" len="med"/>
                     </a:lnL>
-                    <a:lnR>
-                      <a:noFill/>
+                    <a:lnR w="12700" cap="flat" cmpd="sng" algn="ctr">
+                      <a:solidFill>
+                        <a:schemeClr val="tx1"/>
+                      </a:solidFill>
+                      <a:prstDash val="solid"/>
+                      <a:round/>
+                      <a:headEnd type="none" w="med" len="med"/>
+                      <a:tailEnd type="none" w="med" len="med"/>
                     </a:lnR>
-                    <a:lnT w="6350" cap="flat" cmpd="sng" algn="ctr">
-                      <a:solidFill>
-                        <a:srgbClr val="44B3E1"/>
+                    <a:lnT w="12700" cap="flat" cmpd="sng" algn="ctr">
+                      <a:solidFill>
+                        <a:schemeClr val="tx1"/>
                       </a:solidFill>
                       <a:prstDash val="solid"/>
                       <a:round/>
                       <a:headEnd type="none" w="med" len="med"/>
                       <a:tailEnd type="none" w="med" len="med"/>
                     </a:lnT>
-                    <a:lnB w="6350" cap="flat" cmpd="sng" algn="ctr">
-                      <a:solidFill>
-                        <a:srgbClr val="44B3E1"/>
+                    <a:lnB w="12700" cap="flat" cmpd="sng" algn="ctr">
+                      <a:solidFill>
+                        <a:schemeClr val="tx1"/>
                       </a:solidFill>
                       <a:prstDash val="solid"/>
                       <a:round/>
@@ -17803,24 +19379,36 @@
                     </a:p>
                   </a:txBody>
                   <a:tcPr marL="3406" marR="3406" marT="6035" marB="0" anchor="b">
-                    <a:lnL>
-                      <a:noFill/>
+                    <a:lnL w="12700" cap="flat" cmpd="sng" algn="ctr">
+                      <a:solidFill>
+                        <a:schemeClr val="tx1"/>
+                      </a:solidFill>
+                      <a:prstDash val="solid"/>
+                      <a:round/>
+                      <a:headEnd type="none" w="med" len="med"/>
+                      <a:tailEnd type="none" w="med" len="med"/>
                     </a:lnL>
-                    <a:lnR>
-                      <a:noFill/>
+                    <a:lnR w="12700" cap="flat" cmpd="sng" algn="ctr">
+                      <a:solidFill>
+                        <a:schemeClr val="tx1"/>
+                      </a:solidFill>
+                      <a:prstDash val="solid"/>
+                      <a:round/>
+                      <a:headEnd type="none" w="med" len="med"/>
+                      <a:tailEnd type="none" w="med" len="med"/>
                     </a:lnR>
-                    <a:lnT w="6350" cap="flat" cmpd="sng" algn="ctr">
-                      <a:solidFill>
-                        <a:srgbClr val="44B3E1"/>
+                    <a:lnT w="12700" cap="flat" cmpd="sng" algn="ctr">
+                      <a:solidFill>
+                        <a:schemeClr val="tx1"/>
                       </a:solidFill>
                       <a:prstDash val="solid"/>
                       <a:round/>
                       <a:headEnd type="none" w="med" len="med"/>
                       <a:tailEnd type="none" w="med" len="med"/>
                     </a:lnT>
-                    <a:lnB w="6350" cap="flat" cmpd="sng" algn="ctr">
-                      <a:solidFill>
-                        <a:srgbClr val="44B3E1"/>
+                    <a:lnB w="12700" cap="flat" cmpd="sng" algn="ctr">
+                      <a:solidFill>
+                        <a:schemeClr val="tx1"/>
                       </a:solidFill>
                       <a:prstDash val="solid"/>
                       <a:round/>
@@ -17851,24 +19439,36 @@
                     </a:p>
                   </a:txBody>
                   <a:tcPr marL="3406" marR="3406" marT="6035" marB="0" anchor="b">
-                    <a:lnL>
-                      <a:noFill/>
+                    <a:lnL w="12700" cap="flat" cmpd="sng" algn="ctr">
+                      <a:solidFill>
+                        <a:schemeClr val="tx1"/>
+                      </a:solidFill>
+                      <a:prstDash val="solid"/>
+                      <a:round/>
+                      <a:headEnd type="none" w="med" len="med"/>
+                      <a:tailEnd type="none" w="med" len="med"/>
                     </a:lnL>
-                    <a:lnR>
-                      <a:noFill/>
+                    <a:lnR w="12700" cap="flat" cmpd="sng" algn="ctr">
+                      <a:solidFill>
+                        <a:schemeClr val="tx1"/>
+                      </a:solidFill>
+                      <a:prstDash val="solid"/>
+                      <a:round/>
+                      <a:headEnd type="none" w="med" len="med"/>
+                      <a:tailEnd type="none" w="med" len="med"/>
                     </a:lnR>
-                    <a:lnT w="6350" cap="flat" cmpd="sng" algn="ctr">
-                      <a:solidFill>
-                        <a:srgbClr val="44B3E1"/>
+                    <a:lnT w="12700" cap="flat" cmpd="sng" algn="ctr">
+                      <a:solidFill>
+                        <a:schemeClr val="tx1"/>
                       </a:solidFill>
                       <a:prstDash val="solid"/>
                       <a:round/>
                       <a:headEnd type="none" w="med" len="med"/>
                       <a:tailEnd type="none" w="med" len="med"/>
                     </a:lnT>
-                    <a:lnB w="6350" cap="flat" cmpd="sng" algn="ctr">
-                      <a:solidFill>
-                        <a:srgbClr val="44B3E1"/>
+                    <a:lnB w="12700" cap="flat" cmpd="sng" algn="ctr">
+                      <a:solidFill>
+                        <a:schemeClr val="tx1"/>
                       </a:solidFill>
                       <a:prstDash val="solid"/>
                       <a:round/>
@@ -17899,24 +19499,36 @@
                     </a:p>
                   </a:txBody>
                   <a:tcPr marL="3406" marR="3406" marT="6035" marB="0" anchor="b">
-                    <a:lnL>
-                      <a:noFill/>
+                    <a:lnL w="12700" cap="flat" cmpd="sng" algn="ctr">
+                      <a:solidFill>
+                        <a:schemeClr val="tx1"/>
+                      </a:solidFill>
+                      <a:prstDash val="solid"/>
+                      <a:round/>
+                      <a:headEnd type="none" w="med" len="med"/>
+                      <a:tailEnd type="none" w="med" len="med"/>
                     </a:lnL>
-                    <a:lnR>
-                      <a:noFill/>
+                    <a:lnR w="12700" cap="flat" cmpd="sng" algn="ctr">
+                      <a:solidFill>
+                        <a:schemeClr val="tx1"/>
+                      </a:solidFill>
+                      <a:prstDash val="solid"/>
+                      <a:round/>
+                      <a:headEnd type="none" w="med" len="med"/>
+                      <a:tailEnd type="none" w="med" len="med"/>
                     </a:lnR>
-                    <a:lnT w="6350" cap="flat" cmpd="sng" algn="ctr">
-                      <a:solidFill>
-                        <a:srgbClr val="44B3E1"/>
+                    <a:lnT w="12700" cap="flat" cmpd="sng" algn="ctr">
+                      <a:solidFill>
+                        <a:schemeClr val="tx1"/>
                       </a:solidFill>
                       <a:prstDash val="solid"/>
                       <a:round/>
                       <a:headEnd type="none" w="med" len="med"/>
                       <a:tailEnd type="none" w="med" len="med"/>
                     </a:lnT>
-                    <a:lnB w="6350" cap="flat" cmpd="sng" algn="ctr">
-                      <a:solidFill>
-                        <a:srgbClr val="44B3E1"/>
+                    <a:lnB w="12700" cap="flat" cmpd="sng" algn="ctr">
+                      <a:solidFill>
+                        <a:schemeClr val="tx1"/>
                       </a:solidFill>
                       <a:prstDash val="solid"/>
                       <a:round/>
@@ -17947,24 +19559,36 @@
                     </a:p>
                   </a:txBody>
                   <a:tcPr marL="3406" marR="3406" marT="6035" marB="0" anchor="b">
-                    <a:lnL>
-                      <a:noFill/>
+                    <a:lnL w="12700" cap="flat" cmpd="sng" algn="ctr">
+                      <a:solidFill>
+                        <a:schemeClr val="tx1"/>
+                      </a:solidFill>
+                      <a:prstDash val="solid"/>
+                      <a:round/>
+                      <a:headEnd type="none" w="med" len="med"/>
+                      <a:tailEnd type="none" w="med" len="med"/>
                     </a:lnL>
-                    <a:lnR>
-                      <a:noFill/>
+                    <a:lnR w="12700" cap="flat" cmpd="sng" algn="ctr">
+                      <a:solidFill>
+                        <a:schemeClr val="tx1"/>
+                      </a:solidFill>
+                      <a:prstDash val="solid"/>
+                      <a:round/>
+                      <a:headEnd type="none" w="med" len="med"/>
+                      <a:tailEnd type="none" w="med" len="med"/>
                     </a:lnR>
-                    <a:lnT w="6350" cap="flat" cmpd="sng" algn="ctr">
-                      <a:solidFill>
-                        <a:srgbClr val="44B3E1"/>
+                    <a:lnT w="12700" cap="flat" cmpd="sng" algn="ctr">
+                      <a:solidFill>
+                        <a:schemeClr val="tx1"/>
                       </a:solidFill>
                       <a:prstDash val="solid"/>
                       <a:round/>
                       <a:headEnd type="none" w="med" len="med"/>
                       <a:tailEnd type="none" w="med" len="med"/>
                     </a:lnT>
-                    <a:lnB w="6350" cap="flat" cmpd="sng" algn="ctr">
-                      <a:solidFill>
-                        <a:srgbClr val="44B3E1"/>
+                    <a:lnB w="12700" cap="flat" cmpd="sng" algn="ctr">
+                      <a:solidFill>
+                        <a:schemeClr val="tx1"/>
                       </a:solidFill>
                       <a:prstDash val="solid"/>
                       <a:round/>
@@ -17995,24 +19619,36 @@
                     </a:p>
                   </a:txBody>
                   <a:tcPr marL="3406" marR="3406" marT="6035" marB="0" anchor="b">
-                    <a:lnL>
-                      <a:noFill/>
+                    <a:lnL w="12700" cap="flat" cmpd="sng" algn="ctr">
+                      <a:solidFill>
+                        <a:schemeClr val="tx1"/>
+                      </a:solidFill>
+                      <a:prstDash val="solid"/>
+                      <a:round/>
+                      <a:headEnd type="none" w="med" len="med"/>
+                      <a:tailEnd type="none" w="med" len="med"/>
                     </a:lnL>
-                    <a:lnR>
-                      <a:noFill/>
+                    <a:lnR w="12700" cap="flat" cmpd="sng" algn="ctr">
+                      <a:solidFill>
+                        <a:schemeClr val="tx1"/>
+                      </a:solidFill>
+                      <a:prstDash val="solid"/>
+                      <a:round/>
+                      <a:headEnd type="none" w="med" len="med"/>
+                      <a:tailEnd type="none" w="med" len="med"/>
                     </a:lnR>
-                    <a:lnT w="6350" cap="flat" cmpd="sng" algn="ctr">
-                      <a:solidFill>
-                        <a:srgbClr val="44B3E1"/>
+                    <a:lnT w="12700" cap="flat" cmpd="sng" algn="ctr">
+                      <a:solidFill>
+                        <a:schemeClr val="tx1"/>
                       </a:solidFill>
                       <a:prstDash val="solid"/>
                       <a:round/>
                       <a:headEnd type="none" w="med" len="med"/>
                       <a:tailEnd type="none" w="med" len="med"/>
                     </a:lnT>
-                    <a:lnB w="6350" cap="flat" cmpd="sng" algn="ctr">
-                      <a:solidFill>
-                        <a:srgbClr val="44B3E1"/>
+                    <a:lnB w="12700" cap="flat" cmpd="sng" algn="ctr">
+                      <a:solidFill>
+                        <a:schemeClr val="tx1"/>
                       </a:solidFill>
                       <a:prstDash val="solid"/>
                       <a:round/>
@@ -18043,24 +19679,36 @@
                     </a:p>
                   </a:txBody>
                   <a:tcPr marL="3406" marR="3406" marT="6035" marB="0" anchor="b">
-                    <a:lnL>
-                      <a:noFill/>
+                    <a:lnL w="12700" cap="flat" cmpd="sng" algn="ctr">
+                      <a:solidFill>
+                        <a:schemeClr val="tx1"/>
+                      </a:solidFill>
+                      <a:prstDash val="solid"/>
+                      <a:round/>
+                      <a:headEnd type="none" w="med" len="med"/>
+                      <a:tailEnd type="none" w="med" len="med"/>
                     </a:lnL>
-                    <a:lnR>
-                      <a:noFill/>
+                    <a:lnR w="12700" cap="flat" cmpd="sng" algn="ctr">
+                      <a:solidFill>
+                        <a:schemeClr val="tx1"/>
+                      </a:solidFill>
+                      <a:prstDash val="solid"/>
+                      <a:round/>
+                      <a:headEnd type="none" w="med" len="med"/>
+                      <a:tailEnd type="none" w="med" len="med"/>
                     </a:lnR>
-                    <a:lnT w="6350" cap="flat" cmpd="sng" algn="ctr">
-                      <a:solidFill>
-                        <a:srgbClr val="44B3E1"/>
+                    <a:lnT w="12700" cap="flat" cmpd="sng" algn="ctr">
+                      <a:solidFill>
+                        <a:schemeClr val="tx1"/>
                       </a:solidFill>
                       <a:prstDash val="solid"/>
                       <a:round/>
                       <a:headEnd type="none" w="med" len="med"/>
                       <a:tailEnd type="none" w="med" len="med"/>
                     </a:lnT>
-                    <a:lnB w="6350" cap="flat" cmpd="sng" algn="ctr">
-                      <a:solidFill>
-                        <a:srgbClr val="44B3E1"/>
+                    <a:lnB w="12700" cap="flat" cmpd="sng" algn="ctr">
+                      <a:solidFill>
+                        <a:schemeClr val="tx1"/>
                       </a:solidFill>
                       <a:prstDash val="solid"/>
                       <a:round/>
@@ -18091,24 +19739,36 @@
                     </a:p>
                   </a:txBody>
                   <a:tcPr marL="3406" marR="3406" marT="6035" marB="0" anchor="b">
-                    <a:lnL>
-                      <a:noFill/>
+                    <a:lnL w="12700" cap="flat" cmpd="sng" algn="ctr">
+                      <a:solidFill>
+                        <a:schemeClr val="tx1"/>
+                      </a:solidFill>
+                      <a:prstDash val="solid"/>
+                      <a:round/>
+                      <a:headEnd type="none" w="med" len="med"/>
+                      <a:tailEnd type="none" w="med" len="med"/>
                     </a:lnL>
-                    <a:lnR>
-                      <a:noFill/>
+                    <a:lnR w="12700" cap="flat" cmpd="sng" algn="ctr">
+                      <a:solidFill>
+                        <a:schemeClr val="tx1"/>
+                      </a:solidFill>
+                      <a:prstDash val="solid"/>
+                      <a:round/>
+                      <a:headEnd type="none" w="med" len="med"/>
+                      <a:tailEnd type="none" w="med" len="med"/>
                     </a:lnR>
-                    <a:lnT w="6350" cap="flat" cmpd="sng" algn="ctr">
-                      <a:solidFill>
-                        <a:srgbClr val="44B3E1"/>
+                    <a:lnT w="12700" cap="flat" cmpd="sng" algn="ctr">
+                      <a:solidFill>
+                        <a:schemeClr val="tx1"/>
                       </a:solidFill>
                       <a:prstDash val="solid"/>
                       <a:round/>
                       <a:headEnd type="none" w="med" len="med"/>
                       <a:tailEnd type="none" w="med" len="med"/>
                     </a:lnT>
-                    <a:lnB w="6350" cap="flat" cmpd="sng" algn="ctr">
-                      <a:solidFill>
-                        <a:srgbClr val="44B3E1"/>
+                    <a:lnB w="12700" cap="flat" cmpd="sng" algn="ctr">
+                      <a:solidFill>
+                        <a:schemeClr val="tx1"/>
                       </a:solidFill>
                       <a:prstDash val="solid"/>
                       <a:round/>
@@ -18139,24 +19799,36 @@
                     </a:p>
                   </a:txBody>
                   <a:tcPr marL="3406" marR="3406" marT="6035" marB="0" anchor="b">
-                    <a:lnL>
-                      <a:noFill/>
+                    <a:lnL w="12700" cap="flat" cmpd="sng" algn="ctr">
+                      <a:solidFill>
+                        <a:schemeClr val="tx1"/>
+                      </a:solidFill>
+                      <a:prstDash val="solid"/>
+                      <a:round/>
+                      <a:headEnd type="none" w="med" len="med"/>
+                      <a:tailEnd type="none" w="med" len="med"/>
                     </a:lnL>
-                    <a:lnR>
-                      <a:noFill/>
+                    <a:lnR w="12700" cap="flat" cmpd="sng" algn="ctr">
+                      <a:solidFill>
+                        <a:schemeClr val="tx1"/>
+                      </a:solidFill>
+                      <a:prstDash val="solid"/>
+                      <a:round/>
+                      <a:headEnd type="none" w="med" len="med"/>
+                      <a:tailEnd type="none" w="med" len="med"/>
                     </a:lnR>
-                    <a:lnT w="6350" cap="flat" cmpd="sng" algn="ctr">
-                      <a:solidFill>
-                        <a:srgbClr val="44B3E1"/>
+                    <a:lnT w="12700" cap="flat" cmpd="sng" algn="ctr">
+                      <a:solidFill>
+                        <a:schemeClr val="tx1"/>
                       </a:solidFill>
                       <a:prstDash val="solid"/>
                       <a:round/>
                       <a:headEnd type="none" w="med" len="med"/>
                       <a:tailEnd type="none" w="med" len="med"/>
                     </a:lnT>
-                    <a:lnB w="6350" cap="flat" cmpd="sng" algn="ctr">
-                      <a:solidFill>
-                        <a:srgbClr val="44B3E1"/>
+                    <a:lnB w="12700" cap="flat" cmpd="sng" algn="ctr">
+                      <a:solidFill>
+                        <a:schemeClr val="tx1"/>
                       </a:solidFill>
                       <a:prstDash val="solid"/>
                       <a:round/>
@@ -18187,24 +19859,36 @@
                     </a:p>
                   </a:txBody>
                   <a:tcPr marL="3406" marR="3406" marT="6035" marB="0" anchor="b">
-                    <a:lnL>
-                      <a:noFill/>
+                    <a:lnL w="12700" cap="flat" cmpd="sng" algn="ctr">
+                      <a:solidFill>
+                        <a:schemeClr val="tx1"/>
+                      </a:solidFill>
+                      <a:prstDash val="solid"/>
+                      <a:round/>
+                      <a:headEnd type="none" w="med" len="med"/>
+                      <a:tailEnd type="none" w="med" len="med"/>
                     </a:lnL>
-                    <a:lnR>
-                      <a:noFill/>
+                    <a:lnR w="12700" cap="flat" cmpd="sng" algn="ctr">
+                      <a:solidFill>
+                        <a:schemeClr val="tx1"/>
+                      </a:solidFill>
+                      <a:prstDash val="solid"/>
+                      <a:round/>
+                      <a:headEnd type="none" w="med" len="med"/>
+                      <a:tailEnd type="none" w="med" len="med"/>
                     </a:lnR>
-                    <a:lnT w="6350" cap="flat" cmpd="sng" algn="ctr">
-                      <a:solidFill>
-                        <a:srgbClr val="44B3E1"/>
+                    <a:lnT w="12700" cap="flat" cmpd="sng" algn="ctr">
+                      <a:solidFill>
+                        <a:schemeClr val="tx1"/>
                       </a:solidFill>
                       <a:prstDash val="solid"/>
                       <a:round/>
                       <a:headEnd type="none" w="med" len="med"/>
                       <a:tailEnd type="none" w="med" len="med"/>
                     </a:lnT>
-                    <a:lnB w="6350" cap="flat" cmpd="sng" algn="ctr">
-                      <a:solidFill>
-                        <a:srgbClr val="44B3E1"/>
+                    <a:lnB w="12700" cap="flat" cmpd="sng" algn="ctr">
+                      <a:solidFill>
+                        <a:schemeClr val="tx1"/>
                       </a:solidFill>
                       <a:prstDash val="solid"/>
                       <a:round/>
@@ -18235,24 +19919,36 @@
                     </a:p>
                   </a:txBody>
                   <a:tcPr marL="3406" marR="3406" marT="6035" marB="0" anchor="b">
-                    <a:lnL>
-                      <a:noFill/>
+                    <a:lnL w="12700" cap="flat" cmpd="sng" algn="ctr">
+                      <a:solidFill>
+                        <a:schemeClr val="tx1"/>
+                      </a:solidFill>
+                      <a:prstDash val="solid"/>
+                      <a:round/>
+                      <a:headEnd type="none" w="med" len="med"/>
+                      <a:tailEnd type="none" w="med" len="med"/>
                     </a:lnL>
-                    <a:lnR>
-                      <a:noFill/>
+                    <a:lnR w="12700" cap="flat" cmpd="sng" algn="ctr">
+                      <a:solidFill>
+                        <a:schemeClr val="tx1"/>
+                      </a:solidFill>
+                      <a:prstDash val="solid"/>
+                      <a:round/>
+                      <a:headEnd type="none" w="med" len="med"/>
+                      <a:tailEnd type="none" w="med" len="med"/>
                     </a:lnR>
-                    <a:lnT w="6350" cap="flat" cmpd="sng" algn="ctr">
-                      <a:solidFill>
-                        <a:srgbClr val="44B3E1"/>
+                    <a:lnT w="12700" cap="flat" cmpd="sng" algn="ctr">
+                      <a:solidFill>
+                        <a:schemeClr val="tx1"/>
                       </a:solidFill>
                       <a:prstDash val="solid"/>
                       <a:round/>
                       <a:headEnd type="none" w="med" len="med"/>
                       <a:tailEnd type="none" w="med" len="med"/>
                     </a:lnT>
-                    <a:lnB w="6350" cap="flat" cmpd="sng" algn="ctr">
-                      <a:solidFill>
-                        <a:srgbClr val="44B3E1"/>
+                    <a:lnB w="12700" cap="flat" cmpd="sng" algn="ctr">
+                      <a:solidFill>
+                        <a:schemeClr val="tx1"/>
                       </a:solidFill>
                       <a:prstDash val="solid"/>
                       <a:round/>
@@ -18283,24 +19979,36 @@
                     </a:p>
                   </a:txBody>
                   <a:tcPr marL="3406" marR="3406" marT="6035" marB="0" anchor="b">
-                    <a:lnL>
-                      <a:noFill/>
+                    <a:lnL w="12700" cap="flat" cmpd="sng" algn="ctr">
+                      <a:solidFill>
+                        <a:schemeClr val="tx1"/>
+                      </a:solidFill>
+                      <a:prstDash val="solid"/>
+                      <a:round/>
+                      <a:headEnd type="none" w="med" len="med"/>
+                      <a:tailEnd type="none" w="med" len="med"/>
                     </a:lnL>
-                    <a:lnR>
-                      <a:noFill/>
+                    <a:lnR w="12700" cap="flat" cmpd="sng" algn="ctr">
+                      <a:solidFill>
+                        <a:schemeClr val="tx1"/>
+                      </a:solidFill>
+                      <a:prstDash val="solid"/>
+                      <a:round/>
+                      <a:headEnd type="none" w="med" len="med"/>
+                      <a:tailEnd type="none" w="med" len="med"/>
                     </a:lnR>
-                    <a:lnT w="6350" cap="flat" cmpd="sng" algn="ctr">
-                      <a:solidFill>
-                        <a:srgbClr val="44B3E1"/>
+                    <a:lnT w="12700" cap="flat" cmpd="sng" algn="ctr">
+                      <a:solidFill>
+                        <a:schemeClr val="tx1"/>
                       </a:solidFill>
                       <a:prstDash val="solid"/>
                       <a:round/>
                       <a:headEnd type="none" w="med" len="med"/>
                       <a:tailEnd type="none" w="med" len="med"/>
                     </a:lnT>
-                    <a:lnB w="6350" cap="flat" cmpd="sng" algn="ctr">
-                      <a:solidFill>
-                        <a:srgbClr val="44B3E1"/>
+                    <a:lnB w="12700" cap="flat" cmpd="sng" algn="ctr">
+                      <a:solidFill>
+                        <a:schemeClr val="tx1"/>
                       </a:solidFill>
                       <a:prstDash val="solid"/>
                       <a:round/>
@@ -18331,24 +20039,36 @@
                     </a:p>
                   </a:txBody>
                   <a:tcPr marL="3406" marR="3406" marT="6035" marB="0" anchor="b">
-                    <a:lnL>
-                      <a:noFill/>
+                    <a:lnL w="12700" cap="flat" cmpd="sng" algn="ctr">
+                      <a:solidFill>
+                        <a:schemeClr val="tx1"/>
+                      </a:solidFill>
+                      <a:prstDash val="solid"/>
+                      <a:round/>
+                      <a:headEnd type="none" w="med" len="med"/>
+                      <a:tailEnd type="none" w="med" len="med"/>
                     </a:lnL>
-                    <a:lnR>
-                      <a:noFill/>
+                    <a:lnR w="12700" cap="flat" cmpd="sng" algn="ctr">
+                      <a:solidFill>
+                        <a:schemeClr val="tx1"/>
+                      </a:solidFill>
+                      <a:prstDash val="solid"/>
+                      <a:round/>
+                      <a:headEnd type="none" w="med" len="med"/>
+                      <a:tailEnd type="none" w="med" len="med"/>
                     </a:lnR>
-                    <a:lnT w="6350" cap="flat" cmpd="sng" algn="ctr">
-                      <a:solidFill>
-                        <a:srgbClr val="44B3E1"/>
+                    <a:lnT w="12700" cap="flat" cmpd="sng" algn="ctr">
+                      <a:solidFill>
+                        <a:schemeClr val="tx1"/>
                       </a:solidFill>
                       <a:prstDash val="solid"/>
                       <a:round/>
                       <a:headEnd type="none" w="med" len="med"/>
                       <a:tailEnd type="none" w="med" len="med"/>
                     </a:lnT>
-                    <a:lnB w="6350" cap="flat" cmpd="sng" algn="ctr">
-                      <a:solidFill>
-                        <a:srgbClr val="44B3E1"/>
+                    <a:lnB w="12700" cap="flat" cmpd="sng" algn="ctr">
+                      <a:solidFill>
+                        <a:schemeClr val="tx1"/>
                       </a:solidFill>
                       <a:prstDash val="solid"/>
                       <a:round/>
@@ -18379,24 +20099,36 @@
                     </a:p>
                   </a:txBody>
                   <a:tcPr marL="3406" marR="3406" marT="6035" marB="0" anchor="b">
-                    <a:lnL>
-                      <a:noFill/>
+                    <a:lnL w="12700" cap="flat" cmpd="sng" algn="ctr">
+                      <a:solidFill>
+                        <a:schemeClr val="tx1"/>
+                      </a:solidFill>
+                      <a:prstDash val="solid"/>
+                      <a:round/>
+                      <a:headEnd type="none" w="med" len="med"/>
+                      <a:tailEnd type="none" w="med" len="med"/>
                     </a:lnL>
-                    <a:lnR>
-                      <a:noFill/>
+                    <a:lnR w="12700" cap="flat" cmpd="sng" algn="ctr">
+                      <a:solidFill>
+                        <a:schemeClr val="tx1"/>
+                      </a:solidFill>
+                      <a:prstDash val="solid"/>
+                      <a:round/>
+                      <a:headEnd type="none" w="med" len="med"/>
+                      <a:tailEnd type="none" w="med" len="med"/>
                     </a:lnR>
-                    <a:lnT w="6350" cap="flat" cmpd="sng" algn="ctr">
-                      <a:solidFill>
-                        <a:srgbClr val="44B3E1"/>
+                    <a:lnT w="12700" cap="flat" cmpd="sng" algn="ctr">
+                      <a:solidFill>
+                        <a:schemeClr val="tx1"/>
                       </a:solidFill>
                       <a:prstDash val="solid"/>
                       <a:round/>
                       <a:headEnd type="none" w="med" len="med"/>
                       <a:tailEnd type="none" w="med" len="med"/>
                     </a:lnT>
-                    <a:lnB w="6350" cap="flat" cmpd="sng" algn="ctr">
-                      <a:solidFill>
-                        <a:srgbClr val="44B3E1"/>
+                    <a:lnB w="12700" cap="flat" cmpd="sng" algn="ctr">
+                      <a:solidFill>
+                        <a:schemeClr val="tx1"/>
                       </a:solidFill>
                       <a:prstDash val="solid"/>
                       <a:round/>
@@ -18427,24 +20159,36 @@
                     </a:p>
                   </a:txBody>
                   <a:tcPr marL="3406" marR="3406" marT="6035" marB="0" anchor="b">
-                    <a:lnL>
-                      <a:noFill/>
+                    <a:lnL w="12700" cap="flat" cmpd="sng" algn="ctr">
+                      <a:solidFill>
+                        <a:schemeClr val="tx1"/>
+                      </a:solidFill>
+                      <a:prstDash val="solid"/>
+                      <a:round/>
+                      <a:headEnd type="none" w="med" len="med"/>
+                      <a:tailEnd type="none" w="med" len="med"/>
                     </a:lnL>
-                    <a:lnR>
-                      <a:noFill/>
+                    <a:lnR w="12700" cap="flat" cmpd="sng" algn="ctr">
+                      <a:solidFill>
+                        <a:schemeClr val="tx1"/>
+                      </a:solidFill>
+                      <a:prstDash val="solid"/>
+                      <a:round/>
+                      <a:headEnd type="none" w="med" len="med"/>
+                      <a:tailEnd type="none" w="med" len="med"/>
                     </a:lnR>
-                    <a:lnT w="6350" cap="flat" cmpd="sng" algn="ctr">
-                      <a:solidFill>
-                        <a:srgbClr val="44B3E1"/>
+                    <a:lnT w="12700" cap="flat" cmpd="sng" algn="ctr">
+                      <a:solidFill>
+                        <a:schemeClr val="tx1"/>
                       </a:solidFill>
                       <a:prstDash val="solid"/>
                       <a:round/>
                       <a:headEnd type="none" w="med" len="med"/>
                       <a:tailEnd type="none" w="med" len="med"/>
                     </a:lnT>
-                    <a:lnB w="6350" cap="flat" cmpd="sng" algn="ctr">
-                      <a:solidFill>
-                        <a:srgbClr val="44B3E1"/>
+                    <a:lnB w="12700" cap="flat" cmpd="sng" algn="ctr">
+                      <a:solidFill>
+                        <a:schemeClr val="tx1"/>
                       </a:solidFill>
                       <a:prstDash val="solid"/>
                       <a:round/>
@@ -18475,24 +20219,36 @@
                     </a:p>
                   </a:txBody>
                   <a:tcPr marL="3406" marR="3406" marT="6035" marB="0" anchor="b">
-                    <a:lnL>
-                      <a:noFill/>
+                    <a:lnL w="12700" cap="flat" cmpd="sng" algn="ctr">
+                      <a:solidFill>
+                        <a:schemeClr val="tx1"/>
+                      </a:solidFill>
+                      <a:prstDash val="solid"/>
+                      <a:round/>
+                      <a:headEnd type="none" w="med" len="med"/>
+                      <a:tailEnd type="none" w="med" len="med"/>
                     </a:lnL>
-                    <a:lnR>
-                      <a:noFill/>
+                    <a:lnR w="12700" cap="flat" cmpd="sng" algn="ctr">
+                      <a:solidFill>
+                        <a:schemeClr val="tx1"/>
+                      </a:solidFill>
+                      <a:prstDash val="solid"/>
+                      <a:round/>
+                      <a:headEnd type="none" w="med" len="med"/>
+                      <a:tailEnd type="none" w="med" len="med"/>
                     </a:lnR>
-                    <a:lnT w="6350" cap="flat" cmpd="sng" algn="ctr">
-                      <a:solidFill>
-                        <a:srgbClr val="44B3E1"/>
+                    <a:lnT w="12700" cap="flat" cmpd="sng" algn="ctr">
+                      <a:solidFill>
+                        <a:schemeClr val="tx1"/>
                       </a:solidFill>
                       <a:prstDash val="solid"/>
                       <a:round/>
                       <a:headEnd type="none" w="med" len="med"/>
                       <a:tailEnd type="none" w="med" len="med"/>
                     </a:lnT>
-                    <a:lnB w="6350" cap="flat" cmpd="sng" algn="ctr">
-                      <a:solidFill>
-                        <a:srgbClr val="44B3E1"/>
+                    <a:lnB w="12700" cap="flat" cmpd="sng" algn="ctr">
+                      <a:solidFill>
+                        <a:schemeClr val="tx1"/>
                       </a:solidFill>
                       <a:prstDash val="solid"/>
                       <a:round/>
@@ -18523,30 +20279,36 @@
                     </a:p>
                   </a:txBody>
                   <a:tcPr marL="3406" marR="3406" marT="6035" marB="0" anchor="b">
-                    <a:lnL>
-                      <a:noFill/>
+                    <a:lnL w="12700" cap="flat" cmpd="sng" algn="ctr">
+                      <a:solidFill>
+                        <a:schemeClr val="tx1"/>
+                      </a:solidFill>
+                      <a:prstDash val="solid"/>
+                      <a:round/>
+                      <a:headEnd type="none" w="med" len="med"/>
+                      <a:tailEnd type="none" w="med" len="med"/>
                     </a:lnL>
-                    <a:lnR w="6350" cap="flat" cmpd="sng" algn="ctr">
-                      <a:solidFill>
-                        <a:srgbClr val="44B3E1"/>
+                    <a:lnR w="12700" cap="flat" cmpd="sng" algn="ctr">
+                      <a:solidFill>
+                        <a:schemeClr val="tx1"/>
                       </a:solidFill>
                       <a:prstDash val="solid"/>
                       <a:round/>
                       <a:headEnd type="none" w="med" len="med"/>
                       <a:tailEnd type="none" w="med" len="med"/>
                     </a:lnR>
-                    <a:lnT w="6350" cap="flat" cmpd="sng" algn="ctr">
-                      <a:solidFill>
-                        <a:srgbClr val="44B3E1"/>
+                    <a:lnT w="12700" cap="flat" cmpd="sng" algn="ctr">
+                      <a:solidFill>
+                        <a:schemeClr val="tx1"/>
                       </a:solidFill>
                       <a:prstDash val="solid"/>
                       <a:round/>
                       <a:headEnd type="none" w="med" len="med"/>
                       <a:tailEnd type="none" w="med" len="med"/>
                     </a:lnT>
-                    <a:lnB w="6350" cap="flat" cmpd="sng" algn="ctr">
-                      <a:solidFill>
-                        <a:srgbClr val="44B3E1"/>
+                    <a:lnB w="12700" cap="flat" cmpd="sng" algn="ctr">
+                      <a:solidFill>
+                        <a:schemeClr val="tx1"/>
                       </a:solidFill>
                       <a:prstDash val="solid"/>
                       <a:round/>
@@ -18572,7 +20334,7 @@
                     <a:p>
                       <a:pPr algn="ctr" fontAlgn="b"/>
                       <a:r>
-                        <a:rPr lang="en-US" sz="900" b="0" i="0" u="none" strike="noStrike">
+                        <a:rPr lang="en-US" sz="900" b="0" i="0" u="none" strike="noStrike" dirty="0">
                           <a:solidFill>
                             <a:srgbClr val="000000"/>
                           </a:solidFill>
@@ -18584,30 +20346,36 @@
                     </a:p>
                   </a:txBody>
                   <a:tcPr marL="3406" marR="3406" marT="6035" marB="0" anchor="b">
-                    <a:lnL w="6350" cap="flat" cmpd="sng" algn="ctr">
-                      <a:solidFill>
-                        <a:srgbClr val="44B3E1"/>
+                    <a:lnL w="12700" cap="flat" cmpd="sng" algn="ctr">
+                      <a:solidFill>
+                        <a:schemeClr val="tx1"/>
                       </a:solidFill>
                       <a:prstDash val="solid"/>
                       <a:round/>
                       <a:headEnd type="none" w="med" len="med"/>
                       <a:tailEnd type="none" w="med" len="med"/>
                     </a:lnL>
-                    <a:lnR>
-                      <a:noFill/>
+                    <a:lnR w="12700" cap="flat" cmpd="sng" algn="ctr">
+                      <a:solidFill>
+                        <a:schemeClr val="tx1"/>
+                      </a:solidFill>
+                      <a:prstDash val="solid"/>
+                      <a:round/>
+                      <a:headEnd type="none" w="med" len="med"/>
+                      <a:tailEnd type="none" w="med" len="med"/>
                     </a:lnR>
-                    <a:lnT w="6350" cap="flat" cmpd="sng" algn="ctr">
-                      <a:solidFill>
-                        <a:srgbClr val="44B3E1"/>
+                    <a:lnT w="12700" cap="flat" cmpd="sng" algn="ctr">
+                      <a:solidFill>
+                        <a:schemeClr val="tx1"/>
                       </a:solidFill>
                       <a:prstDash val="solid"/>
                       <a:round/>
                       <a:headEnd type="none" w="med" len="med"/>
                       <a:tailEnd type="none" w="med" len="med"/>
                     </a:lnT>
-                    <a:lnB w="6350" cap="flat" cmpd="sng" algn="ctr">
-                      <a:solidFill>
-                        <a:srgbClr val="44B3E1"/>
+                    <a:lnB w="12700" cap="flat" cmpd="sng" algn="ctr">
+                      <a:solidFill>
+                        <a:schemeClr val="tx1"/>
                       </a:solidFill>
                       <a:prstDash val="solid"/>
                       <a:round/>
@@ -18643,24 +20411,36 @@
                     </a:p>
                   </a:txBody>
                   <a:tcPr marL="3406" marR="3406" marT="6035" marB="0" anchor="b">
-                    <a:lnL>
-                      <a:noFill/>
+                    <a:lnL w="12700" cap="flat" cmpd="sng" algn="ctr">
+                      <a:solidFill>
+                        <a:schemeClr val="tx1"/>
+                      </a:solidFill>
+                      <a:prstDash val="solid"/>
+                      <a:round/>
+                      <a:headEnd type="none" w="med" len="med"/>
+                      <a:tailEnd type="none" w="med" len="med"/>
                     </a:lnL>
-                    <a:lnR>
-                      <a:noFill/>
+                    <a:lnR w="12700" cap="flat" cmpd="sng" algn="ctr">
+                      <a:solidFill>
+                        <a:schemeClr val="tx1"/>
+                      </a:solidFill>
+                      <a:prstDash val="solid"/>
+                      <a:round/>
+                      <a:headEnd type="none" w="med" len="med"/>
+                      <a:tailEnd type="none" w="med" len="med"/>
                     </a:lnR>
-                    <a:lnT w="6350" cap="flat" cmpd="sng" algn="ctr">
-                      <a:solidFill>
-                        <a:srgbClr val="44B3E1"/>
+                    <a:lnT w="12700" cap="flat" cmpd="sng" algn="ctr">
+                      <a:solidFill>
+                        <a:schemeClr val="tx1"/>
                       </a:solidFill>
                       <a:prstDash val="solid"/>
                       <a:round/>
                       <a:headEnd type="none" w="med" len="med"/>
                       <a:tailEnd type="none" w="med" len="med"/>
                     </a:lnT>
-                    <a:lnB w="6350" cap="flat" cmpd="sng" algn="ctr">
-                      <a:solidFill>
-                        <a:srgbClr val="44B3E1"/>
+                    <a:lnB w="12700" cap="flat" cmpd="sng" algn="ctr">
+                      <a:solidFill>
+                        <a:schemeClr val="tx1"/>
                       </a:solidFill>
                       <a:prstDash val="solid"/>
                       <a:round/>
@@ -18689,24 +20469,36 @@
                     </a:p>
                   </a:txBody>
                   <a:tcPr marL="3406" marR="3406" marT="6035" marB="0" anchor="b">
-                    <a:lnL>
-                      <a:noFill/>
+                    <a:lnL w="12700" cap="flat" cmpd="sng" algn="ctr">
+                      <a:solidFill>
+                        <a:schemeClr val="tx1"/>
+                      </a:solidFill>
+                      <a:prstDash val="solid"/>
+                      <a:round/>
+                      <a:headEnd type="none" w="med" len="med"/>
+                      <a:tailEnd type="none" w="med" len="med"/>
                     </a:lnL>
-                    <a:lnR>
-                      <a:noFill/>
+                    <a:lnR w="12700" cap="flat" cmpd="sng" algn="ctr">
+                      <a:solidFill>
+                        <a:schemeClr val="tx1"/>
+                      </a:solidFill>
+                      <a:prstDash val="solid"/>
+                      <a:round/>
+                      <a:headEnd type="none" w="med" len="med"/>
+                      <a:tailEnd type="none" w="med" len="med"/>
                     </a:lnR>
-                    <a:lnT w="6350" cap="flat" cmpd="sng" algn="ctr">
-                      <a:solidFill>
-                        <a:srgbClr val="44B3E1"/>
+                    <a:lnT w="12700" cap="flat" cmpd="sng" algn="ctr">
+                      <a:solidFill>
+                        <a:schemeClr val="tx1"/>
                       </a:solidFill>
                       <a:prstDash val="solid"/>
                       <a:round/>
                       <a:headEnd type="none" w="med" len="med"/>
                       <a:tailEnd type="none" w="med" len="med"/>
                     </a:lnT>
-                    <a:lnB w="6350" cap="flat" cmpd="sng" algn="ctr">
-                      <a:solidFill>
-                        <a:srgbClr val="44B3E1"/>
+                    <a:lnB w="12700" cap="flat" cmpd="sng" algn="ctr">
+                      <a:solidFill>
+                        <a:schemeClr val="tx1"/>
                       </a:solidFill>
                       <a:prstDash val="solid"/>
                       <a:round/>
@@ -18735,24 +20527,36 @@
                     </a:p>
                   </a:txBody>
                   <a:tcPr marL="3406" marR="3406" marT="6035" marB="0" anchor="b">
-                    <a:lnL>
-                      <a:noFill/>
+                    <a:lnL w="12700" cap="flat" cmpd="sng" algn="ctr">
+                      <a:solidFill>
+                        <a:schemeClr val="tx1"/>
+                      </a:solidFill>
+                      <a:prstDash val="solid"/>
+                      <a:round/>
+                      <a:headEnd type="none" w="med" len="med"/>
+                      <a:tailEnd type="none" w="med" len="med"/>
                     </a:lnL>
-                    <a:lnR>
-                      <a:noFill/>
+                    <a:lnR w="12700" cap="flat" cmpd="sng" algn="ctr">
+                      <a:solidFill>
+                        <a:schemeClr val="tx1"/>
+                      </a:solidFill>
+                      <a:prstDash val="solid"/>
+                      <a:round/>
+                      <a:headEnd type="none" w="med" len="med"/>
+                      <a:tailEnd type="none" w="med" len="med"/>
                     </a:lnR>
-                    <a:lnT w="6350" cap="flat" cmpd="sng" algn="ctr">
-                      <a:solidFill>
-                        <a:srgbClr val="44B3E1"/>
+                    <a:lnT w="12700" cap="flat" cmpd="sng" algn="ctr">
+                      <a:solidFill>
+                        <a:schemeClr val="tx1"/>
                       </a:solidFill>
                       <a:prstDash val="solid"/>
                       <a:round/>
                       <a:headEnd type="none" w="med" len="med"/>
                       <a:tailEnd type="none" w="med" len="med"/>
                     </a:lnT>
-                    <a:lnB w="6350" cap="flat" cmpd="sng" algn="ctr">
-                      <a:solidFill>
-                        <a:srgbClr val="44B3E1"/>
+                    <a:lnB w="12700" cap="flat" cmpd="sng" algn="ctr">
+                      <a:solidFill>
+                        <a:schemeClr val="tx1"/>
                       </a:solidFill>
                       <a:prstDash val="solid"/>
                       <a:round/>
@@ -18781,24 +20585,36 @@
                     </a:p>
                   </a:txBody>
                   <a:tcPr marL="3406" marR="3406" marT="6035" marB="0" anchor="b">
-                    <a:lnL>
-                      <a:noFill/>
+                    <a:lnL w="12700" cap="flat" cmpd="sng" algn="ctr">
+                      <a:solidFill>
+                        <a:schemeClr val="tx1"/>
+                      </a:solidFill>
+                      <a:prstDash val="solid"/>
+                      <a:round/>
+                      <a:headEnd type="none" w="med" len="med"/>
+                      <a:tailEnd type="none" w="med" len="med"/>
                     </a:lnL>
-                    <a:lnR>
-                      <a:noFill/>
+                    <a:lnR w="12700" cap="flat" cmpd="sng" algn="ctr">
+                      <a:solidFill>
+                        <a:schemeClr val="tx1"/>
+                      </a:solidFill>
+                      <a:prstDash val="solid"/>
+                      <a:round/>
+                      <a:headEnd type="none" w="med" len="med"/>
+                      <a:tailEnd type="none" w="med" len="med"/>
                     </a:lnR>
-                    <a:lnT w="6350" cap="flat" cmpd="sng" algn="ctr">
-                      <a:solidFill>
-                        <a:srgbClr val="44B3E1"/>
+                    <a:lnT w="12700" cap="flat" cmpd="sng" algn="ctr">
+                      <a:solidFill>
+                        <a:schemeClr val="tx1"/>
                       </a:solidFill>
                       <a:prstDash val="solid"/>
                       <a:round/>
                       <a:headEnd type="none" w="med" len="med"/>
                       <a:tailEnd type="none" w="med" len="med"/>
                     </a:lnT>
-                    <a:lnB w="6350" cap="flat" cmpd="sng" algn="ctr">
-                      <a:solidFill>
-                        <a:srgbClr val="44B3E1"/>
+                    <a:lnB w="12700" cap="flat" cmpd="sng" algn="ctr">
+                      <a:solidFill>
+                        <a:schemeClr val="tx1"/>
                       </a:solidFill>
                       <a:prstDash val="solid"/>
                       <a:round/>
@@ -18827,24 +20643,36 @@
                     </a:p>
                   </a:txBody>
                   <a:tcPr marL="3406" marR="3406" marT="6035" marB="0" anchor="b">
-                    <a:lnL>
-                      <a:noFill/>
+                    <a:lnL w="12700" cap="flat" cmpd="sng" algn="ctr">
+                      <a:solidFill>
+                        <a:schemeClr val="tx1"/>
+                      </a:solidFill>
+                      <a:prstDash val="solid"/>
+                      <a:round/>
+                      <a:headEnd type="none" w="med" len="med"/>
+                      <a:tailEnd type="none" w="med" len="med"/>
                     </a:lnL>
-                    <a:lnR>
-                      <a:noFill/>
+                    <a:lnR w="12700" cap="flat" cmpd="sng" algn="ctr">
+                      <a:solidFill>
+                        <a:schemeClr val="tx1"/>
+                      </a:solidFill>
+                      <a:prstDash val="solid"/>
+                      <a:round/>
+                      <a:headEnd type="none" w="med" len="med"/>
+                      <a:tailEnd type="none" w="med" len="med"/>
                     </a:lnR>
-                    <a:lnT w="6350" cap="flat" cmpd="sng" algn="ctr">
-                      <a:solidFill>
-                        <a:srgbClr val="44B3E1"/>
+                    <a:lnT w="12700" cap="flat" cmpd="sng" algn="ctr">
+                      <a:solidFill>
+                        <a:schemeClr val="tx1"/>
                       </a:solidFill>
                       <a:prstDash val="solid"/>
                       <a:round/>
                       <a:headEnd type="none" w="med" len="med"/>
                       <a:tailEnd type="none" w="med" len="med"/>
                     </a:lnT>
-                    <a:lnB w="6350" cap="flat" cmpd="sng" algn="ctr">
-                      <a:solidFill>
-                        <a:srgbClr val="44B3E1"/>
+                    <a:lnB w="12700" cap="flat" cmpd="sng" algn="ctr">
+                      <a:solidFill>
+                        <a:schemeClr val="tx1"/>
                       </a:solidFill>
                       <a:prstDash val="solid"/>
                       <a:round/>
@@ -18873,24 +20701,36 @@
                     </a:p>
                   </a:txBody>
                   <a:tcPr marL="3406" marR="3406" marT="6035" marB="0" anchor="b">
-                    <a:lnL>
-                      <a:noFill/>
+                    <a:lnL w="12700" cap="flat" cmpd="sng" algn="ctr">
+                      <a:solidFill>
+                        <a:schemeClr val="tx1"/>
+                      </a:solidFill>
+                      <a:prstDash val="solid"/>
+                      <a:round/>
+                      <a:headEnd type="none" w="med" len="med"/>
+                      <a:tailEnd type="none" w="med" len="med"/>
                     </a:lnL>
-                    <a:lnR>
-                      <a:noFill/>
+                    <a:lnR w="12700" cap="flat" cmpd="sng" algn="ctr">
+                      <a:solidFill>
+                        <a:schemeClr val="tx1"/>
+                      </a:solidFill>
+                      <a:prstDash val="solid"/>
+                      <a:round/>
+                      <a:headEnd type="none" w="med" len="med"/>
+                      <a:tailEnd type="none" w="med" len="med"/>
                     </a:lnR>
-                    <a:lnT w="6350" cap="flat" cmpd="sng" algn="ctr">
-                      <a:solidFill>
-                        <a:srgbClr val="44B3E1"/>
+                    <a:lnT w="12700" cap="flat" cmpd="sng" algn="ctr">
+                      <a:solidFill>
+                        <a:schemeClr val="tx1"/>
                       </a:solidFill>
                       <a:prstDash val="solid"/>
                       <a:round/>
                       <a:headEnd type="none" w="med" len="med"/>
                       <a:tailEnd type="none" w="med" len="med"/>
                     </a:lnT>
-                    <a:lnB w="6350" cap="flat" cmpd="sng" algn="ctr">
-                      <a:solidFill>
-                        <a:srgbClr val="44B3E1"/>
+                    <a:lnB w="12700" cap="flat" cmpd="sng" algn="ctr">
+                      <a:solidFill>
+                        <a:schemeClr val="tx1"/>
                       </a:solidFill>
                       <a:prstDash val="solid"/>
                       <a:round/>
@@ -18919,24 +20759,36 @@
                     </a:p>
                   </a:txBody>
                   <a:tcPr marL="3406" marR="3406" marT="6035" marB="0" anchor="b">
-                    <a:lnL>
-                      <a:noFill/>
+                    <a:lnL w="12700" cap="flat" cmpd="sng" algn="ctr">
+                      <a:solidFill>
+                        <a:schemeClr val="tx1"/>
+                      </a:solidFill>
+                      <a:prstDash val="solid"/>
+                      <a:round/>
+                      <a:headEnd type="none" w="med" len="med"/>
+                      <a:tailEnd type="none" w="med" len="med"/>
                     </a:lnL>
-                    <a:lnR>
-                      <a:noFill/>
+                    <a:lnR w="12700" cap="flat" cmpd="sng" algn="ctr">
+                      <a:solidFill>
+                        <a:schemeClr val="tx1"/>
+                      </a:solidFill>
+                      <a:prstDash val="solid"/>
+                      <a:round/>
+                      <a:headEnd type="none" w="med" len="med"/>
+                      <a:tailEnd type="none" w="med" len="med"/>
                     </a:lnR>
-                    <a:lnT w="6350" cap="flat" cmpd="sng" algn="ctr">
-                      <a:solidFill>
-                        <a:srgbClr val="44B3E1"/>
+                    <a:lnT w="12700" cap="flat" cmpd="sng" algn="ctr">
+                      <a:solidFill>
+                        <a:schemeClr val="tx1"/>
                       </a:solidFill>
                       <a:prstDash val="solid"/>
                       <a:round/>
                       <a:headEnd type="none" w="med" len="med"/>
                       <a:tailEnd type="none" w="med" len="med"/>
                     </a:lnT>
-                    <a:lnB w="6350" cap="flat" cmpd="sng" algn="ctr">
-                      <a:solidFill>
-                        <a:srgbClr val="44B3E1"/>
+                    <a:lnB w="12700" cap="flat" cmpd="sng" algn="ctr">
+                      <a:solidFill>
+                        <a:schemeClr val="tx1"/>
                       </a:solidFill>
                       <a:prstDash val="solid"/>
                       <a:round/>
@@ -18965,24 +20817,36 @@
                     </a:p>
                   </a:txBody>
                   <a:tcPr marL="3406" marR="3406" marT="6035" marB="0" anchor="b">
-                    <a:lnL>
-                      <a:noFill/>
+                    <a:lnL w="12700" cap="flat" cmpd="sng" algn="ctr">
+                      <a:solidFill>
+                        <a:schemeClr val="tx1"/>
+                      </a:solidFill>
+                      <a:prstDash val="solid"/>
+                      <a:round/>
+                      <a:headEnd type="none" w="med" len="med"/>
+                      <a:tailEnd type="none" w="med" len="med"/>
                     </a:lnL>
-                    <a:lnR>
-                      <a:noFill/>
+                    <a:lnR w="12700" cap="flat" cmpd="sng" algn="ctr">
+                      <a:solidFill>
+                        <a:schemeClr val="tx1"/>
+                      </a:solidFill>
+                      <a:prstDash val="solid"/>
+                      <a:round/>
+                      <a:headEnd type="none" w="med" len="med"/>
+                      <a:tailEnd type="none" w="med" len="med"/>
                     </a:lnR>
-                    <a:lnT w="6350" cap="flat" cmpd="sng" algn="ctr">
-                      <a:solidFill>
-                        <a:srgbClr val="44B3E1"/>
+                    <a:lnT w="12700" cap="flat" cmpd="sng" algn="ctr">
+                      <a:solidFill>
+                        <a:schemeClr val="tx1"/>
                       </a:solidFill>
                       <a:prstDash val="solid"/>
                       <a:round/>
                       <a:headEnd type="none" w="med" len="med"/>
                       <a:tailEnd type="none" w="med" len="med"/>
                     </a:lnT>
-                    <a:lnB w="6350" cap="flat" cmpd="sng" algn="ctr">
-                      <a:solidFill>
-                        <a:srgbClr val="44B3E1"/>
+                    <a:lnB w="12700" cap="flat" cmpd="sng" algn="ctr">
+                      <a:solidFill>
+                        <a:schemeClr val="tx1"/>
                       </a:solidFill>
                       <a:prstDash val="solid"/>
                       <a:round/>
@@ -19011,24 +20875,36 @@
                     </a:p>
                   </a:txBody>
                   <a:tcPr marL="3406" marR="3406" marT="6035" marB="0" anchor="b">
-                    <a:lnL>
-                      <a:noFill/>
+                    <a:lnL w="12700" cap="flat" cmpd="sng" algn="ctr">
+                      <a:solidFill>
+                        <a:schemeClr val="tx1"/>
+                      </a:solidFill>
+                      <a:prstDash val="solid"/>
+                      <a:round/>
+                      <a:headEnd type="none" w="med" len="med"/>
+                      <a:tailEnd type="none" w="med" len="med"/>
                     </a:lnL>
-                    <a:lnR>
-                      <a:noFill/>
+                    <a:lnR w="12700" cap="flat" cmpd="sng" algn="ctr">
+                      <a:solidFill>
+                        <a:schemeClr val="tx1"/>
+                      </a:solidFill>
+                      <a:prstDash val="solid"/>
+                      <a:round/>
+                      <a:headEnd type="none" w="med" len="med"/>
+                      <a:tailEnd type="none" w="med" len="med"/>
                     </a:lnR>
-                    <a:lnT w="6350" cap="flat" cmpd="sng" algn="ctr">
-                      <a:solidFill>
-                        <a:srgbClr val="44B3E1"/>
+                    <a:lnT w="12700" cap="flat" cmpd="sng" algn="ctr">
+                      <a:solidFill>
+                        <a:schemeClr val="tx1"/>
                       </a:solidFill>
                       <a:prstDash val="solid"/>
                       <a:round/>
                       <a:headEnd type="none" w="med" len="med"/>
                       <a:tailEnd type="none" w="med" len="med"/>
                     </a:lnT>
-                    <a:lnB w="6350" cap="flat" cmpd="sng" algn="ctr">
-                      <a:solidFill>
-                        <a:srgbClr val="44B3E1"/>
+                    <a:lnB w="12700" cap="flat" cmpd="sng" algn="ctr">
+                      <a:solidFill>
+                        <a:schemeClr val="tx1"/>
                       </a:solidFill>
                       <a:prstDash val="solid"/>
                       <a:round/>
@@ -19057,24 +20933,36 @@
                     </a:p>
                   </a:txBody>
                   <a:tcPr marL="3406" marR="3406" marT="6035" marB="0" anchor="b">
-                    <a:lnL>
-                      <a:noFill/>
+                    <a:lnL w="12700" cap="flat" cmpd="sng" algn="ctr">
+                      <a:solidFill>
+                        <a:schemeClr val="tx1"/>
+                      </a:solidFill>
+                      <a:prstDash val="solid"/>
+                      <a:round/>
+                      <a:headEnd type="none" w="med" len="med"/>
+                      <a:tailEnd type="none" w="med" len="med"/>
                     </a:lnL>
-                    <a:lnR>
-                      <a:noFill/>
+                    <a:lnR w="12700" cap="flat" cmpd="sng" algn="ctr">
+                      <a:solidFill>
+                        <a:schemeClr val="tx1"/>
+                      </a:solidFill>
+                      <a:prstDash val="solid"/>
+                      <a:round/>
+                      <a:headEnd type="none" w="med" len="med"/>
+                      <a:tailEnd type="none" w="med" len="med"/>
                     </a:lnR>
-                    <a:lnT w="6350" cap="flat" cmpd="sng" algn="ctr">
-                      <a:solidFill>
-                        <a:srgbClr val="44B3E1"/>
+                    <a:lnT w="12700" cap="flat" cmpd="sng" algn="ctr">
+                      <a:solidFill>
+                        <a:schemeClr val="tx1"/>
                       </a:solidFill>
                       <a:prstDash val="solid"/>
                       <a:round/>
                       <a:headEnd type="none" w="med" len="med"/>
                       <a:tailEnd type="none" w="med" len="med"/>
                     </a:lnT>
-                    <a:lnB w="6350" cap="flat" cmpd="sng" algn="ctr">
-                      <a:solidFill>
-                        <a:srgbClr val="44B3E1"/>
+                    <a:lnB w="12700" cap="flat" cmpd="sng" algn="ctr">
+                      <a:solidFill>
+                        <a:schemeClr val="tx1"/>
                       </a:solidFill>
                       <a:prstDash val="solid"/>
                       <a:round/>
@@ -19103,24 +20991,36 @@
                     </a:p>
                   </a:txBody>
                   <a:tcPr marL="3406" marR="3406" marT="6035" marB="0" anchor="b">
-                    <a:lnL>
-                      <a:noFill/>
+                    <a:lnL w="12700" cap="flat" cmpd="sng" algn="ctr">
+                      <a:solidFill>
+                        <a:schemeClr val="tx1"/>
+                      </a:solidFill>
+                      <a:prstDash val="solid"/>
+                      <a:round/>
+                      <a:headEnd type="none" w="med" len="med"/>
+                      <a:tailEnd type="none" w="med" len="med"/>
                     </a:lnL>
-                    <a:lnR>
-                      <a:noFill/>
+                    <a:lnR w="12700" cap="flat" cmpd="sng" algn="ctr">
+                      <a:solidFill>
+                        <a:schemeClr val="tx1"/>
+                      </a:solidFill>
+                      <a:prstDash val="solid"/>
+                      <a:round/>
+                      <a:headEnd type="none" w="med" len="med"/>
+                      <a:tailEnd type="none" w="med" len="med"/>
                     </a:lnR>
-                    <a:lnT w="6350" cap="flat" cmpd="sng" algn="ctr">
-                      <a:solidFill>
-                        <a:srgbClr val="44B3E1"/>
+                    <a:lnT w="12700" cap="flat" cmpd="sng" algn="ctr">
+                      <a:solidFill>
+                        <a:schemeClr val="tx1"/>
                       </a:solidFill>
                       <a:prstDash val="solid"/>
                       <a:round/>
                       <a:headEnd type="none" w="med" len="med"/>
                       <a:tailEnd type="none" w="med" len="med"/>
                     </a:lnT>
-                    <a:lnB w="6350" cap="flat" cmpd="sng" algn="ctr">
-                      <a:solidFill>
-                        <a:srgbClr val="44B3E1"/>
+                    <a:lnB w="12700" cap="flat" cmpd="sng" algn="ctr">
+                      <a:solidFill>
+                        <a:schemeClr val="tx1"/>
                       </a:solidFill>
                       <a:prstDash val="solid"/>
                       <a:round/>
@@ -19149,24 +21049,36 @@
                     </a:p>
                   </a:txBody>
                   <a:tcPr marL="3406" marR="3406" marT="6035" marB="0" anchor="b">
-                    <a:lnL>
-                      <a:noFill/>
+                    <a:lnL w="12700" cap="flat" cmpd="sng" algn="ctr">
+                      <a:solidFill>
+                        <a:schemeClr val="tx1"/>
+                      </a:solidFill>
+                      <a:prstDash val="solid"/>
+                      <a:round/>
+                      <a:headEnd type="none" w="med" len="med"/>
+                      <a:tailEnd type="none" w="med" len="med"/>
                     </a:lnL>
-                    <a:lnR>
-                      <a:noFill/>
+                    <a:lnR w="12700" cap="flat" cmpd="sng" algn="ctr">
+                      <a:solidFill>
+                        <a:schemeClr val="tx1"/>
+                      </a:solidFill>
+                      <a:prstDash val="solid"/>
+                      <a:round/>
+                      <a:headEnd type="none" w="med" len="med"/>
+                      <a:tailEnd type="none" w="med" len="med"/>
                     </a:lnR>
-                    <a:lnT w="6350" cap="flat" cmpd="sng" algn="ctr">
-                      <a:solidFill>
-                        <a:srgbClr val="44B3E1"/>
+                    <a:lnT w="12700" cap="flat" cmpd="sng" algn="ctr">
+                      <a:solidFill>
+                        <a:schemeClr val="tx1"/>
                       </a:solidFill>
                       <a:prstDash val="solid"/>
                       <a:round/>
                       <a:headEnd type="none" w="med" len="med"/>
                       <a:tailEnd type="none" w="med" len="med"/>
                     </a:lnT>
-                    <a:lnB w="6350" cap="flat" cmpd="sng" algn="ctr">
-                      <a:solidFill>
-                        <a:srgbClr val="44B3E1"/>
+                    <a:lnB w="12700" cap="flat" cmpd="sng" algn="ctr">
+                      <a:solidFill>
+                        <a:schemeClr val="tx1"/>
                       </a:solidFill>
                       <a:prstDash val="solid"/>
                       <a:round/>
@@ -19195,24 +21107,36 @@
                     </a:p>
                   </a:txBody>
                   <a:tcPr marL="3406" marR="3406" marT="6035" marB="0" anchor="b">
-                    <a:lnL>
-                      <a:noFill/>
+                    <a:lnL w="12700" cap="flat" cmpd="sng" algn="ctr">
+                      <a:solidFill>
+                        <a:schemeClr val="tx1"/>
+                      </a:solidFill>
+                      <a:prstDash val="solid"/>
+                      <a:round/>
+                      <a:headEnd type="none" w="med" len="med"/>
+                      <a:tailEnd type="none" w="med" len="med"/>
                     </a:lnL>
-                    <a:lnR>
-                      <a:noFill/>
+                    <a:lnR w="12700" cap="flat" cmpd="sng" algn="ctr">
+                      <a:solidFill>
+                        <a:schemeClr val="tx1"/>
+                      </a:solidFill>
+                      <a:prstDash val="solid"/>
+                      <a:round/>
+                      <a:headEnd type="none" w="med" len="med"/>
+                      <a:tailEnd type="none" w="med" len="med"/>
                     </a:lnR>
-                    <a:lnT w="6350" cap="flat" cmpd="sng" algn="ctr">
-                      <a:solidFill>
-                        <a:srgbClr val="44B3E1"/>
+                    <a:lnT w="12700" cap="flat" cmpd="sng" algn="ctr">
+                      <a:solidFill>
+                        <a:schemeClr val="tx1"/>
                       </a:solidFill>
                       <a:prstDash val="solid"/>
                       <a:round/>
                       <a:headEnd type="none" w="med" len="med"/>
                       <a:tailEnd type="none" w="med" len="med"/>
                     </a:lnT>
-                    <a:lnB w="6350" cap="flat" cmpd="sng" algn="ctr">
-                      <a:solidFill>
-                        <a:srgbClr val="44B3E1"/>
+                    <a:lnB w="12700" cap="flat" cmpd="sng" algn="ctr">
+                      <a:solidFill>
+                        <a:schemeClr val="tx1"/>
                       </a:solidFill>
                       <a:prstDash val="solid"/>
                       <a:round/>
@@ -19241,24 +21165,36 @@
                     </a:p>
                   </a:txBody>
                   <a:tcPr marL="3406" marR="3406" marT="6035" marB="0" anchor="b">
-                    <a:lnL>
-                      <a:noFill/>
+                    <a:lnL w="12700" cap="flat" cmpd="sng" algn="ctr">
+                      <a:solidFill>
+                        <a:schemeClr val="tx1"/>
+                      </a:solidFill>
+                      <a:prstDash val="solid"/>
+                      <a:round/>
+                      <a:headEnd type="none" w="med" len="med"/>
+                      <a:tailEnd type="none" w="med" len="med"/>
                     </a:lnL>
-                    <a:lnR>
-                      <a:noFill/>
+                    <a:lnR w="12700" cap="flat" cmpd="sng" algn="ctr">
+                      <a:solidFill>
+                        <a:schemeClr val="tx1"/>
+                      </a:solidFill>
+                      <a:prstDash val="solid"/>
+                      <a:round/>
+                      <a:headEnd type="none" w="med" len="med"/>
+                      <a:tailEnd type="none" w="med" len="med"/>
                     </a:lnR>
-                    <a:lnT w="6350" cap="flat" cmpd="sng" algn="ctr">
-                      <a:solidFill>
-                        <a:srgbClr val="44B3E1"/>
+                    <a:lnT w="12700" cap="flat" cmpd="sng" algn="ctr">
+                      <a:solidFill>
+                        <a:schemeClr val="tx1"/>
                       </a:solidFill>
                       <a:prstDash val="solid"/>
                       <a:round/>
                       <a:headEnd type="none" w="med" len="med"/>
                       <a:tailEnd type="none" w="med" len="med"/>
                     </a:lnT>
-                    <a:lnB w="6350" cap="flat" cmpd="sng" algn="ctr">
-                      <a:solidFill>
-                        <a:srgbClr val="44B3E1"/>
+                    <a:lnB w="12700" cap="flat" cmpd="sng" algn="ctr">
+                      <a:solidFill>
+                        <a:schemeClr val="tx1"/>
                       </a:solidFill>
                       <a:prstDash val="solid"/>
                       <a:round/>
@@ -19287,24 +21223,36 @@
                     </a:p>
                   </a:txBody>
                   <a:tcPr marL="3406" marR="3406" marT="6035" marB="0" anchor="b">
-                    <a:lnL>
-                      <a:noFill/>
+                    <a:lnL w="12700" cap="flat" cmpd="sng" algn="ctr">
+                      <a:solidFill>
+                        <a:schemeClr val="tx1"/>
+                      </a:solidFill>
+                      <a:prstDash val="solid"/>
+                      <a:round/>
+                      <a:headEnd type="none" w="med" len="med"/>
+                      <a:tailEnd type="none" w="med" len="med"/>
                     </a:lnL>
-                    <a:lnR>
-                      <a:noFill/>
+                    <a:lnR w="12700" cap="flat" cmpd="sng" algn="ctr">
+                      <a:solidFill>
+                        <a:schemeClr val="tx1"/>
+                      </a:solidFill>
+                      <a:prstDash val="solid"/>
+                      <a:round/>
+                      <a:headEnd type="none" w="med" len="med"/>
+                      <a:tailEnd type="none" w="med" len="med"/>
                     </a:lnR>
-                    <a:lnT w="6350" cap="flat" cmpd="sng" algn="ctr">
-                      <a:solidFill>
-                        <a:srgbClr val="44B3E1"/>
+                    <a:lnT w="12700" cap="flat" cmpd="sng" algn="ctr">
+                      <a:solidFill>
+                        <a:schemeClr val="tx1"/>
                       </a:solidFill>
                       <a:prstDash val="solid"/>
                       <a:round/>
                       <a:headEnd type="none" w="med" len="med"/>
                       <a:tailEnd type="none" w="med" len="med"/>
                     </a:lnT>
-                    <a:lnB w="6350" cap="flat" cmpd="sng" algn="ctr">
-                      <a:solidFill>
-                        <a:srgbClr val="44B3E1"/>
+                    <a:lnB w="12700" cap="flat" cmpd="sng" algn="ctr">
+                      <a:solidFill>
+                        <a:schemeClr val="tx1"/>
                       </a:solidFill>
                       <a:prstDash val="solid"/>
                       <a:round/>
@@ -19333,24 +21281,36 @@
                     </a:p>
                   </a:txBody>
                   <a:tcPr marL="3406" marR="3406" marT="6035" marB="0" anchor="b">
-                    <a:lnL>
-                      <a:noFill/>
+                    <a:lnL w="12700" cap="flat" cmpd="sng" algn="ctr">
+                      <a:solidFill>
+                        <a:schemeClr val="tx1"/>
+                      </a:solidFill>
+                      <a:prstDash val="solid"/>
+                      <a:round/>
+                      <a:headEnd type="none" w="med" len="med"/>
+                      <a:tailEnd type="none" w="med" len="med"/>
                     </a:lnL>
-                    <a:lnR>
-                      <a:noFill/>
+                    <a:lnR w="12700" cap="flat" cmpd="sng" algn="ctr">
+                      <a:solidFill>
+                        <a:schemeClr val="tx1"/>
+                      </a:solidFill>
+                      <a:prstDash val="solid"/>
+                      <a:round/>
+                      <a:headEnd type="none" w="med" len="med"/>
+                      <a:tailEnd type="none" w="med" len="med"/>
                     </a:lnR>
-                    <a:lnT w="6350" cap="flat" cmpd="sng" algn="ctr">
-                      <a:solidFill>
-                        <a:srgbClr val="44B3E1"/>
+                    <a:lnT w="12700" cap="flat" cmpd="sng" algn="ctr">
+                      <a:solidFill>
+                        <a:schemeClr val="tx1"/>
                       </a:solidFill>
                       <a:prstDash val="solid"/>
                       <a:round/>
                       <a:headEnd type="none" w="med" len="med"/>
                       <a:tailEnd type="none" w="med" len="med"/>
                     </a:lnT>
-                    <a:lnB w="6350" cap="flat" cmpd="sng" algn="ctr">
-                      <a:solidFill>
-                        <a:srgbClr val="44B3E1"/>
+                    <a:lnB w="12700" cap="flat" cmpd="sng" algn="ctr">
+                      <a:solidFill>
+                        <a:schemeClr val="tx1"/>
                       </a:solidFill>
                       <a:prstDash val="solid"/>
                       <a:round/>
@@ -19379,24 +21339,36 @@
                     </a:p>
                   </a:txBody>
                   <a:tcPr marL="3406" marR="3406" marT="6035" marB="0" anchor="b">
-                    <a:lnL>
-                      <a:noFill/>
+                    <a:lnL w="12700" cap="flat" cmpd="sng" algn="ctr">
+                      <a:solidFill>
+                        <a:schemeClr val="tx1"/>
+                      </a:solidFill>
+                      <a:prstDash val="solid"/>
+                      <a:round/>
+                      <a:headEnd type="none" w="med" len="med"/>
+                      <a:tailEnd type="none" w="med" len="med"/>
                     </a:lnL>
-                    <a:lnR>
-                      <a:noFill/>
+                    <a:lnR w="12700" cap="flat" cmpd="sng" algn="ctr">
+                      <a:solidFill>
+                        <a:schemeClr val="tx1"/>
+                      </a:solidFill>
+                      <a:prstDash val="solid"/>
+                      <a:round/>
+                      <a:headEnd type="none" w="med" len="med"/>
+                      <a:tailEnd type="none" w="med" len="med"/>
                     </a:lnR>
-                    <a:lnT w="6350" cap="flat" cmpd="sng" algn="ctr">
-                      <a:solidFill>
-                        <a:srgbClr val="44B3E1"/>
+                    <a:lnT w="12700" cap="flat" cmpd="sng" algn="ctr">
+                      <a:solidFill>
+                        <a:schemeClr val="tx1"/>
                       </a:solidFill>
                       <a:prstDash val="solid"/>
                       <a:round/>
                       <a:headEnd type="none" w="med" len="med"/>
                       <a:tailEnd type="none" w="med" len="med"/>
                     </a:lnT>
-                    <a:lnB w="6350" cap="flat" cmpd="sng" algn="ctr">
-                      <a:solidFill>
-                        <a:srgbClr val="44B3E1"/>
+                    <a:lnB w="12700" cap="flat" cmpd="sng" algn="ctr">
+                      <a:solidFill>
+                        <a:schemeClr val="tx1"/>
                       </a:solidFill>
                       <a:prstDash val="solid"/>
                       <a:round/>
@@ -19425,30 +21397,36 @@
                     </a:p>
                   </a:txBody>
                   <a:tcPr marL="3406" marR="3406" marT="6035" marB="0" anchor="b">
-                    <a:lnL>
-                      <a:noFill/>
+                    <a:lnL w="12700" cap="flat" cmpd="sng" algn="ctr">
+                      <a:solidFill>
+                        <a:schemeClr val="tx1"/>
+                      </a:solidFill>
+                      <a:prstDash val="solid"/>
+                      <a:round/>
+                      <a:headEnd type="none" w="med" len="med"/>
+                      <a:tailEnd type="none" w="med" len="med"/>
                     </a:lnL>
-                    <a:lnR w="6350" cap="flat" cmpd="sng" algn="ctr">
-                      <a:solidFill>
-                        <a:srgbClr val="44B3E1"/>
+                    <a:lnR w="12700" cap="flat" cmpd="sng" algn="ctr">
+                      <a:solidFill>
+                        <a:schemeClr val="tx1"/>
                       </a:solidFill>
                       <a:prstDash val="solid"/>
                       <a:round/>
                       <a:headEnd type="none" w="med" len="med"/>
                       <a:tailEnd type="none" w="med" len="med"/>
                     </a:lnR>
-                    <a:lnT w="6350" cap="flat" cmpd="sng" algn="ctr">
-                      <a:solidFill>
-                        <a:srgbClr val="44B3E1"/>
+                    <a:lnT w="12700" cap="flat" cmpd="sng" algn="ctr">
+                      <a:solidFill>
+                        <a:schemeClr val="tx1"/>
                       </a:solidFill>
                       <a:prstDash val="solid"/>
                       <a:round/>
                       <a:headEnd type="none" w="med" len="med"/>
                       <a:tailEnd type="none" w="med" len="med"/>
                     </a:lnT>
-                    <a:lnB w="6350" cap="flat" cmpd="sng" algn="ctr">
-                      <a:solidFill>
-                        <a:srgbClr val="44B3E1"/>
+                    <a:lnB w="12700" cap="flat" cmpd="sng" algn="ctr">
+                      <a:solidFill>
+                        <a:schemeClr val="tx1"/>
                       </a:solidFill>
                       <a:prstDash val="solid"/>
                       <a:round/>
@@ -19518,7 +21496,7 @@
           <p:nvPr>
             <p:extLst>
               <p:ext uri="{D42A27DB-BD31-4B8C-83A1-F6EECF244321}">
-                <p14:modId xmlns:p14="http://schemas.microsoft.com/office/powerpoint/2010/main" val="3075109903"/>
+                <p14:modId xmlns:p14="http://schemas.microsoft.com/office/powerpoint/2010/main" val="1693587122"/>
               </p:ext>
             </p:extLst>
           </p:nvPr>
@@ -19567,24 +21545,36 @@
                     </a:p>
                   </a:txBody>
                   <a:tcPr marL="3406" marR="3406" marT="6035" marB="0" anchor="b">
-                    <a:lnL>
-                      <a:noFill/>
+                    <a:lnL w="12700" cap="flat" cmpd="sng" algn="ctr">
+                      <a:solidFill>
+                        <a:schemeClr val="tx1"/>
+                      </a:solidFill>
+                      <a:prstDash val="solid"/>
+                      <a:round/>
+                      <a:headEnd type="none" w="med" len="med"/>
+                      <a:tailEnd type="none" w="med" len="med"/>
                     </a:lnL>
-                    <a:lnR>
-                      <a:noFill/>
+                    <a:lnR w="12700" cap="flat" cmpd="sng" algn="ctr">
+                      <a:solidFill>
+                        <a:schemeClr val="tx1"/>
+                      </a:solidFill>
+                      <a:prstDash val="solid"/>
+                      <a:round/>
+                      <a:headEnd type="none" w="med" len="med"/>
+                      <a:tailEnd type="none" w="med" len="med"/>
                     </a:lnR>
-                    <a:lnT w="6350" cap="flat" cmpd="sng" algn="ctr">
-                      <a:solidFill>
-                        <a:srgbClr val="44B3E1"/>
+                    <a:lnT w="12700" cap="flat" cmpd="sng" algn="ctr">
+                      <a:solidFill>
+                        <a:schemeClr val="tx1"/>
                       </a:solidFill>
                       <a:prstDash val="solid"/>
                       <a:round/>
                       <a:headEnd type="none" w="med" len="med"/>
                       <a:tailEnd type="none" w="med" len="med"/>
                     </a:lnT>
-                    <a:lnB w="6350" cap="flat" cmpd="sng" algn="ctr">
-                      <a:solidFill>
-                        <a:srgbClr val="44B3E1"/>
+                    <a:lnB w="12700" cap="flat" cmpd="sng" algn="ctr">
+                      <a:solidFill>
+                        <a:schemeClr val="tx1"/>
                       </a:solidFill>
                       <a:prstDash val="solid"/>
                       <a:round/>
@@ -19622,24 +21612,36 @@
                     </a:p>
                   </a:txBody>
                   <a:tcPr marL="3406" marR="3406" marT="6035" marB="0" anchor="b">
-                    <a:lnL>
-                      <a:noFill/>
+                    <a:lnL w="12700" cap="flat" cmpd="sng" algn="ctr">
+                      <a:solidFill>
+                        <a:schemeClr val="tx1"/>
+                      </a:solidFill>
+                      <a:prstDash val="solid"/>
+                      <a:round/>
+                      <a:headEnd type="none" w="med" len="med"/>
+                      <a:tailEnd type="none" w="med" len="med"/>
                     </a:lnL>
-                    <a:lnR>
-                      <a:noFill/>
+                    <a:lnR w="12700" cap="flat" cmpd="sng" algn="ctr">
+                      <a:solidFill>
+                        <a:schemeClr val="tx1"/>
+                      </a:solidFill>
+                      <a:prstDash val="solid"/>
+                      <a:round/>
+                      <a:headEnd type="none" w="med" len="med"/>
+                      <a:tailEnd type="none" w="med" len="med"/>
                     </a:lnR>
-                    <a:lnT w="6350" cap="flat" cmpd="sng" algn="ctr">
-                      <a:solidFill>
-                        <a:srgbClr val="44B3E1"/>
+                    <a:lnT w="12700" cap="flat" cmpd="sng" algn="ctr">
+                      <a:solidFill>
+                        <a:schemeClr val="tx1"/>
                       </a:solidFill>
                       <a:prstDash val="solid"/>
                       <a:round/>
                       <a:headEnd type="none" w="med" len="med"/>
                       <a:tailEnd type="none" w="med" len="med"/>
                     </a:lnT>
-                    <a:lnB w="6350" cap="flat" cmpd="sng" algn="ctr">
-                      <a:solidFill>
-                        <a:srgbClr val="44B3E1"/>
+                    <a:lnB w="12700" cap="flat" cmpd="sng" algn="ctr">
+                      <a:solidFill>
+                        <a:schemeClr val="tx1"/>
                       </a:solidFill>
                       <a:prstDash val="solid"/>
                       <a:round/>
@@ -19684,24 +21686,36 @@
                     </a:p>
                   </a:txBody>
                   <a:tcPr marL="3406" marR="3406" marT="6035" marB="0" anchor="b">
-                    <a:lnL>
-                      <a:noFill/>
+                    <a:lnL w="12700" cap="flat" cmpd="sng" algn="ctr">
+                      <a:solidFill>
+                        <a:schemeClr val="tx1"/>
+                      </a:solidFill>
+                      <a:prstDash val="solid"/>
+                      <a:round/>
+                      <a:headEnd type="none" w="med" len="med"/>
+                      <a:tailEnd type="none" w="med" len="med"/>
                     </a:lnL>
-                    <a:lnR>
-                      <a:noFill/>
+                    <a:lnR w="12700" cap="flat" cmpd="sng" algn="ctr">
+                      <a:solidFill>
+                        <a:schemeClr val="tx1"/>
+                      </a:solidFill>
+                      <a:prstDash val="solid"/>
+                      <a:round/>
+                      <a:headEnd type="none" w="med" len="med"/>
+                      <a:tailEnd type="none" w="med" len="med"/>
                     </a:lnR>
-                    <a:lnT w="6350" cap="flat" cmpd="sng" algn="ctr">
-                      <a:solidFill>
-                        <a:srgbClr val="44B3E1"/>
+                    <a:lnT w="12700" cap="flat" cmpd="sng" algn="ctr">
+                      <a:solidFill>
+                        <a:schemeClr val="tx1"/>
                       </a:solidFill>
                       <a:prstDash val="solid"/>
                       <a:round/>
                       <a:headEnd type="none" w="med" len="med"/>
                       <a:tailEnd type="none" w="med" len="med"/>
                     </a:lnT>
-                    <a:lnB w="6350" cap="flat" cmpd="sng" algn="ctr">
-                      <a:solidFill>
-                        <a:srgbClr val="44B3E1"/>
+                    <a:lnB w="12700" cap="flat" cmpd="sng" algn="ctr">
+                      <a:solidFill>
+                        <a:schemeClr val="tx1"/>
                       </a:solidFill>
                       <a:prstDash val="solid"/>
                       <a:round/>
@@ -19737,24 +21751,36 @@
                     </a:p>
                   </a:txBody>
                   <a:tcPr marL="3406" marR="3406" marT="6035" marB="0" anchor="b">
-                    <a:lnL>
-                      <a:noFill/>
+                    <a:lnL w="12700" cap="flat" cmpd="sng" algn="ctr">
+                      <a:solidFill>
+                        <a:schemeClr val="tx1"/>
+                      </a:solidFill>
+                      <a:prstDash val="solid"/>
+                      <a:round/>
+                      <a:headEnd type="none" w="med" len="med"/>
+                      <a:tailEnd type="none" w="med" len="med"/>
                     </a:lnL>
-                    <a:lnR>
-                      <a:noFill/>
+                    <a:lnR w="12700" cap="flat" cmpd="sng" algn="ctr">
+                      <a:solidFill>
+                        <a:schemeClr val="tx1"/>
+                      </a:solidFill>
+                      <a:prstDash val="solid"/>
+                      <a:round/>
+                      <a:headEnd type="none" w="med" len="med"/>
+                      <a:tailEnd type="none" w="med" len="med"/>
                     </a:lnR>
-                    <a:lnT w="6350" cap="flat" cmpd="sng" algn="ctr">
-                      <a:solidFill>
-                        <a:srgbClr val="44B3E1"/>
+                    <a:lnT w="12700" cap="flat" cmpd="sng" algn="ctr">
+                      <a:solidFill>
+                        <a:schemeClr val="tx1"/>
                       </a:solidFill>
                       <a:prstDash val="solid"/>
                       <a:round/>
                       <a:headEnd type="none" w="med" len="med"/>
                       <a:tailEnd type="none" w="med" len="med"/>
                     </a:lnT>
-                    <a:lnB w="6350" cap="flat" cmpd="sng" algn="ctr">
-                      <a:solidFill>
-                        <a:srgbClr val="44B3E1"/>
+                    <a:lnB w="12700" cap="flat" cmpd="sng" algn="ctr">
+                      <a:solidFill>
+                        <a:schemeClr val="tx1"/>
                       </a:solidFill>
                       <a:prstDash val="solid"/>
                       <a:round/>
@@ -19792,24 +21818,36 @@
                     </a:p>
                   </a:txBody>
                   <a:tcPr marL="3406" marR="3406" marT="6035" marB="0" anchor="b">
-                    <a:lnL>
-                      <a:noFill/>
+                    <a:lnL w="12700" cap="flat" cmpd="sng" algn="ctr">
+                      <a:solidFill>
+                        <a:schemeClr val="tx1"/>
+                      </a:solidFill>
+                      <a:prstDash val="solid"/>
+                      <a:round/>
+                      <a:headEnd type="none" w="med" len="med"/>
+                      <a:tailEnd type="none" w="med" len="med"/>
                     </a:lnL>
-                    <a:lnR>
-                      <a:noFill/>
+                    <a:lnR w="12700" cap="flat" cmpd="sng" algn="ctr">
+                      <a:solidFill>
+                        <a:schemeClr val="tx1"/>
+                      </a:solidFill>
+                      <a:prstDash val="solid"/>
+                      <a:round/>
+                      <a:headEnd type="none" w="med" len="med"/>
+                      <a:tailEnd type="none" w="med" len="med"/>
                     </a:lnR>
-                    <a:lnT w="6350" cap="flat" cmpd="sng" algn="ctr">
-                      <a:solidFill>
-                        <a:srgbClr val="44B3E1"/>
+                    <a:lnT w="12700" cap="flat" cmpd="sng" algn="ctr">
+                      <a:solidFill>
+                        <a:schemeClr val="tx1"/>
                       </a:solidFill>
                       <a:prstDash val="solid"/>
                       <a:round/>
                       <a:headEnd type="none" w="med" len="med"/>
                       <a:tailEnd type="none" w="med" len="med"/>
                     </a:lnT>
-                    <a:lnB w="6350" cap="flat" cmpd="sng" algn="ctr">
-                      <a:solidFill>
-                        <a:srgbClr val="44B3E1"/>
+                    <a:lnB w="12700" cap="flat" cmpd="sng" algn="ctr">
+                      <a:solidFill>
+                        <a:schemeClr val="tx1"/>
                       </a:solidFill>
                       <a:prstDash val="solid"/>
                       <a:round/>
@@ -19852,24 +21890,36 @@
                     </a:p>
                   </a:txBody>
                   <a:tcPr marL="3406" marR="3406" marT="6035" marB="0" anchor="b">
-                    <a:lnL>
-                      <a:noFill/>
+                    <a:lnL w="12700" cap="flat" cmpd="sng" algn="ctr">
+                      <a:solidFill>
+                        <a:schemeClr val="tx1"/>
+                      </a:solidFill>
+                      <a:prstDash val="solid"/>
+                      <a:round/>
+                      <a:headEnd type="none" w="med" len="med"/>
+                      <a:tailEnd type="none" w="med" len="med"/>
                     </a:lnL>
-                    <a:lnR>
-                      <a:noFill/>
+                    <a:lnR w="12700" cap="flat" cmpd="sng" algn="ctr">
+                      <a:solidFill>
+                        <a:schemeClr val="tx1"/>
+                      </a:solidFill>
+                      <a:prstDash val="solid"/>
+                      <a:round/>
+                      <a:headEnd type="none" w="med" len="med"/>
+                      <a:tailEnd type="none" w="med" len="med"/>
                     </a:lnR>
-                    <a:lnT w="6350" cap="flat" cmpd="sng" algn="ctr">
-                      <a:solidFill>
-                        <a:srgbClr val="44B3E1"/>
+                    <a:lnT w="12700" cap="flat" cmpd="sng" algn="ctr">
+                      <a:solidFill>
+                        <a:schemeClr val="tx1"/>
                       </a:solidFill>
                       <a:prstDash val="solid"/>
                       <a:round/>
                       <a:headEnd type="none" w="med" len="med"/>
                       <a:tailEnd type="none" w="med" len="med"/>
                     </a:lnT>
-                    <a:lnB w="6350" cap="flat" cmpd="sng" algn="ctr">
-                      <a:solidFill>
-                        <a:srgbClr val="44B3E1"/>
+                    <a:lnB w="12700" cap="flat" cmpd="sng" algn="ctr">
+                      <a:solidFill>
+                        <a:schemeClr val="tx1"/>
                       </a:solidFill>
                       <a:prstDash val="solid"/>
                       <a:round/>
@@ -19914,24 +21964,36 @@
                     </a:p>
                   </a:txBody>
                   <a:tcPr marL="3406" marR="3406" marT="6035" marB="0" anchor="b">
-                    <a:lnL>
-                      <a:noFill/>
+                    <a:lnL w="12700" cap="flat" cmpd="sng" algn="ctr">
+                      <a:solidFill>
+                        <a:schemeClr val="tx1"/>
+                      </a:solidFill>
+                      <a:prstDash val="solid"/>
+                      <a:round/>
+                      <a:headEnd type="none" w="med" len="med"/>
+                      <a:tailEnd type="none" w="med" len="med"/>
                     </a:lnL>
-                    <a:lnR>
-                      <a:noFill/>
+                    <a:lnR w="12700" cap="flat" cmpd="sng" algn="ctr">
+                      <a:solidFill>
+                        <a:schemeClr val="tx1"/>
+                      </a:solidFill>
+                      <a:prstDash val="solid"/>
+                      <a:round/>
+                      <a:headEnd type="none" w="med" len="med"/>
+                      <a:tailEnd type="none" w="med" len="med"/>
                     </a:lnR>
-                    <a:lnT w="6350" cap="flat" cmpd="sng" algn="ctr">
-                      <a:solidFill>
-                        <a:srgbClr val="44B3E1"/>
+                    <a:lnT w="12700" cap="flat" cmpd="sng" algn="ctr">
+                      <a:solidFill>
+                        <a:schemeClr val="tx1"/>
                       </a:solidFill>
                       <a:prstDash val="solid"/>
                       <a:round/>
                       <a:headEnd type="none" w="med" len="med"/>
                       <a:tailEnd type="none" w="med" len="med"/>
                     </a:lnT>
-                    <a:lnB w="6350" cap="flat" cmpd="sng" algn="ctr">
-                      <a:solidFill>
-                        <a:srgbClr val="44B3E1"/>
+                    <a:lnB w="12700" cap="flat" cmpd="sng" algn="ctr">
+                      <a:solidFill>
+                        <a:schemeClr val="tx1"/>
                       </a:solidFill>
                       <a:prstDash val="solid"/>
                       <a:round/>
@@ -19974,24 +22036,36 @@
                     </a:p>
                   </a:txBody>
                   <a:tcPr marL="3406" marR="3406" marT="6035" marB="0" anchor="b">
-                    <a:lnL>
-                      <a:noFill/>
+                    <a:lnL w="12700" cap="flat" cmpd="sng" algn="ctr">
+                      <a:solidFill>
+                        <a:schemeClr val="tx1"/>
+                      </a:solidFill>
+                      <a:prstDash val="solid"/>
+                      <a:round/>
+                      <a:headEnd type="none" w="med" len="med"/>
+                      <a:tailEnd type="none" w="med" len="med"/>
                     </a:lnL>
-                    <a:lnR>
-                      <a:noFill/>
+                    <a:lnR w="12700" cap="flat" cmpd="sng" algn="ctr">
+                      <a:solidFill>
+                        <a:schemeClr val="tx1"/>
+                      </a:solidFill>
+                      <a:prstDash val="solid"/>
+                      <a:round/>
+                      <a:headEnd type="none" w="med" len="med"/>
+                      <a:tailEnd type="none" w="med" len="med"/>
                     </a:lnR>
-                    <a:lnT w="6350" cap="flat" cmpd="sng" algn="ctr">
-                      <a:solidFill>
-                        <a:srgbClr val="44B3E1"/>
+                    <a:lnT w="12700" cap="flat" cmpd="sng" algn="ctr">
+                      <a:solidFill>
+                        <a:schemeClr val="tx1"/>
                       </a:solidFill>
                       <a:prstDash val="solid"/>
                       <a:round/>
                       <a:headEnd type="none" w="med" len="med"/>
                       <a:tailEnd type="none" w="med" len="med"/>
                     </a:lnT>
-                    <a:lnB w="6350" cap="flat" cmpd="sng" algn="ctr">
-                      <a:solidFill>
-                        <a:srgbClr val="44B3E1"/>
+                    <a:lnB w="12700" cap="flat" cmpd="sng" algn="ctr">
+                      <a:solidFill>
+                        <a:schemeClr val="tx1"/>
                       </a:solidFill>
                       <a:prstDash val="solid"/>
                       <a:round/>
@@ -20036,24 +22110,36 @@
                     </a:p>
                   </a:txBody>
                   <a:tcPr marL="3406" marR="3406" marT="6035" marB="0" anchor="b">
-                    <a:lnL>
-                      <a:noFill/>
+                    <a:lnL w="12700" cap="flat" cmpd="sng" algn="ctr">
+                      <a:solidFill>
+                        <a:schemeClr val="tx1"/>
+                      </a:solidFill>
+                      <a:prstDash val="solid"/>
+                      <a:round/>
+                      <a:headEnd type="none" w="med" len="med"/>
+                      <a:tailEnd type="none" w="med" len="med"/>
                     </a:lnL>
-                    <a:lnR>
-                      <a:noFill/>
+                    <a:lnR w="12700" cap="flat" cmpd="sng" algn="ctr">
+                      <a:solidFill>
+                        <a:schemeClr val="tx1"/>
+                      </a:solidFill>
+                      <a:prstDash val="solid"/>
+                      <a:round/>
+                      <a:headEnd type="none" w="med" len="med"/>
+                      <a:tailEnd type="none" w="med" len="med"/>
                     </a:lnR>
-                    <a:lnT w="6350" cap="flat" cmpd="sng" algn="ctr">
-                      <a:solidFill>
-                        <a:srgbClr val="44B3E1"/>
+                    <a:lnT w="12700" cap="flat" cmpd="sng" algn="ctr">
+                      <a:solidFill>
+                        <a:schemeClr val="tx1"/>
                       </a:solidFill>
                       <a:prstDash val="solid"/>
                       <a:round/>
                       <a:headEnd type="none" w="med" len="med"/>
                       <a:tailEnd type="none" w="med" len="med"/>
                     </a:lnT>
-                    <a:lnB w="6350" cap="flat" cmpd="sng" algn="ctr">
-                      <a:solidFill>
-                        <a:srgbClr val="44B3E1"/>
+                    <a:lnB w="12700" cap="flat" cmpd="sng" algn="ctr">
+                      <a:solidFill>
+                        <a:schemeClr val="tx1"/>
                       </a:solidFill>
                       <a:prstDash val="solid"/>
                       <a:round/>
@@ -20257,7 +22343,7 @@
           <a:p>
             <a:r>
               <a:rPr lang="en-US" sz="2400" dirty="0"/>
-              <a:t>Model performance (Random forest classifier with 5-fold cross-validation</a:t>
+              <a:t>Model performance (Random forest classifier with 5-fold cross-validation)</a:t>
             </a:r>
           </a:p>
         </p:txBody>
@@ -20680,6 +22766,202 @@
     <p:extLst>
       <p:ext uri="{BB962C8B-B14F-4D97-AF65-F5344CB8AC3E}">
         <p14:creationId xmlns:p14="http://schemas.microsoft.com/office/powerpoint/2010/main" val="3165920155"/>
+      </p:ext>
+    </p:extLst>
+  </p:cSld>
+  <p:clrMapOvr>
+    <a:masterClrMapping/>
+  </p:clrMapOvr>
+</p:sld>
+</file>
+
+<file path=ppt/slides/slide20.xml><?xml version="1.0" encoding="utf-8"?>
+<p:sld xmlns:a="http://schemas.openxmlformats.org/drawingml/2006/main" xmlns:r="http://schemas.openxmlformats.org/officeDocument/2006/relationships" xmlns:p="http://schemas.openxmlformats.org/presentationml/2006/main">
+  <p:cSld>
+    <p:spTree>
+      <p:nvGrpSpPr>
+        <p:cNvPr id="1" name=""/>
+        <p:cNvGrpSpPr/>
+        <p:nvPr/>
+      </p:nvGrpSpPr>
+      <p:grpSpPr>
+        <a:xfrm>
+          <a:off x="0" y="0"/>
+          <a:ext cx="0" cy="0"/>
+          <a:chOff x="0" y="0"/>
+          <a:chExt cx="0" cy="0"/>
+        </a:xfrm>
+      </p:grpSpPr>
+      <p:pic>
+        <p:nvPicPr>
+          <p:cNvPr id="3" name="Picture 2">
+            <a:extLst>
+              <a:ext uri="{FF2B5EF4-FFF2-40B4-BE49-F238E27FC236}">
+                <a16:creationId xmlns:a16="http://schemas.microsoft.com/office/drawing/2014/main" id="{28316D4D-97EA-3FA8-820D-836182CD5531}"/>
+              </a:ext>
+            </a:extLst>
+          </p:cNvPr>
+          <p:cNvPicPr>
+            <a:picLocks noChangeAspect="1"/>
+          </p:cNvPicPr>
+          <p:nvPr/>
+        </p:nvPicPr>
+        <p:blipFill>
+          <a:blip r:embed="rId2"/>
+          <a:stretch>
+            <a:fillRect/>
+          </a:stretch>
+        </p:blipFill>
+        <p:spPr>
+          <a:xfrm>
+            <a:off x="0" y="1382055"/>
+            <a:ext cx="12192000" cy="3195484"/>
+          </a:xfrm>
+          <a:prstGeom prst="rect">
+            <a:avLst/>
+          </a:prstGeom>
+        </p:spPr>
+      </p:pic>
+      <p:sp>
+        <p:nvSpPr>
+          <p:cNvPr id="4" name="TextBox 3">
+            <a:extLst>
+              <a:ext uri="{FF2B5EF4-FFF2-40B4-BE49-F238E27FC236}">
+                <a16:creationId xmlns:a16="http://schemas.microsoft.com/office/drawing/2014/main" id="{F89E9545-F285-BEBE-26A6-08AF6DDEABD1}"/>
+              </a:ext>
+            </a:extLst>
+          </p:cNvPr>
+          <p:cNvSpPr txBox="1"/>
+          <p:nvPr/>
+        </p:nvSpPr>
+        <p:spPr>
+          <a:xfrm>
+            <a:off x="5164940" y="416019"/>
+            <a:ext cx="2722179" cy="461665"/>
+          </a:xfrm>
+          <a:prstGeom prst="rect">
+            <a:avLst/>
+          </a:prstGeom>
+          <a:noFill/>
+        </p:spPr>
+        <p:txBody>
+          <a:bodyPr wrap="square" rtlCol="0">
+            <a:spAutoFit/>
+          </a:bodyPr>
+          <a:lstStyle/>
+          <a:p>
+            <a:r>
+              <a:rPr lang="en-US" sz="2400" dirty="0"/>
+              <a:t>Minute level steps</a:t>
+            </a:r>
+          </a:p>
+        </p:txBody>
+      </p:sp>
+    </p:spTree>
+    <p:extLst>
+      <p:ext uri="{BB962C8B-B14F-4D97-AF65-F5344CB8AC3E}">
+        <p14:creationId xmlns:p14="http://schemas.microsoft.com/office/powerpoint/2010/main" val="1775104922"/>
+      </p:ext>
+    </p:extLst>
+  </p:cSld>
+  <p:clrMapOvr>
+    <a:masterClrMapping/>
+  </p:clrMapOvr>
+</p:sld>
+</file>
+
+<file path=ppt/slides/slide21.xml><?xml version="1.0" encoding="utf-8"?>
+<p:sld xmlns:a="http://schemas.openxmlformats.org/drawingml/2006/main" xmlns:r="http://schemas.openxmlformats.org/officeDocument/2006/relationships" xmlns:p="http://schemas.openxmlformats.org/presentationml/2006/main">
+  <p:cSld>
+    <p:spTree>
+      <p:nvGrpSpPr>
+        <p:cNvPr id="1" name="">
+          <a:extLst>
+            <a:ext uri="{FF2B5EF4-FFF2-40B4-BE49-F238E27FC236}">
+              <a16:creationId xmlns:a16="http://schemas.microsoft.com/office/drawing/2014/main" id="{38F0FD27-1151-70EB-E668-4891087DB2CD}"/>
+            </a:ext>
+          </a:extLst>
+        </p:cNvPr>
+        <p:cNvGrpSpPr/>
+        <p:nvPr/>
+      </p:nvGrpSpPr>
+      <p:grpSpPr>
+        <a:xfrm>
+          <a:off x="0" y="0"/>
+          <a:ext cx="0" cy="0"/>
+          <a:chOff x="0" y="0"/>
+          <a:chExt cx="0" cy="0"/>
+        </a:xfrm>
+      </p:grpSpPr>
+      <p:pic>
+        <p:nvPicPr>
+          <p:cNvPr id="2" name="Picture 1">
+            <a:extLst>
+              <a:ext uri="{FF2B5EF4-FFF2-40B4-BE49-F238E27FC236}">
+                <a16:creationId xmlns:a16="http://schemas.microsoft.com/office/drawing/2014/main" id="{B9E4B197-9F42-1B31-0FEB-CC643482B67C}"/>
+              </a:ext>
+            </a:extLst>
+          </p:cNvPr>
+          <p:cNvPicPr>
+            <a:picLocks noChangeAspect="1"/>
+          </p:cNvPicPr>
+          <p:nvPr/>
+        </p:nvPicPr>
+        <p:blipFill>
+          <a:blip r:embed="rId3"/>
+          <a:stretch>
+            <a:fillRect/>
+          </a:stretch>
+        </p:blipFill>
+        <p:spPr>
+          <a:xfrm>
+            <a:off x="1503264" y="1429828"/>
+            <a:ext cx="9185471" cy="4555548"/>
+          </a:xfrm>
+          <a:prstGeom prst="rect">
+            <a:avLst/>
+          </a:prstGeom>
+        </p:spPr>
+      </p:pic>
+      <p:sp>
+        <p:nvSpPr>
+          <p:cNvPr id="4" name="TextBox 3">
+            <a:extLst>
+              <a:ext uri="{FF2B5EF4-FFF2-40B4-BE49-F238E27FC236}">
+                <a16:creationId xmlns:a16="http://schemas.microsoft.com/office/drawing/2014/main" id="{C7072397-8DF7-CAD7-0F92-1CF942795E44}"/>
+              </a:ext>
+            </a:extLst>
+          </p:cNvPr>
+          <p:cNvSpPr txBox="1"/>
+          <p:nvPr/>
+        </p:nvSpPr>
+        <p:spPr>
+          <a:xfrm>
+            <a:off x="4996377" y="367034"/>
+            <a:ext cx="2199246" cy="461665"/>
+          </a:xfrm>
+          <a:prstGeom prst="rect">
+            <a:avLst/>
+          </a:prstGeom>
+          <a:noFill/>
+        </p:spPr>
+        <p:txBody>
+          <a:bodyPr wrap="square" rtlCol="0">
+            <a:spAutoFit/>
+          </a:bodyPr>
+          <a:lstStyle/>
+          <a:p>
+            <a:r>
+              <a:rPr lang="en-US" sz="2400" dirty="0"/>
+              <a:t>Walking bouts </a:t>
+            </a:r>
+          </a:p>
+        </p:txBody>
+      </p:sp>
+    </p:spTree>
+    <p:extLst>
+      <p:ext uri="{BB962C8B-B14F-4D97-AF65-F5344CB8AC3E}">
+        <p14:creationId xmlns:p14="http://schemas.microsoft.com/office/powerpoint/2010/main" val="981405156"/>
       </p:ext>
     </p:extLst>
   </p:cSld>
